--- a/pt1/lectures/lecture2/lecture2.pptx
+++ b/pt1/lectures/lecture2/lecture2.pptx
@@ -1,28 +1,28 @@
 
 <file path=ppt/presentation.xml><?xml version="1.0" encoding="utf-8"?>
-<p:presentation xmlns:a="http://schemas.openxmlformats.org/drawingml/2006/main" xmlns:r="http://schemas.openxmlformats.org/officeDocument/2006/relationships" xmlns:p="http://schemas.openxmlformats.org/presentationml/2006/main" xmlns:m="http://schemas.openxmlformats.org/officeDocument/2006/math" xmlns:w="http://schemas.openxmlformats.org/wordprocessingml/2006/main" saveSubsetFonts="1">
+<p:presentation xmlns:a="http://schemas.openxmlformats.org/drawingml/2006/main" xmlns:r="http://schemas.openxmlformats.org/officeDocument/2006/relationships" xmlns:p="http://schemas.openxmlformats.org/presentationml/2006/main" saveSubsetFonts="1">
   <p:sldMasterIdLst>
     <p:sldMasterId id="2147483648" r:id="rId1"/>
   </p:sldMasterIdLst>
   <p:sldIdLst>
-    <p:sldId id="256" r:id="rId3"/>
-    <p:sldId id="257" r:id="rId4"/>
-    <p:sldId id="258" r:id="rId5"/>
-    <p:sldId id="259" r:id="rId6"/>
-    <p:sldId id="260" r:id="rId7"/>
-    <p:sldId id="261" r:id="rId8"/>
-    <p:sldId id="262" r:id="rId9"/>
-    <p:sldId id="263" r:id="rId10"/>
-    <p:sldId id="264" r:id="rId11"/>
-    <p:sldId id="265" r:id="rId12"/>
-    <p:sldId id="266" r:id="rId13"/>
+    <p:sldId id="256" r:id="rId2"/>
+    <p:sldId id="257" r:id="rId3"/>
+    <p:sldId id="258" r:id="rId4"/>
+    <p:sldId id="259" r:id="rId5"/>
+    <p:sldId id="260" r:id="rId6"/>
+    <p:sldId id="261" r:id="rId7"/>
+    <p:sldId id="262" r:id="rId8"/>
+    <p:sldId id="263" r:id="rId9"/>
+    <p:sldId id="264" r:id="rId10"/>
+    <p:sldId id="265" r:id="rId11"/>
+    <p:sldId id="266" r:id="rId12"/>
+    <p:sldId id="273" r:id="rId13"/>
     <p:sldId id="267" r:id="rId14"/>
     <p:sldId id="268" r:id="rId15"/>
     <p:sldId id="269" r:id="rId16"/>
     <p:sldId id="270" r:id="rId17"/>
     <p:sldId id="271" r:id="rId18"/>
     <p:sldId id="272" r:id="rId19"/>
-    <p:sldId id="273" r:id="rId20"/>
   </p:sldIdLst>
   <p:sldSz cx="12192000" cy="6858000"/>
   <p:notesSz cx="12192000" cy="6858000"/>
@@ -121,17 +121,33 @@
       </a:defRPr>
     </a:lvl9pPr>
   </p:defaultTextStyle>
+  <p:extLst>
+    <p:ext uri="{EFAFB233-063F-42B5-8137-9DF3F51BA10A}">
+      <p15:sldGuideLst xmlns:p15="http://schemas.microsoft.com/office/powerpoint/2012/main">
+        <p15:guide id="1" orient="horz" pos="2160">
+          <p15:clr>
+            <a:srgbClr val="A4A3A4"/>
+          </p15:clr>
+        </p15:guide>
+        <p15:guide id="2" pos="2880">
+          <p15:clr>
+            <a:srgbClr val="A4A3A4"/>
+          </p15:clr>
+        </p15:guide>
+      </p15:sldGuideLst>
+    </p:ext>
+  </p:extLst>
 </p:presentation>
 </file>
 
 <file path=ppt/slideLayouts/slideLayout1.xml><?xml version="1.0" encoding="utf-8"?>
-<p:sldLayout xmlns:a="http://schemas.openxmlformats.org/drawingml/2006/main" xmlns:r="http://schemas.openxmlformats.org/officeDocument/2006/relationships" xmlns:p="http://schemas.openxmlformats.org/presentationml/2006/main" xmlns:m="http://schemas.openxmlformats.org/officeDocument/2006/math" xmlns:w="http://schemas.openxmlformats.org/wordprocessingml/2006/main" matchingName="" preserve="1" showMasterPhAnim="0" showMasterSp="0" type="title" userDrawn="1">
+<p:sldLayout xmlns:a="http://schemas.openxmlformats.org/drawingml/2006/main" xmlns:r="http://schemas.openxmlformats.org/officeDocument/2006/relationships" xmlns:p="http://schemas.openxmlformats.org/presentationml/2006/main" showMasterSp="0" showMasterPhAnim="0" type="title" preserve="1" userDrawn="1">
   <p:cSld name="Титульный слайд">
     <p:spTree>
       <p:nvGrpSpPr>
-        <p:cNvPr id="1" name="" hidden="0"/>
+        <p:cNvPr id="1" name=""/>
         <p:cNvGrpSpPr/>
-        <p:nvPr isPhoto="0" userDrawn="0"/>
+        <p:nvPr/>
       </p:nvGrpSpPr>
       <p:grpSpPr bwMode="auto">
         <a:xfrm>
@@ -143,9 +159,9 @@
       </p:grpSpPr>
       <p:grpSp>
         <p:nvGrpSpPr>
-          <p:cNvPr id="7" name="Group 6" hidden="0"/>
+          <p:cNvPr id="7" name="Group 6"/>
           <p:cNvGrpSpPr/>
-          <p:nvPr isPhoto="0" userDrawn="0"/>
+          <p:nvPr/>
         </p:nvGrpSpPr>
         <p:grpSpPr bwMode="auto">
           <a:xfrm>
@@ -157,11 +173,11 @@
         </p:grpSpPr>
         <p:cxnSp>
           <p:nvCxnSpPr>
-            <p:cNvPr id="32" name="Straight Connector 31" hidden="0"/>
+            <p:cNvPr id="32" name="Straight Connector 31"/>
             <p:cNvCxnSpPr>
               <a:cxnSpLocks/>
             </p:cNvCxnSpPr>
-            <p:nvPr isPhoto="0" userDrawn="0"/>
+            <p:nvPr/>
           </p:nvCxnSpPr>
           <p:spPr bwMode="auto">
             <a:xfrm>
@@ -196,11 +212,11 @@
         </p:cxnSp>
         <p:cxnSp>
           <p:nvCxnSpPr>
-            <p:cNvPr id="21" name="Straight Connector 20" hidden="0"/>
+            <p:cNvPr id="21" name="Straight Connector 20"/>
             <p:cNvCxnSpPr>
               <a:cxnSpLocks/>
             </p:cNvCxnSpPr>
-            <p:nvPr isPhoto="0" userDrawn="0"/>
+            <p:nvPr/>
           </p:nvCxnSpPr>
           <p:spPr bwMode="auto">
             <a:xfrm flipH="1">
@@ -235,9 +251,9 @@
         </p:cxnSp>
         <p:sp>
           <p:nvSpPr>
-            <p:cNvPr id="24" name="Rectangle 23" hidden="0"/>
+            <p:cNvPr id="24" name="Rectangle 23"/>
             <p:cNvSpPr/>
-            <p:nvPr isPhoto="0" userDrawn="0"/>
+            <p:nvPr/>
           </p:nvSpPr>
           <p:spPr bwMode="auto">
             <a:xfrm>
@@ -251,7 +267,7 @@
               <a:cxnLst/>
               <a:rect l="l" t="t" r="r" b="b"/>
               <a:pathLst>
-                <a:path w="3007349" h="6866467" fill="norm" stroke="1" extrusionOk="0">
+                <a:path w="3007349" h="6866467" extrusionOk="0">
                   <a:moveTo>
                     <a:pt x="2045532" y="0"/>
                   </a:moveTo>
@@ -298,9 +314,9 @@
         </p:sp>
         <p:sp>
           <p:nvSpPr>
-            <p:cNvPr id="26" name="Rectangle 25" hidden="0"/>
+            <p:cNvPr id="26" name="Rectangle 25"/>
             <p:cNvSpPr/>
-            <p:nvPr isPhoto="0" userDrawn="0"/>
+            <p:nvPr/>
           </p:nvSpPr>
           <p:spPr bwMode="auto">
             <a:xfrm>
@@ -314,7 +330,7 @@
               <a:cxnLst/>
               <a:rect l="l" t="t" r="r" b="b"/>
               <a:pathLst>
-                <a:path w="2573311" h="6866467" fill="norm" stroke="1" extrusionOk="0">
+                <a:path w="2573311" h="6866467" extrusionOk="0">
                   <a:moveTo>
                     <a:pt x="0" y="0"/>
                   </a:moveTo>
@@ -361,9 +377,9 @@
         </p:sp>
         <p:sp>
           <p:nvSpPr>
-            <p:cNvPr id="27" name="Isosceles Triangle 26" hidden="0"/>
+            <p:cNvPr id="27" name="Isosceles Triangle 26"/>
             <p:cNvSpPr/>
-            <p:nvPr isPhoto="0" userDrawn="0"/>
+            <p:nvPr/>
           </p:nvSpPr>
           <p:spPr bwMode="auto">
             <a:xfrm>
@@ -402,9 +418,9 @@
         </p:sp>
         <p:sp>
           <p:nvSpPr>
-            <p:cNvPr id="28" name="Rectangle 27" hidden="0"/>
+            <p:cNvPr id="28" name="Rectangle 27"/>
             <p:cNvSpPr/>
-            <p:nvPr isPhoto="0" userDrawn="0"/>
+            <p:nvPr/>
           </p:nvSpPr>
           <p:spPr bwMode="auto">
             <a:xfrm>
@@ -418,7 +434,7 @@
               <a:cxnLst/>
               <a:rect l="l" t="t" r="r" b="b"/>
               <a:pathLst>
-                <a:path w="2858013" h="6866467" fill="norm" stroke="1" extrusionOk="0">
+                <a:path w="2858013" h="6866467" extrusionOk="0">
                   <a:moveTo>
                     <a:pt x="0" y="0"/>
                   </a:moveTo>
@@ -466,9 +482,9 @@
         </p:sp>
         <p:sp>
           <p:nvSpPr>
-            <p:cNvPr id="29" name="Rectangle 28" hidden="0"/>
+            <p:cNvPr id="29" name="Rectangle 28"/>
             <p:cNvSpPr/>
-            <p:nvPr isPhoto="0" userDrawn="0"/>
+            <p:nvPr/>
           </p:nvSpPr>
           <p:spPr bwMode="auto">
             <a:xfrm>
@@ -482,7 +498,7 @@
               <a:cxnLst/>
               <a:rect l="l" t="t" r="r" b="b"/>
               <a:pathLst>
-                <a:path w="1290094" h="6858000" fill="norm" stroke="1" extrusionOk="0">
+                <a:path w="1290094" h="6858000" extrusionOk="0">
                   <a:moveTo>
                     <a:pt x="1019735" y="0"/>
                   </a:moveTo>
@@ -531,9 +547,9 @@
         </p:sp>
         <p:sp>
           <p:nvSpPr>
-            <p:cNvPr id="30" name="Rectangle 29" hidden="0"/>
+            <p:cNvPr id="30" name="Rectangle 29"/>
             <p:cNvSpPr/>
-            <p:nvPr isPhoto="0" userDrawn="0"/>
+            <p:nvPr/>
           </p:nvSpPr>
           <p:spPr bwMode="auto">
             <a:xfrm>
@@ -547,7 +563,7 @@
               <a:cxnLst/>
               <a:rect l="l" t="t" r="r" b="b"/>
               <a:pathLst>
-                <a:path w="1249825" h="6858000" fill="norm" stroke="1" extrusionOk="0">
+                <a:path w="1249825" h="6858000" extrusionOk="0">
                   <a:moveTo>
                     <a:pt x="0" y="0"/>
                   </a:moveTo>
@@ -594,9 +610,9 @@
         </p:sp>
         <p:sp>
           <p:nvSpPr>
-            <p:cNvPr id="31" name="Isosceles Triangle 30" hidden="0"/>
+            <p:cNvPr id="31" name="Isosceles Triangle 30"/>
             <p:cNvSpPr/>
-            <p:nvPr isPhoto="0" userDrawn="0"/>
+            <p:nvPr/>
           </p:nvSpPr>
           <p:spPr bwMode="auto">
             <a:xfrm>
@@ -635,9 +651,9 @@
         </p:sp>
         <p:sp>
           <p:nvSpPr>
-            <p:cNvPr id="19" name="Isosceles Triangle 18" hidden="0"/>
+            <p:cNvPr id="19" name="Isosceles Triangle 18"/>
             <p:cNvSpPr/>
-            <p:nvPr isPhoto="0" userDrawn="0"/>
+            <p:nvPr/>
           </p:nvSpPr>
           <p:spPr bwMode="auto">
             <a:xfrm rot="10800000">
@@ -677,12 +693,12 @@
       </p:grpSp>
       <p:sp>
         <p:nvSpPr>
-          <p:cNvPr id="2" name="Title 1" hidden="0"/>
+          <p:cNvPr id="2" name="Title 1"/>
           <p:cNvSpPr>
             <a:spLocks noGrp="1"/>
           </p:cNvSpPr>
-          <p:nvPr isPhoto="0" userDrawn="0">
-            <p:ph type="ctrTitle" hasCustomPrompt="0"/>
+          <p:nvPr>
+            <p:ph type="ctrTitle"/>
           </p:nvPr>
         </p:nvSpPr>
         <p:spPr bwMode="auto">
@@ -718,12 +734,12 @@
       </p:sp>
       <p:sp>
         <p:nvSpPr>
-          <p:cNvPr id="3" name="Subtitle 2" hidden="0"/>
+          <p:cNvPr id="3" name="Subtitle 2"/>
           <p:cNvSpPr>
             <a:spLocks noGrp="1"/>
           </p:cNvSpPr>
-          <p:nvPr isPhoto="0" userDrawn="0">
-            <p:ph type="subTitle" idx="1" hasCustomPrompt="0"/>
+          <p:nvPr>
+            <p:ph type="subTitle" idx="1"/>
           </p:nvPr>
         </p:nvSpPr>
         <p:spPr bwMode="auto">
@@ -841,12 +857,12 @@
       </p:sp>
       <p:sp>
         <p:nvSpPr>
-          <p:cNvPr id="4" name="Date Placeholder 3" hidden="0"/>
+          <p:cNvPr id="4" name="Date Placeholder 3"/>
           <p:cNvSpPr>
             <a:spLocks noGrp="1"/>
           </p:cNvSpPr>
-          <p:nvPr isPhoto="0" userDrawn="0">
-            <p:ph type="dt" sz="half" idx="10" hasCustomPrompt="0"/>
+          <p:nvPr>
+            <p:ph type="dt" sz="half" idx="10"/>
           </p:nvPr>
         </p:nvSpPr>
         <p:spPr bwMode="auto"/>
@@ -859,7 +875,7 @@
             </a:pPr>
             <a:fld id="{B3B7C885-B81A-4DB8-BD04-363F10E73211}" type="datetimeFigureOut">
               <a:rPr lang="en-US"/>
-              <a:t/>
+              <a:t>4/4/2022</a:t>
             </a:fld>
             <a:endParaRPr lang="en-US"/>
           </a:p>
@@ -867,12 +883,12 @@
       </p:sp>
       <p:sp>
         <p:nvSpPr>
-          <p:cNvPr id="5" name="Footer Placeholder 4" hidden="0"/>
+          <p:cNvPr id="5" name="Footer Placeholder 4"/>
           <p:cNvSpPr>
             <a:spLocks noGrp="1"/>
           </p:cNvSpPr>
-          <p:nvPr isPhoto="0" userDrawn="0">
-            <p:ph type="ftr" sz="quarter" idx="11" hasCustomPrompt="0"/>
+          <p:nvPr>
+            <p:ph type="ftr" sz="quarter" idx="11"/>
           </p:nvPr>
         </p:nvSpPr>
         <p:spPr bwMode="auto"/>
@@ -889,12 +905,12 @@
       </p:sp>
       <p:sp>
         <p:nvSpPr>
-          <p:cNvPr id="6" name="Slide Number Placeholder 5" hidden="0"/>
+          <p:cNvPr id="6" name="Slide Number Placeholder 5"/>
           <p:cNvSpPr>
             <a:spLocks noGrp="1"/>
           </p:cNvSpPr>
-          <p:nvPr isPhoto="0" userDrawn="0">
-            <p:ph type="sldNum" sz="quarter" idx="12" hasCustomPrompt="0"/>
+          <p:nvPr>
+            <p:ph type="sldNum" sz="quarter" idx="12"/>
           </p:nvPr>
         </p:nvSpPr>
         <p:spPr bwMode="auto"/>
@@ -907,7 +923,7 @@
             </a:pPr>
             <a:fld id="{916BAC16-625E-48D0-A4F5-C04B52C4F9F7}" type="slidenum">
               <a:rPr lang="en-US"/>
-              <a:t/>
+              <a:t>‹#›</a:t>
             </a:fld>
             <a:endParaRPr lang="en-US"/>
           </a:p>
@@ -922,13 +938,13 @@
 </file>
 
 <file path=ppt/slideLayouts/slideLayout10.xml><?xml version="1.0" encoding="utf-8"?>
-<p:sldLayout xmlns:a="http://schemas.openxmlformats.org/drawingml/2006/main" xmlns:r="http://schemas.openxmlformats.org/officeDocument/2006/relationships" xmlns:p="http://schemas.openxmlformats.org/presentationml/2006/main" xmlns:m="http://schemas.openxmlformats.org/officeDocument/2006/math" xmlns:w="http://schemas.openxmlformats.org/wordprocessingml/2006/main" matchingName="" preserve="1" showMasterPhAnim="0" userDrawn="1">
+<p:sldLayout xmlns:a="http://schemas.openxmlformats.org/drawingml/2006/main" xmlns:r="http://schemas.openxmlformats.org/officeDocument/2006/relationships" xmlns:p="http://schemas.openxmlformats.org/presentationml/2006/main" showMasterPhAnim="0" preserve="1" userDrawn="1">
   <p:cSld name="Заголовок и подпись">
     <p:spTree>
       <p:nvGrpSpPr>
-        <p:cNvPr id="1" name="" hidden="0"/>
+        <p:cNvPr id="1" name=""/>
         <p:cNvGrpSpPr/>
-        <p:nvPr isPhoto="0" userDrawn="0"/>
+        <p:nvPr/>
       </p:nvGrpSpPr>
       <p:grpSpPr bwMode="auto">
         <a:xfrm>
@@ -940,12 +956,12 @@
       </p:grpSpPr>
       <p:sp>
         <p:nvSpPr>
-          <p:cNvPr id="2" name="Title 1" hidden="0"/>
+          <p:cNvPr id="2" name="Title 1"/>
           <p:cNvSpPr>
             <a:spLocks noGrp="1"/>
           </p:cNvSpPr>
-          <p:nvPr isPhoto="0" userDrawn="0">
-            <p:ph type="title" hasCustomPrompt="0"/>
+          <p:nvPr>
+            <p:ph type="title"/>
           </p:nvPr>
         </p:nvSpPr>
         <p:spPr bwMode="auto">
@@ -977,12 +993,12 @@
       </p:sp>
       <p:sp>
         <p:nvSpPr>
-          <p:cNvPr id="3" name="Text Placeholder 2" hidden="0"/>
+          <p:cNvPr id="3" name="Text Placeholder 2"/>
           <p:cNvSpPr>
             <a:spLocks noGrp="1"/>
           </p:cNvSpPr>
-          <p:nvPr isPhoto="0" userDrawn="0">
-            <p:ph type="body" idx="1" hasCustomPrompt="0"/>
+          <p:nvPr>
+            <p:ph type="body" idx="1"/>
           </p:nvPr>
         </p:nvSpPr>
         <p:spPr bwMode="auto">
@@ -1102,12 +1118,12 @@
       </p:sp>
       <p:sp>
         <p:nvSpPr>
-          <p:cNvPr id="4" name="Date Placeholder 3" hidden="0"/>
+          <p:cNvPr id="4" name="Date Placeholder 3"/>
           <p:cNvSpPr>
             <a:spLocks noGrp="1"/>
           </p:cNvSpPr>
-          <p:nvPr isPhoto="0" userDrawn="0">
-            <p:ph type="dt" sz="half" idx="10" hasCustomPrompt="0"/>
+          <p:nvPr>
+            <p:ph type="dt" sz="half" idx="10"/>
           </p:nvPr>
         </p:nvSpPr>
         <p:spPr bwMode="auto"/>
@@ -1120,7 +1136,7 @@
             </a:pPr>
             <a:fld id="{B3B7C885-B81A-4DB8-BD04-363F10E73211}" type="datetimeFigureOut">
               <a:rPr lang="en-US"/>
-              <a:t/>
+              <a:t>4/4/2022</a:t>
             </a:fld>
             <a:endParaRPr lang="en-US"/>
           </a:p>
@@ -1128,12 +1144,12 @@
       </p:sp>
       <p:sp>
         <p:nvSpPr>
-          <p:cNvPr id="5" name="Footer Placeholder 4" hidden="0"/>
+          <p:cNvPr id="5" name="Footer Placeholder 4"/>
           <p:cNvSpPr>
             <a:spLocks noGrp="1"/>
           </p:cNvSpPr>
-          <p:nvPr isPhoto="0" userDrawn="0">
-            <p:ph type="ftr" sz="quarter" idx="11" hasCustomPrompt="0"/>
+          <p:nvPr>
+            <p:ph type="ftr" sz="quarter" idx="11"/>
           </p:nvPr>
         </p:nvSpPr>
         <p:spPr bwMode="auto"/>
@@ -1150,12 +1166,12 @@
       </p:sp>
       <p:sp>
         <p:nvSpPr>
-          <p:cNvPr id="6" name="Slide Number Placeholder 5" hidden="0"/>
+          <p:cNvPr id="6" name="Slide Number Placeholder 5"/>
           <p:cNvSpPr>
             <a:spLocks noGrp="1"/>
           </p:cNvSpPr>
-          <p:nvPr isPhoto="0" userDrawn="0">
-            <p:ph type="sldNum" sz="quarter" idx="12" hasCustomPrompt="0"/>
+          <p:nvPr>
+            <p:ph type="sldNum" sz="quarter" idx="12"/>
           </p:nvPr>
         </p:nvSpPr>
         <p:spPr bwMode="auto"/>
@@ -1168,7 +1184,7 @@
             </a:pPr>
             <a:fld id="{916BAC16-625E-48D0-A4F5-C04B52C4F9F7}" type="slidenum">
               <a:rPr lang="en-US"/>
-              <a:t/>
+              <a:t>‹#›</a:t>
             </a:fld>
             <a:endParaRPr lang="en-US"/>
           </a:p>
@@ -1183,13 +1199,13 @@
 </file>
 
 <file path=ppt/slideLayouts/slideLayout11.xml><?xml version="1.0" encoding="utf-8"?>
-<p:sldLayout xmlns:a="http://schemas.openxmlformats.org/drawingml/2006/main" xmlns:r="http://schemas.openxmlformats.org/officeDocument/2006/relationships" xmlns:p="http://schemas.openxmlformats.org/presentationml/2006/main" xmlns:m="http://schemas.openxmlformats.org/officeDocument/2006/math" xmlns:w="http://schemas.openxmlformats.org/wordprocessingml/2006/main" matchingName="" preserve="1" showMasterPhAnim="0" userDrawn="1">
+<p:sldLayout xmlns:a="http://schemas.openxmlformats.org/drawingml/2006/main" xmlns:r="http://schemas.openxmlformats.org/officeDocument/2006/relationships" xmlns:p="http://schemas.openxmlformats.org/presentationml/2006/main" showMasterPhAnim="0" preserve="1" userDrawn="1">
   <p:cSld name="Цитата с подписью">
     <p:spTree>
       <p:nvGrpSpPr>
-        <p:cNvPr id="1" name="" hidden="0"/>
+        <p:cNvPr id="1" name=""/>
         <p:cNvGrpSpPr/>
-        <p:nvPr isPhoto="0" userDrawn="0"/>
+        <p:nvPr/>
       </p:nvGrpSpPr>
       <p:grpSpPr bwMode="auto">
         <a:xfrm>
@@ -1201,12 +1217,12 @@
       </p:grpSpPr>
       <p:sp>
         <p:nvSpPr>
-          <p:cNvPr id="2" name="Title 1" hidden="0"/>
+          <p:cNvPr id="2" name="Title 1"/>
           <p:cNvSpPr>
             <a:spLocks noGrp="1"/>
           </p:cNvSpPr>
-          <p:nvPr isPhoto="0" userDrawn="0">
-            <p:ph type="title" hasCustomPrompt="0"/>
+          <p:nvPr>
+            <p:ph type="title"/>
           </p:nvPr>
         </p:nvSpPr>
         <p:spPr bwMode="auto">
@@ -1238,12 +1254,12 @@
       </p:sp>
       <p:sp>
         <p:nvSpPr>
-          <p:cNvPr id="23" name="Text Placeholder 9" hidden="0"/>
+          <p:cNvPr id="23" name="Text Placeholder 9"/>
           <p:cNvSpPr>
             <a:spLocks noGrp="1"/>
           </p:cNvSpPr>
-          <p:nvPr isPhoto="0" userDrawn="0">
-            <p:ph type="body" sz="quarter" idx="13" hasCustomPrompt="0"/>
+          <p:nvPr>
+            <p:ph type="body" sz="quarter" idx="13"/>
           </p:nvPr>
         </p:nvSpPr>
         <p:spPr bwMode="auto">
@@ -1304,12 +1320,12 @@
       </p:sp>
       <p:sp>
         <p:nvSpPr>
-          <p:cNvPr id="3" name="Text Placeholder 2" hidden="0"/>
+          <p:cNvPr id="3" name="Text Placeholder 2"/>
           <p:cNvSpPr>
             <a:spLocks noGrp="1"/>
           </p:cNvSpPr>
-          <p:nvPr isPhoto="0" userDrawn="0">
-            <p:ph type="body" idx="1" hasCustomPrompt="0"/>
+          <p:nvPr>
+            <p:ph type="body" idx="1"/>
           </p:nvPr>
         </p:nvSpPr>
         <p:spPr bwMode="auto">
@@ -1429,12 +1445,12 @@
       </p:sp>
       <p:sp>
         <p:nvSpPr>
-          <p:cNvPr id="4" name="Date Placeholder 3" hidden="0"/>
+          <p:cNvPr id="4" name="Date Placeholder 3"/>
           <p:cNvSpPr>
             <a:spLocks noGrp="1"/>
           </p:cNvSpPr>
-          <p:nvPr isPhoto="0" userDrawn="0">
-            <p:ph type="dt" sz="half" idx="10" hasCustomPrompt="0"/>
+          <p:nvPr>
+            <p:ph type="dt" sz="half" idx="10"/>
           </p:nvPr>
         </p:nvSpPr>
         <p:spPr bwMode="auto"/>
@@ -1447,7 +1463,7 @@
             </a:pPr>
             <a:fld id="{B3B7C885-B81A-4DB8-BD04-363F10E73211}" type="datetimeFigureOut">
               <a:rPr lang="en-US"/>
-              <a:t/>
+              <a:t>4/4/2022</a:t>
             </a:fld>
             <a:endParaRPr lang="en-US"/>
           </a:p>
@@ -1455,12 +1471,12 @@
       </p:sp>
       <p:sp>
         <p:nvSpPr>
-          <p:cNvPr id="5" name="Footer Placeholder 4" hidden="0"/>
+          <p:cNvPr id="5" name="Footer Placeholder 4"/>
           <p:cNvSpPr>
             <a:spLocks noGrp="1"/>
           </p:cNvSpPr>
-          <p:nvPr isPhoto="0" userDrawn="0">
-            <p:ph type="ftr" sz="quarter" idx="11" hasCustomPrompt="0"/>
+          <p:nvPr>
+            <p:ph type="ftr" sz="quarter" idx="11"/>
           </p:nvPr>
         </p:nvSpPr>
         <p:spPr bwMode="auto"/>
@@ -1477,12 +1493,12 @@
       </p:sp>
       <p:sp>
         <p:nvSpPr>
-          <p:cNvPr id="6" name="Slide Number Placeholder 5" hidden="0"/>
+          <p:cNvPr id="6" name="Slide Number Placeholder 5"/>
           <p:cNvSpPr>
             <a:spLocks noGrp="1"/>
           </p:cNvSpPr>
-          <p:nvPr isPhoto="0" userDrawn="0">
-            <p:ph type="sldNum" sz="quarter" idx="12" hasCustomPrompt="0"/>
+          <p:nvPr>
+            <p:ph type="sldNum" sz="quarter" idx="12"/>
           </p:nvPr>
         </p:nvSpPr>
         <p:spPr bwMode="auto"/>
@@ -1495,7 +1511,7 @@
             </a:pPr>
             <a:fld id="{916BAC16-625E-48D0-A4F5-C04B52C4F9F7}" type="slidenum">
               <a:rPr lang="en-US"/>
-              <a:t/>
+              <a:t>‹#›</a:t>
             </a:fld>
             <a:endParaRPr lang="en-US"/>
           </a:p>
@@ -1503,9 +1519,9 @@
       </p:sp>
       <p:sp>
         <p:nvSpPr>
-          <p:cNvPr id="20" name="TextBox 19" hidden="0"/>
+          <p:cNvPr id="20" name="TextBox 19"/>
           <p:cNvSpPr txBox="1"/>
-          <p:nvPr isPhoto="0" userDrawn="0"/>
+          <p:nvPr/>
         </p:nvSpPr>
         <p:spPr bwMode="auto">
           <a:xfrm>
@@ -1546,9 +1562,9 @@
       </p:sp>
       <p:sp>
         <p:nvSpPr>
-          <p:cNvPr id="22" name="TextBox 21" hidden="0"/>
+          <p:cNvPr id="22" name="TextBox 21"/>
           <p:cNvSpPr txBox="1"/>
-          <p:nvPr isPhoto="0" userDrawn="0"/>
+          <p:nvPr/>
         </p:nvSpPr>
         <p:spPr bwMode="auto">
           <a:xfrm>
@@ -1604,13 +1620,13 @@
 </file>
 
 <file path=ppt/slideLayouts/slideLayout12.xml><?xml version="1.0" encoding="utf-8"?>
-<p:sldLayout xmlns:a="http://schemas.openxmlformats.org/drawingml/2006/main" xmlns:r="http://schemas.openxmlformats.org/officeDocument/2006/relationships" xmlns:p="http://schemas.openxmlformats.org/presentationml/2006/main" xmlns:m="http://schemas.openxmlformats.org/officeDocument/2006/math" xmlns:w="http://schemas.openxmlformats.org/wordprocessingml/2006/main" matchingName="" preserve="1" showMasterPhAnim="0" userDrawn="1">
+<p:sldLayout xmlns:a="http://schemas.openxmlformats.org/drawingml/2006/main" xmlns:r="http://schemas.openxmlformats.org/officeDocument/2006/relationships" xmlns:p="http://schemas.openxmlformats.org/presentationml/2006/main" showMasterPhAnim="0" preserve="1" userDrawn="1">
   <p:cSld name="Карточка имени">
     <p:spTree>
       <p:nvGrpSpPr>
-        <p:cNvPr id="1" name="" hidden="0"/>
+        <p:cNvPr id="1" name=""/>
         <p:cNvGrpSpPr/>
-        <p:nvPr isPhoto="0" userDrawn="0"/>
+        <p:nvPr/>
       </p:nvGrpSpPr>
       <p:grpSpPr bwMode="auto">
         <a:xfrm>
@@ -1622,12 +1638,12 @@
       </p:grpSpPr>
       <p:sp>
         <p:nvSpPr>
-          <p:cNvPr id="2" name="Title 1" hidden="0"/>
+          <p:cNvPr id="2" name="Title 1"/>
           <p:cNvSpPr>
             <a:spLocks noGrp="1"/>
           </p:cNvSpPr>
-          <p:nvPr isPhoto="0" userDrawn="0">
-            <p:ph type="title" hasCustomPrompt="0"/>
+          <p:nvPr>
+            <p:ph type="title"/>
           </p:nvPr>
         </p:nvSpPr>
         <p:spPr bwMode="auto">
@@ -1659,12 +1675,12 @@
       </p:sp>
       <p:sp>
         <p:nvSpPr>
-          <p:cNvPr id="3" name="Text Placeholder 2" hidden="0"/>
+          <p:cNvPr id="3" name="Text Placeholder 2"/>
           <p:cNvSpPr>
             <a:spLocks noGrp="1"/>
           </p:cNvSpPr>
-          <p:nvPr isPhoto="0" userDrawn="0">
-            <p:ph type="body" idx="1" hasCustomPrompt="0"/>
+          <p:nvPr>
+            <p:ph type="body" idx="1"/>
           </p:nvPr>
         </p:nvSpPr>
         <p:spPr bwMode="auto">
@@ -1784,12 +1800,12 @@
       </p:sp>
       <p:sp>
         <p:nvSpPr>
-          <p:cNvPr id="4" name="Date Placeholder 3" hidden="0"/>
+          <p:cNvPr id="4" name="Date Placeholder 3"/>
           <p:cNvSpPr>
             <a:spLocks noGrp="1"/>
           </p:cNvSpPr>
-          <p:nvPr isPhoto="0" userDrawn="0">
-            <p:ph type="dt" sz="half" idx="10" hasCustomPrompt="0"/>
+          <p:nvPr>
+            <p:ph type="dt" sz="half" idx="10"/>
           </p:nvPr>
         </p:nvSpPr>
         <p:spPr bwMode="auto"/>
@@ -1802,7 +1818,7 @@
             </a:pPr>
             <a:fld id="{B3B7C885-B81A-4DB8-BD04-363F10E73211}" type="datetimeFigureOut">
               <a:rPr lang="en-US"/>
-              <a:t/>
+              <a:t>4/4/2022</a:t>
             </a:fld>
             <a:endParaRPr lang="en-US"/>
           </a:p>
@@ -1810,12 +1826,12 @@
       </p:sp>
       <p:sp>
         <p:nvSpPr>
-          <p:cNvPr id="5" name="Footer Placeholder 4" hidden="0"/>
+          <p:cNvPr id="5" name="Footer Placeholder 4"/>
           <p:cNvSpPr>
             <a:spLocks noGrp="1"/>
           </p:cNvSpPr>
-          <p:nvPr isPhoto="0" userDrawn="0">
-            <p:ph type="ftr" sz="quarter" idx="11" hasCustomPrompt="0"/>
+          <p:nvPr>
+            <p:ph type="ftr" sz="quarter" idx="11"/>
           </p:nvPr>
         </p:nvSpPr>
         <p:spPr bwMode="auto"/>
@@ -1832,12 +1848,12 @@
       </p:sp>
       <p:sp>
         <p:nvSpPr>
-          <p:cNvPr id="6" name="Slide Number Placeholder 5" hidden="0"/>
+          <p:cNvPr id="6" name="Slide Number Placeholder 5"/>
           <p:cNvSpPr>
             <a:spLocks noGrp="1"/>
           </p:cNvSpPr>
-          <p:nvPr isPhoto="0" userDrawn="0">
-            <p:ph type="sldNum" sz="quarter" idx="12" hasCustomPrompt="0"/>
+          <p:nvPr>
+            <p:ph type="sldNum" sz="quarter" idx="12"/>
           </p:nvPr>
         </p:nvSpPr>
         <p:spPr bwMode="auto"/>
@@ -1850,7 +1866,7 @@
             </a:pPr>
             <a:fld id="{916BAC16-625E-48D0-A4F5-C04B52C4F9F7}" type="slidenum">
               <a:rPr lang="en-US"/>
-              <a:t/>
+              <a:t>‹#›</a:t>
             </a:fld>
             <a:endParaRPr lang="en-US"/>
           </a:p>
@@ -1865,13 +1881,13 @@
 </file>
 
 <file path=ppt/slideLayouts/slideLayout13.xml><?xml version="1.0" encoding="utf-8"?>
-<p:sldLayout xmlns:a="http://schemas.openxmlformats.org/drawingml/2006/main" xmlns:r="http://schemas.openxmlformats.org/officeDocument/2006/relationships" xmlns:p="http://schemas.openxmlformats.org/presentationml/2006/main" xmlns:m="http://schemas.openxmlformats.org/officeDocument/2006/math" xmlns:w="http://schemas.openxmlformats.org/wordprocessingml/2006/main" matchingName="" preserve="1" showMasterPhAnim="0" userDrawn="1">
+<p:sldLayout xmlns:a="http://schemas.openxmlformats.org/drawingml/2006/main" xmlns:r="http://schemas.openxmlformats.org/officeDocument/2006/relationships" xmlns:p="http://schemas.openxmlformats.org/presentationml/2006/main" showMasterPhAnim="0" preserve="1" userDrawn="1">
   <p:cSld name="Цитата карточки имени">
     <p:spTree>
       <p:nvGrpSpPr>
-        <p:cNvPr id="1" name="" hidden="0"/>
+        <p:cNvPr id="1" name=""/>
         <p:cNvGrpSpPr/>
-        <p:nvPr isPhoto="0" userDrawn="0"/>
+        <p:nvPr/>
       </p:nvGrpSpPr>
       <p:grpSpPr bwMode="auto">
         <a:xfrm>
@@ -1883,12 +1899,12 @@
       </p:grpSpPr>
       <p:sp>
         <p:nvSpPr>
-          <p:cNvPr id="2" name="Title 1" hidden="0"/>
+          <p:cNvPr id="2" name="Title 1"/>
           <p:cNvSpPr>
             <a:spLocks noGrp="1"/>
           </p:cNvSpPr>
-          <p:nvPr isPhoto="0" userDrawn="0">
-            <p:ph type="title" hasCustomPrompt="0"/>
+          <p:nvPr>
+            <p:ph type="title"/>
           </p:nvPr>
         </p:nvSpPr>
         <p:spPr bwMode="auto">
@@ -1920,12 +1936,12 @@
       </p:sp>
       <p:sp>
         <p:nvSpPr>
-          <p:cNvPr id="23" name="Text Placeholder 9" hidden="0"/>
+          <p:cNvPr id="23" name="Text Placeholder 9"/>
           <p:cNvSpPr>
             <a:spLocks noGrp="1"/>
           </p:cNvSpPr>
-          <p:nvPr isPhoto="0" userDrawn="0">
-            <p:ph type="body" sz="quarter" idx="13" hasCustomPrompt="0"/>
+          <p:nvPr>
+            <p:ph type="body" sz="quarter" idx="13"/>
           </p:nvPr>
         </p:nvSpPr>
         <p:spPr bwMode="auto">
@@ -1986,12 +2002,12 @@
       </p:sp>
       <p:sp>
         <p:nvSpPr>
-          <p:cNvPr id="3" name="Text Placeholder 2" hidden="0"/>
+          <p:cNvPr id="3" name="Text Placeholder 2"/>
           <p:cNvSpPr>
             <a:spLocks noGrp="1"/>
           </p:cNvSpPr>
-          <p:nvPr isPhoto="0" userDrawn="0">
-            <p:ph type="body" idx="1" hasCustomPrompt="0"/>
+          <p:nvPr>
+            <p:ph type="body" idx="1"/>
           </p:nvPr>
         </p:nvSpPr>
         <p:spPr bwMode="auto">
@@ -2111,12 +2127,12 @@
       </p:sp>
       <p:sp>
         <p:nvSpPr>
-          <p:cNvPr id="4" name="Date Placeholder 3" hidden="0"/>
+          <p:cNvPr id="4" name="Date Placeholder 3"/>
           <p:cNvSpPr>
             <a:spLocks noGrp="1"/>
           </p:cNvSpPr>
-          <p:nvPr isPhoto="0" userDrawn="0">
-            <p:ph type="dt" sz="half" idx="10" hasCustomPrompt="0"/>
+          <p:nvPr>
+            <p:ph type="dt" sz="half" idx="10"/>
           </p:nvPr>
         </p:nvSpPr>
         <p:spPr bwMode="auto"/>
@@ -2129,7 +2145,7 @@
             </a:pPr>
             <a:fld id="{B3B7C885-B81A-4DB8-BD04-363F10E73211}" type="datetimeFigureOut">
               <a:rPr lang="en-US"/>
-              <a:t/>
+              <a:t>4/4/2022</a:t>
             </a:fld>
             <a:endParaRPr lang="en-US"/>
           </a:p>
@@ -2137,12 +2153,12 @@
       </p:sp>
       <p:sp>
         <p:nvSpPr>
-          <p:cNvPr id="5" name="Footer Placeholder 4" hidden="0"/>
+          <p:cNvPr id="5" name="Footer Placeholder 4"/>
           <p:cNvSpPr>
             <a:spLocks noGrp="1"/>
           </p:cNvSpPr>
-          <p:nvPr isPhoto="0" userDrawn="0">
-            <p:ph type="ftr" sz="quarter" idx="11" hasCustomPrompt="0"/>
+          <p:nvPr>
+            <p:ph type="ftr" sz="quarter" idx="11"/>
           </p:nvPr>
         </p:nvSpPr>
         <p:spPr bwMode="auto"/>
@@ -2159,12 +2175,12 @@
       </p:sp>
       <p:sp>
         <p:nvSpPr>
-          <p:cNvPr id="6" name="Slide Number Placeholder 5" hidden="0"/>
+          <p:cNvPr id="6" name="Slide Number Placeholder 5"/>
           <p:cNvSpPr>
             <a:spLocks noGrp="1"/>
           </p:cNvSpPr>
-          <p:nvPr isPhoto="0" userDrawn="0">
-            <p:ph type="sldNum" sz="quarter" idx="12" hasCustomPrompt="0"/>
+          <p:nvPr>
+            <p:ph type="sldNum" sz="quarter" idx="12"/>
           </p:nvPr>
         </p:nvSpPr>
         <p:spPr bwMode="auto"/>
@@ -2177,7 +2193,7 @@
             </a:pPr>
             <a:fld id="{916BAC16-625E-48D0-A4F5-C04B52C4F9F7}" type="slidenum">
               <a:rPr lang="en-US"/>
-              <a:t/>
+              <a:t>‹#›</a:t>
             </a:fld>
             <a:endParaRPr lang="en-US"/>
           </a:p>
@@ -2185,9 +2201,9 @@
       </p:sp>
       <p:sp>
         <p:nvSpPr>
-          <p:cNvPr id="24" name="TextBox 23" hidden="0"/>
+          <p:cNvPr id="24" name="TextBox 23"/>
           <p:cNvSpPr txBox="1"/>
-          <p:nvPr isPhoto="0" userDrawn="0"/>
+          <p:nvPr/>
         </p:nvSpPr>
         <p:spPr bwMode="auto">
           <a:xfrm>
@@ -2228,9 +2244,9 @@
       </p:sp>
       <p:sp>
         <p:nvSpPr>
-          <p:cNvPr id="25" name="TextBox 24" hidden="0"/>
+          <p:cNvPr id="25" name="TextBox 24"/>
           <p:cNvSpPr txBox="1"/>
-          <p:nvPr isPhoto="0" userDrawn="0"/>
+          <p:nvPr/>
         </p:nvSpPr>
         <p:spPr bwMode="auto">
           <a:xfrm>
@@ -2278,13 +2294,13 @@
 </file>
 
 <file path=ppt/slideLayouts/slideLayout14.xml><?xml version="1.0" encoding="utf-8"?>
-<p:sldLayout xmlns:a="http://schemas.openxmlformats.org/drawingml/2006/main" xmlns:r="http://schemas.openxmlformats.org/officeDocument/2006/relationships" xmlns:p="http://schemas.openxmlformats.org/presentationml/2006/main" xmlns:m="http://schemas.openxmlformats.org/officeDocument/2006/math" xmlns:w="http://schemas.openxmlformats.org/wordprocessingml/2006/main" matchingName="" preserve="1" showMasterPhAnim="0" userDrawn="1">
+<p:sldLayout xmlns:a="http://schemas.openxmlformats.org/drawingml/2006/main" xmlns:r="http://schemas.openxmlformats.org/officeDocument/2006/relationships" xmlns:p="http://schemas.openxmlformats.org/presentationml/2006/main" showMasterPhAnim="0" preserve="1" userDrawn="1">
   <p:cSld name="Истина или ложь">
     <p:spTree>
       <p:nvGrpSpPr>
-        <p:cNvPr id="1" name="" hidden="0"/>
+        <p:cNvPr id="1" name=""/>
         <p:cNvGrpSpPr/>
-        <p:nvPr isPhoto="0" userDrawn="0"/>
+        <p:nvPr/>
       </p:nvGrpSpPr>
       <p:grpSpPr bwMode="auto">
         <a:xfrm>
@@ -2296,12 +2312,12 @@
       </p:grpSpPr>
       <p:sp>
         <p:nvSpPr>
-          <p:cNvPr id="2" name="Title 1" hidden="0"/>
+          <p:cNvPr id="2" name="Title 1"/>
           <p:cNvSpPr>
             <a:spLocks noGrp="1"/>
           </p:cNvSpPr>
-          <p:nvPr isPhoto="0" userDrawn="0">
-            <p:ph type="title" hasCustomPrompt="0"/>
+          <p:nvPr>
+            <p:ph type="title"/>
           </p:nvPr>
         </p:nvSpPr>
         <p:spPr bwMode="auto">
@@ -2333,12 +2349,12 @@
       </p:sp>
       <p:sp>
         <p:nvSpPr>
-          <p:cNvPr id="23" name="Text Placeholder 9" hidden="0"/>
+          <p:cNvPr id="23" name="Text Placeholder 9"/>
           <p:cNvSpPr>
             <a:spLocks noGrp="1"/>
           </p:cNvSpPr>
-          <p:nvPr isPhoto="0" userDrawn="0">
-            <p:ph type="body" sz="quarter" idx="13" hasCustomPrompt="0"/>
+          <p:nvPr>
+            <p:ph type="body" sz="quarter" idx="13"/>
           </p:nvPr>
         </p:nvSpPr>
         <p:spPr bwMode="auto">
@@ -2396,12 +2412,12 @@
       </p:sp>
       <p:sp>
         <p:nvSpPr>
-          <p:cNvPr id="3" name="Text Placeholder 2" hidden="0"/>
+          <p:cNvPr id="3" name="Text Placeholder 2"/>
           <p:cNvSpPr>
             <a:spLocks noGrp="1"/>
           </p:cNvSpPr>
-          <p:nvPr isPhoto="0" userDrawn="0">
-            <p:ph type="body" idx="1" hasCustomPrompt="0"/>
+          <p:nvPr>
+            <p:ph type="body" idx="1"/>
           </p:nvPr>
         </p:nvSpPr>
         <p:spPr bwMode="auto">
@@ -2521,12 +2537,12 @@
       </p:sp>
       <p:sp>
         <p:nvSpPr>
-          <p:cNvPr id="4" name="Date Placeholder 3" hidden="0"/>
+          <p:cNvPr id="4" name="Date Placeholder 3"/>
           <p:cNvSpPr>
             <a:spLocks noGrp="1"/>
           </p:cNvSpPr>
-          <p:nvPr isPhoto="0" userDrawn="0">
-            <p:ph type="dt" sz="half" idx="10" hasCustomPrompt="0"/>
+          <p:nvPr>
+            <p:ph type="dt" sz="half" idx="10"/>
           </p:nvPr>
         </p:nvSpPr>
         <p:spPr bwMode="auto"/>
@@ -2539,7 +2555,7 @@
             </a:pPr>
             <a:fld id="{B3B7C885-B81A-4DB8-BD04-363F10E73211}" type="datetimeFigureOut">
               <a:rPr lang="en-US"/>
-              <a:t/>
+              <a:t>4/4/2022</a:t>
             </a:fld>
             <a:endParaRPr lang="en-US"/>
           </a:p>
@@ -2547,12 +2563,12 @@
       </p:sp>
       <p:sp>
         <p:nvSpPr>
-          <p:cNvPr id="5" name="Footer Placeholder 4" hidden="0"/>
+          <p:cNvPr id="5" name="Footer Placeholder 4"/>
           <p:cNvSpPr>
             <a:spLocks noGrp="1"/>
           </p:cNvSpPr>
-          <p:nvPr isPhoto="0" userDrawn="0">
-            <p:ph type="ftr" sz="quarter" idx="11" hasCustomPrompt="0"/>
+          <p:nvPr>
+            <p:ph type="ftr" sz="quarter" idx="11"/>
           </p:nvPr>
         </p:nvSpPr>
         <p:spPr bwMode="auto"/>
@@ -2569,12 +2585,12 @@
       </p:sp>
       <p:sp>
         <p:nvSpPr>
-          <p:cNvPr id="6" name="Slide Number Placeholder 5" hidden="0"/>
+          <p:cNvPr id="6" name="Slide Number Placeholder 5"/>
           <p:cNvSpPr>
             <a:spLocks noGrp="1"/>
           </p:cNvSpPr>
-          <p:nvPr isPhoto="0" userDrawn="0">
-            <p:ph type="sldNum" sz="quarter" idx="12" hasCustomPrompt="0"/>
+          <p:nvPr>
+            <p:ph type="sldNum" sz="quarter" idx="12"/>
           </p:nvPr>
         </p:nvSpPr>
         <p:spPr bwMode="auto"/>
@@ -2587,7 +2603,7 @@
             </a:pPr>
             <a:fld id="{916BAC16-625E-48D0-A4F5-C04B52C4F9F7}" type="slidenum">
               <a:rPr lang="en-US"/>
-              <a:t/>
+              <a:t>‹#›</a:t>
             </a:fld>
             <a:endParaRPr lang="en-US"/>
           </a:p>
@@ -2602,13 +2618,13 @@
 </file>
 
 <file path=ppt/slideLayouts/slideLayout15.xml><?xml version="1.0" encoding="utf-8"?>
-<p:sldLayout xmlns:a="http://schemas.openxmlformats.org/drawingml/2006/main" xmlns:r="http://schemas.openxmlformats.org/officeDocument/2006/relationships" xmlns:p="http://schemas.openxmlformats.org/presentationml/2006/main" xmlns:m="http://schemas.openxmlformats.org/officeDocument/2006/math" xmlns:w="http://schemas.openxmlformats.org/wordprocessingml/2006/main" matchingName="" preserve="1" showMasterPhAnim="0" type="vertTx" userDrawn="1">
+<p:sldLayout xmlns:a="http://schemas.openxmlformats.org/drawingml/2006/main" xmlns:r="http://schemas.openxmlformats.org/officeDocument/2006/relationships" xmlns:p="http://schemas.openxmlformats.org/presentationml/2006/main" showMasterPhAnim="0" type="vertTx" preserve="1" userDrawn="1">
   <p:cSld name="Заголовок и вертикальный текст">
     <p:spTree>
       <p:nvGrpSpPr>
-        <p:cNvPr id="1" name="" hidden="0"/>
+        <p:cNvPr id="1" name=""/>
         <p:cNvGrpSpPr/>
-        <p:nvPr isPhoto="0" userDrawn="0"/>
+        <p:nvPr/>
       </p:nvGrpSpPr>
       <p:grpSpPr bwMode="auto">
         <a:xfrm>
@@ -2620,12 +2636,12 @@
       </p:grpSpPr>
       <p:sp>
         <p:nvSpPr>
-          <p:cNvPr id="2" name="Title 1" hidden="0"/>
+          <p:cNvPr id="2" name="Title 1"/>
           <p:cNvSpPr>
             <a:spLocks noGrp="1"/>
           </p:cNvSpPr>
-          <p:nvPr isPhoto="0" userDrawn="0">
-            <p:ph type="title" hasCustomPrompt="0"/>
+          <p:nvPr>
+            <p:ph type="title"/>
           </p:nvPr>
         </p:nvSpPr>
         <p:spPr bwMode="auto"/>
@@ -2646,12 +2662,12 @@
       </p:sp>
       <p:sp>
         <p:nvSpPr>
-          <p:cNvPr id="3" name="Vertical Text Placeholder 2" hidden="0"/>
+          <p:cNvPr id="3" name="Vertical Text Placeholder 2"/>
           <p:cNvSpPr>
             <a:spLocks noGrp="1"/>
           </p:cNvSpPr>
-          <p:nvPr isPhoto="0" userDrawn="0">
-            <p:ph type="body" orient="vert" idx="1" hasCustomPrompt="0"/>
+          <p:nvPr>
+            <p:ph type="body" orient="vert" idx="1"/>
           </p:nvPr>
         </p:nvSpPr>
         <p:spPr bwMode="auto"/>
@@ -2712,12 +2728,12 @@
       </p:sp>
       <p:sp>
         <p:nvSpPr>
-          <p:cNvPr id="4" name="Date Placeholder 3" hidden="0"/>
+          <p:cNvPr id="4" name="Date Placeholder 3"/>
           <p:cNvSpPr>
             <a:spLocks noGrp="1"/>
           </p:cNvSpPr>
-          <p:nvPr isPhoto="0" userDrawn="0">
-            <p:ph type="dt" sz="half" idx="10" hasCustomPrompt="0"/>
+          <p:nvPr>
+            <p:ph type="dt" sz="half" idx="10"/>
           </p:nvPr>
         </p:nvSpPr>
         <p:spPr bwMode="auto"/>
@@ -2730,7 +2746,7 @@
             </a:pPr>
             <a:fld id="{B3B7C885-B81A-4DB8-BD04-363F10E73211}" type="datetimeFigureOut">
               <a:rPr lang="en-US"/>
-              <a:t/>
+              <a:t>4/4/2022</a:t>
             </a:fld>
             <a:endParaRPr lang="en-US"/>
           </a:p>
@@ -2738,12 +2754,12 @@
       </p:sp>
       <p:sp>
         <p:nvSpPr>
-          <p:cNvPr id="5" name="Footer Placeholder 4" hidden="0"/>
+          <p:cNvPr id="5" name="Footer Placeholder 4"/>
           <p:cNvSpPr>
             <a:spLocks noGrp="1"/>
           </p:cNvSpPr>
-          <p:nvPr isPhoto="0" userDrawn="0">
-            <p:ph type="ftr" sz="quarter" idx="11" hasCustomPrompt="0"/>
+          <p:nvPr>
+            <p:ph type="ftr" sz="quarter" idx="11"/>
           </p:nvPr>
         </p:nvSpPr>
         <p:spPr bwMode="auto"/>
@@ -2760,12 +2776,12 @@
       </p:sp>
       <p:sp>
         <p:nvSpPr>
-          <p:cNvPr id="6" name="Slide Number Placeholder 5" hidden="0"/>
+          <p:cNvPr id="6" name="Slide Number Placeholder 5"/>
           <p:cNvSpPr>
             <a:spLocks noGrp="1"/>
           </p:cNvSpPr>
-          <p:nvPr isPhoto="0" userDrawn="0">
-            <p:ph type="sldNum" sz="quarter" idx="12" hasCustomPrompt="0"/>
+          <p:nvPr>
+            <p:ph type="sldNum" sz="quarter" idx="12"/>
           </p:nvPr>
         </p:nvSpPr>
         <p:spPr bwMode="auto"/>
@@ -2778,7 +2794,7 @@
             </a:pPr>
             <a:fld id="{916BAC16-625E-48D0-A4F5-C04B52C4F9F7}" type="slidenum">
               <a:rPr lang="en-US"/>
-              <a:t/>
+              <a:t>‹#›</a:t>
             </a:fld>
             <a:endParaRPr lang="en-US"/>
           </a:p>
@@ -2793,13 +2809,13 @@
 </file>
 
 <file path=ppt/slideLayouts/slideLayout16.xml><?xml version="1.0" encoding="utf-8"?>
-<p:sldLayout xmlns:a="http://schemas.openxmlformats.org/drawingml/2006/main" xmlns:r="http://schemas.openxmlformats.org/officeDocument/2006/relationships" xmlns:p="http://schemas.openxmlformats.org/presentationml/2006/main" xmlns:m="http://schemas.openxmlformats.org/officeDocument/2006/math" xmlns:w="http://schemas.openxmlformats.org/wordprocessingml/2006/main" matchingName="" preserve="1" showMasterPhAnim="0" type="vertTitleAndTx" userDrawn="1">
+<p:sldLayout xmlns:a="http://schemas.openxmlformats.org/drawingml/2006/main" xmlns:r="http://schemas.openxmlformats.org/officeDocument/2006/relationships" xmlns:p="http://schemas.openxmlformats.org/presentationml/2006/main" showMasterPhAnim="0" type="vertTitleAndTx" preserve="1" userDrawn="1">
   <p:cSld name="Вертикальный заголовок и текст">
     <p:spTree>
       <p:nvGrpSpPr>
-        <p:cNvPr id="1" name="" hidden="0"/>
+        <p:cNvPr id="1" name=""/>
         <p:cNvGrpSpPr/>
-        <p:nvPr isPhoto="0" userDrawn="0"/>
+        <p:nvPr/>
       </p:nvGrpSpPr>
       <p:grpSpPr bwMode="auto">
         <a:xfrm>
@@ -2811,12 +2827,12 @@
       </p:grpSpPr>
       <p:sp>
         <p:nvSpPr>
-          <p:cNvPr id="2" name="Vertical Title 1" hidden="0"/>
+          <p:cNvPr id="2" name="Vertical Title 1"/>
           <p:cNvSpPr>
             <a:spLocks noGrp="1"/>
           </p:cNvSpPr>
-          <p:nvPr isPhoto="0" userDrawn="0">
-            <p:ph type="title" orient="vert" hasCustomPrompt="0"/>
+          <p:nvPr>
+            <p:ph type="title" orient="vert"/>
           </p:nvPr>
         </p:nvSpPr>
         <p:spPr bwMode="auto">
@@ -2842,12 +2858,12 @@
       </p:sp>
       <p:sp>
         <p:nvSpPr>
-          <p:cNvPr id="3" name="Vertical Text Placeholder 2" hidden="0"/>
+          <p:cNvPr id="3" name="Vertical Text Placeholder 2"/>
           <p:cNvSpPr>
             <a:spLocks noGrp="1"/>
           </p:cNvSpPr>
-          <p:nvPr isPhoto="0" userDrawn="0">
-            <p:ph type="body" orient="vert" idx="1" hasCustomPrompt="0"/>
+          <p:nvPr>
+            <p:ph type="body" orient="vert" idx="1"/>
           </p:nvPr>
         </p:nvSpPr>
         <p:spPr bwMode="auto">
@@ -2913,12 +2929,12 @@
       </p:sp>
       <p:sp>
         <p:nvSpPr>
-          <p:cNvPr id="4" name="Date Placeholder 3" hidden="0"/>
+          <p:cNvPr id="4" name="Date Placeholder 3"/>
           <p:cNvSpPr>
             <a:spLocks noGrp="1"/>
           </p:cNvSpPr>
-          <p:nvPr isPhoto="0" userDrawn="0">
-            <p:ph type="dt" sz="half" idx="10" hasCustomPrompt="0"/>
+          <p:nvPr>
+            <p:ph type="dt" sz="half" idx="10"/>
           </p:nvPr>
         </p:nvSpPr>
         <p:spPr bwMode="auto"/>
@@ -2931,7 +2947,7 @@
             </a:pPr>
             <a:fld id="{B3B7C885-B81A-4DB8-BD04-363F10E73211}" type="datetimeFigureOut">
               <a:rPr lang="en-US"/>
-              <a:t/>
+              <a:t>4/4/2022</a:t>
             </a:fld>
             <a:endParaRPr lang="en-US"/>
           </a:p>
@@ -2939,12 +2955,12 @@
       </p:sp>
       <p:sp>
         <p:nvSpPr>
-          <p:cNvPr id="5" name="Footer Placeholder 4" hidden="0"/>
+          <p:cNvPr id="5" name="Footer Placeholder 4"/>
           <p:cNvSpPr>
             <a:spLocks noGrp="1"/>
           </p:cNvSpPr>
-          <p:nvPr isPhoto="0" userDrawn="0">
-            <p:ph type="ftr" sz="quarter" idx="11" hasCustomPrompt="0"/>
+          <p:nvPr>
+            <p:ph type="ftr" sz="quarter" idx="11"/>
           </p:nvPr>
         </p:nvSpPr>
         <p:spPr bwMode="auto"/>
@@ -2961,12 +2977,12 @@
       </p:sp>
       <p:sp>
         <p:nvSpPr>
-          <p:cNvPr id="6" name="Slide Number Placeholder 5" hidden="0"/>
+          <p:cNvPr id="6" name="Slide Number Placeholder 5"/>
           <p:cNvSpPr>
             <a:spLocks noGrp="1"/>
           </p:cNvSpPr>
-          <p:nvPr isPhoto="0" userDrawn="0">
-            <p:ph type="sldNum" sz="quarter" idx="12" hasCustomPrompt="0"/>
+          <p:nvPr>
+            <p:ph type="sldNum" sz="quarter" idx="12"/>
           </p:nvPr>
         </p:nvSpPr>
         <p:spPr bwMode="auto"/>
@@ -2979,7 +2995,7 @@
             </a:pPr>
             <a:fld id="{916BAC16-625E-48D0-A4F5-C04B52C4F9F7}" type="slidenum">
               <a:rPr lang="en-US"/>
-              <a:t/>
+              <a:t>‹#›</a:t>
             </a:fld>
             <a:endParaRPr lang="en-US"/>
           </a:p>
@@ -2994,13 +3010,13 @@
 </file>
 
 <file path=ppt/slideLayouts/slideLayout2.xml><?xml version="1.0" encoding="utf-8"?>
-<p:sldLayout xmlns:a="http://schemas.openxmlformats.org/drawingml/2006/main" xmlns:r="http://schemas.openxmlformats.org/officeDocument/2006/relationships" xmlns:p="http://schemas.openxmlformats.org/presentationml/2006/main" xmlns:m="http://schemas.openxmlformats.org/officeDocument/2006/math" xmlns:w="http://schemas.openxmlformats.org/wordprocessingml/2006/main" matchingName="" preserve="1" showMasterPhAnim="0" type="obj" userDrawn="1">
+<p:sldLayout xmlns:a="http://schemas.openxmlformats.org/drawingml/2006/main" xmlns:r="http://schemas.openxmlformats.org/officeDocument/2006/relationships" xmlns:p="http://schemas.openxmlformats.org/presentationml/2006/main" showMasterPhAnim="0" type="obj" preserve="1" userDrawn="1">
   <p:cSld name="Заголовок и объект">
     <p:spTree>
       <p:nvGrpSpPr>
-        <p:cNvPr id="1" name="" hidden="0"/>
+        <p:cNvPr id="1" name=""/>
         <p:cNvGrpSpPr/>
-        <p:nvPr isPhoto="0" userDrawn="0"/>
+        <p:nvPr/>
       </p:nvGrpSpPr>
       <p:grpSpPr bwMode="auto">
         <a:xfrm>
@@ -3012,12 +3028,12 @@
       </p:grpSpPr>
       <p:sp>
         <p:nvSpPr>
-          <p:cNvPr id="2" name="Title 1" hidden="0"/>
+          <p:cNvPr id="2" name="Title 1"/>
           <p:cNvSpPr>
             <a:spLocks noGrp="1"/>
           </p:cNvSpPr>
-          <p:nvPr isPhoto="0" userDrawn="0">
-            <p:ph type="title" hasCustomPrompt="0"/>
+          <p:nvPr>
+            <p:ph type="title"/>
           </p:nvPr>
         </p:nvSpPr>
         <p:spPr bwMode="auto"/>
@@ -3044,12 +3060,12 @@
       </p:sp>
       <p:sp>
         <p:nvSpPr>
-          <p:cNvPr id="3" name="Content Placeholder 2" hidden="0"/>
+          <p:cNvPr id="3" name="Content Placeholder 2"/>
           <p:cNvSpPr>
             <a:spLocks noGrp="1"/>
           </p:cNvSpPr>
-          <p:nvPr isPhoto="0" userDrawn="0">
-            <p:ph idx="1" hasCustomPrompt="0"/>
+          <p:nvPr>
+            <p:ph idx="1"/>
           </p:nvPr>
         </p:nvSpPr>
         <p:spPr bwMode="auto"/>
@@ -3110,12 +3126,12 @@
       </p:sp>
       <p:sp>
         <p:nvSpPr>
-          <p:cNvPr id="4" name="Date Placeholder 3" hidden="0"/>
+          <p:cNvPr id="4" name="Date Placeholder 3"/>
           <p:cNvSpPr>
             <a:spLocks noGrp="1"/>
           </p:cNvSpPr>
-          <p:nvPr isPhoto="0" userDrawn="0">
-            <p:ph type="dt" sz="half" idx="10" hasCustomPrompt="0"/>
+          <p:nvPr>
+            <p:ph type="dt" sz="half" idx="10"/>
           </p:nvPr>
         </p:nvSpPr>
         <p:spPr bwMode="auto"/>
@@ -3128,7 +3144,7 @@
             </a:pPr>
             <a:fld id="{B3B7C885-B81A-4DB8-BD04-363F10E73211}" type="datetimeFigureOut">
               <a:rPr lang="en-US"/>
-              <a:t/>
+              <a:t>4/4/2022</a:t>
             </a:fld>
             <a:endParaRPr lang="en-US"/>
           </a:p>
@@ -3136,12 +3152,12 @@
       </p:sp>
       <p:sp>
         <p:nvSpPr>
-          <p:cNvPr id="5" name="Footer Placeholder 4" hidden="0"/>
+          <p:cNvPr id="5" name="Footer Placeholder 4"/>
           <p:cNvSpPr>
             <a:spLocks noGrp="1"/>
           </p:cNvSpPr>
-          <p:nvPr isPhoto="0" userDrawn="0">
-            <p:ph type="ftr" sz="quarter" idx="11" hasCustomPrompt="0"/>
+          <p:nvPr>
+            <p:ph type="ftr" sz="quarter" idx="11"/>
           </p:nvPr>
         </p:nvSpPr>
         <p:spPr bwMode="auto"/>
@@ -3158,12 +3174,12 @@
       </p:sp>
       <p:sp>
         <p:nvSpPr>
-          <p:cNvPr id="6" name="Slide Number Placeholder 5" hidden="0"/>
+          <p:cNvPr id="6" name="Slide Number Placeholder 5"/>
           <p:cNvSpPr>
             <a:spLocks noGrp="1"/>
           </p:cNvSpPr>
-          <p:nvPr isPhoto="0" userDrawn="0">
-            <p:ph type="sldNum" sz="quarter" idx="12" hasCustomPrompt="0"/>
+          <p:nvPr>
+            <p:ph type="sldNum" sz="quarter" idx="12"/>
           </p:nvPr>
         </p:nvSpPr>
         <p:spPr bwMode="auto"/>
@@ -3176,7 +3192,7 @@
             </a:pPr>
             <a:fld id="{916BAC16-625E-48D0-A4F5-C04B52C4F9F7}" type="slidenum">
               <a:rPr lang="en-US"/>
-              <a:t/>
+              <a:t>‹#›</a:t>
             </a:fld>
             <a:endParaRPr lang="en-US"/>
           </a:p>
@@ -3191,13 +3207,13 @@
 </file>
 
 <file path=ppt/slideLayouts/slideLayout3.xml><?xml version="1.0" encoding="utf-8"?>
-<p:sldLayout xmlns:a="http://schemas.openxmlformats.org/drawingml/2006/main" xmlns:r="http://schemas.openxmlformats.org/officeDocument/2006/relationships" xmlns:p="http://schemas.openxmlformats.org/presentationml/2006/main" xmlns:m="http://schemas.openxmlformats.org/officeDocument/2006/math" xmlns:w="http://schemas.openxmlformats.org/wordprocessingml/2006/main" matchingName="" preserve="1" showMasterPhAnim="0" type="secHead" userDrawn="1">
+<p:sldLayout xmlns:a="http://schemas.openxmlformats.org/drawingml/2006/main" xmlns:r="http://schemas.openxmlformats.org/officeDocument/2006/relationships" xmlns:p="http://schemas.openxmlformats.org/presentationml/2006/main" showMasterPhAnim="0" type="secHead" preserve="1" userDrawn="1">
   <p:cSld name="Заголовок раздела">
     <p:spTree>
       <p:nvGrpSpPr>
-        <p:cNvPr id="1" name="" hidden="0"/>
+        <p:cNvPr id="1" name=""/>
         <p:cNvGrpSpPr/>
-        <p:nvPr isPhoto="0" userDrawn="0"/>
+        <p:nvPr/>
       </p:nvGrpSpPr>
       <p:grpSpPr bwMode="auto">
         <a:xfrm>
@@ -3209,12 +3225,12 @@
       </p:grpSpPr>
       <p:sp>
         <p:nvSpPr>
-          <p:cNvPr id="2" name="Title 1" hidden="0"/>
+          <p:cNvPr id="2" name="Title 1"/>
           <p:cNvSpPr>
             <a:spLocks noGrp="1"/>
           </p:cNvSpPr>
-          <p:nvPr isPhoto="0" userDrawn="0">
-            <p:ph type="title" hasCustomPrompt="0"/>
+          <p:nvPr>
+            <p:ph type="title"/>
           </p:nvPr>
         </p:nvSpPr>
         <p:spPr bwMode="auto">
@@ -3244,12 +3260,12 @@
       </p:sp>
       <p:sp>
         <p:nvSpPr>
-          <p:cNvPr id="3" name="Text Placeholder 2" hidden="0"/>
+          <p:cNvPr id="3" name="Text Placeholder 2"/>
           <p:cNvSpPr>
             <a:spLocks noGrp="1"/>
           </p:cNvSpPr>
-          <p:nvPr isPhoto="0" userDrawn="0">
-            <p:ph type="body" idx="1" hasCustomPrompt="0"/>
+          <p:nvPr>
+            <p:ph type="body" idx="1"/>
           </p:nvPr>
         </p:nvSpPr>
         <p:spPr bwMode="auto">
@@ -3367,12 +3383,12 @@
       </p:sp>
       <p:sp>
         <p:nvSpPr>
-          <p:cNvPr id="4" name="Date Placeholder 3" hidden="0"/>
+          <p:cNvPr id="4" name="Date Placeholder 3"/>
           <p:cNvSpPr>
             <a:spLocks noGrp="1"/>
           </p:cNvSpPr>
-          <p:nvPr isPhoto="0" userDrawn="0">
-            <p:ph type="dt" sz="half" idx="10" hasCustomPrompt="0"/>
+          <p:nvPr>
+            <p:ph type="dt" sz="half" idx="10"/>
           </p:nvPr>
         </p:nvSpPr>
         <p:spPr bwMode="auto"/>
@@ -3385,7 +3401,7 @@
             </a:pPr>
             <a:fld id="{B3B7C885-B81A-4DB8-BD04-363F10E73211}" type="datetimeFigureOut">
               <a:rPr lang="en-US"/>
-              <a:t/>
+              <a:t>4/4/2022</a:t>
             </a:fld>
             <a:endParaRPr lang="en-US"/>
           </a:p>
@@ -3393,12 +3409,12 @@
       </p:sp>
       <p:sp>
         <p:nvSpPr>
-          <p:cNvPr id="5" name="Footer Placeholder 4" hidden="0"/>
+          <p:cNvPr id="5" name="Footer Placeholder 4"/>
           <p:cNvSpPr>
             <a:spLocks noGrp="1"/>
           </p:cNvSpPr>
-          <p:nvPr isPhoto="0" userDrawn="0">
-            <p:ph type="ftr" sz="quarter" idx="11" hasCustomPrompt="0"/>
+          <p:nvPr>
+            <p:ph type="ftr" sz="quarter" idx="11"/>
           </p:nvPr>
         </p:nvSpPr>
         <p:spPr bwMode="auto"/>
@@ -3415,12 +3431,12 @@
       </p:sp>
       <p:sp>
         <p:nvSpPr>
-          <p:cNvPr id="6" name="Slide Number Placeholder 5" hidden="0"/>
+          <p:cNvPr id="6" name="Slide Number Placeholder 5"/>
           <p:cNvSpPr>
             <a:spLocks noGrp="1"/>
           </p:cNvSpPr>
-          <p:nvPr isPhoto="0" userDrawn="0">
-            <p:ph type="sldNum" sz="quarter" idx="12" hasCustomPrompt="0"/>
+          <p:nvPr>
+            <p:ph type="sldNum" sz="quarter" idx="12"/>
           </p:nvPr>
         </p:nvSpPr>
         <p:spPr bwMode="auto"/>
@@ -3433,7 +3449,7 @@
             </a:pPr>
             <a:fld id="{916BAC16-625E-48D0-A4F5-C04B52C4F9F7}" type="slidenum">
               <a:rPr lang="en-US"/>
-              <a:t/>
+              <a:t>‹#›</a:t>
             </a:fld>
             <a:endParaRPr lang="en-US"/>
           </a:p>
@@ -3448,13 +3464,13 @@
 </file>
 
 <file path=ppt/slideLayouts/slideLayout4.xml><?xml version="1.0" encoding="utf-8"?>
-<p:sldLayout xmlns:a="http://schemas.openxmlformats.org/drawingml/2006/main" xmlns:r="http://schemas.openxmlformats.org/officeDocument/2006/relationships" xmlns:p="http://schemas.openxmlformats.org/presentationml/2006/main" xmlns:m="http://schemas.openxmlformats.org/officeDocument/2006/math" xmlns:w="http://schemas.openxmlformats.org/wordprocessingml/2006/main" matchingName="" preserve="1" showMasterPhAnim="0" type="twoObj" userDrawn="1">
+<p:sldLayout xmlns:a="http://schemas.openxmlformats.org/drawingml/2006/main" xmlns:r="http://schemas.openxmlformats.org/officeDocument/2006/relationships" xmlns:p="http://schemas.openxmlformats.org/presentationml/2006/main" showMasterPhAnim="0" type="twoObj" preserve="1" userDrawn="1">
   <p:cSld name="Два объекта">
     <p:spTree>
       <p:nvGrpSpPr>
-        <p:cNvPr id="1" name="" hidden="0"/>
+        <p:cNvPr id="1" name=""/>
         <p:cNvGrpSpPr/>
-        <p:nvPr isPhoto="0" userDrawn="0"/>
+        <p:nvPr/>
       </p:nvGrpSpPr>
       <p:grpSpPr bwMode="auto">
         <a:xfrm>
@@ -3466,12 +3482,12 @@
       </p:grpSpPr>
       <p:sp>
         <p:nvSpPr>
-          <p:cNvPr id="2" name="Title 1" hidden="0"/>
+          <p:cNvPr id="2" name="Title 1"/>
           <p:cNvSpPr>
             <a:spLocks noGrp="1"/>
           </p:cNvSpPr>
-          <p:nvPr isPhoto="0" userDrawn="0">
-            <p:ph type="title" hasCustomPrompt="0"/>
+          <p:nvPr>
+            <p:ph type="title"/>
           </p:nvPr>
         </p:nvSpPr>
         <p:spPr bwMode="auto"/>
@@ -3492,12 +3508,12 @@
       </p:sp>
       <p:sp>
         <p:nvSpPr>
-          <p:cNvPr id="3" name="Content Placeholder 2" hidden="0"/>
+          <p:cNvPr id="3" name="Content Placeholder 2"/>
           <p:cNvSpPr>
             <a:spLocks noGrp="1"/>
           </p:cNvSpPr>
-          <p:nvPr isPhoto="0" userDrawn="0">
-            <p:ph sz="half" idx="1" hasCustomPrompt="0"/>
+          <p:nvPr>
+            <p:ph sz="half" idx="1"/>
           </p:nvPr>
         </p:nvSpPr>
         <p:spPr bwMode="auto">
@@ -3563,12 +3579,12 @@
       </p:sp>
       <p:sp>
         <p:nvSpPr>
-          <p:cNvPr id="4" name="Content Placeholder 3" hidden="0"/>
+          <p:cNvPr id="4" name="Content Placeholder 3"/>
           <p:cNvSpPr>
             <a:spLocks noGrp="1"/>
           </p:cNvSpPr>
-          <p:nvPr isPhoto="0" userDrawn="0">
-            <p:ph sz="half" idx="2" hasCustomPrompt="0"/>
+          <p:nvPr>
+            <p:ph sz="half" idx="2"/>
           </p:nvPr>
         </p:nvSpPr>
         <p:spPr bwMode="auto">
@@ -3634,12 +3650,12 @@
       </p:sp>
       <p:sp>
         <p:nvSpPr>
-          <p:cNvPr id="5" name="Date Placeholder 4" hidden="0"/>
+          <p:cNvPr id="5" name="Date Placeholder 4"/>
           <p:cNvSpPr>
             <a:spLocks noGrp="1"/>
           </p:cNvSpPr>
-          <p:nvPr isPhoto="0" userDrawn="0">
-            <p:ph type="dt" sz="half" idx="10" hasCustomPrompt="0"/>
+          <p:nvPr>
+            <p:ph type="dt" sz="half" idx="10"/>
           </p:nvPr>
         </p:nvSpPr>
         <p:spPr bwMode="auto"/>
@@ -3652,7 +3668,7 @@
             </a:pPr>
             <a:fld id="{B3B7C885-B81A-4DB8-BD04-363F10E73211}" type="datetimeFigureOut">
               <a:rPr lang="en-US"/>
-              <a:t/>
+              <a:t>4/4/2022</a:t>
             </a:fld>
             <a:endParaRPr lang="en-US"/>
           </a:p>
@@ -3660,12 +3676,12 @@
       </p:sp>
       <p:sp>
         <p:nvSpPr>
-          <p:cNvPr id="6" name="Footer Placeholder 5" hidden="0"/>
+          <p:cNvPr id="6" name="Footer Placeholder 5"/>
           <p:cNvSpPr>
             <a:spLocks noGrp="1"/>
           </p:cNvSpPr>
-          <p:nvPr isPhoto="0" userDrawn="0">
-            <p:ph type="ftr" sz="quarter" idx="11" hasCustomPrompt="0"/>
+          <p:nvPr>
+            <p:ph type="ftr" sz="quarter" idx="11"/>
           </p:nvPr>
         </p:nvSpPr>
         <p:spPr bwMode="auto"/>
@@ -3682,12 +3698,12 @@
       </p:sp>
       <p:sp>
         <p:nvSpPr>
-          <p:cNvPr id="7" name="Slide Number Placeholder 6" hidden="0"/>
+          <p:cNvPr id="7" name="Slide Number Placeholder 6"/>
           <p:cNvSpPr>
             <a:spLocks noGrp="1"/>
           </p:cNvSpPr>
-          <p:nvPr isPhoto="0" userDrawn="0">
-            <p:ph type="sldNum" sz="quarter" idx="12" hasCustomPrompt="0"/>
+          <p:nvPr>
+            <p:ph type="sldNum" sz="quarter" idx="12"/>
           </p:nvPr>
         </p:nvSpPr>
         <p:spPr bwMode="auto"/>
@@ -3700,7 +3716,7 @@
             </a:pPr>
             <a:fld id="{916BAC16-625E-48D0-A4F5-C04B52C4F9F7}" type="slidenum">
               <a:rPr lang="en-US"/>
-              <a:t/>
+              <a:t>‹#›</a:t>
             </a:fld>
             <a:endParaRPr lang="en-US"/>
           </a:p>
@@ -3715,13 +3731,13 @@
 </file>
 
 <file path=ppt/slideLayouts/slideLayout5.xml><?xml version="1.0" encoding="utf-8"?>
-<p:sldLayout xmlns:a="http://schemas.openxmlformats.org/drawingml/2006/main" xmlns:r="http://schemas.openxmlformats.org/officeDocument/2006/relationships" xmlns:p="http://schemas.openxmlformats.org/presentationml/2006/main" xmlns:m="http://schemas.openxmlformats.org/officeDocument/2006/math" xmlns:w="http://schemas.openxmlformats.org/wordprocessingml/2006/main" matchingName="" preserve="1" showMasterPhAnim="0" type="twoTxTwoObj" userDrawn="1">
+<p:sldLayout xmlns:a="http://schemas.openxmlformats.org/drawingml/2006/main" xmlns:r="http://schemas.openxmlformats.org/officeDocument/2006/relationships" xmlns:p="http://schemas.openxmlformats.org/presentationml/2006/main" showMasterPhAnim="0" type="twoTxTwoObj" preserve="1" userDrawn="1">
   <p:cSld name="Сравнение">
     <p:spTree>
       <p:nvGrpSpPr>
-        <p:cNvPr id="1" name="" hidden="0"/>
+        <p:cNvPr id="1" name=""/>
         <p:cNvGrpSpPr/>
-        <p:nvPr isPhoto="0" userDrawn="0"/>
+        <p:nvPr/>
       </p:nvGrpSpPr>
       <p:grpSpPr bwMode="auto">
         <a:xfrm>
@@ -3733,12 +3749,12 @@
       </p:grpSpPr>
       <p:sp>
         <p:nvSpPr>
-          <p:cNvPr id="2" name="Title 1" hidden="0"/>
+          <p:cNvPr id="2" name="Title 1"/>
           <p:cNvSpPr>
             <a:spLocks noGrp="1"/>
           </p:cNvSpPr>
-          <p:nvPr isPhoto="0" userDrawn="0">
-            <p:ph type="title" hasCustomPrompt="0"/>
+          <p:nvPr>
+            <p:ph type="title"/>
           </p:nvPr>
         </p:nvSpPr>
         <p:spPr bwMode="auto"/>
@@ -3763,12 +3779,12 @@
       </p:sp>
       <p:sp>
         <p:nvSpPr>
-          <p:cNvPr id="3" name="Text Placeholder 2" hidden="0"/>
+          <p:cNvPr id="3" name="Text Placeholder 2"/>
           <p:cNvSpPr>
             <a:spLocks noGrp="1"/>
           </p:cNvSpPr>
-          <p:nvPr isPhoto="0" userDrawn="0">
-            <p:ph type="body" idx="1" hasCustomPrompt="0"/>
+          <p:nvPr>
+            <p:ph type="body" idx="1"/>
           </p:nvPr>
         </p:nvSpPr>
         <p:spPr bwMode="auto">
@@ -3833,12 +3849,12 @@
       </p:sp>
       <p:sp>
         <p:nvSpPr>
-          <p:cNvPr id="4" name="Content Placeholder 3" hidden="0"/>
+          <p:cNvPr id="4" name="Content Placeholder 3"/>
           <p:cNvSpPr>
             <a:spLocks noGrp="1"/>
           </p:cNvSpPr>
-          <p:nvPr isPhoto="0" userDrawn="0">
-            <p:ph sz="half" idx="2" hasCustomPrompt="0"/>
+          <p:nvPr>
+            <p:ph sz="half" idx="2"/>
           </p:nvPr>
         </p:nvSpPr>
         <p:spPr bwMode="auto">
@@ -3906,12 +3922,12 @@
       </p:sp>
       <p:sp>
         <p:nvSpPr>
-          <p:cNvPr id="5" name="Text Placeholder 4" hidden="0"/>
+          <p:cNvPr id="5" name="Text Placeholder 4"/>
           <p:cNvSpPr>
             <a:spLocks noGrp="1"/>
           </p:cNvSpPr>
-          <p:nvPr isPhoto="0" userDrawn="0">
-            <p:ph type="body" sz="quarter" idx="3" hasCustomPrompt="0"/>
+          <p:nvPr>
+            <p:ph type="body" sz="quarter" idx="3"/>
           </p:nvPr>
         </p:nvSpPr>
         <p:spPr bwMode="auto">
@@ -3976,12 +3992,12 @@
       </p:sp>
       <p:sp>
         <p:nvSpPr>
-          <p:cNvPr id="6" name="Content Placeholder 5" hidden="0"/>
+          <p:cNvPr id="6" name="Content Placeholder 5"/>
           <p:cNvSpPr>
             <a:spLocks noGrp="1"/>
           </p:cNvSpPr>
-          <p:nvPr isPhoto="0" userDrawn="0">
-            <p:ph sz="quarter" idx="4" hasCustomPrompt="0"/>
+          <p:nvPr>
+            <p:ph sz="quarter" idx="4"/>
           </p:nvPr>
         </p:nvSpPr>
         <p:spPr bwMode="auto">
@@ -4049,12 +4065,12 @@
       </p:sp>
       <p:sp>
         <p:nvSpPr>
-          <p:cNvPr id="7" name="Date Placeholder 6" hidden="0"/>
+          <p:cNvPr id="7" name="Date Placeholder 6"/>
           <p:cNvSpPr>
             <a:spLocks noGrp="1"/>
           </p:cNvSpPr>
-          <p:nvPr isPhoto="0" userDrawn="0">
-            <p:ph type="dt" sz="half" idx="10" hasCustomPrompt="0"/>
+          <p:nvPr>
+            <p:ph type="dt" sz="half" idx="10"/>
           </p:nvPr>
         </p:nvSpPr>
         <p:spPr bwMode="auto"/>
@@ -4067,7 +4083,7 @@
             </a:pPr>
             <a:fld id="{B3B7C885-B81A-4DB8-BD04-363F10E73211}" type="datetimeFigureOut">
               <a:rPr lang="en-US"/>
-              <a:t/>
+              <a:t>4/4/2022</a:t>
             </a:fld>
             <a:endParaRPr lang="en-US"/>
           </a:p>
@@ -4075,12 +4091,12 @@
       </p:sp>
       <p:sp>
         <p:nvSpPr>
-          <p:cNvPr id="8" name="Footer Placeholder 7" hidden="0"/>
+          <p:cNvPr id="8" name="Footer Placeholder 7"/>
           <p:cNvSpPr>
             <a:spLocks noGrp="1"/>
           </p:cNvSpPr>
-          <p:nvPr isPhoto="0" userDrawn="0">
-            <p:ph type="ftr" sz="quarter" idx="11" hasCustomPrompt="0"/>
+          <p:nvPr>
+            <p:ph type="ftr" sz="quarter" idx="11"/>
           </p:nvPr>
         </p:nvSpPr>
         <p:spPr bwMode="auto"/>
@@ -4097,12 +4113,12 @@
       </p:sp>
       <p:sp>
         <p:nvSpPr>
-          <p:cNvPr id="9" name="Slide Number Placeholder 8" hidden="0"/>
+          <p:cNvPr id="9" name="Slide Number Placeholder 8"/>
           <p:cNvSpPr>
             <a:spLocks noGrp="1"/>
           </p:cNvSpPr>
-          <p:nvPr isPhoto="0" userDrawn="0">
-            <p:ph type="sldNum" sz="quarter" idx="12" hasCustomPrompt="0"/>
+          <p:nvPr>
+            <p:ph type="sldNum" sz="quarter" idx="12"/>
           </p:nvPr>
         </p:nvSpPr>
         <p:spPr bwMode="auto"/>
@@ -4115,7 +4131,7 @@
             </a:pPr>
             <a:fld id="{916BAC16-625E-48D0-A4F5-C04B52C4F9F7}" type="slidenum">
               <a:rPr lang="en-US"/>
-              <a:t/>
+              <a:t>‹#›</a:t>
             </a:fld>
             <a:endParaRPr lang="en-US"/>
           </a:p>
@@ -4130,13 +4146,13 @@
 </file>
 
 <file path=ppt/slideLayouts/slideLayout6.xml><?xml version="1.0" encoding="utf-8"?>
-<p:sldLayout xmlns:a="http://schemas.openxmlformats.org/drawingml/2006/main" xmlns:r="http://schemas.openxmlformats.org/officeDocument/2006/relationships" xmlns:p="http://schemas.openxmlformats.org/presentationml/2006/main" xmlns:m="http://schemas.openxmlformats.org/officeDocument/2006/math" xmlns:w="http://schemas.openxmlformats.org/wordprocessingml/2006/main" matchingName="" preserve="1" showMasterPhAnim="0" type="titleOnly" userDrawn="1">
+<p:sldLayout xmlns:a="http://schemas.openxmlformats.org/drawingml/2006/main" xmlns:r="http://schemas.openxmlformats.org/officeDocument/2006/relationships" xmlns:p="http://schemas.openxmlformats.org/presentationml/2006/main" showMasterPhAnim="0" type="titleOnly" preserve="1" userDrawn="1">
   <p:cSld name="Только заголовок">
     <p:spTree>
       <p:nvGrpSpPr>
-        <p:cNvPr id="1" name="" hidden="0"/>
+        <p:cNvPr id="1" name=""/>
         <p:cNvGrpSpPr/>
-        <p:nvPr isPhoto="0" userDrawn="0"/>
+        <p:nvPr/>
       </p:nvGrpSpPr>
       <p:grpSpPr bwMode="auto">
         <a:xfrm>
@@ -4148,12 +4164,12 @@
       </p:grpSpPr>
       <p:sp>
         <p:nvSpPr>
-          <p:cNvPr id="2" name="Title 1" hidden="0"/>
+          <p:cNvPr id="2" name="Title 1"/>
           <p:cNvSpPr>
             <a:spLocks noGrp="1"/>
           </p:cNvSpPr>
-          <p:nvPr isPhoto="0" userDrawn="0">
-            <p:ph type="title" hasCustomPrompt="0"/>
+          <p:nvPr>
+            <p:ph type="title"/>
           </p:nvPr>
         </p:nvSpPr>
         <p:spPr bwMode="auto">
@@ -4179,12 +4195,12 @@
       </p:sp>
       <p:sp>
         <p:nvSpPr>
-          <p:cNvPr id="3" name="Date Placeholder 2" hidden="0"/>
+          <p:cNvPr id="3" name="Date Placeholder 2"/>
           <p:cNvSpPr>
             <a:spLocks noGrp="1"/>
           </p:cNvSpPr>
-          <p:nvPr isPhoto="0" userDrawn="0">
-            <p:ph type="dt" sz="half" idx="10" hasCustomPrompt="0"/>
+          <p:nvPr>
+            <p:ph type="dt" sz="half" idx="10"/>
           </p:nvPr>
         </p:nvSpPr>
         <p:spPr bwMode="auto"/>
@@ -4197,7 +4213,7 @@
             </a:pPr>
             <a:fld id="{B3B7C885-B81A-4DB8-BD04-363F10E73211}" type="datetimeFigureOut">
               <a:rPr lang="en-US"/>
-              <a:t/>
+              <a:t>4/4/2022</a:t>
             </a:fld>
             <a:endParaRPr lang="en-US"/>
           </a:p>
@@ -4205,12 +4221,12 @@
       </p:sp>
       <p:sp>
         <p:nvSpPr>
-          <p:cNvPr id="4" name="Footer Placeholder 3" hidden="0"/>
+          <p:cNvPr id="4" name="Footer Placeholder 3"/>
           <p:cNvSpPr>
             <a:spLocks noGrp="1"/>
           </p:cNvSpPr>
-          <p:nvPr isPhoto="0" userDrawn="0">
-            <p:ph type="ftr" sz="quarter" idx="11" hasCustomPrompt="0"/>
+          <p:nvPr>
+            <p:ph type="ftr" sz="quarter" idx="11"/>
           </p:nvPr>
         </p:nvSpPr>
         <p:spPr bwMode="auto"/>
@@ -4227,12 +4243,12 @@
       </p:sp>
       <p:sp>
         <p:nvSpPr>
-          <p:cNvPr id="5" name="Slide Number Placeholder 4" hidden="0"/>
+          <p:cNvPr id="5" name="Slide Number Placeholder 4"/>
           <p:cNvSpPr>
             <a:spLocks noGrp="1"/>
           </p:cNvSpPr>
-          <p:nvPr isPhoto="0" userDrawn="0">
-            <p:ph type="sldNum" sz="quarter" idx="12" hasCustomPrompt="0"/>
+          <p:nvPr>
+            <p:ph type="sldNum" sz="quarter" idx="12"/>
           </p:nvPr>
         </p:nvSpPr>
         <p:spPr bwMode="auto"/>
@@ -4245,7 +4261,7 @@
             </a:pPr>
             <a:fld id="{916BAC16-625E-48D0-A4F5-C04B52C4F9F7}" type="slidenum">
               <a:rPr lang="en-US"/>
-              <a:t/>
+              <a:t>‹#›</a:t>
             </a:fld>
             <a:endParaRPr lang="en-US"/>
           </a:p>
@@ -4260,13 +4276,13 @@
 </file>
 
 <file path=ppt/slideLayouts/slideLayout7.xml><?xml version="1.0" encoding="utf-8"?>
-<p:sldLayout xmlns:a="http://schemas.openxmlformats.org/drawingml/2006/main" xmlns:r="http://schemas.openxmlformats.org/officeDocument/2006/relationships" xmlns:p="http://schemas.openxmlformats.org/presentationml/2006/main" xmlns:m="http://schemas.openxmlformats.org/officeDocument/2006/math" xmlns:w="http://schemas.openxmlformats.org/wordprocessingml/2006/main" matchingName="" preserve="1" showMasterPhAnim="0" type="blank" userDrawn="1">
+<p:sldLayout xmlns:a="http://schemas.openxmlformats.org/drawingml/2006/main" xmlns:r="http://schemas.openxmlformats.org/officeDocument/2006/relationships" xmlns:p="http://schemas.openxmlformats.org/presentationml/2006/main" showMasterPhAnim="0" type="blank" preserve="1" userDrawn="1">
   <p:cSld name="Пустой слайд">
     <p:spTree>
       <p:nvGrpSpPr>
-        <p:cNvPr id="1" name="" hidden="0"/>
+        <p:cNvPr id="1" name=""/>
         <p:cNvGrpSpPr/>
-        <p:nvPr isPhoto="0" userDrawn="0"/>
+        <p:nvPr/>
       </p:nvGrpSpPr>
       <p:grpSpPr bwMode="auto">
         <a:xfrm>
@@ -4278,12 +4294,12 @@
       </p:grpSpPr>
       <p:sp>
         <p:nvSpPr>
-          <p:cNvPr id="2" name="Date Placeholder 1" hidden="0"/>
+          <p:cNvPr id="2" name="Date Placeholder 1"/>
           <p:cNvSpPr>
             <a:spLocks noGrp="1"/>
           </p:cNvSpPr>
-          <p:nvPr isPhoto="0" userDrawn="0">
-            <p:ph type="dt" sz="half" idx="10" hasCustomPrompt="0"/>
+          <p:nvPr>
+            <p:ph type="dt" sz="half" idx="10"/>
           </p:nvPr>
         </p:nvSpPr>
         <p:spPr bwMode="auto"/>
@@ -4296,7 +4312,7 @@
             </a:pPr>
             <a:fld id="{B3B7C885-B81A-4DB8-BD04-363F10E73211}" type="datetimeFigureOut">
               <a:rPr lang="en-US"/>
-              <a:t/>
+              <a:t>4/4/2022</a:t>
             </a:fld>
             <a:endParaRPr lang="en-US"/>
           </a:p>
@@ -4304,12 +4320,12 @@
       </p:sp>
       <p:sp>
         <p:nvSpPr>
-          <p:cNvPr id="3" name="Footer Placeholder 2" hidden="0"/>
+          <p:cNvPr id="3" name="Footer Placeholder 2"/>
           <p:cNvSpPr>
             <a:spLocks noGrp="1"/>
           </p:cNvSpPr>
-          <p:nvPr isPhoto="0" userDrawn="0">
-            <p:ph type="ftr" sz="quarter" idx="11" hasCustomPrompt="0"/>
+          <p:nvPr>
+            <p:ph type="ftr" sz="quarter" idx="11"/>
           </p:nvPr>
         </p:nvSpPr>
         <p:spPr bwMode="auto"/>
@@ -4326,12 +4342,12 @@
       </p:sp>
       <p:sp>
         <p:nvSpPr>
-          <p:cNvPr id="4" name="Slide Number Placeholder 3" hidden="0"/>
+          <p:cNvPr id="4" name="Slide Number Placeholder 3"/>
           <p:cNvSpPr>
             <a:spLocks noGrp="1"/>
           </p:cNvSpPr>
-          <p:nvPr isPhoto="0" userDrawn="0">
-            <p:ph type="sldNum" sz="quarter" idx="12" hasCustomPrompt="0"/>
+          <p:nvPr>
+            <p:ph type="sldNum" sz="quarter" idx="12"/>
           </p:nvPr>
         </p:nvSpPr>
         <p:spPr bwMode="auto"/>
@@ -4344,7 +4360,7 @@
             </a:pPr>
             <a:fld id="{916BAC16-625E-48D0-A4F5-C04B52C4F9F7}" type="slidenum">
               <a:rPr lang="en-US"/>
-              <a:t/>
+              <a:t>‹#›</a:t>
             </a:fld>
             <a:endParaRPr lang="en-US"/>
           </a:p>
@@ -4359,13 +4375,13 @@
 </file>
 
 <file path=ppt/slideLayouts/slideLayout8.xml><?xml version="1.0" encoding="utf-8"?>
-<p:sldLayout xmlns:a="http://schemas.openxmlformats.org/drawingml/2006/main" xmlns:r="http://schemas.openxmlformats.org/officeDocument/2006/relationships" xmlns:p="http://schemas.openxmlformats.org/presentationml/2006/main" xmlns:m="http://schemas.openxmlformats.org/officeDocument/2006/math" xmlns:w="http://schemas.openxmlformats.org/wordprocessingml/2006/main" matchingName="" preserve="1" showMasterPhAnim="0" type="objTx" userDrawn="1">
+<p:sldLayout xmlns:a="http://schemas.openxmlformats.org/drawingml/2006/main" xmlns:r="http://schemas.openxmlformats.org/officeDocument/2006/relationships" xmlns:p="http://schemas.openxmlformats.org/presentationml/2006/main" showMasterPhAnim="0" type="objTx" preserve="1" userDrawn="1">
   <p:cSld name="Объект с подписью">
     <p:spTree>
       <p:nvGrpSpPr>
-        <p:cNvPr id="1" name="" hidden="0"/>
+        <p:cNvPr id="1" name=""/>
         <p:cNvGrpSpPr/>
-        <p:nvPr isPhoto="0" userDrawn="0"/>
+        <p:nvPr/>
       </p:nvGrpSpPr>
       <p:grpSpPr bwMode="auto">
         <a:xfrm>
@@ -4377,12 +4393,12 @@
       </p:grpSpPr>
       <p:sp>
         <p:nvSpPr>
-          <p:cNvPr id="2" name="Title 1" hidden="0"/>
+          <p:cNvPr id="2" name="Title 1"/>
           <p:cNvSpPr>
             <a:spLocks noGrp="1"/>
           </p:cNvSpPr>
-          <p:nvPr isPhoto="0" userDrawn="0">
-            <p:ph type="title" hasCustomPrompt="0"/>
+          <p:nvPr>
+            <p:ph type="title"/>
           </p:nvPr>
         </p:nvSpPr>
         <p:spPr bwMode="auto">
@@ -4414,12 +4430,12 @@
       </p:sp>
       <p:sp>
         <p:nvSpPr>
-          <p:cNvPr id="3" name="Content Placeholder 2" hidden="0"/>
+          <p:cNvPr id="3" name="Content Placeholder 2"/>
           <p:cNvSpPr>
             <a:spLocks noGrp="1"/>
           </p:cNvSpPr>
-          <p:nvPr isPhoto="0" userDrawn="0">
-            <p:ph idx="1" hasCustomPrompt="0"/>
+          <p:nvPr>
+            <p:ph idx="1"/>
           </p:nvPr>
         </p:nvSpPr>
         <p:spPr bwMode="auto">
@@ -4487,12 +4503,12 @@
       </p:sp>
       <p:sp>
         <p:nvSpPr>
-          <p:cNvPr id="4" name="Text Placeholder 3" hidden="0"/>
+          <p:cNvPr id="4" name="Text Placeholder 3"/>
           <p:cNvSpPr>
             <a:spLocks noGrp="1"/>
           </p:cNvSpPr>
-          <p:nvPr isPhoto="0" userDrawn="0">
-            <p:ph type="body" sz="half" idx="2" hasCustomPrompt="0"/>
+          <p:nvPr>
+            <p:ph type="body" sz="half" idx="2"/>
           </p:nvPr>
         </p:nvSpPr>
         <p:spPr bwMode="auto">
@@ -4557,12 +4573,12 @@
       </p:sp>
       <p:sp>
         <p:nvSpPr>
-          <p:cNvPr id="5" name="Date Placeholder 4" hidden="0"/>
+          <p:cNvPr id="5" name="Date Placeholder 4"/>
           <p:cNvSpPr>
             <a:spLocks noGrp="1"/>
           </p:cNvSpPr>
-          <p:nvPr isPhoto="0" userDrawn="0">
-            <p:ph type="dt" sz="half" idx="10" hasCustomPrompt="0"/>
+          <p:nvPr>
+            <p:ph type="dt" sz="half" idx="10"/>
           </p:nvPr>
         </p:nvSpPr>
         <p:spPr bwMode="auto"/>
@@ -4575,7 +4591,7 @@
             </a:pPr>
             <a:fld id="{B3B7C885-B81A-4DB8-BD04-363F10E73211}" type="datetimeFigureOut">
               <a:rPr lang="en-US"/>
-              <a:t/>
+              <a:t>4/4/2022</a:t>
             </a:fld>
             <a:endParaRPr lang="en-US"/>
           </a:p>
@@ -4583,12 +4599,12 @@
       </p:sp>
       <p:sp>
         <p:nvSpPr>
-          <p:cNvPr id="6" name="Footer Placeholder 5" hidden="0"/>
+          <p:cNvPr id="6" name="Footer Placeholder 5"/>
           <p:cNvSpPr>
             <a:spLocks noGrp="1"/>
           </p:cNvSpPr>
-          <p:nvPr isPhoto="0" userDrawn="0">
-            <p:ph type="ftr" sz="quarter" idx="11" hasCustomPrompt="0"/>
+          <p:nvPr>
+            <p:ph type="ftr" sz="quarter" idx="11"/>
           </p:nvPr>
         </p:nvSpPr>
         <p:spPr bwMode="auto"/>
@@ -4605,12 +4621,12 @@
       </p:sp>
       <p:sp>
         <p:nvSpPr>
-          <p:cNvPr id="7" name="Slide Number Placeholder 6" hidden="0"/>
+          <p:cNvPr id="7" name="Slide Number Placeholder 6"/>
           <p:cNvSpPr>
             <a:spLocks noGrp="1"/>
           </p:cNvSpPr>
-          <p:nvPr isPhoto="0" userDrawn="0">
-            <p:ph type="sldNum" sz="quarter" idx="12" hasCustomPrompt="0"/>
+          <p:nvPr>
+            <p:ph type="sldNum" sz="quarter" idx="12"/>
           </p:nvPr>
         </p:nvSpPr>
         <p:spPr bwMode="auto"/>
@@ -4623,7 +4639,7 @@
             </a:pPr>
             <a:fld id="{916BAC16-625E-48D0-A4F5-C04B52C4F9F7}" type="slidenum">
               <a:rPr lang="en-US"/>
-              <a:t/>
+              <a:t>‹#›</a:t>
             </a:fld>
             <a:endParaRPr lang="en-US"/>
           </a:p>
@@ -4638,13 +4654,13 @@
 </file>
 
 <file path=ppt/slideLayouts/slideLayout9.xml><?xml version="1.0" encoding="utf-8"?>
-<p:sldLayout xmlns:a="http://schemas.openxmlformats.org/drawingml/2006/main" xmlns:r="http://schemas.openxmlformats.org/officeDocument/2006/relationships" xmlns:p="http://schemas.openxmlformats.org/presentationml/2006/main" xmlns:m="http://schemas.openxmlformats.org/officeDocument/2006/math" xmlns:w="http://schemas.openxmlformats.org/wordprocessingml/2006/main" matchingName="" preserve="1" showMasterPhAnim="0" type="picTx" userDrawn="1">
+<p:sldLayout xmlns:a="http://schemas.openxmlformats.org/drawingml/2006/main" xmlns:r="http://schemas.openxmlformats.org/officeDocument/2006/relationships" xmlns:p="http://schemas.openxmlformats.org/presentationml/2006/main" showMasterPhAnim="0" type="picTx" preserve="1" userDrawn="1">
   <p:cSld name="Рисунок с подписью">
     <p:spTree>
       <p:nvGrpSpPr>
-        <p:cNvPr id="1" name="" hidden="0"/>
+        <p:cNvPr id="1" name=""/>
         <p:cNvGrpSpPr/>
-        <p:nvPr isPhoto="0" userDrawn="0"/>
+        <p:nvPr/>
       </p:nvGrpSpPr>
       <p:grpSpPr bwMode="auto">
         <a:xfrm>
@@ -4656,12 +4672,12 @@
       </p:grpSpPr>
       <p:sp>
         <p:nvSpPr>
-          <p:cNvPr id="2" name="Title 1" hidden="0"/>
+          <p:cNvPr id="2" name="Title 1"/>
           <p:cNvSpPr>
             <a:spLocks noGrp="1"/>
           </p:cNvSpPr>
-          <p:nvPr isPhoto="0" userDrawn="0">
-            <p:ph type="title" hasCustomPrompt="0"/>
+          <p:nvPr>
+            <p:ph type="title"/>
           </p:nvPr>
         </p:nvSpPr>
         <p:spPr bwMode="auto">
@@ -4693,12 +4709,12 @@
       </p:sp>
       <p:sp>
         <p:nvSpPr>
-          <p:cNvPr id="3" name="Picture Placeholder 2" hidden="0"/>
+          <p:cNvPr id="3" name="Picture Placeholder 2"/>
           <p:cNvSpPr>
-            <a:spLocks noChangeAspect="1" noGrp="1"/>
+            <a:spLocks noGrp="1" noChangeAspect="1"/>
           </p:cNvSpPr>
-          <p:nvPr isPhoto="0" userDrawn="0">
-            <p:ph type="pic" idx="1" hasCustomPrompt="0"/>
+          <p:nvPr>
+            <p:ph type="pic" idx="1"/>
           </p:nvPr>
         </p:nvSpPr>
         <p:spPr bwMode="auto">
@@ -4763,12 +4779,12 @@
       </p:sp>
       <p:sp>
         <p:nvSpPr>
-          <p:cNvPr id="4" name="Text Placeholder 3" hidden="0"/>
+          <p:cNvPr id="4" name="Text Placeholder 3"/>
           <p:cNvSpPr>
             <a:spLocks noGrp="1"/>
           </p:cNvSpPr>
-          <p:nvPr isPhoto="0" userDrawn="0">
-            <p:ph type="body" sz="half" idx="2" hasCustomPrompt="0"/>
+          <p:nvPr>
+            <p:ph type="body" sz="half" idx="2"/>
           </p:nvPr>
         </p:nvSpPr>
         <p:spPr bwMode="auto">
@@ -4833,12 +4849,12 @@
       </p:sp>
       <p:sp>
         <p:nvSpPr>
-          <p:cNvPr id="5" name="Date Placeholder 4" hidden="0"/>
+          <p:cNvPr id="5" name="Date Placeholder 4"/>
           <p:cNvSpPr>
             <a:spLocks noGrp="1"/>
           </p:cNvSpPr>
-          <p:nvPr isPhoto="0" userDrawn="0">
-            <p:ph type="dt" sz="half" idx="10" hasCustomPrompt="0"/>
+          <p:nvPr>
+            <p:ph type="dt" sz="half" idx="10"/>
           </p:nvPr>
         </p:nvSpPr>
         <p:spPr bwMode="auto"/>
@@ -4851,7 +4867,7 @@
             </a:pPr>
             <a:fld id="{B3B7C885-B81A-4DB8-BD04-363F10E73211}" type="datetimeFigureOut">
               <a:rPr lang="en-US"/>
-              <a:t/>
+              <a:t>4/4/2022</a:t>
             </a:fld>
             <a:endParaRPr lang="en-US"/>
           </a:p>
@@ -4859,12 +4875,12 @@
       </p:sp>
       <p:sp>
         <p:nvSpPr>
-          <p:cNvPr id="6" name="Footer Placeholder 5" hidden="0"/>
+          <p:cNvPr id="6" name="Footer Placeholder 5"/>
           <p:cNvSpPr>
             <a:spLocks noGrp="1"/>
           </p:cNvSpPr>
-          <p:nvPr isPhoto="0" userDrawn="0">
-            <p:ph type="ftr" sz="quarter" idx="11" hasCustomPrompt="0"/>
+          <p:nvPr>
+            <p:ph type="ftr" sz="quarter" idx="11"/>
           </p:nvPr>
         </p:nvSpPr>
         <p:spPr bwMode="auto"/>
@@ -4881,12 +4897,12 @@
       </p:sp>
       <p:sp>
         <p:nvSpPr>
-          <p:cNvPr id="7" name="Slide Number Placeholder 6" hidden="0"/>
+          <p:cNvPr id="7" name="Slide Number Placeholder 6"/>
           <p:cNvSpPr>
             <a:spLocks noGrp="1"/>
           </p:cNvSpPr>
-          <p:nvPr isPhoto="0" userDrawn="0">
-            <p:ph type="sldNum" sz="quarter" idx="12" hasCustomPrompt="0"/>
+          <p:nvPr>
+            <p:ph type="sldNum" sz="quarter" idx="12"/>
           </p:nvPr>
         </p:nvSpPr>
         <p:spPr bwMode="auto"/>
@@ -4899,7 +4915,7 @@
             </a:pPr>
             <a:fld id="{916BAC16-625E-48D0-A4F5-C04B52C4F9F7}" type="slidenum">
               <a:rPr lang="en-US"/>
-              <a:t/>
+              <a:t>‹#›</a:t>
             </a:fld>
             <a:endParaRPr lang="en-US"/>
           </a:p>
@@ -4914,8 +4930,8 @@
 </file>
 
 <file path=ppt/slideMasters/slideMaster1.xml><?xml version="1.0" encoding="utf-8"?>
-<p:sldMaster xmlns:a="http://schemas.openxmlformats.org/drawingml/2006/main" xmlns:r="http://schemas.openxmlformats.org/officeDocument/2006/relationships" xmlns:p="http://schemas.openxmlformats.org/presentationml/2006/main" xmlns:m="http://schemas.openxmlformats.org/officeDocument/2006/math" xmlns:w="http://schemas.openxmlformats.org/wordprocessingml/2006/main" preserve="0">
-  <p:cSld name="">
+<p:sldMaster xmlns:a="http://schemas.openxmlformats.org/drawingml/2006/main" xmlns:r="http://schemas.openxmlformats.org/officeDocument/2006/relationships" xmlns:p="http://schemas.openxmlformats.org/presentationml/2006/main">
+  <p:cSld>
     <p:bg>
       <p:bgRef idx="1001">
         <a:schemeClr val="bg1"/>
@@ -4923,9 +4939,9 @@
     </p:bg>
     <p:spTree>
       <p:nvGrpSpPr>
-        <p:cNvPr id="1" name="" hidden="0"/>
+        <p:cNvPr id="1" name=""/>
         <p:cNvGrpSpPr/>
-        <p:nvPr isPhoto="0" userDrawn="0"/>
+        <p:nvPr/>
       </p:nvGrpSpPr>
       <p:grpSpPr bwMode="auto">
         <a:xfrm>
@@ -4937,9 +4953,9 @@
       </p:grpSpPr>
       <p:grpSp>
         <p:nvGrpSpPr>
-          <p:cNvPr id="7" name="Group 6" hidden="0"/>
+          <p:cNvPr id="7" name="Group 6"/>
           <p:cNvGrpSpPr/>
-          <p:nvPr isPhoto="0" userDrawn="0"/>
+          <p:nvPr/>
         </p:nvGrpSpPr>
         <p:grpSpPr bwMode="auto">
           <a:xfrm>
@@ -4951,11 +4967,11 @@
         </p:grpSpPr>
         <p:cxnSp>
           <p:nvCxnSpPr>
-            <p:cNvPr id="20" name="Straight Connector 19" hidden="0"/>
+            <p:cNvPr id="20" name="Straight Connector 19"/>
             <p:cNvCxnSpPr>
               <a:cxnSpLocks/>
             </p:cNvCxnSpPr>
-            <p:nvPr isPhoto="0" userDrawn="0"/>
+            <p:nvPr/>
           </p:nvCxnSpPr>
           <p:spPr bwMode="auto">
             <a:xfrm>
@@ -4990,11 +5006,11 @@
         </p:cxnSp>
         <p:cxnSp>
           <p:nvCxnSpPr>
-            <p:cNvPr id="21" name="Straight Connector 20" hidden="0"/>
+            <p:cNvPr id="21" name="Straight Connector 20"/>
             <p:cNvCxnSpPr>
               <a:cxnSpLocks/>
             </p:cNvCxnSpPr>
-            <p:nvPr isPhoto="0" userDrawn="0"/>
+            <p:nvPr/>
           </p:nvCxnSpPr>
           <p:spPr bwMode="auto">
             <a:xfrm flipH="1">
@@ -5029,9 +5045,9 @@
         </p:cxnSp>
         <p:sp>
           <p:nvSpPr>
-            <p:cNvPr id="22" name="Rectangle 23" hidden="0"/>
+            <p:cNvPr id="22" name="Rectangle 23"/>
             <p:cNvSpPr/>
-            <p:nvPr isPhoto="0" userDrawn="0"/>
+            <p:nvPr/>
           </p:nvSpPr>
           <p:spPr bwMode="auto">
             <a:xfrm>
@@ -5045,7 +5061,7 @@
               <a:cxnLst/>
               <a:rect l="l" t="t" r="r" b="b"/>
               <a:pathLst>
-                <a:path w="3007349" h="6866467" fill="norm" stroke="1" extrusionOk="0">
+                <a:path w="3007349" h="6866467" extrusionOk="0">
                   <a:moveTo>
                     <a:pt x="2045532" y="0"/>
                   </a:moveTo>
@@ -5092,9 +5108,9 @@
         </p:sp>
         <p:sp>
           <p:nvSpPr>
-            <p:cNvPr id="23" name="Rectangle 25" hidden="0"/>
+            <p:cNvPr id="23" name="Rectangle 25"/>
             <p:cNvSpPr/>
-            <p:nvPr isPhoto="0" userDrawn="0"/>
+            <p:nvPr/>
           </p:nvSpPr>
           <p:spPr bwMode="auto">
             <a:xfrm>
@@ -5108,7 +5124,7 @@
               <a:cxnLst/>
               <a:rect l="l" t="t" r="r" b="b"/>
               <a:pathLst>
-                <a:path w="2573311" h="6866467" fill="norm" stroke="1" extrusionOk="0">
+                <a:path w="2573311" h="6866467" extrusionOk="0">
                   <a:moveTo>
                     <a:pt x="0" y="0"/>
                   </a:moveTo>
@@ -5155,9 +5171,9 @@
         </p:sp>
         <p:sp>
           <p:nvSpPr>
-            <p:cNvPr id="24" name="Isosceles Triangle 23" hidden="0"/>
+            <p:cNvPr id="24" name="Isosceles Triangle 23"/>
             <p:cNvSpPr/>
-            <p:nvPr isPhoto="0" userDrawn="0"/>
+            <p:nvPr/>
           </p:nvSpPr>
           <p:spPr bwMode="auto">
             <a:xfrm>
@@ -5196,9 +5212,9 @@
         </p:sp>
         <p:sp>
           <p:nvSpPr>
-            <p:cNvPr id="25" name="Rectangle 27" hidden="0"/>
+            <p:cNvPr id="25" name="Rectangle 27"/>
             <p:cNvSpPr/>
-            <p:nvPr isPhoto="0" userDrawn="0"/>
+            <p:nvPr/>
           </p:nvSpPr>
           <p:spPr bwMode="auto">
             <a:xfrm>
@@ -5212,7 +5228,7 @@
               <a:cxnLst/>
               <a:rect l="l" t="t" r="r" b="b"/>
               <a:pathLst>
-                <a:path w="2858013" h="6866467" fill="norm" stroke="1" extrusionOk="0">
+                <a:path w="2858013" h="6866467" extrusionOk="0">
                   <a:moveTo>
                     <a:pt x="0" y="0"/>
                   </a:moveTo>
@@ -5260,9 +5276,9 @@
         </p:sp>
         <p:sp>
           <p:nvSpPr>
-            <p:cNvPr id="26" name="Rectangle 28" hidden="0"/>
+            <p:cNvPr id="26" name="Rectangle 28"/>
             <p:cNvSpPr/>
-            <p:nvPr isPhoto="0" userDrawn="0"/>
+            <p:nvPr/>
           </p:nvSpPr>
           <p:spPr bwMode="auto">
             <a:xfrm>
@@ -5276,7 +5292,7 @@
               <a:cxnLst/>
               <a:rect l="l" t="t" r="r" b="b"/>
               <a:pathLst>
-                <a:path w="1290094" h="6858000" fill="norm" stroke="1" extrusionOk="0">
+                <a:path w="1290094" h="6858000" extrusionOk="0">
                   <a:moveTo>
                     <a:pt x="1019735" y="0"/>
                   </a:moveTo>
@@ -5325,9 +5341,9 @@
         </p:sp>
         <p:sp>
           <p:nvSpPr>
-            <p:cNvPr id="27" name="Rectangle 29" hidden="0"/>
+            <p:cNvPr id="27" name="Rectangle 29"/>
             <p:cNvSpPr/>
-            <p:nvPr isPhoto="0" userDrawn="0"/>
+            <p:nvPr/>
           </p:nvSpPr>
           <p:spPr bwMode="auto">
             <a:xfrm>
@@ -5341,7 +5357,7 @@
               <a:cxnLst/>
               <a:rect l="l" t="t" r="r" b="b"/>
               <a:pathLst>
-                <a:path w="1249825" h="6858000" fill="norm" stroke="1" extrusionOk="0">
+                <a:path w="1249825" h="6858000" extrusionOk="0">
                   <a:moveTo>
                     <a:pt x="0" y="0"/>
                   </a:moveTo>
@@ -5388,9 +5404,9 @@
         </p:sp>
         <p:sp>
           <p:nvSpPr>
-            <p:cNvPr id="28" name="Isosceles Triangle 27" hidden="0"/>
+            <p:cNvPr id="28" name="Isosceles Triangle 27"/>
             <p:cNvSpPr/>
-            <p:nvPr isPhoto="0" userDrawn="0"/>
+            <p:nvPr/>
           </p:nvSpPr>
           <p:spPr bwMode="auto">
             <a:xfrm>
@@ -5429,9 +5445,9 @@
         </p:sp>
         <p:sp>
           <p:nvSpPr>
-            <p:cNvPr id="29" name="Isosceles Triangle 28" hidden="0"/>
+            <p:cNvPr id="29" name="Isosceles Triangle 28"/>
             <p:cNvSpPr/>
-            <p:nvPr isPhoto="0" userDrawn="0"/>
+            <p:nvPr/>
           </p:nvSpPr>
           <p:spPr bwMode="auto">
             <a:xfrm>
@@ -5471,12 +5487,12 @@
       </p:grpSp>
       <p:sp>
         <p:nvSpPr>
-          <p:cNvPr id="2" name="Title Placeholder 1" hidden="0"/>
+          <p:cNvPr id="2" name="Title Placeholder 1"/>
           <p:cNvSpPr>
             <a:spLocks noGrp="1"/>
           </p:cNvSpPr>
-          <p:nvPr isPhoto="0" userDrawn="0">
-            <p:ph type="title" hasCustomPrompt="0"/>
+          <p:nvPr>
+            <p:ph type="title"/>
           </p:nvPr>
         </p:nvSpPr>
         <p:spPr bwMode="auto">
@@ -5507,12 +5523,12 @@
       </p:sp>
       <p:sp>
         <p:nvSpPr>
-          <p:cNvPr id="3" name="Text Placeholder 2" hidden="0"/>
+          <p:cNvPr id="3" name="Text Placeholder 2"/>
           <p:cNvSpPr>
             <a:spLocks noGrp="1"/>
           </p:cNvSpPr>
-          <p:nvPr isPhoto="0" userDrawn="0">
-            <p:ph type="body" idx="1" hasCustomPrompt="0"/>
+          <p:nvPr>
+            <p:ph type="body" idx="1"/>
           </p:nvPr>
         </p:nvSpPr>
         <p:spPr bwMode="auto">
@@ -5583,12 +5599,12 @@
       </p:sp>
       <p:sp>
         <p:nvSpPr>
-          <p:cNvPr id="4" name="Date Placeholder 3" hidden="0"/>
+          <p:cNvPr id="4" name="Date Placeholder 3"/>
           <p:cNvSpPr>
             <a:spLocks noGrp="1"/>
           </p:cNvSpPr>
-          <p:nvPr isPhoto="0" userDrawn="0">
-            <p:ph type="dt" sz="half" idx="2" hasCustomPrompt="0"/>
+          <p:nvPr>
+            <p:ph type="dt" sz="half" idx="2"/>
           </p:nvPr>
         </p:nvSpPr>
         <p:spPr bwMode="auto">
@@ -5619,7 +5635,7 @@
             </a:pPr>
             <a:fld id="{B3B7C885-B81A-4DB8-BD04-363F10E73211}" type="datetimeFigureOut">
               <a:rPr lang="en-US"/>
-              <a:t/>
+              <a:t>4/4/2022</a:t>
             </a:fld>
             <a:endParaRPr lang="en-US"/>
           </a:p>
@@ -5627,12 +5643,12 @@
       </p:sp>
       <p:sp>
         <p:nvSpPr>
-          <p:cNvPr id="5" name="Footer Placeholder 4" hidden="0"/>
+          <p:cNvPr id="5" name="Footer Placeholder 4"/>
           <p:cNvSpPr>
             <a:spLocks noGrp="1"/>
           </p:cNvSpPr>
-          <p:nvPr isPhoto="0" userDrawn="0">
-            <p:ph type="ftr" sz="quarter" idx="3" hasCustomPrompt="0"/>
+          <p:nvPr>
+            <p:ph type="ftr" sz="quarter" idx="3"/>
           </p:nvPr>
         </p:nvSpPr>
         <p:spPr bwMode="auto">
@@ -5667,12 +5683,12 @@
       </p:sp>
       <p:sp>
         <p:nvSpPr>
-          <p:cNvPr id="6" name="Slide Number Placeholder 5" hidden="0"/>
+          <p:cNvPr id="6" name="Slide Number Placeholder 5"/>
           <p:cNvSpPr>
             <a:spLocks noGrp="1"/>
           </p:cNvSpPr>
-          <p:nvPr isPhoto="0" userDrawn="0">
-            <p:ph type="sldNum" sz="quarter" idx="4" hasCustomPrompt="0"/>
+          <p:nvPr>
+            <p:ph type="sldNum" sz="quarter" idx="4"/>
           </p:nvPr>
         </p:nvSpPr>
         <p:spPr bwMode="auto">
@@ -5701,7 +5717,7 @@
             </a:pPr>
             <a:fld id="{916BAC16-625E-48D0-A4F5-C04B52C4F9F7}" type="slidenum">
               <a:rPr lang="en-US"/>
-              <a:t/>
+              <a:t>‹#›</a:t>
             </a:fld>
             <a:endParaRPr lang="en-US"/>
           </a:p>
@@ -6128,13 +6144,13 @@
 </file>
 
 <file path=ppt/slides/slide1.xml><?xml version="1.0" encoding="utf-8"?>
-<p:sld xmlns:a="http://schemas.openxmlformats.org/drawingml/2006/main" xmlns:r="http://schemas.openxmlformats.org/officeDocument/2006/relationships" xmlns:p="http://schemas.openxmlformats.org/presentationml/2006/main" xmlns:m="http://schemas.openxmlformats.org/officeDocument/2006/math" xmlns:w="http://schemas.openxmlformats.org/wordprocessingml/2006/main" showMasterPhAnim="0" show="1">
-  <p:cSld name="">
+<p:sld xmlns:a="http://schemas.openxmlformats.org/drawingml/2006/main" xmlns:r="http://schemas.openxmlformats.org/officeDocument/2006/relationships" xmlns:p="http://schemas.openxmlformats.org/presentationml/2006/main" showMasterPhAnim="0">
+  <p:cSld>
     <p:spTree>
       <p:nvGrpSpPr>
-        <p:cNvPr id="1" name="" hidden="0"/>
+        <p:cNvPr id="1" name=""/>
         <p:cNvGrpSpPr/>
-        <p:nvPr isPhoto="0" userDrawn="0"/>
+        <p:nvPr/>
       </p:nvGrpSpPr>
       <p:grpSpPr bwMode="auto">
         <a:xfrm>
@@ -6146,9 +6162,9 @@
       </p:grpSpPr>
       <p:sp>
         <p:nvSpPr>
-          <p:cNvPr id="4" name="Заголовок 1" hidden="0"/>
+          <p:cNvPr id="4" name="Заголовок 1"/>
           <p:cNvSpPr txBox="1"/>
-          <p:nvPr isPhoto="0" userDrawn="0"/>
+          <p:nvPr/>
         </p:nvSpPr>
         <p:spPr bwMode="auto">
           <a:xfrm>
@@ -6257,9 +6273,9 @@
       </p:sp>
       <p:sp>
         <p:nvSpPr>
-          <p:cNvPr id="5" name="Объект 2" hidden="0"/>
+          <p:cNvPr id="5" name="Объект 2"/>
           <p:cNvSpPr txBox="1"/>
-          <p:nvPr isPhoto="0" userDrawn="0"/>
+          <p:nvPr/>
         </p:nvSpPr>
         <p:spPr bwMode="auto">
           <a:xfrm>
@@ -6514,11 +6530,7 @@
             </a:r>
             <a:r>
               <a:rPr lang="en-US" sz="3200"/>
-              <a:t>C</a:t>
-            </a:r>
-            <a:r>
-              <a:rPr lang="en-US" sz="3200"/>
-              <a:t>++</a:t>
+              <a:t>C++</a:t>
             </a:r>
             <a:endParaRPr lang="ru-RU" sz="3200"/>
           </a:p>
@@ -6548,7 +6560,6 @@
               <a:rPr lang="ru-RU" sz="2400"/>
               <a:t> Наследование</a:t>
             </a:r>
-            <a:endParaRPr lang="ru-RU" sz="2400"/>
           </a:p>
           <a:p>
             <a:pPr lvl="2" algn="l">
@@ -6587,11 +6598,11 @@
   <p:clrMapOvr>
     <a:masterClrMapping/>
   </p:clrMapOvr>
-  <mc:AlternateContent xmlns:mc="http://schemas.openxmlformats.org/markup-compatibility/2006">
-    <mc:Choice xmlns:p14="http://schemas.microsoft.com/office/powerpoint/2010/main" Requires="p14">
-      <p:transition p14:dur="2000" advClick="1"/>
+  <mc:AlternateContent xmlns:mc="http://schemas.openxmlformats.org/markup-compatibility/2006" xmlns:p14="http://schemas.microsoft.com/office/powerpoint/2010/main">
+    <mc:Choice Requires="p14">
+      <p:transition spd="slow" p14:dur="2000"/>
     </mc:Choice>
-    <mc:Fallback>
+    <mc:Fallback xmlns="" xmlns:m="http://schemas.openxmlformats.org/officeDocument/2006/math" xmlns:w="http://schemas.openxmlformats.org/wordprocessingml/2006/main">
       <p:transition advClick="1"/>
     </mc:Fallback>
   </mc:AlternateContent>
@@ -6606,13 +6617,13 @@
 </file>
 
 <file path=ppt/slides/slide10.xml><?xml version="1.0" encoding="utf-8"?>
-<p:sld xmlns:a="http://schemas.openxmlformats.org/drawingml/2006/main" xmlns:r="http://schemas.openxmlformats.org/officeDocument/2006/relationships" xmlns:p="http://schemas.openxmlformats.org/presentationml/2006/main" xmlns:m="http://schemas.openxmlformats.org/officeDocument/2006/math" xmlns:w="http://schemas.openxmlformats.org/wordprocessingml/2006/main" showMasterPhAnim="0" show="1">
-  <p:cSld name="">
+<p:sld xmlns:a="http://schemas.openxmlformats.org/drawingml/2006/main" xmlns:r="http://schemas.openxmlformats.org/officeDocument/2006/relationships" xmlns:p="http://schemas.openxmlformats.org/presentationml/2006/main" showMasterPhAnim="0">
+  <p:cSld>
     <p:spTree>
       <p:nvGrpSpPr>
-        <p:cNvPr id="1" name="" hidden="0"/>
+        <p:cNvPr id="1" name=""/>
         <p:cNvGrpSpPr/>
-        <p:nvPr isPhoto="0" userDrawn="0"/>
+        <p:nvPr/>
       </p:nvGrpSpPr>
       <p:grpSpPr bwMode="auto">
         <a:xfrm>
@@ -6624,12 +6635,12 @@
       </p:grpSpPr>
       <p:sp>
         <p:nvSpPr>
-          <p:cNvPr id="3" name="Объект 2" hidden="0"/>
+          <p:cNvPr id="3" name="Объект 2"/>
           <p:cNvSpPr>
             <a:spLocks noGrp="1"/>
           </p:cNvSpPr>
-          <p:nvPr isPhoto="0" userDrawn="0">
-            <p:ph idx="1" hasCustomPrompt="0"/>
+          <p:nvPr>
+            <p:ph idx="1"/>
           </p:nvPr>
         </p:nvSpPr>
         <p:spPr bwMode="auto">
@@ -6665,19 +6676,7 @@
             </a:r>
             <a:r>
               <a:rPr lang="en-US" sz="2100"/>
-              <a:t>int</a:t>
-            </a:r>
-            <a:r>
-              <a:rPr lang="en-US" sz="2100"/>
-              <a:t>* </a:t>
-            </a:r>
-            <a:r>
-              <a:rPr lang="en-US" sz="2100"/>
-              <a:t>ptr</a:t>
-            </a:r>
-            <a:r>
-              <a:rPr lang="en-US" sz="2100"/>
-              <a:t> </a:t>
+              <a:t>int* ptr </a:t>
             </a:r>
             <a:r>
               <a:rPr lang="ru-RU" sz="2100"/>
@@ -6687,7 +6686,6 @@
               <a:rPr lang="en-US" sz="2100"/>
               <a:t>int</a:t>
             </a:r>
-            <a:endParaRPr lang="en-US" sz="2100"/>
           </a:p>
           <a:p>
             <a:pPr>
@@ -6773,12 +6771,12 @@
       </p:sp>
       <p:sp>
         <p:nvSpPr>
-          <p:cNvPr id="4" name="Заголовок 1" hidden="0"/>
+          <p:cNvPr id="4" name="Заголовок 1"/>
           <p:cNvSpPr>
             <a:spLocks noGrp="1"/>
           </p:cNvSpPr>
-          <p:nvPr isPhoto="0" userDrawn="0">
-            <p:ph type="title" hasCustomPrompt="0"/>
+          <p:nvPr>
+            <p:ph type="title"/>
           </p:nvPr>
         </p:nvSpPr>
         <p:spPr bwMode="auto">
@@ -6820,11 +6818,11 @@
   <p:clrMapOvr>
     <a:masterClrMapping/>
   </p:clrMapOvr>
-  <mc:AlternateContent xmlns:mc="http://schemas.openxmlformats.org/markup-compatibility/2006">
-    <mc:Choice xmlns:p14="http://schemas.microsoft.com/office/powerpoint/2010/main" Requires="p14">
-      <p:transition p14:dur="2000" advClick="1"/>
+  <mc:AlternateContent xmlns:mc="http://schemas.openxmlformats.org/markup-compatibility/2006" xmlns:p14="http://schemas.microsoft.com/office/powerpoint/2010/main">
+    <mc:Choice Requires="p14">
+      <p:transition spd="slow" p14:dur="2000"/>
     </mc:Choice>
-    <mc:Fallback>
+    <mc:Fallback xmlns="" xmlns:m="http://schemas.openxmlformats.org/officeDocument/2006/math" xmlns:w="http://schemas.openxmlformats.org/wordprocessingml/2006/main">
       <p:transition advClick="1"/>
     </mc:Fallback>
   </mc:AlternateContent>
@@ -6839,13 +6837,13 @@
 </file>
 
 <file path=ppt/slides/slide11.xml><?xml version="1.0" encoding="utf-8"?>
-<p:sld xmlns:a="http://schemas.openxmlformats.org/drawingml/2006/main" xmlns:r="http://schemas.openxmlformats.org/officeDocument/2006/relationships" xmlns:p="http://schemas.openxmlformats.org/presentationml/2006/main" xmlns:m="http://schemas.openxmlformats.org/officeDocument/2006/math" xmlns:w="http://schemas.openxmlformats.org/wordprocessingml/2006/main" showMasterPhAnim="0" show="1">
-  <p:cSld name="">
+<p:sld xmlns:a="http://schemas.openxmlformats.org/drawingml/2006/main" xmlns:r="http://schemas.openxmlformats.org/officeDocument/2006/relationships" xmlns:p="http://schemas.openxmlformats.org/presentationml/2006/main" showMasterPhAnim="0">
+  <p:cSld>
     <p:spTree>
       <p:nvGrpSpPr>
-        <p:cNvPr id="1" name="" hidden="0"/>
+        <p:cNvPr id="1" name=""/>
         <p:cNvGrpSpPr/>
-        <p:nvPr isPhoto="0" userDrawn="0"/>
+        <p:nvPr/>
       </p:nvGrpSpPr>
       <p:grpSpPr bwMode="auto">
         <a:xfrm>
@@ -6857,12 +6855,12 @@
       </p:grpSpPr>
       <p:sp>
         <p:nvSpPr>
-          <p:cNvPr id="3" name="Объект 2" hidden="0"/>
+          <p:cNvPr id="3" name="Объект 2"/>
           <p:cNvSpPr>
             <a:spLocks noGrp="1"/>
           </p:cNvSpPr>
-          <p:nvPr isPhoto="0" userDrawn="0">
-            <p:ph idx="1" hasCustomPrompt="0"/>
+          <p:nvPr>
+            <p:ph idx="1"/>
           </p:nvPr>
         </p:nvSpPr>
         <p:spPr bwMode="auto">
@@ -7034,31 +7032,7 @@
             </a:pPr>
             <a:r>
               <a:rPr lang="ru-RU"/>
-              <a:t>Переопределять виртуальную функцию не обязательно. </a:t>
-            </a:r>
-            <a:r>
-              <a:rPr lang="ru-RU"/>
-              <a:t>Б</a:t>
-            </a:r>
-            <a:r>
-              <a:rPr lang="ru-RU"/>
-              <a:t>ез </a:t>
-            </a:r>
-            <a:r>
-              <a:rPr lang="ru-RU"/>
-              <a:t>э</a:t>
-            </a:r>
-            <a:r>
-              <a:rPr lang="ru-RU"/>
-              <a:t>того она </a:t>
-            </a:r>
-            <a:r>
-              <a:rPr lang="ru-RU"/>
-              <a:t>б</a:t>
-            </a:r>
-            <a:r>
-              <a:rPr lang="ru-RU"/>
-              <a:t>удет обычным методом класса</a:t>
+              <a:t>Переопределять виртуальную функцию не обязательно. Без этого она будет обычным методом класса</a:t>
             </a:r>
             <a:endParaRPr/>
           </a:p>
@@ -7078,12 +7052,12 @@
       </p:sp>
       <p:sp>
         <p:nvSpPr>
-          <p:cNvPr id="4" name="Заголовок 1" hidden="0"/>
+          <p:cNvPr id="4" name="Заголовок 1"/>
           <p:cNvSpPr>
             <a:spLocks noGrp="1"/>
           </p:cNvSpPr>
-          <p:nvPr isPhoto="0" userDrawn="0">
-            <p:ph type="title" hasCustomPrompt="0"/>
+          <p:nvPr>
+            <p:ph type="title"/>
           </p:nvPr>
         </p:nvSpPr>
         <p:spPr bwMode="auto">
@@ -7122,15 +7096,15 @@
       </p:sp>
       <p:pic>
         <p:nvPicPr>
-          <p:cNvPr id="5" name="Рисунок 4" hidden="0"/>
+          <p:cNvPr id="5" name="Рисунок 4"/>
           <p:cNvPicPr>
             <a:picLocks noChangeAspect="1"/>
           </p:cNvPicPr>
-          <p:nvPr isPhoto="0" userDrawn="0"/>
+          <p:nvPr/>
         </p:nvPicPr>
         <p:blipFill>
           <a:blip r:embed="rId2"/>
-          <a:srcRect l="0" t="13693" r="0" b="18254"/>
+          <a:srcRect t="13693" b="18254"/>
           <a:stretch/>
         </p:blipFill>
         <p:spPr bwMode="auto">
@@ -7145,15 +7119,15 @@
       </p:pic>
       <p:pic>
         <p:nvPicPr>
-          <p:cNvPr id="6" name="Рисунок 5" hidden="0"/>
+          <p:cNvPr id="6" name="Рисунок 5"/>
           <p:cNvPicPr>
             <a:picLocks noChangeAspect="1"/>
           </p:cNvPicPr>
-          <p:nvPr isPhoto="0" userDrawn="0"/>
+          <p:nvPr/>
         </p:nvPicPr>
         <p:blipFill>
           <a:blip r:embed="rId3"/>
-          <a:srcRect l="0" t="15043" r="0" b="19757"/>
+          <a:srcRect t="15043" b="19757"/>
           <a:stretch/>
         </p:blipFill>
         <p:spPr bwMode="auto">
@@ -7171,11 +7145,11 @@
   <p:clrMapOvr>
     <a:masterClrMapping/>
   </p:clrMapOvr>
-  <mc:AlternateContent xmlns:mc="http://schemas.openxmlformats.org/markup-compatibility/2006">
-    <mc:Choice xmlns:p14="http://schemas.microsoft.com/office/powerpoint/2010/main" Requires="p14">
-      <p:transition p14:dur="2000" advClick="1"/>
+  <mc:AlternateContent xmlns:mc="http://schemas.openxmlformats.org/markup-compatibility/2006" xmlns:p14="http://schemas.microsoft.com/office/powerpoint/2010/main">
+    <mc:Choice Requires="p14">
+      <p:transition spd="slow" p14:dur="2000"/>
     </mc:Choice>
-    <mc:Fallback>
+    <mc:Fallback xmlns="" xmlns:m="http://schemas.openxmlformats.org/officeDocument/2006/math" xmlns:w="http://schemas.openxmlformats.org/wordprocessingml/2006/main">
       <p:transition advClick="1"/>
     </mc:Fallback>
   </mc:AlternateContent>
@@ -7190,13 +7164,13 @@
 </file>
 
 <file path=ppt/slides/slide12.xml><?xml version="1.0" encoding="utf-8"?>
-<p:sld xmlns:a="http://schemas.openxmlformats.org/drawingml/2006/main" xmlns:r="http://schemas.openxmlformats.org/officeDocument/2006/relationships" xmlns:p="http://schemas.openxmlformats.org/presentationml/2006/main" xmlns:m="http://schemas.openxmlformats.org/officeDocument/2006/math" xmlns:w="http://schemas.openxmlformats.org/wordprocessingml/2006/main" showMasterPhAnim="0" show="1">
-  <p:cSld name="">
+<p:sld xmlns:a="http://schemas.openxmlformats.org/drawingml/2006/main" xmlns:r="http://schemas.openxmlformats.org/officeDocument/2006/relationships" xmlns:p="http://schemas.openxmlformats.org/presentationml/2006/main" showMasterPhAnim="0">
+  <p:cSld>
     <p:spTree>
       <p:nvGrpSpPr>
-        <p:cNvPr id="1" name="" hidden="0"/>
+        <p:cNvPr id="1" name=""/>
         <p:cNvGrpSpPr/>
-        <p:nvPr isPhoto="0" userDrawn="0"/>
+        <p:nvPr/>
       </p:nvGrpSpPr>
       <p:grpSpPr bwMode="auto">
         <a:xfrm>
@@ -7208,18 +7182,18 @@
       </p:grpSpPr>
       <p:sp>
         <p:nvSpPr>
-          <p:cNvPr id="996611666" name="Content Placeholder 2" hidden="0"/>
+          <p:cNvPr id="3" name="Объект 2"/>
           <p:cNvSpPr>
             <a:spLocks noGrp="1"/>
           </p:cNvSpPr>
-          <p:nvPr isPhoto="0" userDrawn="0">
-            <p:ph idx="1" hasCustomPrompt="0"/>
+          <p:nvPr>
+            <p:ph idx="1"/>
           </p:nvPr>
         </p:nvSpPr>
         <p:spPr bwMode="auto">
-          <a:xfrm flipH="0" flipV="0">
-            <a:off x="8516172" y="1924438"/>
-            <a:ext cx="3265922" cy="3145315"/>
+          <a:xfrm>
+            <a:off x="546538" y="1477417"/>
+            <a:ext cx="11235558" cy="1255273"/>
           </a:xfrm>
           <a:prstGeom prst="rect">
             <a:avLst/>
@@ -7229,68 +7203,54 @@
           </a:solidFill>
         </p:spPr>
         <p:txBody>
-          <a:bodyPr/>
+          <a:bodyPr>
+            <a:normAutofit/>
+          </a:bodyPr>
           <a:lstStyle/>
           <a:p>
             <a:pPr>
-              <a:buClr>
-                <a:schemeClr val="accent1"/>
-              </a:buClr>
-              <a:buSzPct val="80000"/>
-              <a:buFont typeface="Wingdings"/>
-              <a:buChar char="Ø"/>
-              <a:defRPr/>
-            </a:pPr>
-            <a:r>
-              <a:rPr/>
-              <a:t>Каждый класс имеет свою таблицу виртуальных методов (vtable)</a:t>
+              <a:defRPr/>
+            </a:pPr>
+            <a:r>
+              <a:rPr lang="ru-RU" sz="2000"/>
+              <a:t>Часто на практике определение виртуальной функции в базовом классе бесполезно – оно никогда не будет использоваться</a:t>
             </a:r>
             <a:endParaRPr/>
           </a:p>
           <a:p>
             <a:pPr>
-              <a:buClr>
-                <a:schemeClr val="accent1"/>
-              </a:buClr>
-              <a:buSzPct val="80000"/>
-              <a:buFont typeface="Wingdings"/>
-              <a:buChar char="Ø"/>
-              <a:defRPr/>
-            </a:pPr>
-            <a:r>
-              <a:rPr/>
-              <a:t>Vtable общая для всех объектов одного класса, т.е. дейсвует как статическая переменная-член данных</a:t>
-            </a:r>
-            <a:endParaRPr/>
-          </a:p>
-          <a:p>
-            <a:pPr>
-              <a:buClr>
-                <a:schemeClr val="accent1"/>
-              </a:buClr>
-              <a:buSzPct val="80000"/>
-              <a:buFont typeface="Wingdings"/>
-              <a:buChar char="Ø"/>
-              <a:defRPr/>
-            </a:pPr>
-            <a:endParaRPr/>
+              <a:defRPr/>
+            </a:pPr>
+            <a:r>
+              <a:rPr lang="ru-RU" sz="2000"/>
+              <a:t>Такую функцию можно объявить как чисто виртуальную (</a:t>
+            </a:r>
+            <a:r>
+              <a:rPr lang="en-US" sz="2000"/>
+              <a:t>pure virtual</a:t>
+            </a:r>
+            <a:r>
+              <a:rPr lang="ru-RU" sz="2000"/>
+              <a:t>):</a:t>
+            </a:r>
+            <a:endParaRPr lang="en-US" sz="2000"/>
           </a:p>
         </p:txBody>
       </p:sp>
       <p:sp>
         <p:nvSpPr>
-          <p:cNvPr id="143378604" name="Заголовок 1" hidden="0"/>
+          <p:cNvPr id="4" name="Заголовок 1"/>
           <p:cNvSpPr>
             <a:spLocks noGrp="1"/>
           </p:cNvSpPr>
-          <p:nvPr isPhoto="0" userDrawn="0">
-            <p:ph type="title" hasCustomPrompt="0"/>
+          <p:nvPr>
+            <p:ph type="title"/>
           </p:nvPr>
         </p:nvSpPr>
         <p:spPr bwMode="auto">
-          <a:xfrm flipH="0" flipV="0">
-            <a:off x="546537" y="269865"/>
-            <a:ext cx="11235557" cy="624318"/>
+          <a:xfrm>
+            <a:off x="546538" y="269865"/>
+            <a:ext cx="11235558" cy="845271"/>
           </a:xfrm>
           <a:prstGeom prst="rect">
             <a:avLst/>
@@ -7315,7 +7275,7 @@
             </a:pPr>
             <a:r>
               <a:rPr lang="ru-RU"/>
-              <a:t>Полиморфизм. vtable</a:t>
+              <a:t>Полиморфизм. Абстрактные классы</a:t>
             </a:r>
             <a:endParaRPr lang="en-US"/>
           </a:p>
@@ -7323,18 +7283,467 @@
       </p:sp>
       <p:pic>
         <p:nvPicPr>
-          <p:cNvPr id="1531504865" name="" hidden="0"/>
+          <p:cNvPr id="5" name="Рисунок 4"/>
           <p:cNvPicPr>
             <a:picLocks noChangeAspect="1"/>
           </p:cNvPicPr>
-          <p:nvPr isPhoto="0" userDrawn="0"/>
+          <p:nvPr/>
         </p:nvPicPr>
         <p:blipFill>
           <a:blip r:embed="rId2"/>
           <a:stretch/>
         </p:blipFill>
         <p:spPr bwMode="auto">
-          <a:xfrm flipH="0" flipV="0">
+          <a:xfrm>
+            <a:off x="1841451" y="3160987"/>
+            <a:ext cx="8046679" cy="356048"/>
+          </a:xfrm>
+          <a:prstGeom prst="rect">
+            <a:avLst/>
+          </a:prstGeom>
+        </p:spPr>
+      </p:pic>
+      <p:sp>
+        <p:nvSpPr>
+          <p:cNvPr id="6" name="Объект 2"/>
+          <p:cNvSpPr txBox="1"/>
+          <p:nvPr/>
+        </p:nvSpPr>
+        <p:spPr bwMode="auto">
+          <a:xfrm>
+            <a:off x="546538" y="3970305"/>
+            <a:ext cx="11235558" cy="2329343"/>
+          </a:xfrm>
+          <a:prstGeom prst="rect">
+            <a:avLst/>
+          </a:prstGeom>
+          <a:solidFill>
+            <a:schemeClr val="bg1"/>
+          </a:solidFill>
+        </p:spPr>
+        <p:txBody>
+          <a:bodyPr vert="horz" lIns="91440" tIns="45720" rIns="91440" bIns="45720" rtlCol="0">
+            <a:normAutofit/>
+          </a:bodyPr>
+          <a:lstStyle>
+            <a:lvl1pPr marL="342900" indent="-342900" algn="l" defTabSz="457200">
+              <a:spcBef>
+                <a:spcPts val="1000"/>
+              </a:spcBef>
+              <a:spcAft>
+                <a:spcPts val="0"/>
+              </a:spcAft>
+              <a:buClr>
+                <a:schemeClr val="accent1"/>
+              </a:buClr>
+              <a:buSzPct val="80000"/>
+              <a:buFont typeface="Wingdings 3"/>
+              <a:buChar char=""/>
+              <a:defRPr sz="1800">
+                <a:solidFill>
+                  <a:schemeClr val="tx1">
+                    <a:lumMod val="75000"/>
+                    <a:lumOff val="25000"/>
+                  </a:schemeClr>
+                </a:solidFill>
+                <a:latin typeface="+mn-lt"/>
+                <a:ea typeface="+mn-ea"/>
+                <a:cs typeface="+mn-cs"/>
+              </a:defRPr>
+            </a:lvl1pPr>
+            <a:lvl2pPr marL="742950" indent="-285750" algn="l" defTabSz="457200">
+              <a:spcBef>
+                <a:spcPts val="1000"/>
+              </a:spcBef>
+              <a:spcAft>
+                <a:spcPts val="0"/>
+              </a:spcAft>
+              <a:buClr>
+                <a:schemeClr val="accent1"/>
+              </a:buClr>
+              <a:buSzPct val="80000"/>
+              <a:buFont typeface="Wingdings 3"/>
+              <a:buChar char=""/>
+              <a:defRPr sz="1600">
+                <a:solidFill>
+                  <a:schemeClr val="tx1">
+                    <a:lumMod val="75000"/>
+                    <a:lumOff val="25000"/>
+                  </a:schemeClr>
+                </a:solidFill>
+                <a:latin typeface="+mn-lt"/>
+                <a:ea typeface="+mn-ea"/>
+                <a:cs typeface="+mn-cs"/>
+              </a:defRPr>
+            </a:lvl2pPr>
+            <a:lvl3pPr marL="1143000" indent="-228600" algn="l" defTabSz="457200">
+              <a:spcBef>
+                <a:spcPts val="1000"/>
+              </a:spcBef>
+              <a:spcAft>
+                <a:spcPts val="0"/>
+              </a:spcAft>
+              <a:buClr>
+                <a:schemeClr val="accent1"/>
+              </a:buClr>
+              <a:buSzPct val="80000"/>
+              <a:buFont typeface="Wingdings 3"/>
+              <a:buChar char=""/>
+              <a:defRPr sz="1400">
+                <a:solidFill>
+                  <a:schemeClr val="tx1">
+                    <a:lumMod val="75000"/>
+                    <a:lumOff val="25000"/>
+                  </a:schemeClr>
+                </a:solidFill>
+                <a:latin typeface="+mn-lt"/>
+                <a:ea typeface="+mn-ea"/>
+                <a:cs typeface="+mn-cs"/>
+              </a:defRPr>
+            </a:lvl3pPr>
+            <a:lvl4pPr marL="1600200" indent="-228600" algn="l" defTabSz="457200">
+              <a:spcBef>
+                <a:spcPts val="1000"/>
+              </a:spcBef>
+              <a:spcAft>
+                <a:spcPts val="0"/>
+              </a:spcAft>
+              <a:buClr>
+                <a:schemeClr val="accent1"/>
+              </a:buClr>
+              <a:buSzPct val="80000"/>
+              <a:buFont typeface="Wingdings 3"/>
+              <a:buChar char=""/>
+              <a:defRPr sz="1200">
+                <a:solidFill>
+                  <a:schemeClr val="tx1">
+                    <a:lumMod val="75000"/>
+                    <a:lumOff val="25000"/>
+                  </a:schemeClr>
+                </a:solidFill>
+                <a:latin typeface="+mn-lt"/>
+                <a:ea typeface="+mn-ea"/>
+                <a:cs typeface="+mn-cs"/>
+              </a:defRPr>
+            </a:lvl4pPr>
+            <a:lvl5pPr marL="2057400" indent="-228600" algn="l" defTabSz="457200">
+              <a:spcBef>
+                <a:spcPts val="1000"/>
+              </a:spcBef>
+              <a:spcAft>
+                <a:spcPts val="0"/>
+              </a:spcAft>
+              <a:buClr>
+                <a:schemeClr val="accent1"/>
+              </a:buClr>
+              <a:buSzPct val="80000"/>
+              <a:buFont typeface="Wingdings 3"/>
+              <a:buChar char=""/>
+              <a:defRPr sz="1200">
+                <a:solidFill>
+                  <a:schemeClr val="tx1">
+                    <a:lumMod val="75000"/>
+                    <a:lumOff val="25000"/>
+                  </a:schemeClr>
+                </a:solidFill>
+                <a:latin typeface="+mn-lt"/>
+                <a:ea typeface="+mn-ea"/>
+                <a:cs typeface="+mn-cs"/>
+              </a:defRPr>
+            </a:lvl5pPr>
+            <a:lvl6pPr marL="2514600" indent="-228600" algn="l" defTabSz="457200">
+              <a:spcBef>
+                <a:spcPts val="1000"/>
+              </a:spcBef>
+              <a:spcAft>
+                <a:spcPts val="0"/>
+              </a:spcAft>
+              <a:buClr>
+                <a:schemeClr val="accent1"/>
+              </a:buClr>
+              <a:buSzPct val="80000"/>
+              <a:buFont typeface="Wingdings 3"/>
+              <a:buChar char=""/>
+              <a:defRPr sz="1200">
+                <a:solidFill>
+                  <a:schemeClr val="tx1">
+                    <a:lumMod val="75000"/>
+                    <a:lumOff val="25000"/>
+                  </a:schemeClr>
+                </a:solidFill>
+                <a:latin typeface="+mn-lt"/>
+                <a:ea typeface="+mn-ea"/>
+                <a:cs typeface="+mn-cs"/>
+              </a:defRPr>
+            </a:lvl6pPr>
+            <a:lvl7pPr marL="2971800" indent="-228600" algn="l" defTabSz="457200">
+              <a:spcBef>
+                <a:spcPts val="1000"/>
+              </a:spcBef>
+              <a:spcAft>
+                <a:spcPts val="0"/>
+              </a:spcAft>
+              <a:buClr>
+                <a:schemeClr val="accent1"/>
+              </a:buClr>
+              <a:buSzPct val="80000"/>
+              <a:buFont typeface="Wingdings 3"/>
+              <a:buChar char=""/>
+              <a:defRPr sz="1200">
+                <a:solidFill>
+                  <a:schemeClr val="tx1">
+                    <a:lumMod val="75000"/>
+                    <a:lumOff val="25000"/>
+                  </a:schemeClr>
+                </a:solidFill>
+                <a:latin typeface="+mn-lt"/>
+                <a:ea typeface="+mn-ea"/>
+                <a:cs typeface="+mn-cs"/>
+              </a:defRPr>
+            </a:lvl7pPr>
+            <a:lvl8pPr marL="3429000" indent="-228600" algn="l" defTabSz="457200">
+              <a:spcBef>
+                <a:spcPts val="1000"/>
+              </a:spcBef>
+              <a:spcAft>
+                <a:spcPts val="0"/>
+              </a:spcAft>
+              <a:buClr>
+                <a:schemeClr val="accent1"/>
+              </a:buClr>
+              <a:buSzPct val="80000"/>
+              <a:buFont typeface="Wingdings 3"/>
+              <a:buChar char=""/>
+              <a:defRPr sz="1200">
+                <a:solidFill>
+                  <a:schemeClr val="tx1">
+                    <a:lumMod val="75000"/>
+                    <a:lumOff val="25000"/>
+                  </a:schemeClr>
+                </a:solidFill>
+                <a:latin typeface="+mn-lt"/>
+                <a:ea typeface="+mn-ea"/>
+                <a:cs typeface="+mn-cs"/>
+              </a:defRPr>
+            </a:lvl8pPr>
+            <a:lvl9pPr marL="3886200" indent="-228600" algn="l" defTabSz="457200">
+              <a:spcBef>
+                <a:spcPts val="1000"/>
+              </a:spcBef>
+              <a:spcAft>
+                <a:spcPts val="0"/>
+              </a:spcAft>
+              <a:buClr>
+                <a:schemeClr val="accent1"/>
+              </a:buClr>
+              <a:buSzPct val="80000"/>
+              <a:buFont typeface="Wingdings 3"/>
+              <a:buChar char=""/>
+              <a:defRPr sz="1200">
+                <a:solidFill>
+                  <a:schemeClr val="tx1">
+                    <a:lumMod val="75000"/>
+                    <a:lumOff val="25000"/>
+                  </a:schemeClr>
+                </a:solidFill>
+                <a:latin typeface="+mn-lt"/>
+                <a:ea typeface="+mn-ea"/>
+                <a:cs typeface="+mn-cs"/>
+              </a:defRPr>
+            </a:lvl9pPr>
+          </a:lstStyle>
+          <a:p>
+            <a:pPr>
+              <a:defRPr/>
+            </a:pPr>
+            <a:r>
+              <a:rPr lang="ru-RU" sz="2000"/>
+              <a:t>Класс, содержащий хотя бы одну чисто виртуальную функцию, называется абстрактным классом</a:t>
+            </a:r>
+            <a:endParaRPr/>
+          </a:p>
+          <a:p>
+            <a:pPr>
+              <a:defRPr/>
+            </a:pPr>
+            <a:r>
+              <a:rPr lang="ru-RU" sz="2000"/>
+              <a:t>Создать объект такого класса нельзя</a:t>
+            </a:r>
+            <a:endParaRPr/>
+          </a:p>
+          <a:p>
+            <a:pPr>
+              <a:defRPr/>
+            </a:pPr>
+            <a:r>
+              <a:rPr lang="ru-RU" sz="2000"/>
+              <a:t>Производные классы абстрактного класса обязательно должны переопределить чисто витруальную функцию!</a:t>
+            </a:r>
+            <a:endParaRPr lang="en-US" sz="2000"/>
+          </a:p>
+        </p:txBody>
+      </p:sp>
+    </p:spTree>
+  </p:cSld>
+  <p:clrMapOvr>
+    <a:masterClrMapping/>
+  </p:clrMapOvr>
+  <mc:AlternateContent xmlns:mc="http://schemas.openxmlformats.org/markup-compatibility/2006" xmlns:p14="http://schemas.microsoft.com/office/powerpoint/2010/main">
+    <mc:Choice Requires="p14">
+      <p:transition spd="slow" p14:dur="2000"/>
+    </mc:Choice>
+    <mc:Fallback xmlns="" xmlns:m="http://schemas.openxmlformats.org/officeDocument/2006/math" xmlns:w="http://schemas.openxmlformats.org/wordprocessingml/2006/main">
+      <p:transition advClick="1"/>
+    </mc:Fallback>
+  </mc:AlternateContent>
+</p:sld>
+</file>
+
+<file path=ppt/slides/slide13.xml><?xml version="1.0" encoding="utf-8"?>
+<p:sld xmlns:a="http://schemas.openxmlformats.org/drawingml/2006/main" xmlns:r="http://schemas.openxmlformats.org/officeDocument/2006/relationships" xmlns:p="http://schemas.openxmlformats.org/presentationml/2006/main" showMasterPhAnim="0">
+  <p:cSld>
+    <p:spTree>
+      <p:nvGrpSpPr>
+        <p:cNvPr id="1" name=""/>
+        <p:cNvGrpSpPr/>
+        <p:nvPr/>
+      </p:nvGrpSpPr>
+      <p:grpSpPr bwMode="auto">
+        <a:xfrm>
+          <a:off x="0" y="0"/>
+          <a:ext cx="0" cy="0"/>
+          <a:chOff x="0" y="0"/>
+          <a:chExt cx="0" cy="0"/>
+        </a:xfrm>
+      </p:grpSpPr>
+      <p:sp>
+        <p:nvSpPr>
+          <p:cNvPr id="996611666" name="Content Placeholder 2"/>
+          <p:cNvSpPr>
+            <a:spLocks noGrp="1"/>
+          </p:cNvSpPr>
+          <p:nvPr>
+            <p:ph idx="1"/>
+          </p:nvPr>
+        </p:nvSpPr>
+        <p:spPr bwMode="auto">
+          <a:xfrm>
+            <a:off x="8516172" y="1924438"/>
+            <a:ext cx="3265922" cy="3145315"/>
+          </a:xfrm>
+          <a:prstGeom prst="rect">
+            <a:avLst/>
+          </a:prstGeom>
+          <a:solidFill>
+            <a:schemeClr val="bg1"/>
+          </a:solidFill>
+        </p:spPr>
+        <p:txBody>
+          <a:bodyPr/>
+          <a:lstStyle/>
+          <a:p>
+            <a:pPr>
+              <a:buClr>
+                <a:schemeClr val="accent1"/>
+              </a:buClr>
+              <a:buSzPct val="80000"/>
+              <a:buFont typeface="Wingdings"/>
+              <a:buChar char="Ø"/>
+              <a:defRPr/>
+            </a:pPr>
+            <a:r>
+              <a:rPr/>
+              <a:t>Каждый класс имеет свою таблицу виртуальных методов (vtable)</a:t>
+            </a:r>
+          </a:p>
+          <a:p>
+            <a:pPr>
+              <a:buClr>
+                <a:schemeClr val="accent1"/>
+              </a:buClr>
+              <a:buSzPct val="80000"/>
+              <a:buFont typeface="Wingdings"/>
+              <a:buChar char="Ø"/>
+              <a:defRPr/>
+            </a:pPr>
+            <a:r>
+              <a:rPr/>
+              <a:t>Vtable общая для всех объектов одного класса, т.е. дейсвует как статическая переменная-член данных</a:t>
+            </a:r>
+          </a:p>
+          <a:p>
+            <a:pPr>
+              <a:buClr>
+                <a:schemeClr val="accent1"/>
+              </a:buClr>
+              <a:buSzPct val="80000"/>
+              <a:buFont typeface="Wingdings"/>
+              <a:buChar char="Ø"/>
+              <a:defRPr/>
+            </a:pPr>
+            <a:endParaRPr/>
+          </a:p>
+        </p:txBody>
+      </p:sp>
+      <p:sp>
+        <p:nvSpPr>
+          <p:cNvPr id="143378604" name="Заголовок 1"/>
+          <p:cNvSpPr>
+            <a:spLocks noGrp="1"/>
+          </p:cNvSpPr>
+          <p:nvPr>
+            <p:ph type="title"/>
+          </p:nvPr>
+        </p:nvSpPr>
+        <p:spPr bwMode="auto">
+          <a:xfrm>
+            <a:off x="546537" y="269865"/>
+            <a:ext cx="11235557" cy="624318"/>
+          </a:xfrm>
+          <a:prstGeom prst="rect">
+            <a:avLst/>
+          </a:prstGeom>
+          <a:solidFill>
+            <a:schemeClr val="bg1"/>
+          </a:solidFill>
+          <a:ln>
+            <a:solidFill>
+              <a:schemeClr val="tx1"/>
+            </a:solidFill>
+          </a:ln>
+        </p:spPr>
+        <p:txBody>
+          <a:bodyPr>
+            <a:normAutofit fontScale="90000"/>
+          </a:bodyPr>
+          <a:lstStyle/>
+          <a:p>
+            <a:pPr algn="ctr">
+              <a:defRPr/>
+            </a:pPr>
+            <a:r>
+              <a:rPr lang="ru-RU"/>
+              <a:t>Полиморфизм. vtable</a:t>
+            </a:r>
+            <a:endParaRPr lang="en-US"/>
+          </a:p>
+        </p:txBody>
+      </p:sp>
+      <p:pic>
+        <p:nvPicPr>
+          <p:cNvPr id="1531504865" name="Рисунок 1531504864"/>
+          <p:cNvPicPr>
+            <a:picLocks noChangeAspect="1"/>
+          </p:cNvPicPr>
+          <p:nvPr/>
+        </p:nvPicPr>
+        <p:blipFill>
+          <a:blip r:embed="rId2"/>
+          <a:stretch/>
+        </p:blipFill>
+        <p:spPr bwMode="auto">
+          <a:xfrm>
             <a:off x="743256" y="1730050"/>
             <a:ext cx="7772917" cy="3747916"/>
           </a:xfrm>
@@ -7345,14 +7754,14 @@
       </p:pic>
       <p:sp>
         <p:nvSpPr>
-          <p:cNvPr id="249792234" name="Content Placeholder 2" hidden="0"/>
+          <p:cNvPr id="249792234" name="Content Placeholder 2"/>
           <p:cNvSpPr>
             <a:spLocks noGrp="1"/>
           </p:cNvSpPr>
-          <p:nvPr isPhoto="0" userDrawn="0"/>
+          <p:nvPr/>
         </p:nvSpPr>
         <p:spPr bwMode="auto">
-          <a:xfrm flipH="0" flipV="0">
+          <a:xfrm>
             <a:off x="536555" y="5400213"/>
             <a:ext cx="11245539" cy="1286724"/>
           </a:xfrm>
@@ -7364,7 +7773,7 @@
           </a:solidFill>
         </p:spPr>
         <p:txBody>
-          <a:bodyPr vertOverflow="overflow" horzOverflow="clip" vert="horz" wrap="square" lIns="91440" tIns="45720" rIns="91440" bIns="45720" numCol="1" spcCol="0" rtlCol="0" fromWordArt="0" anchor="t" anchorCtr="0" forceAA="0" upright="0" compatLnSpc="0">
+          <a:bodyPr vertOverflow="overflow" horzOverflow="clip" vert="horz" wrap="square" lIns="91440" tIns="45720" rIns="91440" bIns="45720" numCol="1" spcCol="0" rtlCol="0" fromWordArt="0" anchor="t" anchorCtr="0" forceAA="0" compatLnSpc="0">
             <a:normAutofit/>
           </a:bodyPr>
           <a:lstStyle>
@@ -7608,7 +8017,6 @@
               <a:rPr/>
               <a:t>Vtable общая для всех объектов одного класса, т.е. дейсвует как статическая переменная-член данных</a:t>
             </a:r>
-            <a:endParaRPr/>
           </a:p>
           <a:p>
             <a:pPr>
@@ -7624,20 +8032,19 @@
               <a:rPr/>
               <a:t>Vtable определяется в “самом базовом” классе и наследуется его производными классами</a:t>
             </a:r>
-            <a:endParaRPr/>
           </a:p>
         </p:txBody>
       </p:sp>
       <p:sp>
         <p:nvSpPr>
-          <p:cNvPr id="172110094" name="Content Placeholder 2" hidden="0"/>
+          <p:cNvPr id="172110094" name="Content Placeholder 2"/>
           <p:cNvSpPr>
             <a:spLocks noGrp="1"/>
           </p:cNvSpPr>
-          <p:nvPr isPhoto="0" userDrawn="0"/>
+          <p:nvPr/>
         </p:nvSpPr>
         <p:spPr bwMode="auto">
-          <a:xfrm flipH="0" flipV="0">
+          <a:xfrm>
             <a:off x="546537" y="1007050"/>
             <a:ext cx="11245538" cy="723000"/>
           </a:xfrm>
@@ -7649,7 +8056,7 @@
           </a:solidFill>
         </p:spPr>
         <p:txBody>
-          <a:bodyPr vertOverflow="overflow" horzOverflow="clip" vert="horz" wrap="square" lIns="91440" tIns="45720" rIns="91440" bIns="45720" numCol="1" spcCol="0" rtlCol="0" fromWordArt="0" anchor="t" anchorCtr="0" forceAA="0" upright="0" compatLnSpc="0">
+          <a:bodyPr vertOverflow="overflow" horzOverflow="clip" vert="horz" wrap="square" lIns="91440" tIns="45720" rIns="91440" bIns="45720" numCol="1" spcCol="0" rtlCol="0" fromWordArt="0" anchor="t" anchorCtr="0" forceAA="0" compatLnSpc="0">
             <a:normAutofit/>
           </a:bodyPr>
           <a:lstStyle>
@@ -7893,7 +8300,6 @@
               <a:rPr/>
               <a:t>На уровне компилятора полиморфизм реализуется при помощи таблицы виртуальных методов - vtable </a:t>
             </a:r>
-            <a:endParaRPr/>
           </a:p>
         </p:txBody>
       </p:sp>
@@ -7902,25 +8308,25 @@
   <p:clrMapOvr>
     <a:masterClrMapping/>
   </p:clrMapOvr>
-  <mc:AlternateContent xmlns:mc="http://schemas.openxmlformats.org/markup-compatibility/2006">
-    <mc:Choice xmlns:p14="http://schemas.microsoft.com/office/powerpoint/2010/main" Requires="p14">
-      <p:transition p14:dur="2000" advClick="1"/>
+  <mc:AlternateContent xmlns:mc="http://schemas.openxmlformats.org/markup-compatibility/2006" xmlns:p14="http://schemas.microsoft.com/office/powerpoint/2010/main">
+    <mc:Choice Requires="p14">
+      <p:transition spd="slow" p14:dur="2000"/>
     </mc:Choice>
-    <mc:Fallback>
+    <mc:Fallback xmlns="" xmlns:m="http://schemas.openxmlformats.org/officeDocument/2006/math" xmlns:w="http://schemas.openxmlformats.org/wordprocessingml/2006/main">
       <p:transition advClick="1"/>
     </mc:Fallback>
   </mc:AlternateContent>
 </p:sld>
 </file>
 
-<file path=ppt/slides/slide13.xml><?xml version="1.0" encoding="utf-8"?>
-<p:sld xmlns:a="http://schemas.openxmlformats.org/drawingml/2006/main" xmlns:r="http://schemas.openxmlformats.org/officeDocument/2006/relationships" xmlns:p="http://schemas.openxmlformats.org/presentationml/2006/main" xmlns:m="http://schemas.openxmlformats.org/officeDocument/2006/math" xmlns:w="http://schemas.openxmlformats.org/wordprocessingml/2006/main" showMasterPhAnim="0" show="1">
-  <p:cSld name="">
+<file path=ppt/slides/slide14.xml><?xml version="1.0" encoding="utf-8"?>
+<p:sld xmlns:a="http://schemas.openxmlformats.org/drawingml/2006/main" xmlns:r="http://schemas.openxmlformats.org/officeDocument/2006/relationships" xmlns:p="http://schemas.openxmlformats.org/presentationml/2006/main" showMasterPhAnim="0">
+  <p:cSld>
     <p:spTree>
       <p:nvGrpSpPr>
-        <p:cNvPr id="1" name="" hidden="0"/>
+        <p:cNvPr id="1" name=""/>
         <p:cNvGrpSpPr/>
-        <p:nvPr isPhoto="0" userDrawn="0"/>
+        <p:nvPr/>
       </p:nvGrpSpPr>
       <p:grpSpPr bwMode="auto">
         <a:xfrm>
@@ -7932,12 +8338,12 @@
       </p:grpSpPr>
       <p:sp>
         <p:nvSpPr>
-          <p:cNvPr id="785436596" name="Заголовок 1" hidden="0"/>
+          <p:cNvPr id="785436596" name="Заголовок 1"/>
           <p:cNvSpPr>
             <a:spLocks noGrp="1"/>
           </p:cNvSpPr>
-          <p:nvPr isPhoto="0" userDrawn="0">
-            <p:ph type="title" hasCustomPrompt="0"/>
+          <p:nvPr>
+            <p:ph type="title"/>
           </p:nvPr>
         </p:nvSpPr>
         <p:spPr bwMode="auto">
@@ -7976,19 +8382,19 @@
       </p:sp>
       <p:pic>
         <p:nvPicPr>
-          <p:cNvPr id="1921053732" name="" hidden="0"/>
+          <p:cNvPr id="1921053732" name="Рисунок 1921053731"/>
           <p:cNvPicPr>
             <a:picLocks noChangeAspect="1"/>
           </p:cNvPicPr>
-          <p:nvPr isPhoto="0" userDrawn="0"/>
+          <p:nvPr/>
         </p:nvPicPr>
         <p:blipFill>
           <a:blip r:embed="rId2"/>
-          <a:srcRect l="0" t="52384" r="0" b="34129"/>
+          <a:srcRect t="52384" b="34129"/>
           <a:stretch/>
         </p:blipFill>
         <p:spPr bwMode="auto">
-          <a:xfrm flipH="0" flipV="0">
+          <a:xfrm>
             <a:off x="611935" y="1891514"/>
             <a:ext cx="11104761" cy="719233"/>
           </a:xfrm>
@@ -7999,18 +8405,18 @@
       </p:pic>
       <p:pic>
         <p:nvPicPr>
-          <p:cNvPr id="2120815292" name="" hidden="0"/>
+          <p:cNvPr id="2120815292" name="Рисунок 2120815291"/>
           <p:cNvPicPr>
             <a:picLocks noChangeAspect="1"/>
           </p:cNvPicPr>
-          <p:nvPr isPhoto="0" userDrawn="0"/>
+          <p:nvPr/>
         </p:nvPicPr>
         <p:blipFill>
           <a:blip r:embed="rId3"/>
           <a:stretch/>
         </p:blipFill>
         <p:spPr bwMode="auto">
-          <a:xfrm flipH="0" flipV="0">
+          <a:xfrm>
             <a:off x="631089" y="3457398"/>
             <a:ext cx="11104761" cy="2687108"/>
           </a:xfrm>
@@ -8021,14 +8427,14 @@
       </p:pic>
       <p:sp>
         <p:nvSpPr>
-          <p:cNvPr id="1800028406" name="Content Placeholder 2" hidden="0"/>
+          <p:cNvPr id="1800028406" name="Content Placeholder 2"/>
           <p:cNvSpPr>
             <a:spLocks noGrp="1"/>
           </p:cNvSpPr>
-          <p:nvPr isPhoto="0" userDrawn="0"/>
+          <p:nvPr/>
         </p:nvSpPr>
         <p:spPr bwMode="auto">
-          <a:xfrm flipH="0" flipV="0">
+          <a:xfrm>
             <a:off x="490312" y="2684737"/>
             <a:ext cx="11245538" cy="722999"/>
           </a:xfrm>
@@ -8040,7 +8446,7 @@
           </a:solidFill>
         </p:spPr>
         <p:txBody>
-          <a:bodyPr vertOverflow="overflow" horzOverflow="clip" vert="horz" wrap="square" lIns="91440" tIns="45720" rIns="91440" bIns="45720" numCol="1" spcCol="0" rtlCol="0" fromWordArt="0" anchor="t" anchorCtr="0" forceAA="0" upright="0" compatLnSpc="0">
+          <a:bodyPr vertOverflow="overflow" horzOverflow="clip" vert="horz" wrap="square" lIns="91440" tIns="45720" rIns="91440" bIns="45720" numCol="1" spcCol="0" rtlCol="0" fromWordArt="0" anchor="t" anchorCtr="0" forceAA="0" compatLnSpc="0">
             <a:normAutofit/>
           </a:bodyPr>
           <a:lstStyle>
@@ -8284,20 +8690,19 @@
               <a:rPr/>
               <a:t>Дамп 300 байт памяти начиная с адреса 0x404500 – адрес 0x404510 смещен на 16 (0x10) байт от начала  vtable</a:t>
             </a:r>
-            <a:endParaRPr/>
           </a:p>
         </p:txBody>
       </p:sp>
       <p:sp>
         <p:nvSpPr>
-          <p:cNvPr id="545771629" name="Content Placeholder 2" hidden="0"/>
+          <p:cNvPr id="545771629" name="Content Placeholder 2"/>
           <p:cNvSpPr>
             <a:spLocks noGrp="1"/>
           </p:cNvSpPr>
-          <p:nvPr isPhoto="0" userDrawn="0"/>
+          <p:nvPr/>
         </p:nvSpPr>
         <p:spPr bwMode="auto">
-          <a:xfrm flipH="0" flipV="0">
+          <a:xfrm>
             <a:off x="548628" y="6300348"/>
             <a:ext cx="11245538" cy="518894"/>
           </a:xfrm>
@@ -8309,7 +8714,7 @@
           </a:solidFill>
         </p:spPr>
         <p:txBody>
-          <a:bodyPr vertOverflow="overflow" horzOverflow="clip" vert="horz" wrap="square" lIns="91440" tIns="45720" rIns="91440" bIns="45720" numCol="1" spcCol="0" rtlCol="0" fromWordArt="0" anchor="t" anchorCtr="0" forceAA="0" upright="0" compatLnSpc="0">
+          <a:bodyPr vertOverflow="overflow" horzOverflow="clip" vert="horz" wrap="square" lIns="91440" tIns="45720" rIns="91440" bIns="45720" numCol="1" spcCol="0" rtlCol="0" fromWordArt="0" anchor="t" anchorCtr="0" forceAA="0" compatLnSpc="0">
             <a:normAutofit/>
           </a:bodyPr>
           <a:lstStyle>
@@ -8551,26 +8956,21 @@
             </a:pPr>
             <a:r>
               <a:rPr/>
-              <a:t>В </a:t>
-            </a:r>
-            <a:r>
-              <a:rPr/>
-              <a:t>vtable также записаны адреса в памяти - 64 b LE</a:t>
-            </a:r>
-            <a:endParaRPr/>
+              <a:t>В vtable также записаны адреса в памяти - 64 b LE</a:t>
+            </a:r>
           </a:p>
         </p:txBody>
       </p:sp>
       <p:sp>
         <p:nvSpPr>
-          <p:cNvPr id="19177118" name="Content Placeholder 2" hidden="0"/>
+          <p:cNvPr id="19177118" name="Content Placeholder 2"/>
           <p:cNvSpPr>
             <a:spLocks noGrp="1"/>
           </p:cNvSpPr>
-          <p:nvPr isPhoto="0" userDrawn="0"/>
+          <p:nvPr/>
         </p:nvSpPr>
         <p:spPr bwMode="auto">
-          <a:xfrm flipH="0" flipV="0">
+          <a:xfrm>
             <a:off x="536556" y="1115136"/>
             <a:ext cx="11245538" cy="722999"/>
           </a:xfrm>
@@ -8582,7 +8982,7 @@
           </a:solidFill>
         </p:spPr>
         <p:txBody>
-          <a:bodyPr vertOverflow="overflow" horzOverflow="clip" vert="horz" wrap="square" lIns="91440" tIns="45720" rIns="91440" bIns="45720" numCol="1" spcCol="0" rtlCol="0" fromWordArt="0" anchor="t" anchorCtr="0" forceAA="0" upright="0" compatLnSpc="0">
+          <a:bodyPr vertOverflow="overflow" horzOverflow="clip" vert="horz" wrap="square" lIns="91440" tIns="45720" rIns="91440" bIns="45720" numCol="1" spcCol="0" rtlCol="0" fromWordArt="0" anchor="t" anchorCtr="0" forceAA="0" compatLnSpc="0">
             <a:normAutofit/>
           </a:bodyPr>
           <a:lstStyle>
@@ -8854,25 +9254,25 @@
   <p:clrMapOvr>
     <a:masterClrMapping/>
   </p:clrMapOvr>
-  <mc:AlternateContent xmlns:mc="http://schemas.openxmlformats.org/markup-compatibility/2006">
-    <mc:Choice xmlns:p14="http://schemas.microsoft.com/office/powerpoint/2010/main" Requires="p14">
-      <p:transition p14:dur="2000" advClick="1"/>
+  <mc:AlternateContent xmlns:mc="http://schemas.openxmlformats.org/markup-compatibility/2006" xmlns:p14="http://schemas.microsoft.com/office/powerpoint/2010/main">
+    <mc:Choice Requires="p14">
+      <p:transition spd="slow" p14:dur="2000"/>
     </mc:Choice>
-    <mc:Fallback>
+    <mc:Fallback xmlns="" xmlns:m="http://schemas.openxmlformats.org/officeDocument/2006/math" xmlns:w="http://schemas.openxmlformats.org/wordprocessingml/2006/main">
       <p:transition advClick="1"/>
     </mc:Fallback>
   </mc:AlternateContent>
 </p:sld>
 </file>
 
-<file path=ppt/slides/slide14.xml><?xml version="1.0" encoding="utf-8"?>
-<p:sld xmlns:a="http://schemas.openxmlformats.org/drawingml/2006/main" xmlns:r="http://schemas.openxmlformats.org/officeDocument/2006/relationships" xmlns:p="http://schemas.openxmlformats.org/presentationml/2006/main" xmlns:m="http://schemas.openxmlformats.org/officeDocument/2006/math" xmlns:w="http://schemas.openxmlformats.org/wordprocessingml/2006/main" showMasterPhAnim="0" show="1">
-  <p:cSld name="">
+<file path=ppt/slides/slide15.xml><?xml version="1.0" encoding="utf-8"?>
+<p:sld xmlns:a="http://schemas.openxmlformats.org/drawingml/2006/main" xmlns:r="http://schemas.openxmlformats.org/officeDocument/2006/relationships" xmlns:p="http://schemas.openxmlformats.org/presentationml/2006/main" showMasterPhAnim="0">
+  <p:cSld>
     <p:spTree>
       <p:nvGrpSpPr>
-        <p:cNvPr id="1" name="" hidden="0"/>
+        <p:cNvPr id="1" name=""/>
         <p:cNvGrpSpPr/>
-        <p:nvPr isPhoto="0" userDrawn="0"/>
+        <p:nvPr/>
       </p:nvGrpSpPr>
       <p:grpSpPr bwMode="auto">
         <a:xfrm>
@@ -8884,12 +9284,12 @@
       </p:grpSpPr>
       <p:sp>
         <p:nvSpPr>
-          <p:cNvPr id="1655355597" name="Заголовок 1" hidden="0"/>
+          <p:cNvPr id="1655355597" name="Заголовок 1"/>
           <p:cNvSpPr>
             <a:spLocks noGrp="1"/>
           </p:cNvSpPr>
-          <p:nvPr isPhoto="0" userDrawn="0">
-            <p:ph type="title" hasCustomPrompt="0"/>
+          <p:nvPr>
+            <p:ph type="title"/>
           </p:nvPr>
         </p:nvSpPr>
         <p:spPr bwMode="auto">
@@ -8928,11 +9328,11 @@
       </p:sp>
       <p:pic>
         <p:nvPicPr>
-          <p:cNvPr id="2028929060" name="" hidden="0"/>
+          <p:cNvPr id="2028929060" name="Рисунок 2028929059"/>
           <p:cNvPicPr>
             <a:picLocks noChangeAspect="1"/>
           </p:cNvPicPr>
-          <p:nvPr isPhoto="0" userDrawn="0"/>
+          <p:nvPr/>
         </p:nvPicPr>
         <p:blipFill>
           <a:blip r:embed="rId2"/>
@@ -8950,14 +9350,14 @@
       </p:pic>
       <p:sp>
         <p:nvSpPr>
-          <p:cNvPr id="81060322" name="Content Placeholder 2" hidden="0"/>
+          <p:cNvPr id="81060322" name="Content Placeholder 2"/>
           <p:cNvSpPr>
             <a:spLocks noGrp="1"/>
           </p:cNvSpPr>
-          <p:nvPr isPhoto="0" userDrawn="0"/>
+          <p:nvPr/>
         </p:nvSpPr>
         <p:spPr bwMode="auto">
-          <a:xfrm flipH="0" flipV="0">
+          <a:xfrm>
             <a:off x="548628" y="1189833"/>
             <a:ext cx="11245538" cy="528613"/>
           </a:xfrm>
@@ -8969,7 +9369,7 @@
           </a:solidFill>
         </p:spPr>
         <p:txBody>
-          <a:bodyPr vertOverflow="overflow" horzOverflow="clip" vert="horz" wrap="square" lIns="91440" tIns="45720" rIns="91440" bIns="45720" numCol="1" spcCol="0" rtlCol="0" fromWordArt="0" anchor="t" anchorCtr="0" forceAA="0" upright="0" compatLnSpc="0">
+          <a:bodyPr vertOverflow="overflow" horzOverflow="clip" vert="horz" wrap="square" lIns="91440" tIns="45720" rIns="91440" bIns="45720" numCol="1" spcCol="0" rtlCol="0" fromWordArt="0" anchor="t" anchorCtr="0" forceAA="0" compatLnSpc="0">
             <a:normAutofit/>
           </a:bodyPr>
           <a:lstStyle>
@@ -9211,30 +9611,25 @@
             </a:pPr>
             <a:r>
               <a:rPr/>
-              <a:t>Просмотр записей, на которые указывают адреса из </a:t>
-            </a:r>
-            <a:r>
-              <a:rPr/>
-              <a:t>vtable</a:t>
-            </a:r>
-            <a:endParaRPr/>
+              <a:t>Просмотр записей, на которые указывают адреса из vtable</a:t>
+            </a:r>
           </a:p>
         </p:txBody>
       </p:sp>
       <p:pic>
         <p:nvPicPr>
-          <p:cNvPr id="1993467139" name="" hidden="0"/>
+          <p:cNvPr id="1993467139" name="Рисунок 1993467138"/>
           <p:cNvPicPr>
             <a:picLocks noChangeAspect="1"/>
           </p:cNvPicPr>
-          <p:nvPr isPhoto="0" userDrawn="0"/>
+          <p:nvPr/>
         </p:nvPicPr>
         <p:blipFill>
           <a:blip r:embed="rId3"/>
           <a:stretch/>
         </p:blipFill>
         <p:spPr bwMode="auto">
-          <a:xfrm flipH="0" flipV="0">
+          <a:xfrm>
             <a:off x="626383" y="2703933"/>
             <a:ext cx="4488003" cy="666749"/>
           </a:xfrm>
@@ -9245,11 +9640,11 @@
       </p:pic>
       <p:pic>
         <p:nvPicPr>
-          <p:cNvPr id="1095634022" name="" hidden="0"/>
+          <p:cNvPr id="1095634022" name="Рисунок 1095634021"/>
           <p:cNvPicPr>
             <a:picLocks noChangeAspect="1"/>
           </p:cNvPicPr>
-          <p:nvPr isPhoto="0" userDrawn="0"/>
+          <p:nvPr/>
         </p:nvPicPr>
         <p:blipFill>
           <a:blip r:embed="rId4"/>
@@ -9267,20 +9662,20 @@
       </p:pic>
       <p:graphicFrame>
         <p:nvGraphicFramePr>
-          <p:cNvPr id="750344246" name="" hidden="0"/>
+          <p:cNvPr id="750344246" name="Таблица 750344245"/>
           <p:cNvGraphicFramePr>
-            <a:graphicFrameLocks xmlns:a="http://schemas.openxmlformats.org/drawingml/2006/main"/>
+            <a:graphicFrameLocks/>
           </p:cNvGraphicFramePr>
-          <p:nvPr isPhoto="0" userDrawn="0"/>
+          <p:nvPr/>
         </p:nvGraphicFramePr>
         <p:xfrm>
           <a:off x="548628" y="4442926"/>
-          <a:ext cx="11233467" cy="1551939"/>
+          <a:ext cx="11220766" cy="1463040"/>
         </p:xfrm>
         <a:graphic>
           <a:graphicData uri="http://schemas.openxmlformats.org/drawingml/2006/table">
             <a:tbl>
-              <a:tblPr firstRow="1" firstCol="0" lastRow="0" lastCol="0" bandRow="1" bandCol="0">
+              <a:tblPr firstRow="1" bandRow="1">
                 <a:tableStyleId>{69FD1A70-EDC4-1B67-5E3C-E95A42E67689}</a:tableStyleId>
               </a:tblPr>
               <a:tblGrid>
@@ -9292,6 +9687,7 @@
                 <a:tc>
                   <a:txBody>
                     <a:bodyPr/>
+                    <a:lstStyle/>
                     <a:p>
                       <a:pPr algn="ctr">
                         <a:defRPr/>
@@ -9300,7 +9696,6 @@
                         <a:rPr/>
                         <a:t>Адрес в vtable</a:t>
                       </a:r>
-                      <a:endParaRPr/>
                     </a:p>
                   </a:txBody>
                   <a:tcPr/>
@@ -9308,6 +9703,7 @@
                 <a:tc>
                   <a:txBody>
                     <a:bodyPr/>
+                    <a:lstStyle/>
                     <a:p>
                       <a:pPr algn="ctr">
                         <a:defRPr/>
@@ -9316,7 +9712,6 @@
                         <a:rPr/>
                         <a:t>Значение</a:t>
                       </a:r>
-                      <a:endParaRPr/>
                     </a:p>
                   </a:txBody>
                   <a:tcPr/>
@@ -9324,6 +9719,7 @@
                 <a:tc>
                   <a:txBody>
                     <a:bodyPr/>
+                    <a:lstStyle/>
                     <a:p>
                       <a:pPr algn="ctr">
                         <a:defRPr/>
@@ -9332,7 +9728,6 @@
                         <a:rPr/>
                         <a:t>Указывает на</a:t>
                       </a:r>
-                      <a:endParaRPr/>
                     </a:p>
                   </a:txBody>
                   <a:tcPr/>
@@ -9342,6 +9737,7 @@
                 <a:tc>
                   <a:txBody>
                     <a:bodyPr/>
+                    <a:lstStyle/>
                     <a:p>
                       <a:pPr>
                         <a:defRPr/>
@@ -9350,7 +9746,6 @@
                         <a:rPr/>
                         <a:t>0x404508 &lt;vtable for Parent+8&gt;</a:t>
                       </a:r>
-                      <a:endParaRPr/>
                     </a:p>
                   </a:txBody>
                   <a:tcPr/>
@@ -9358,6 +9753,7 @@
                 <a:tc>
                   <a:txBody>
                     <a:bodyPr/>
+                    <a:lstStyle/>
                     <a:p>
                       <a:pPr>
                         <a:defRPr/>
@@ -9366,7 +9762,6 @@
                         <a:rPr/>
                         <a:t>0x4044b0</a:t>
                       </a:r>
-                      <a:endParaRPr/>
                     </a:p>
                   </a:txBody>
                   <a:tcPr/>
@@ -9374,6 +9769,7 @@
                 <a:tc>
                   <a:txBody>
                     <a:bodyPr/>
+                    <a:lstStyle/>
                     <a:p>
                       <a:pPr>
                         <a:defRPr/>
@@ -9382,7 +9778,6 @@
                         <a:rPr/>
                         <a:t>Typeinfo для класса Parent</a:t>
                       </a:r>
-                      <a:endParaRPr/>
                     </a:p>
                   </a:txBody>
                   <a:tcPr/>
@@ -9392,6 +9787,7 @@
                 <a:tc>
                   <a:txBody>
                     <a:bodyPr/>
+                    <a:lstStyle/>
                     <a:p>
                       <a:pPr>
                         <a:defRPr/>
@@ -9419,6 +9815,7 @@
                 <a:tc>
                   <a:txBody>
                     <a:bodyPr/>
+                    <a:lstStyle/>
                     <a:p>
                       <a:pPr>
                         <a:defRPr/>
@@ -9427,7 +9824,6 @@
                         <a:rPr/>
                         <a:t>0x402cf0</a:t>
                       </a:r>
-                      <a:endParaRPr/>
                     </a:p>
                   </a:txBody>
                   <a:tcPr/>
@@ -9435,6 +9831,7 @@
                 <a:tc>
                   <a:txBody>
                     <a:bodyPr/>
+                    <a:lstStyle/>
                     <a:p>
                       <a:pPr>
                         <a:defRPr/>
@@ -9443,7 +9840,6 @@
                         <a:rPr/>
                         <a:t>Метод Parent::Foo</a:t>
                       </a:r>
-                      <a:endParaRPr/>
                     </a:p>
                   </a:txBody>
                   <a:tcPr/>
@@ -9453,6 +9849,7 @@
                 <a:tc>
                   <a:txBody>
                     <a:bodyPr/>
+                    <a:lstStyle/>
                     <a:p>
                       <a:pPr>
                         <a:defRPr/>
@@ -9466,18 +9863,7 @@
                           <a:ea typeface="+mn-ea"/>
                           <a:cs typeface="+mn-cs"/>
                         </a:rPr>
-                        <a:t>0x404510 </a:t>
-                      </a:r>
-                      <a:r>
-                        <a:rPr lang="en-US" sz="1800" b="0" i="0" u="none" strike="noStrike" cap="none" spc="0">
-                          <a:solidFill>
-                            <a:schemeClr val="dk1"/>
-                          </a:solidFill>
-                          <a:latin typeface="+mn-lt"/>
-                          <a:ea typeface="+mn-ea"/>
-                          <a:cs typeface="+mn-cs"/>
-                        </a:rPr>
-                        <a:t>&lt;vtable for Parent+24&gt;</a:t>
+                        <a:t>0x404510 &lt;vtable for Parent+24&gt;</a:t>
                       </a:r>
                       <a:endParaRPr/>
                     </a:p>
@@ -9487,6 +9873,7 @@
                 <a:tc>
                   <a:txBody>
                     <a:bodyPr/>
+                    <a:lstStyle/>
                     <a:p>
                       <a:pPr>
                         <a:defRPr/>
@@ -9495,7 +9882,6 @@
                         <a:rPr/>
                         <a:t>0x402ce0</a:t>
                       </a:r>
-                      <a:endParaRPr/>
                     </a:p>
                   </a:txBody>
                   <a:tcPr/>
@@ -9503,6 +9889,7 @@
                 <a:tc>
                   <a:txBody>
                     <a:bodyPr/>
+                    <a:lstStyle/>
                     <a:p>
                       <a:pPr>
                         <a:defRPr/>
@@ -9530,14 +9917,14 @@
       </p:graphicFrame>
       <p:sp>
         <p:nvSpPr>
-          <p:cNvPr id="1025929637" name="Content Placeholder 2" hidden="0"/>
+          <p:cNvPr id="1025929637" name="Content Placeholder 2"/>
           <p:cNvSpPr>
             <a:spLocks noGrp="1"/>
           </p:cNvSpPr>
-          <p:nvPr isPhoto="0" userDrawn="0"/>
+          <p:nvPr/>
         </p:nvSpPr>
         <p:spPr bwMode="auto">
-          <a:xfrm flipH="0" flipV="0">
+          <a:xfrm>
             <a:off x="451433" y="3697434"/>
             <a:ext cx="11245538" cy="528613"/>
           </a:xfrm>
@@ -9549,7 +9936,7 @@
           </a:solidFill>
         </p:spPr>
         <p:txBody>
-          <a:bodyPr vertOverflow="overflow" horzOverflow="clip" vert="horz" wrap="square" lIns="91440" tIns="45720" rIns="91440" bIns="45720" numCol="1" spcCol="0" rtlCol="0" fromWordArt="0" anchor="t" anchorCtr="0" forceAA="0" upright="0" compatLnSpc="0">
+          <a:bodyPr vertOverflow="overflow" horzOverflow="clip" vert="horz" wrap="square" lIns="91440" tIns="45720" rIns="91440" bIns="45720" numCol="1" spcCol="0" rtlCol="0" fromWordArt="0" anchor="t" anchorCtr="0" forceAA="0" compatLnSpc="0">
             <a:normAutofit/>
           </a:bodyPr>
           <a:lstStyle>
@@ -9791,13 +10178,8 @@
             </a:pPr>
             <a:r>
               <a:rPr/>
-              <a:t>vtable </a:t>
-            </a:r>
-            <a:r>
-              <a:rPr/>
-              <a:t>класса Parent</a:t>
-            </a:r>
-            <a:endParaRPr/>
+              <a:t>vtable класса Parent</a:t>
+            </a:r>
           </a:p>
         </p:txBody>
       </p:sp>
@@ -9806,25 +10188,25 @@
   <p:clrMapOvr>
     <a:masterClrMapping/>
   </p:clrMapOvr>
-  <mc:AlternateContent xmlns:mc="http://schemas.openxmlformats.org/markup-compatibility/2006">
-    <mc:Choice xmlns:p14="http://schemas.microsoft.com/office/powerpoint/2010/main" Requires="p14">
-      <p:transition p14:dur="2000" advClick="1"/>
+  <mc:AlternateContent xmlns:mc="http://schemas.openxmlformats.org/markup-compatibility/2006" xmlns:p14="http://schemas.microsoft.com/office/powerpoint/2010/main">
+    <mc:Choice Requires="p14">
+      <p:transition spd="slow" p14:dur="2000"/>
     </mc:Choice>
-    <mc:Fallback>
+    <mc:Fallback xmlns="" xmlns:m="http://schemas.openxmlformats.org/officeDocument/2006/math" xmlns:w="http://schemas.openxmlformats.org/wordprocessingml/2006/main">
       <p:transition advClick="1"/>
     </mc:Fallback>
   </mc:AlternateContent>
 </p:sld>
 </file>
 
-<file path=ppt/slides/slide15.xml><?xml version="1.0" encoding="utf-8"?>
-<p:sld xmlns:a="http://schemas.openxmlformats.org/drawingml/2006/main" xmlns:r="http://schemas.openxmlformats.org/officeDocument/2006/relationships" xmlns:p="http://schemas.openxmlformats.org/presentationml/2006/main" xmlns:m="http://schemas.openxmlformats.org/officeDocument/2006/math" xmlns:w="http://schemas.openxmlformats.org/wordprocessingml/2006/main" showMasterPhAnim="0" show="1">
-  <p:cSld name="">
+<file path=ppt/slides/slide16.xml><?xml version="1.0" encoding="utf-8"?>
+<p:sld xmlns:a="http://schemas.openxmlformats.org/drawingml/2006/main" xmlns:r="http://schemas.openxmlformats.org/officeDocument/2006/relationships" xmlns:p="http://schemas.openxmlformats.org/presentationml/2006/main" showMasterPhAnim="0">
+  <p:cSld>
     <p:spTree>
       <p:nvGrpSpPr>
-        <p:cNvPr id="1" name="" hidden="0"/>
+        <p:cNvPr id="1" name=""/>
         <p:cNvGrpSpPr/>
-        <p:nvPr isPhoto="0" userDrawn="0"/>
+        <p:nvPr/>
       </p:nvGrpSpPr>
       <p:grpSpPr bwMode="auto">
         <a:xfrm>
@@ -9836,12 +10218,12 @@
       </p:grpSpPr>
       <p:sp>
         <p:nvSpPr>
-          <p:cNvPr id="529951969" name="Заголовок 1" hidden="0"/>
+          <p:cNvPr id="529951969" name="Заголовок 1"/>
           <p:cNvSpPr>
             <a:spLocks noGrp="1"/>
           </p:cNvSpPr>
-          <p:nvPr isPhoto="0" userDrawn="0">
-            <p:ph type="title" hasCustomPrompt="0"/>
+          <p:nvPr>
+            <p:ph type="title"/>
           </p:nvPr>
         </p:nvSpPr>
         <p:spPr bwMode="auto">
@@ -9880,15 +10262,15 @@
       </p:sp>
       <p:pic>
         <p:nvPicPr>
-          <p:cNvPr id="1384456264" name="" hidden="0"/>
+          <p:cNvPr id="1384456264" name="Рисунок 1384456263"/>
           <p:cNvPicPr>
             <a:picLocks noChangeAspect="1"/>
           </p:cNvPicPr>
-          <p:nvPr isPhoto="0" userDrawn="0"/>
+          <p:nvPr/>
         </p:nvPicPr>
         <p:blipFill>
           <a:blip r:embed="rId2"/>
-          <a:srcRect l="0" t="-38548" r="0" b="38548"/>
+          <a:srcRect t="-38548" b="38548"/>
           <a:stretch/>
         </p:blipFill>
         <p:spPr bwMode="auto">
@@ -9903,11 +10285,11 @@
       </p:pic>
       <p:pic>
         <p:nvPicPr>
-          <p:cNvPr id="1337922642" name="" hidden="0"/>
+          <p:cNvPr id="1337922642" name="Рисунок 1337922641"/>
           <p:cNvPicPr>
             <a:picLocks noChangeAspect="1"/>
           </p:cNvPicPr>
-          <p:nvPr isPhoto="0" userDrawn="0"/>
+          <p:nvPr/>
         </p:nvPicPr>
         <p:blipFill>
           <a:blip r:embed="rId3"/>
@@ -9925,11 +10307,11 @@
       </p:pic>
       <p:pic>
         <p:nvPicPr>
-          <p:cNvPr id="1386793810" name="" hidden="0"/>
+          <p:cNvPr id="1386793810" name="Рисунок 1386793809"/>
           <p:cNvPicPr>
             <a:picLocks noChangeAspect="1"/>
           </p:cNvPicPr>
-          <p:nvPr isPhoto="0" userDrawn="0"/>
+          <p:nvPr/>
         </p:nvPicPr>
         <p:blipFill>
           <a:blip r:embed="rId4"/>
@@ -9947,20 +10329,20 @@
       </p:pic>
       <p:graphicFrame>
         <p:nvGraphicFramePr>
-          <p:cNvPr id="1479846853" name="" hidden="0"/>
+          <p:cNvPr id="1479846853" name="Таблица 1479846852"/>
           <p:cNvGraphicFramePr>
-            <a:graphicFrameLocks xmlns:a="http://schemas.openxmlformats.org/drawingml/2006/main"/>
+            <a:graphicFrameLocks/>
           </p:cNvGraphicFramePr>
-          <p:nvPr isPhoto="0" userDrawn="0"/>
+          <p:nvPr/>
         </p:nvGraphicFramePr>
         <p:xfrm>
           <a:off x="548628" y="4365170"/>
-          <a:ext cx="11233467" cy="1551938"/>
+          <a:ext cx="11220763" cy="1501133"/>
         </p:xfrm>
         <a:graphic>
           <a:graphicData uri="http://schemas.openxmlformats.org/drawingml/2006/table">
             <a:tbl>
-              <a:tblPr firstRow="1" firstCol="0" lastRow="0" lastCol="0" bandRow="1" bandCol="0">
+              <a:tblPr firstRow="1" bandRow="1">
                 <a:tableStyleId>{69FD1A70-EDC4-1B67-5E3C-E95A42E67689}</a:tableStyleId>
               </a:tblPr>
               <a:tblGrid>
@@ -9972,6 +10354,7 @@
                 <a:tc>
                   <a:txBody>
                     <a:bodyPr/>
+                    <a:lstStyle/>
                     <a:p>
                       <a:pPr algn="ctr">
                         <a:defRPr/>
@@ -9980,7 +10363,6 @@
                         <a:rPr/>
                         <a:t>Адрес в vtable</a:t>
                       </a:r>
-                      <a:endParaRPr/>
                     </a:p>
                   </a:txBody>
                   <a:tcPr/>
@@ -9988,6 +10370,7 @@
                 <a:tc>
                   <a:txBody>
                     <a:bodyPr/>
+                    <a:lstStyle/>
                     <a:p>
                       <a:pPr algn="ctr">
                         <a:defRPr/>
@@ -9996,7 +10379,6 @@
                         <a:rPr/>
                         <a:t>Значение</a:t>
                       </a:r>
-                      <a:endParaRPr/>
                     </a:p>
                   </a:txBody>
                   <a:tcPr/>
@@ -10004,6 +10386,7 @@
                 <a:tc>
                   <a:txBody>
                     <a:bodyPr/>
+                    <a:lstStyle/>
                     <a:p>
                       <a:pPr algn="ctr">
                         <a:defRPr/>
@@ -10012,7 +10395,6 @@
                         <a:rPr/>
                         <a:t>Указывает на</a:t>
                       </a:r>
-                      <a:endParaRPr/>
                     </a:p>
                   </a:txBody>
                   <a:tcPr/>
@@ -10022,6 +10404,7 @@
                 <a:tc>
                   <a:txBody>
                     <a:bodyPr/>
+                    <a:lstStyle/>
                     <a:p>
                       <a:pPr>
                         <a:defRPr/>
@@ -10049,6 +10432,7 @@
                 <a:tc>
                   <a:txBody>
                     <a:bodyPr/>
+                    <a:lstStyle/>
                     <a:p>
                       <a:pPr>
                         <a:defRPr/>
@@ -10057,7 +10441,6 @@
                         <a:rPr/>
                         <a:t>0x4044c0</a:t>
                       </a:r>
-                      <a:endParaRPr/>
                     </a:p>
                   </a:txBody>
                   <a:tcPr/>
@@ -10065,6 +10448,7 @@
                 <a:tc>
                   <a:txBody>
                     <a:bodyPr/>
+                    <a:lstStyle/>
                     <a:p>
                       <a:pPr>
                         <a:defRPr/>
@@ -10073,7 +10457,6 @@
                         <a:rPr/>
                         <a:t>Typeinfo для типа Derived</a:t>
                       </a:r>
-                      <a:endParaRPr/>
                     </a:p>
                   </a:txBody>
                   <a:tcPr/>
@@ -10083,6 +10466,7 @@
                 <a:tc>
                   <a:txBody>
                     <a:bodyPr/>
+                    <a:lstStyle/>
                     <a:p>
                       <a:pPr>
                         <a:defRPr/>
@@ -10110,6 +10494,7 @@
                 <a:tc>
                   <a:txBody>
                     <a:bodyPr/>
+                    <a:lstStyle/>
                     <a:p>
                       <a:pPr>
                         <a:defRPr/>
@@ -10118,7 +10503,6 @@
                         <a:rPr/>
                         <a:t>0x402d0</a:t>
                       </a:r>
-                      <a:endParaRPr/>
                     </a:p>
                   </a:txBody>
                   <a:tcPr/>
@@ -10126,6 +10510,7 @@
                 <a:tc>
                   <a:txBody>
                     <a:bodyPr/>
+                    <a:lstStyle/>
                     <a:p>
                       <a:pPr>
                         <a:defRPr/>
@@ -10134,7 +10519,6 @@
                         <a:rPr/>
                         <a:t>Метод Derived::Foo</a:t>
                       </a:r>
-                      <a:endParaRPr/>
                     </a:p>
                   </a:txBody>
                   <a:tcPr/>
@@ -10144,6 +10528,7 @@
                 <a:tc>
                   <a:txBody>
                     <a:bodyPr/>
+                    <a:lstStyle/>
                     <a:p>
                       <a:pPr>
                         <a:defRPr/>
@@ -10171,6 +10556,7 @@
                 <a:tc>
                   <a:txBody>
                     <a:bodyPr/>
+                    <a:lstStyle/>
                     <a:p>
                       <a:pPr>
                         <a:defRPr/>
@@ -10179,7 +10565,6 @@
                         <a:rPr/>
                         <a:t>0x402ce0</a:t>
                       </a:r>
-                      <a:endParaRPr/>
                     </a:p>
                   </a:txBody>
                   <a:tcPr/>
@@ -10187,6 +10572,7 @@
                 <a:tc>
                   <a:txBody>
                     <a:bodyPr/>
+                    <a:lstStyle/>
                     <a:p>
                       <a:pPr>
                         <a:defRPr/>
@@ -10195,7 +10581,6 @@
                         <a:rPr/>
                         <a:t>Метод Parent::FooNotOverriden</a:t>
                       </a:r>
-                      <a:endParaRPr/>
                     </a:p>
                   </a:txBody>
                   <a:tcPr/>
@@ -10207,14 +10592,14 @@
       </p:graphicFrame>
       <p:sp>
         <p:nvSpPr>
-          <p:cNvPr id="2059195509" name="Content Placeholder 2" hidden="0"/>
+          <p:cNvPr id="2059195509" name="Content Placeholder 2"/>
           <p:cNvSpPr>
             <a:spLocks noGrp="1"/>
           </p:cNvSpPr>
-          <p:nvPr isPhoto="0" userDrawn="0"/>
+          <p:nvPr/>
         </p:nvSpPr>
         <p:spPr bwMode="auto">
-          <a:xfrm flipH="0" flipV="0">
+          <a:xfrm>
             <a:off x="451433" y="3436894"/>
             <a:ext cx="11245538" cy="528613"/>
           </a:xfrm>
@@ -10226,7 +10611,7 @@
           </a:solidFill>
         </p:spPr>
         <p:txBody>
-          <a:bodyPr vertOverflow="overflow" horzOverflow="clip" vert="horz" wrap="square" lIns="91440" tIns="45720" rIns="91440" bIns="45720" numCol="1" spcCol="0" rtlCol="0" fromWordArt="0" anchor="t" anchorCtr="0" forceAA="0" upright="0" compatLnSpc="0">
+          <a:bodyPr vertOverflow="overflow" horzOverflow="clip" vert="horz" wrap="square" lIns="91440" tIns="45720" rIns="91440" bIns="45720" numCol="1" spcCol="0" rtlCol="0" fromWordArt="0" anchor="t" anchorCtr="0" forceAA="0" compatLnSpc="0">
             <a:normAutofit/>
           </a:bodyPr>
           <a:lstStyle>
@@ -10468,17 +10853,8 @@
             </a:pPr>
             <a:r>
               <a:rPr/>
-              <a:t>vtable </a:t>
-            </a:r>
-            <a:r>
-              <a:rPr/>
-              <a:t>класса </a:t>
-            </a:r>
-            <a:r>
-              <a:rPr/>
-              <a:t>Derived</a:t>
-            </a:r>
-            <a:endParaRPr/>
+              <a:t>vtable класса Derived</a:t>
+            </a:r>
           </a:p>
         </p:txBody>
       </p:sp>
@@ -10487,32 +10863,33 @@
   <p:clrMapOvr>
     <a:masterClrMapping/>
   </p:clrMapOvr>
-  <mc:AlternateContent xmlns:mc="http://schemas.openxmlformats.org/markup-compatibility/2006">
-    <mc:Choice xmlns:p14="http://schemas.microsoft.com/office/powerpoint/2010/main" Requires="p14">
-      <p:transition p14:dur="2000" advClick="1"/>
+  <mc:AlternateContent xmlns:mc="http://schemas.openxmlformats.org/markup-compatibility/2006" xmlns:p14="http://schemas.microsoft.com/office/powerpoint/2010/main">
+    <mc:Choice Requires="p14">
+      <p:transition spd="slow" p14:dur="2000"/>
     </mc:Choice>
-    <mc:Fallback>
+    <mc:Fallback xmlns="" xmlns:m="http://schemas.openxmlformats.org/officeDocument/2006/math" xmlns:w="http://schemas.openxmlformats.org/wordprocessingml/2006/main">
       <p:transition advClick="1"/>
     </mc:Fallback>
   </mc:AlternateContent>
 </p:sld>
 </file>
 
-<file path=ppt/slides/slide16.xml><?xml version="1.0" encoding="utf-8"?>
-<p:sld xmlns:a="http://schemas.openxmlformats.org/drawingml/2006/main" xmlns:r="http://schemas.openxmlformats.org/officeDocument/2006/relationships" xmlns:p="http://schemas.openxmlformats.org/presentationml/2006/main" xmlns:m="http://schemas.openxmlformats.org/officeDocument/2006/math" xmlns:w="http://schemas.openxmlformats.org/wordprocessingml/2006/main" showMasterPhAnim="0" show="1">
-  <p:cSld name="">
+<file path=ppt/slides/slide17.xml><?xml version="1.0" encoding="utf-8"?>
+<p:sld xmlns:a="http://schemas.openxmlformats.org/drawingml/2006/main" xmlns:r="http://schemas.openxmlformats.org/officeDocument/2006/relationships" xmlns:p="http://schemas.openxmlformats.org/presentationml/2006/main" showMasterPhAnim="0">
+  <p:cSld>
     <p:bg>
-      <p:bgPr shadeToTitle="0">
+      <p:bgPr>
         <a:solidFill>
           <a:schemeClr val="bg1"/>
         </a:solidFill>
+        <a:effectLst/>
       </p:bgPr>
     </p:bg>
     <p:spTree>
       <p:nvGrpSpPr>
-        <p:cNvPr id="1" name="" hidden="0"/>
+        <p:cNvPr id="1" name=""/>
         <p:cNvGrpSpPr/>
-        <p:nvPr isPhoto="0" userDrawn="0"/>
+        <p:nvPr/>
       </p:nvGrpSpPr>
       <p:grpSpPr bwMode="auto">
         <a:xfrm>
@@ -10524,12 +10901,12 @@
       </p:grpSpPr>
       <p:sp>
         <p:nvSpPr>
-          <p:cNvPr id="196759177" name="Заголовок 1" hidden="0"/>
+          <p:cNvPr id="196759177" name="Заголовок 1"/>
           <p:cNvSpPr>
             <a:spLocks noGrp="1"/>
           </p:cNvSpPr>
-          <p:nvPr isPhoto="0" userDrawn="0">
-            <p:ph type="title" hasCustomPrompt="0"/>
+          <p:nvPr>
+            <p:ph type="title"/>
           </p:nvPr>
         </p:nvSpPr>
         <p:spPr bwMode="auto">
@@ -10568,20 +10945,26 @@
       </p:sp>
       <p:graphicFrame>
         <p:nvGraphicFramePr>
-          <p:cNvPr id="1025266437" name="" hidden="0"/>
+          <p:cNvPr id="1025266437" name="Таблица 1025266436"/>
           <p:cNvGraphicFramePr>
-            <a:graphicFrameLocks xmlns:a="http://schemas.openxmlformats.org/drawingml/2006/main"/>
+            <a:graphicFrameLocks/>
           </p:cNvGraphicFramePr>
-          <p:nvPr isPhoto="0" userDrawn="0"/>
+          <p:nvPr>
+            <p:extLst>
+              <p:ext uri="{D42A27DB-BD31-4B8C-83A1-F6EECF244321}">
+                <p14:modId xmlns:p14="http://schemas.microsoft.com/office/powerpoint/2010/main" val="3054104420"/>
+              </p:ext>
+            </p:extLst>
+          </p:nvPr>
         </p:nvGraphicFramePr>
         <p:xfrm>
-          <a:off x="546537" y="1548518"/>
-          <a:ext cx="2440908" cy="795019"/>
+          <a:off x="767408" y="2276872"/>
+          <a:ext cx="2428207" cy="731520"/>
         </p:xfrm>
         <a:graphic>
           <a:graphicData uri="http://schemas.openxmlformats.org/drawingml/2006/table">
             <a:tbl>
-              <a:tblPr firstRow="1" firstCol="0" lastRow="0" lastCol="0" bandRow="1" bandCol="0">
+              <a:tblPr firstRow="1" bandRow="1">
                 <a:tableStyleId>{69FD1A70-EDC4-1B67-5E3C-E95A42E67689}</a:tableStyleId>
               </a:tblPr>
               <a:tblGrid>
@@ -10591,6 +10974,7 @@
                 <a:tc>
                   <a:txBody>
                     <a:bodyPr/>
+                    <a:lstStyle/>
                     <a:p>
                       <a:pPr>
                         <a:defRPr/>
@@ -10599,7 +10983,6 @@
                         <a:rPr/>
                         <a:t>Class Parent</a:t>
                       </a:r>
-                      <a:endParaRPr/>
                     </a:p>
                   </a:txBody>
                   <a:tcPr/>
@@ -10609,6 +10992,7 @@
                 <a:tc>
                   <a:txBody>
                     <a:bodyPr/>
+                    <a:lstStyle/>
                     <a:p>
                       <a:pPr>
                         <a:defRPr/>
@@ -10617,7 +11001,6 @@
                         <a:rPr/>
                         <a:t>vptr</a:t>
                       </a:r>
-                      <a:endParaRPr/>
                     </a:p>
                   </a:txBody>
                   <a:tcPr/>
@@ -10629,20 +11012,26 @@
       </p:graphicFrame>
       <p:graphicFrame>
         <p:nvGraphicFramePr>
-          <p:cNvPr id="864318425" name="" hidden="0"/>
+          <p:cNvPr id="864318425" name="Таблица 864318424"/>
           <p:cNvGraphicFramePr>
-            <a:graphicFrameLocks xmlns:a="http://schemas.openxmlformats.org/drawingml/2006/main"/>
+            <a:graphicFrameLocks/>
           </p:cNvGraphicFramePr>
-          <p:nvPr isPhoto="0" userDrawn="0"/>
+          <p:nvPr>
+            <p:extLst>
+              <p:ext uri="{D42A27DB-BD31-4B8C-83A1-F6EECF244321}">
+                <p14:modId xmlns:p14="http://schemas.microsoft.com/office/powerpoint/2010/main" val="1980301060"/>
+              </p:ext>
+            </p:extLst>
+          </p:nvPr>
         </p:nvGraphicFramePr>
         <p:xfrm>
-          <a:off x="546537" y="3209549"/>
-          <a:ext cx="2440908" cy="795018"/>
+          <a:off x="767408" y="3937903"/>
+          <a:ext cx="2428207" cy="756916"/>
         </p:xfrm>
         <a:graphic>
           <a:graphicData uri="http://schemas.openxmlformats.org/drawingml/2006/table">
             <a:tbl>
-              <a:tblPr firstRow="1" firstCol="0" lastRow="0" lastCol="0" bandRow="1" bandCol="0">
+              <a:tblPr firstRow="1" bandRow="1">
                 <a:tableStyleId>{69FD1A70-EDC4-1B67-5E3C-E95A42E67689}</a:tableStyleId>
               </a:tblPr>
               <a:tblGrid>
@@ -10652,6 +11041,7 @@
                 <a:tc>
                   <a:txBody>
                     <a:bodyPr/>
+                    <a:lstStyle/>
                     <a:p>
                       <a:pPr>
                         <a:defRPr/>
@@ -10660,7 +11050,6 @@
                         <a:rPr/>
                         <a:t>Class Derived</a:t>
                       </a:r>
-                      <a:endParaRPr/>
                     </a:p>
                   </a:txBody>
                   <a:tcPr/>
@@ -10670,6 +11059,7 @@
                 <a:tc>
                   <a:txBody>
                     <a:bodyPr/>
+                    <a:lstStyle/>
                     <a:p>
                       <a:pPr>
                         <a:defRPr/>
@@ -10697,20 +11087,26 @@
       </p:graphicFrame>
       <p:graphicFrame>
         <p:nvGraphicFramePr>
-          <p:cNvPr id="948683328" name="" hidden="0"/>
+          <p:cNvPr id="948683328" name="Таблица 948683327"/>
           <p:cNvGraphicFramePr>
-            <a:graphicFrameLocks xmlns:a="http://schemas.openxmlformats.org/drawingml/2006/main"/>
+            <a:graphicFrameLocks/>
           </p:cNvGraphicFramePr>
-          <p:nvPr isPhoto="0" userDrawn="0"/>
+          <p:nvPr>
+            <p:extLst>
+              <p:ext uri="{D42A27DB-BD31-4B8C-83A1-F6EECF244321}">
+                <p14:modId xmlns:p14="http://schemas.microsoft.com/office/powerpoint/2010/main" val="2180745230"/>
+              </p:ext>
+            </p:extLst>
+          </p:nvPr>
         </p:nvGraphicFramePr>
         <p:xfrm>
-          <a:off x="3975877" y="1359288"/>
-          <a:ext cx="3859938" cy="1173479"/>
+          <a:off x="4196748" y="2087642"/>
+          <a:ext cx="3847238" cy="1097280"/>
         </p:xfrm>
         <a:graphic>
           <a:graphicData uri="http://schemas.openxmlformats.org/drawingml/2006/table">
             <a:tbl>
-              <a:tblPr firstRow="1" firstCol="0" lastRow="0" lastCol="0" bandRow="1" bandCol="0">
+              <a:tblPr firstRow="1" bandRow="1">
                 <a:tableStyleId>{69FD1A70-EDC4-1B67-5E3C-E95A42E67689}</a:tableStyleId>
               </a:tblPr>
               <a:tblGrid>
@@ -10720,6 +11116,7 @@
                 <a:tc>
                   <a:txBody>
                     <a:bodyPr/>
+                    <a:lstStyle/>
                     <a:p>
                       <a:pPr>
                         <a:defRPr/>
@@ -10728,7 +11125,6 @@
                         <a:rPr/>
                         <a:t>Class Parent vtable</a:t>
                       </a:r>
-                      <a:endParaRPr/>
                     </a:p>
                   </a:txBody>
                   <a:tcPr/>
@@ -10738,6 +11134,7 @@
                 <a:tc>
                   <a:txBody>
                     <a:bodyPr/>
+                    <a:lstStyle/>
                     <a:p>
                       <a:pPr>
                         <a:defRPr/>
@@ -10746,7 +11143,6 @@
                         <a:rPr/>
                         <a:t>Адрес Parent::Foo</a:t>
                       </a:r>
-                      <a:endParaRPr/>
                     </a:p>
                   </a:txBody>
                   <a:tcPr/>
@@ -10756,6 +11152,7 @@
                 <a:tc>
                   <a:txBody>
                     <a:bodyPr/>
+                    <a:lstStyle/>
                     <a:p>
                       <a:pPr>
                         <a:defRPr/>
@@ -10775,7 +11172,6 @@
                         <a:rPr/>
                         <a:t>Parent::FooNotOverriden</a:t>
                       </a:r>
-                      <a:endParaRPr/>
                     </a:p>
                   </a:txBody>
                   <a:tcPr/>
@@ -10787,20 +11183,26 @@
       </p:graphicFrame>
       <p:graphicFrame>
         <p:nvGraphicFramePr>
-          <p:cNvPr id="1411458882" name="" hidden="0"/>
+          <p:cNvPr id="1411458882" name="Таблица 1411458881"/>
           <p:cNvGraphicFramePr>
-            <a:graphicFrameLocks xmlns:a="http://schemas.openxmlformats.org/drawingml/2006/main"/>
+            <a:graphicFrameLocks/>
           </p:cNvGraphicFramePr>
-          <p:nvPr isPhoto="0" userDrawn="0"/>
+          <p:nvPr>
+            <p:extLst>
+              <p:ext uri="{D42A27DB-BD31-4B8C-83A1-F6EECF244321}">
+                <p14:modId xmlns:p14="http://schemas.microsoft.com/office/powerpoint/2010/main" val="1796017226"/>
+              </p:ext>
+            </p:extLst>
+          </p:nvPr>
         </p:nvGraphicFramePr>
         <p:xfrm>
-          <a:off x="3975877" y="3478115"/>
-          <a:ext cx="3918254" cy="1173478"/>
+          <a:off x="4196748" y="4206469"/>
+          <a:ext cx="3905555" cy="1122676"/>
         </p:xfrm>
         <a:graphic>
           <a:graphicData uri="http://schemas.openxmlformats.org/drawingml/2006/table">
             <a:tbl>
-              <a:tblPr firstRow="1" firstCol="0" lastRow="0" lastCol="0" bandRow="1" bandCol="0">
+              <a:tblPr firstRow="1" bandRow="1">
                 <a:tableStyleId>{69FD1A70-EDC4-1B67-5E3C-E95A42E67689}</a:tableStyleId>
               </a:tblPr>
               <a:tblGrid>
@@ -10810,6 +11212,7 @@
                 <a:tc>
                   <a:txBody>
                     <a:bodyPr/>
+                    <a:lstStyle/>
                     <a:p>
                       <a:pPr>
                         <a:defRPr/>
@@ -10835,6 +11238,7 @@
                 <a:tc>
                   <a:txBody>
                     <a:bodyPr/>
+                    <a:lstStyle/>
                     <a:p>
                       <a:pPr>
                         <a:defRPr/>
@@ -10854,7 +11258,6 @@
                         <a:rPr/>
                         <a:t>Derived::Foo</a:t>
                       </a:r>
-                      <a:endParaRPr/>
                     </a:p>
                   </a:txBody>
                   <a:tcPr/>
@@ -10864,6 +11267,7 @@
                 <a:tc>
                   <a:txBody>
                     <a:bodyPr/>
+                    <a:lstStyle/>
                     <a:p>
                       <a:pPr>
                         <a:defRPr/>
@@ -10883,7 +11287,6 @@
                         <a:rPr/>
                         <a:t>Parent::FooNotOverriden</a:t>
                       </a:r>
-                      <a:endParaRPr/>
                     </a:p>
                   </a:txBody>
                   <a:tcPr/>
@@ -10895,20 +11298,26 @@
       </p:graphicFrame>
       <p:graphicFrame>
         <p:nvGraphicFramePr>
-          <p:cNvPr id="1753772369" name="" hidden="0"/>
+          <p:cNvPr id="1753772369" name="Таблица 1753772368"/>
           <p:cNvGraphicFramePr>
-            <a:graphicFrameLocks xmlns:a="http://schemas.openxmlformats.org/drawingml/2006/main"/>
+            <a:graphicFrameLocks/>
           </p:cNvGraphicFramePr>
-          <p:nvPr isPhoto="0" userDrawn="0"/>
+          <p:nvPr>
+            <p:extLst>
+              <p:ext uri="{D42A27DB-BD31-4B8C-83A1-F6EECF244321}">
+                <p14:modId xmlns:p14="http://schemas.microsoft.com/office/powerpoint/2010/main" val="1516651614"/>
+              </p:ext>
+            </p:extLst>
+          </p:nvPr>
         </p:nvGraphicFramePr>
         <p:xfrm>
-          <a:off x="8602305" y="2654559"/>
-          <a:ext cx="3315652" cy="1173479"/>
+          <a:off x="8823176" y="3382913"/>
+          <a:ext cx="3167089" cy="1109979"/>
         </p:xfrm>
         <a:graphic>
           <a:graphicData uri="http://schemas.openxmlformats.org/drawingml/2006/table">
             <a:tbl>
-              <a:tblPr firstRow="1" firstCol="0" lastRow="0" lastCol="0" bandRow="1" bandCol="0">
+              <a:tblPr firstRow="1" bandRow="1">
                 <a:tableStyleId>{69FD1A70-EDC4-1B67-5E3C-E95A42E67689}</a:tableStyleId>
               </a:tblPr>
               <a:tblGrid>
@@ -10918,6 +11327,7 @@
                 <a:tc>
                   <a:txBody>
                     <a:bodyPr/>
+                    <a:lstStyle/>
                     <a:p>
                       <a:pPr>
                         <a:defRPr/>
@@ -10943,6 +11353,7 @@
                 <a:tc>
                   <a:txBody>
                     <a:bodyPr/>
+                    <a:lstStyle/>
                     <a:p>
                       <a:pPr>
                         <a:defRPr/>
@@ -10968,6 +11379,7 @@
                 <a:tc>
                   <a:txBody>
                     <a:bodyPr/>
+                    <a:lstStyle/>
                     <a:p>
                       <a:pPr>
                         <a:defRPr/>
@@ -10995,15 +11407,15 @@
       </p:graphicFrame>
       <p:cxnSp>
         <p:nvCxnSpPr>
-          <p:cNvPr id="0" name="" hidden="0"/>
+          <p:cNvPr id="2" name="Прямая соединительная линия 1"/>
           <p:cNvCxnSpPr>
             <a:cxnSpLocks/>
           </p:cNvCxnSpPr>
-          <p:nvPr isPhoto="0" userDrawn="0"/>
+          <p:nvPr/>
         </p:nvCxnSpPr>
         <p:spPr bwMode="auto">
-          <a:xfrm flipH="0" flipV="1">
-            <a:off x="2956683" y="1516224"/>
+          <a:xfrm flipV="1">
+            <a:off x="3177554" y="2244578"/>
             <a:ext cx="1010816" cy="660918"/>
           </a:xfrm>
           <a:prstGeom prst="line">
@@ -11036,15 +11448,15 @@
       </p:cxnSp>
       <p:cxnSp>
         <p:nvCxnSpPr>
-          <p:cNvPr id="0" name="" hidden="0"/>
+          <p:cNvPr id="3" name="Прямая соединительная линия 2"/>
           <p:cNvCxnSpPr>
             <a:cxnSpLocks/>
           </p:cNvCxnSpPr>
-          <p:nvPr isPhoto="0" userDrawn="0"/>
+          <p:nvPr/>
         </p:nvCxnSpPr>
         <p:spPr bwMode="auto">
-          <a:xfrm flipH="0" flipV="1">
-            <a:off x="2917806" y="3607058"/>
+          <a:xfrm flipV="1">
+            <a:off x="3138677" y="4335412"/>
             <a:ext cx="1127448" cy="164063"/>
           </a:xfrm>
           <a:prstGeom prst="line">
@@ -11077,16 +11489,16 @@
       </p:cxnSp>
       <p:cxnSp>
         <p:nvCxnSpPr>
-          <p:cNvPr id="0" name="" hidden="0"/>
+          <p:cNvPr id="4" name="Прямая соединительная линия 3"/>
           <p:cNvCxnSpPr>
             <a:cxnSpLocks/>
             <a:stCxn id="948683328" idx="3"/>
           </p:cNvCxnSpPr>
-          <p:nvPr isPhoto="0" userDrawn="0"/>
+          <p:nvPr/>
         </p:nvCxnSpPr>
         <p:spPr bwMode="auto">
-          <a:xfrm rot="0" flipH="0" flipV="0">
-            <a:off x="7835816" y="1946028"/>
+          <a:xfrm>
+            <a:off x="8056687" y="2674382"/>
             <a:ext cx="758112" cy="853154"/>
           </a:xfrm>
           <a:prstGeom prst="line">
@@ -11119,15 +11531,15 @@
       </p:cxnSp>
       <p:cxnSp>
         <p:nvCxnSpPr>
-          <p:cNvPr id="0" name="" hidden="0"/>
+          <p:cNvPr id="5" name="Прямая соединительная линия 4"/>
           <p:cNvCxnSpPr>
             <a:cxnSpLocks/>
           </p:cNvCxnSpPr>
-          <p:nvPr isPhoto="0" userDrawn="0"/>
+          <p:nvPr/>
         </p:nvCxnSpPr>
         <p:spPr bwMode="auto">
-          <a:xfrm flipH="0" flipV="0">
-            <a:off x="7777499" y="2332651"/>
+          <a:xfrm>
+            <a:off x="7998370" y="3061005"/>
             <a:ext cx="816428" cy="1321836"/>
           </a:xfrm>
           <a:prstGeom prst="line">
@@ -11160,17 +11572,17 @@
       </p:cxnSp>
       <p:cxnSp>
         <p:nvCxnSpPr>
-          <p:cNvPr id="0" name="" hidden="0"/>
+          <p:cNvPr id="6" name="Прямая соединительная линия 5"/>
           <p:cNvCxnSpPr>
             <a:cxnSpLocks/>
             <a:stCxn id="1411458882" idx="3"/>
             <a:endCxn id="1753772369" idx="1"/>
           </p:cNvCxnSpPr>
-          <p:nvPr isPhoto="0" userDrawn="0"/>
+          <p:nvPr/>
         </p:nvCxnSpPr>
         <p:spPr bwMode="auto">
-          <a:xfrm rot="0" flipH="0" flipV="1">
-            <a:off x="7894132" y="3241298"/>
+          <a:xfrm flipV="1">
+            <a:off x="8115003" y="3969652"/>
             <a:ext cx="708173" cy="823555"/>
           </a:xfrm>
           <a:prstGeom prst="line">
@@ -11203,15 +11615,15 @@
       </p:cxnSp>
       <p:cxnSp>
         <p:nvCxnSpPr>
-          <p:cNvPr id="0" name="" hidden="0"/>
+          <p:cNvPr id="7" name="Прямая соединительная линия 6"/>
           <p:cNvCxnSpPr>
             <a:cxnSpLocks/>
           </p:cNvCxnSpPr>
-          <p:nvPr isPhoto="0" userDrawn="0"/>
+          <p:nvPr/>
         </p:nvCxnSpPr>
         <p:spPr bwMode="auto">
-          <a:xfrm flipH="0" flipV="1">
-            <a:off x="7894132" y="3751682"/>
+          <a:xfrm flipV="1">
+            <a:off x="8115003" y="4480036"/>
             <a:ext cx="719233" cy="699795"/>
           </a:xfrm>
           <a:prstGeom prst="line">
@@ -11247,25 +11659,25 @@
   <p:clrMapOvr>
     <a:masterClrMapping/>
   </p:clrMapOvr>
-  <mc:AlternateContent xmlns:mc="http://schemas.openxmlformats.org/markup-compatibility/2006">
-    <mc:Choice xmlns:p14="http://schemas.microsoft.com/office/powerpoint/2010/main" Requires="p14">
-      <p:transition p14:dur="2000" advClick="1"/>
+  <mc:AlternateContent xmlns:mc="http://schemas.openxmlformats.org/markup-compatibility/2006" xmlns:p14="http://schemas.microsoft.com/office/powerpoint/2010/main">
+    <mc:Choice Requires="p14">
+      <p:transition spd="slow" p14:dur="2000"/>
     </mc:Choice>
-    <mc:Fallback>
+    <mc:Fallback xmlns="" xmlns:m="http://schemas.openxmlformats.org/officeDocument/2006/math" xmlns:w="http://schemas.openxmlformats.org/wordprocessingml/2006/main">
       <p:transition advClick="1"/>
     </mc:Fallback>
   </mc:AlternateContent>
 </p:sld>
 </file>
 
-<file path=ppt/slides/slide17.xml><?xml version="1.0" encoding="utf-8"?>
-<p:sld xmlns:a="http://schemas.openxmlformats.org/drawingml/2006/main" xmlns:r="http://schemas.openxmlformats.org/officeDocument/2006/relationships" xmlns:p="http://schemas.openxmlformats.org/presentationml/2006/main" xmlns:m="http://schemas.openxmlformats.org/officeDocument/2006/math" xmlns:w="http://schemas.openxmlformats.org/wordprocessingml/2006/main" showMasterPhAnim="0" show="1">
-  <p:cSld name="">
+<file path=ppt/slides/slide18.xml><?xml version="1.0" encoding="utf-8"?>
+<p:sld xmlns:a="http://schemas.openxmlformats.org/drawingml/2006/main" xmlns:r="http://schemas.openxmlformats.org/officeDocument/2006/relationships" xmlns:p="http://schemas.openxmlformats.org/presentationml/2006/main" showMasterPhAnim="0">
+  <p:cSld>
     <p:spTree>
       <p:nvGrpSpPr>
-        <p:cNvPr id="1" name="" hidden="0"/>
+        <p:cNvPr id="1" name=""/>
         <p:cNvGrpSpPr/>
-        <p:nvPr isPhoto="0" userDrawn="0"/>
+        <p:nvPr/>
       </p:nvGrpSpPr>
       <p:grpSpPr bwMode="auto">
         <a:xfrm>
@@ -11277,12 +11689,12 @@
       </p:grpSpPr>
       <p:sp>
         <p:nvSpPr>
-          <p:cNvPr id="4" name="Заголовок 1" hidden="0"/>
+          <p:cNvPr id="4" name="Заголовок 1"/>
           <p:cNvSpPr>
             <a:spLocks noGrp="1"/>
           </p:cNvSpPr>
-          <p:nvPr isPhoto="0" userDrawn="0">
-            <p:ph type="title" hasCustomPrompt="0"/>
+          <p:nvPr>
+            <p:ph type="title"/>
           </p:nvPr>
         </p:nvSpPr>
         <p:spPr bwMode="auto">
@@ -11319,15 +11731,14 @@
               <a:rPr lang="en-US"/>
               <a:t>Override vs overload</a:t>
             </a:r>
-            <a:endParaRPr lang="en-US"/>
           </a:p>
         </p:txBody>
       </p:sp>
       <p:sp>
         <p:nvSpPr>
-          <p:cNvPr id="5" name="Объект 2" hidden="0"/>
+          <p:cNvPr id="5" name="Объект 2"/>
           <p:cNvSpPr txBox="1"/>
-          <p:nvPr isPhoto="0" userDrawn="0"/>
+          <p:nvPr/>
         </p:nvSpPr>
         <p:spPr bwMode="auto">
           <a:xfrm>
@@ -11656,15 +12067,7 @@
             </a:pPr>
             <a:r>
               <a:rPr lang="ru-RU"/>
-              <a:t>Полиморфизм достигается во время компиляции</a:t>
-            </a:r>
-            <a:r>
-              <a:rPr lang="ru-RU"/>
-              <a:t> </a:t>
-            </a:r>
-            <a:r>
-              <a:rPr lang="ru-RU"/>
-              <a:t>(статический полиморфизм)</a:t>
+              <a:t>Полиморфизм достигается во время компиляции (статический полиморфизм)</a:t>
             </a:r>
             <a:endParaRPr/>
           </a:p>
@@ -11672,9 +12075,9 @@
       </p:sp>
       <p:sp>
         <p:nvSpPr>
-          <p:cNvPr id="6" name="Объект 2" hidden="0"/>
+          <p:cNvPr id="6" name="Объект 2"/>
           <p:cNvSpPr txBox="1"/>
-          <p:nvPr isPhoto="0" userDrawn="0"/>
+          <p:nvPr/>
         </p:nvSpPr>
         <p:spPr bwMode="auto">
           <a:xfrm>
@@ -12019,11 +12422,11 @@
       </p:sp>
       <p:pic>
         <p:nvPicPr>
-          <p:cNvPr id="8" name="Рисунок 7" hidden="0"/>
+          <p:cNvPr id="8" name="Рисунок 7"/>
           <p:cNvPicPr>
             <a:picLocks noChangeAspect="1"/>
           </p:cNvPicPr>
-          <p:nvPr isPhoto="0" userDrawn="0"/>
+          <p:nvPr/>
         </p:nvPicPr>
         <p:blipFill>
           <a:blip r:embed="rId2"/>
@@ -12041,9 +12444,9 @@
       </p:pic>
       <p:sp>
         <p:nvSpPr>
-          <p:cNvPr id="9" name="TextBox 8" hidden="0"/>
+          <p:cNvPr id="9" name="TextBox 8"/>
           <p:cNvSpPr txBox="1"/>
-          <p:nvPr isPhoto="0" userDrawn="0"/>
+          <p:nvPr/>
         </p:nvSpPr>
         <p:spPr bwMode="auto">
           <a:xfrm>
@@ -12093,11 +12496,11 @@
   <p:clrMapOvr>
     <a:masterClrMapping/>
   </p:clrMapOvr>
-  <mc:AlternateContent xmlns:mc="http://schemas.openxmlformats.org/markup-compatibility/2006">
-    <mc:Choice xmlns:p14="http://schemas.microsoft.com/office/powerpoint/2010/main" Requires="p14">
-      <p:transition p14:dur="2000" advClick="1"/>
+  <mc:AlternateContent xmlns:mc="http://schemas.openxmlformats.org/markup-compatibility/2006" xmlns:p14="http://schemas.microsoft.com/office/powerpoint/2010/main">
+    <mc:Choice Requires="p14">
+      <p:transition spd="slow" p14:dur="2000"/>
     </mc:Choice>
-    <mc:Fallback>
+    <mc:Fallback xmlns="" xmlns:m="http://schemas.openxmlformats.org/officeDocument/2006/math" xmlns:w="http://schemas.openxmlformats.org/wordprocessingml/2006/main">
       <p:transition advClick="1"/>
     </mc:Fallback>
   </mc:AlternateContent>
@@ -12111,14 +12514,14 @@
 </p:sld>
 </file>
 
-<file path=ppt/slides/slide18.xml><?xml version="1.0" encoding="utf-8"?>
-<p:sld xmlns:a="http://schemas.openxmlformats.org/drawingml/2006/main" xmlns:r="http://schemas.openxmlformats.org/officeDocument/2006/relationships" xmlns:p="http://schemas.openxmlformats.org/presentationml/2006/main" xmlns:m="http://schemas.openxmlformats.org/officeDocument/2006/math" xmlns:w="http://schemas.openxmlformats.org/wordprocessingml/2006/main" showMasterPhAnim="0" show="1">
-  <p:cSld name="">
+<file path=ppt/slides/slide2.xml><?xml version="1.0" encoding="utf-8"?>
+<p:sld xmlns:a="http://schemas.openxmlformats.org/drawingml/2006/main" xmlns:r="http://schemas.openxmlformats.org/officeDocument/2006/relationships" xmlns:p="http://schemas.openxmlformats.org/presentationml/2006/main" showMasterPhAnim="0">
+  <p:cSld>
     <p:spTree>
       <p:nvGrpSpPr>
-        <p:cNvPr id="1" name="" hidden="0"/>
+        <p:cNvPr id="1" name=""/>
         <p:cNvGrpSpPr/>
-        <p:nvPr isPhoto="0" userDrawn="0"/>
+        <p:nvPr/>
       </p:nvGrpSpPr>
       <p:grpSpPr bwMode="auto">
         <a:xfrm>
@@ -12130,461 +12533,12 @@
       </p:grpSpPr>
       <p:sp>
         <p:nvSpPr>
-          <p:cNvPr id="3" name="Объект 2" hidden="0"/>
+          <p:cNvPr id="3" name="Объект 2"/>
           <p:cNvSpPr>
             <a:spLocks noGrp="1"/>
           </p:cNvSpPr>
-          <p:nvPr isPhoto="0" userDrawn="0">
-            <p:ph idx="1" hasCustomPrompt="0"/>
-          </p:nvPr>
-        </p:nvSpPr>
-        <p:spPr bwMode="auto">
-          <a:xfrm>
-            <a:off x="546538" y="1477417"/>
-            <a:ext cx="11235558" cy="1255273"/>
-          </a:xfrm>
-          <a:prstGeom prst="rect">
-            <a:avLst/>
-          </a:prstGeom>
-          <a:solidFill>
-            <a:schemeClr val="bg1"/>
-          </a:solidFill>
-        </p:spPr>
-        <p:txBody>
-          <a:bodyPr>
-            <a:normAutofit/>
-          </a:bodyPr>
-          <a:lstStyle/>
-          <a:p>
-            <a:pPr>
-              <a:defRPr/>
-            </a:pPr>
-            <a:r>
-              <a:rPr lang="ru-RU" sz="2000"/>
-              <a:t>Часто на практике определение виртуальной функции в базовом классе бесполезно – оно никогда не будет использоваться</a:t>
-            </a:r>
-            <a:endParaRPr/>
-          </a:p>
-          <a:p>
-            <a:pPr>
-              <a:defRPr/>
-            </a:pPr>
-            <a:r>
-              <a:rPr lang="ru-RU" sz="2000"/>
-              <a:t>Такую функцию можно объявить как чисто виртуальную (</a:t>
-            </a:r>
-            <a:r>
-              <a:rPr lang="en-US" sz="2000"/>
-              <a:t>p</a:t>
-            </a:r>
-            <a:r>
-              <a:rPr lang="en-US" sz="2000"/>
-              <a:t>ure virtual</a:t>
-            </a:r>
-            <a:r>
-              <a:rPr lang="ru-RU" sz="2000"/>
-              <a:t>):</a:t>
-            </a:r>
-            <a:endParaRPr lang="en-US" sz="2000"/>
-          </a:p>
-        </p:txBody>
-      </p:sp>
-      <p:sp>
-        <p:nvSpPr>
-          <p:cNvPr id="4" name="Заголовок 1" hidden="0"/>
-          <p:cNvSpPr>
-            <a:spLocks noGrp="1"/>
-          </p:cNvSpPr>
-          <p:nvPr isPhoto="0" userDrawn="0">
-            <p:ph type="title" hasCustomPrompt="0"/>
-          </p:nvPr>
-        </p:nvSpPr>
-        <p:spPr bwMode="auto">
-          <a:xfrm>
-            <a:off x="546538" y="269865"/>
-            <a:ext cx="11235558" cy="845271"/>
-          </a:xfrm>
-          <a:prstGeom prst="rect">
-            <a:avLst/>
-          </a:prstGeom>
-          <a:solidFill>
-            <a:schemeClr val="bg1"/>
-          </a:solidFill>
-          <a:ln>
-            <a:solidFill>
-              <a:schemeClr val="tx1"/>
-            </a:solidFill>
-          </a:ln>
-        </p:spPr>
-        <p:txBody>
-          <a:bodyPr>
-            <a:normAutofit/>
-          </a:bodyPr>
-          <a:lstStyle/>
-          <a:p>
-            <a:pPr algn="ctr">
-              <a:defRPr/>
-            </a:pPr>
-            <a:r>
-              <a:rPr lang="ru-RU"/>
-              <a:t>Полиморфизм. Абстрактные классы</a:t>
-            </a:r>
-            <a:endParaRPr lang="en-US"/>
-          </a:p>
-        </p:txBody>
-      </p:sp>
-      <p:pic>
-        <p:nvPicPr>
-          <p:cNvPr id="5" name="Рисунок 4" hidden="0"/>
-          <p:cNvPicPr>
-            <a:picLocks noChangeAspect="1"/>
-          </p:cNvPicPr>
-          <p:nvPr isPhoto="0" userDrawn="0"/>
-        </p:nvPicPr>
-        <p:blipFill>
-          <a:blip r:embed="rId2"/>
-          <a:stretch/>
-        </p:blipFill>
-        <p:spPr bwMode="auto">
-          <a:xfrm>
-            <a:off x="1841451" y="3160987"/>
-            <a:ext cx="8046679" cy="356048"/>
-          </a:xfrm>
-          <a:prstGeom prst="rect">
-            <a:avLst/>
-          </a:prstGeom>
-        </p:spPr>
-      </p:pic>
-      <p:sp>
-        <p:nvSpPr>
-          <p:cNvPr id="6" name="Объект 2" hidden="0"/>
-          <p:cNvSpPr txBox="1"/>
-          <p:nvPr isPhoto="0" userDrawn="0"/>
-        </p:nvSpPr>
-        <p:spPr bwMode="auto">
-          <a:xfrm>
-            <a:off x="546538" y="3970305"/>
-            <a:ext cx="11235558" cy="2329343"/>
-          </a:xfrm>
-          <a:prstGeom prst="rect">
-            <a:avLst/>
-          </a:prstGeom>
-          <a:solidFill>
-            <a:schemeClr val="bg1"/>
-          </a:solidFill>
-        </p:spPr>
-        <p:txBody>
-          <a:bodyPr vert="horz" lIns="91440" tIns="45720" rIns="91440" bIns="45720" rtlCol="0">
-            <a:normAutofit/>
-          </a:bodyPr>
-          <a:lstStyle>
-            <a:lvl1pPr marL="342900" indent="-342900" algn="l" defTabSz="457200">
-              <a:spcBef>
-                <a:spcPts val="1000"/>
-              </a:spcBef>
-              <a:spcAft>
-                <a:spcPts val="0"/>
-              </a:spcAft>
-              <a:buClr>
-                <a:schemeClr val="accent1"/>
-              </a:buClr>
-              <a:buSzPct val="80000"/>
-              <a:buFont typeface="Wingdings 3"/>
-              <a:buChar char=""/>
-              <a:defRPr sz="1800">
-                <a:solidFill>
-                  <a:schemeClr val="tx1">
-                    <a:lumMod val="75000"/>
-                    <a:lumOff val="25000"/>
-                  </a:schemeClr>
-                </a:solidFill>
-                <a:latin typeface="+mn-lt"/>
-                <a:ea typeface="+mn-ea"/>
-                <a:cs typeface="+mn-cs"/>
-              </a:defRPr>
-            </a:lvl1pPr>
-            <a:lvl2pPr marL="742950" indent="-285750" algn="l" defTabSz="457200">
-              <a:spcBef>
-                <a:spcPts val="1000"/>
-              </a:spcBef>
-              <a:spcAft>
-                <a:spcPts val="0"/>
-              </a:spcAft>
-              <a:buClr>
-                <a:schemeClr val="accent1"/>
-              </a:buClr>
-              <a:buSzPct val="80000"/>
-              <a:buFont typeface="Wingdings 3"/>
-              <a:buChar char=""/>
-              <a:defRPr sz="1600">
-                <a:solidFill>
-                  <a:schemeClr val="tx1">
-                    <a:lumMod val="75000"/>
-                    <a:lumOff val="25000"/>
-                  </a:schemeClr>
-                </a:solidFill>
-                <a:latin typeface="+mn-lt"/>
-                <a:ea typeface="+mn-ea"/>
-                <a:cs typeface="+mn-cs"/>
-              </a:defRPr>
-            </a:lvl2pPr>
-            <a:lvl3pPr marL="1143000" indent="-228600" algn="l" defTabSz="457200">
-              <a:spcBef>
-                <a:spcPts val="1000"/>
-              </a:spcBef>
-              <a:spcAft>
-                <a:spcPts val="0"/>
-              </a:spcAft>
-              <a:buClr>
-                <a:schemeClr val="accent1"/>
-              </a:buClr>
-              <a:buSzPct val="80000"/>
-              <a:buFont typeface="Wingdings 3"/>
-              <a:buChar char=""/>
-              <a:defRPr sz="1400">
-                <a:solidFill>
-                  <a:schemeClr val="tx1">
-                    <a:lumMod val="75000"/>
-                    <a:lumOff val="25000"/>
-                  </a:schemeClr>
-                </a:solidFill>
-                <a:latin typeface="+mn-lt"/>
-                <a:ea typeface="+mn-ea"/>
-                <a:cs typeface="+mn-cs"/>
-              </a:defRPr>
-            </a:lvl3pPr>
-            <a:lvl4pPr marL="1600200" indent="-228600" algn="l" defTabSz="457200">
-              <a:spcBef>
-                <a:spcPts val="1000"/>
-              </a:spcBef>
-              <a:spcAft>
-                <a:spcPts val="0"/>
-              </a:spcAft>
-              <a:buClr>
-                <a:schemeClr val="accent1"/>
-              </a:buClr>
-              <a:buSzPct val="80000"/>
-              <a:buFont typeface="Wingdings 3"/>
-              <a:buChar char=""/>
-              <a:defRPr sz="1200">
-                <a:solidFill>
-                  <a:schemeClr val="tx1">
-                    <a:lumMod val="75000"/>
-                    <a:lumOff val="25000"/>
-                  </a:schemeClr>
-                </a:solidFill>
-                <a:latin typeface="+mn-lt"/>
-                <a:ea typeface="+mn-ea"/>
-                <a:cs typeface="+mn-cs"/>
-              </a:defRPr>
-            </a:lvl4pPr>
-            <a:lvl5pPr marL="2057400" indent="-228600" algn="l" defTabSz="457200">
-              <a:spcBef>
-                <a:spcPts val="1000"/>
-              </a:spcBef>
-              <a:spcAft>
-                <a:spcPts val="0"/>
-              </a:spcAft>
-              <a:buClr>
-                <a:schemeClr val="accent1"/>
-              </a:buClr>
-              <a:buSzPct val="80000"/>
-              <a:buFont typeface="Wingdings 3"/>
-              <a:buChar char=""/>
-              <a:defRPr sz="1200">
-                <a:solidFill>
-                  <a:schemeClr val="tx1">
-                    <a:lumMod val="75000"/>
-                    <a:lumOff val="25000"/>
-                  </a:schemeClr>
-                </a:solidFill>
-                <a:latin typeface="+mn-lt"/>
-                <a:ea typeface="+mn-ea"/>
-                <a:cs typeface="+mn-cs"/>
-              </a:defRPr>
-            </a:lvl5pPr>
-            <a:lvl6pPr marL="2514600" indent="-228600" algn="l" defTabSz="457200">
-              <a:spcBef>
-                <a:spcPts val="1000"/>
-              </a:spcBef>
-              <a:spcAft>
-                <a:spcPts val="0"/>
-              </a:spcAft>
-              <a:buClr>
-                <a:schemeClr val="accent1"/>
-              </a:buClr>
-              <a:buSzPct val="80000"/>
-              <a:buFont typeface="Wingdings 3"/>
-              <a:buChar char=""/>
-              <a:defRPr sz="1200">
-                <a:solidFill>
-                  <a:schemeClr val="tx1">
-                    <a:lumMod val="75000"/>
-                    <a:lumOff val="25000"/>
-                  </a:schemeClr>
-                </a:solidFill>
-                <a:latin typeface="+mn-lt"/>
-                <a:ea typeface="+mn-ea"/>
-                <a:cs typeface="+mn-cs"/>
-              </a:defRPr>
-            </a:lvl6pPr>
-            <a:lvl7pPr marL="2971800" indent="-228600" algn="l" defTabSz="457200">
-              <a:spcBef>
-                <a:spcPts val="1000"/>
-              </a:spcBef>
-              <a:spcAft>
-                <a:spcPts val="0"/>
-              </a:spcAft>
-              <a:buClr>
-                <a:schemeClr val="accent1"/>
-              </a:buClr>
-              <a:buSzPct val="80000"/>
-              <a:buFont typeface="Wingdings 3"/>
-              <a:buChar char=""/>
-              <a:defRPr sz="1200">
-                <a:solidFill>
-                  <a:schemeClr val="tx1">
-                    <a:lumMod val="75000"/>
-                    <a:lumOff val="25000"/>
-                  </a:schemeClr>
-                </a:solidFill>
-                <a:latin typeface="+mn-lt"/>
-                <a:ea typeface="+mn-ea"/>
-                <a:cs typeface="+mn-cs"/>
-              </a:defRPr>
-            </a:lvl7pPr>
-            <a:lvl8pPr marL="3429000" indent="-228600" algn="l" defTabSz="457200">
-              <a:spcBef>
-                <a:spcPts val="1000"/>
-              </a:spcBef>
-              <a:spcAft>
-                <a:spcPts val="0"/>
-              </a:spcAft>
-              <a:buClr>
-                <a:schemeClr val="accent1"/>
-              </a:buClr>
-              <a:buSzPct val="80000"/>
-              <a:buFont typeface="Wingdings 3"/>
-              <a:buChar char=""/>
-              <a:defRPr sz="1200">
-                <a:solidFill>
-                  <a:schemeClr val="tx1">
-                    <a:lumMod val="75000"/>
-                    <a:lumOff val="25000"/>
-                  </a:schemeClr>
-                </a:solidFill>
-                <a:latin typeface="+mn-lt"/>
-                <a:ea typeface="+mn-ea"/>
-                <a:cs typeface="+mn-cs"/>
-              </a:defRPr>
-            </a:lvl8pPr>
-            <a:lvl9pPr marL="3886200" indent="-228600" algn="l" defTabSz="457200">
-              <a:spcBef>
-                <a:spcPts val="1000"/>
-              </a:spcBef>
-              <a:spcAft>
-                <a:spcPts val="0"/>
-              </a:spcAft>
-              <a:buClr>
-                <a:schemeClr val="accent1"/>
-              </a:buClr>
-              <a:buSzPct val="80000"/>
-              <a:buFont typeface="Wingdings 3"/>
-              <a:buChar char=""/>
-              <a:defRPr sz="1200">
-                <a:solidFill>
-                  <a:schemeClr val="tx1">
-                    <a:lumMod val="75000"/>
-                    <a:lumOff val="25000"/>
-                  </a:schemeClr>
-                </a:solidFill>
-                <a:latin typeface="+mn-lt"/>
-                <a:ea typeface="+mn-ea"/>
-                <a:cs typeface="+mn-cs"/>
-              </a:defRPr>
-            </a:lvl9pPr>
-          </a:lstStyle>
-          <a:p>
-            <a:pPr>
-              <a:defRPr/>
-            </a:pPr>
-            <a:r>
-              <a:rPr lang="ru-RU" sz="2000"/>
-              <a:t>Класс, содержащий хотя бы одну чисто виртуальную функцию, называется абстрактным классом</a:t>
-            </a:r>
-            <a:endParaRPr/>
-          </a:p>
-          <a:p>
-            <a:pPr>
-              <a:defRPr/>
-            </a:pPr>
-            <a:r>
-              <a:rPr lang="ru-RU" sz="2000"/>
-              <a:t>Создать объект такого класса нельзя</a:t>
-            </a:r>
-            <a:endParaRPr/>
-          </a:p>
-          <a:p>
-            <a:pPr>
-              <a:defRPr/>
-            </a:pPr>
-            <a:r>
-              <a:rPr lang="ru-RU" sz="2000"/>
-              <a:t>Производные классы абстрактного класса обязательно должны переопределить чисто </a:t>
-            </a:r>
-            <a:r>
-              <a:rPr lang="ru-RU" sz="2000"/>
-              <a:t>витруальную</a:t>
-            </a:r>
-            <a:r>
-              <a:rPr lang="ru-RU" sz="2000"/>
-              <a:t> функцию!</a:t>
-            </a:r>
-            <a:endParaRPr lang="en-US" sz="2000"/>
-          </a:p>
-        </p:txBody>
-      </p:sp>
-    </p:spTree>
-  </p:cSld>
-  <p:clrMapOvr>
-    <a:masterClrMapping/>
-  </p:clrMapOvr>
-  <mc:AlternateContent xmlns:mc="http://schemas.openxmlformats.org/markup-compatibility/2006">
-    <mc:Choice xmlns:p14="http://schemas.microsoft.com/office/powerpoint/2010/main" Requires="p14">
-      <p:transition p14:dur="2000" advClick="1"/>
-    </mc:Choice>
-    <mc:Fallback>
-      <p:transition advClick="1"/>
-    </mc:Fallback>
-  </mc:AlternateContent>
-</p:sld>
-</file>
-
-<file path=ppt/slides/slide2.xml><?xml version="1.0" encoding="utf-8"?>
-<p:sld xmlns:a="http://schemas.openxmlformats.org/drawingml/2006/main" xmlns:r="http://schemas.openxmlformats.org/officeDocument/2006/relationships" xmlns:p="http://schemas.openxmlformats.org/presentationml/2006/main" xmlns:m="http://schemas.openxmlformats.org/officeDocument/2006/math" xmlns:w="http://schemas.openxmlformats.org/wordprocessingml/2006/main" showMasterPhAnim="0" show="1">
-  <p:cSld name="">
-    <p:spTree>
-      <p:nvGrpSpPr>
-        <p:cNvPr id="1" name="" hidden="0"/>
-        <p:cNvGrpSpPr/>
-        <p:nvPr isPhoto="0" userDrawn="0"/>
-      </p:nvGrpSpPr>
-      <p:grpSpPr bwMode="auto">
-        <a:xfrm>
-          <a:off x="0" y="0"/>
-          <a:ext cx="0" cy="0"/>
-          <a:chOff x="0" y="0"/>
-          <a:chExt cx="0" cy="0"/>
-        </a:xfrm>
-      </p:grpSpPr>
-      <p:sp>
-        <p:nvSpPr>
-          <p:cNvPr id="3" name="Объект 2" hidden="0"/>
-          <p:cNvSpPr>
-            <a:spLocks noGrp="1"/>
-          </p:cNvSpPr>
-          <p:nvPr isPhoto="0" userDrawn="0">
-            <p:ph idx="1" hasCustomPrompt="0"/>
+          <p:nvPr>
+            <p:ph idx="1"/>
           </p:nvPr>
         </p:nvSpPr>
         <p:spPr bwMode="auto">
@@ -12662,15 +12616,7 @@
             </a:pPr>
             <a:r>
               <a:rPr lang="ru-RU"/>
-              <a:t>При копировании объекта </a:t>
-            </a:r>
-            <a:r>
-              <a:rPr lang="ru-RU"/>
-              <a:t>побитово</a:t>
-            </a:r>
-            <a:r>
-              <a:rPr lang="ru-RU"/>
-              <a:t> копируется занимаемая им область памяти</a:t>
+              <a:t>При копировании объекта побитово копируется занимаемая им область памяти</a:t>
             </a:r>
             <a:endParaRPr/>
           </a:p>
@@ -12692,12 +12638,12 @@
       </p:sp>
       <p:sp>
         <p:nvSpPr>
-          <p:cNvPr id="4" name="Заголовок 1" hidden="0"/>
+          <p:cNvPr id="4" name="Заголовок 1"/>
           <p:cNvSpPr>
             <a:spLocks noGrp="1"/>
           </p:cNvSpPr>
-          <p:nvPr isPhoto="0" userDrawn="0">
-            <p:ph type="title" hasCustomPrompt="0"/>
+          <p:nvPr>
+            <p:ph type="title"/>
           </p:nvPr>
         </p:nvSpPr>
         <p:spPr bwMode="auto">
@@ -12734,15 +12680,15 @@
       </p:sp>
       <p:pic>
         <p:nvPicPr>
-          <p:cNvPr id="5" name="Рисунок 4" hidden="0"/>
+          <p:cNvPr id="5" name="Рисунок 4"/>
           <p:cNvPicPr>
             <a:picLocks noChangeAspect="1"/>
           </p:cNvPicPr>
-          <p:nvPr isPhoto="0" userDrawn="0"/>
+          <p:nvPr/>
         </p:nvPicPr>
         <p:blipFill>
           <a:blip r:embed="rId2"/>
-          <a:srcRect l="0" t="0" r="4203" b="0"/>
+          <a:srcRect r="4203"/>
           <a:stretch/>
         </p:blipFill>
         <p:spPr bwMode="auto">
@@ -12757,9 +12703,9 @@
       </p:pic>
       <p:sp>
         <p:nvSpPr>
-          <p:cNvPr id="6" name="Объект 2" hidden="0"/>
+          <p:cNvPr id="6" name="Объект 2"/>
           <p:cNvSpPr txBox="1"/>
-          <p:nvPr isPhoto="0" userDrawn="0"/>
+          <p:nvPr/>
         </p:nvSpPr>
         <p:spPr bwMode="auto">
           <a:xfrm>
@@ -13055,11 +13001,11 @@
   <p:clrMapOvr>
     <a:masterClrMapping/>
   </p:clrMapOvr>
-  <mc:AlternateContent xmlns:mc="http://schemas.openxmlformats.org/markup-compatibility/2006">
-    <mc:Choice xmlns:p14="http://schemas.microsoft.com/office/powerpoint/2010/main" Requires="p14">
-      <p:transition p14:dur="2000" advClick="1"/>
+  <mc:AlternateContent xmlns:mc="http://schemas.openxmlformats.org/markup-compatibility/2006" xmlns:p14="http://schemas.microsoft.com/office/powerpoint/2010/main">
+    <mc:Choice Requires="p14">
+      <p:transition spd="slow" p14:dur="2000"/>
     </mc:Choice>
-    <mc:Fallback>
+    <mc:Fallback xmlns="" xmlns:m="http://schemas.openxmlformats.org/officeDocument/2006/math" xmlns:w="http://schemas.openxmlformats.org/wordprocessingml/2006/main">
       <p:transition advClick="1"/>
     </mc:Fallback>
   </mc:AlternateContent>
@@ -13074,13 +13020,13 @@
 </file>
 
 <file path=ppt/slides/slide3.xml><?xml version="1.0" encoding="utf-8"?>
-<p:sld xmlns:a="http://schemas.openxmlformats.org/drawingml/2006/main" xmlns:r="http://schemas.openxmlformats.org/officeDocument/2006/relationships" xmlns:p="http://schemas.openxmlformats.org/presentationml/2006/main" xmlns:m="http://schemas.openxmlformats.org/officeDocument/2006/math" xmlns:w="http://schemas.openxmlformats.org/wordprocessingml/2006/main" showMasterPhAnim="0" show="1">
-  <p:cSld name="">
+<p:sld xmlns:a="http://schemas.openxmlformats.org/drawingml/2006/main" xmlns:r="http://schemas.openxmlformats.org/officeDocument/2006/relationships" xmlns:p="http://schemas.openxmlformats.org/presentationml/2006/main" showMasterPhAnim="0">
+  <p:cSld>
     <p:spTree>
       <p:nvGrpSpPr>
-        <p:cNvPr id="1" name="" hidden="0"/>
+        <p:cNvPr id="1" name=""/>
         <p:cNvGrpSpPr/>
-        <p:nvPr isPhoto="0" userDrawn="0"/>
+        <p:nvPr/>
       </p:nvGrpSpPr>
       <p:grpSpPr bwMode="auto">
         <a:xfrm>
@@ -13092,12 +13038,12 @@
       </p:grpSpPr>
       <p:sp>
         <p:nvSpPr>
-          <p:cNvPr id="2" name="Заголовок 1" hidden="0"/>
+          <p:cNvPr id="2" name="Заголовок 1"/>
           <p:cNvSpPr>
             <a:spLocks noGrp="1"/>
           </p:cNvSpPr>
-          <p:nvPr isPhoto="0" userDrawn="0">
-            <p:ph type="title" hasCustomPrompt="0"/>
+          <p:nvPr>
+            <p:ph type="title"/>
           </p:nvPr>
         </p:nvSpPr>
         <p:spPr bwMode="auto">
@@ -13134,12 +13080,12 @@
       </p:sp>
       <p:sp>
         <p:nvSpPr>
-          <p:cNvPr id="3" name="Объект 2" hidden="0"/>
+          <p:cNvPr id="3" name="Объект 2"/>
           <p:cNvSpPr>
             <a:spLocks noGrp="1"/>
           </p:cNvSpPr>
-          <p:nvPr isPhoto="0" userDrawn="0">
-            <p:ph idx="1" hasCustomPrompt="0"/>
+          <p:nvPr>
+            <p:ph idx="1"/>
           </p:nvPr>
         </p:nvSpPr>
         <p:spPr bwMode="auto">
@@ -13175,11 +13121,7 @@
             </a:pPr>
             <a:r>
               <a:rPr lang="ru-RU" sz="2000"/>
-              <a:t>Наследование позволяет</a:t>
-            </a:r>
-            <a:r>
-              <a:rPr lang="ru-RU" sz="2000"/>
-              <a:t>:</a:t>
+              <a:t>Наследование позволяет:</a:t>
             </a:r>
             <a:endParaRPr/>
           </a:p>
@@ -13240,11 +13182,11 @@
       </p:sp>
       <p:pic>
         <p:nvPicPr>
-          <p:cNvPr id="4" name="Рисунок 3" hidden="0"/>
+          <p:cNvPr id="4" name="Рисунок 3"/>
           <p:cNvPicPr>
             <a:picLocks noChangeAspect="1"/>
           </p:cNvPicPr>
-          <p:nvPr isPhoto="0" userDrawn="0"/>
+          <p:nvPr/>
         </p:nvPicPr>
         <p:blipFill>
           <a:blip r:embed="rId2"/>
@@ -13265,11 +13207,11 @@
   <p:clrMapOvr>
     <a:masterClrMapping/>
   </p:clrMapOvr>
-  <mc:AlternateContent xmlns:mc="http://schemas.openxmlformats.org/markup-compatibility/2006">
-    <mc:Choice xmlns:p14="http://schemas.microsoft.com/office/powerpoint/2010/main" Requires="p14">
-      <p:transition p14:dur="2000" advClick="1"/>
+  <mc:AlternateContent xmlns:mc="http://schemas.openxmlformats.org/markup-compatibility/2006" xmlns:p14="http://schemas.microsoft.com/office/powerpoint/2010/main">
+    <mc:Choice Requires="p14">
+      <p:transition spd="slow" p14:dur="2000"/>
     </mc:Choice>
-    <mc:Fallback>
+    <mc:Fallback xmlns="" xmlns:m="http://schemas.openxmlformats.org/officeDocument/2006/math" xmlns:w="http://schemas.openxmlformats.org/wordprocessingml/2006/main">
       <p:transition advClick="1"/>
     </mc:Fallback>
   </mc:AlternateContent>
@@ -13284,13 +13226,13 @@
 </file>
 
 <file path=ppt/slides/slide4.xml><?xml version="1.0" encoding="utf-8"?>
-<p:sld xmlns:a="http://schemas.openxmlformats.org/drawingml/2006/main" xmlns:r="http://schemas.openxmlformats.org/officeDocument/2006/relationships" xmlns:p="http://schemas.openxmlformats.org/presentationml/2006/main" xmlns:m="http://schemas.openxmlformats.org/officeDocument/2006/math" xmlns:w="http://schemas.openxmlformats.org/wordprocessingml/2006/main" showMasterPhAnim="0" show="1">
-  <p:cSld name="">
+<p:sld xmlns:a="http://schemas.openxmlformats.org/drawingml/2006/main" xmlns:r="http://schemas.openxmlformats.org/officeDocument/2006/relationships" xmlns:p="http://schemas.openxmlformats.org/presentationml/2006/main" showMasterPhAnim="0">
+  <p:cSld>
     <p:spTree>
       <p:nvGrpSpPr>
-        <p:cNvPr id="1" name="" hidden="0"/>
+        <p:cNvPr id="1" name=""/>
         <p:cNvGrpSpPr/>
-        <p:nvPr isPhoto="0" userDrawn="0"/>
+        <p:nvPr/>
       </p:nvGrpSpPr>
       <p:grpSpPr bwMode="auto">
         <a:xfrm>
@@ -13302,12 +13244,12 @@
       </p:grpSpPr>
       <p:sp>
         <p:nvSpPr>
-          <p:cNvPr id="3" name="Объект 2" hidden="0"/>
+          <p:cNvPr id="3" name="Объект 2"/>
           <p:cNvSpPr>
             <a:spLocks noGrp="1"/>
           </p:cNvSpPr>
-          <p:nvPr isPhoto="0" userDrawn="0">
-            <p:ph idx="1" hasCustomPrompt="0"/>
+          <p:nvPr>
+            <p:ph idx="1"/>
           </p:nvPr>
         </p:nvSpPr>
         <p:spPr bwMode="auto">
@@ -13333,19 +13275,11 @@
             </a:pPr>
             <a:r>
               <a:rPr lang="en-US" sz="2000"/>
-              <a:t>Public, private, protected - </a:t>
-            </a:r>
-            <a:r>
-              <a:rPr lang="en-US" sz="2000"/>
-              <a:t>c</a:t>
+              <a:t>Public, private, protected - c</a:t>
             </a:r>
             <a:r>
               <a:rPr lang="ru-RU" sz="2000"/>
-              <a:t>пецификаторы</a:t>
-            </a:r>
-            <a:r>
-              <a:rPr lang="ru-RU" sz="2000"/>
-              <a:t> доступа</a:t>
+              <a:t>пецификаторы доступа</a:t>
             </a:r>
             <a:endParaRPr lang="en-US" sz="2000"/>
           </a:p>
@@ -13361,19 +13295,7 @@
             </a:r>
             <a:r>
               <a:rPr lang="ru-RU" sz="2000"/>
-              <a:t>все </a:t>
-            </a:r>
-            <a:r>
-              <a:rPr lang="ru-RU" sz="2000"/>
-              <a:t>public</a:t>
-            </a:r>
-            <a:r>
-              <a:rPr lang="ru-RU" sz="2000"/>
-              <a:t>-члены базового класса становятся </a:t>
-            </a:r>
-            <a:r>
-              <a:rPr lang="ru-RU" sz="2000"/>
-              <a:t>public</a:t>
+              <a:t>все public-члены базового класса становятся public</a:t>
             </a:r>
             <a:r>
               <a:rPr lang="en-US" sz="2000"/>
@@ -13381,35 +13303,15 @@
             </a:r>
             <a:r>
               <a:rPr lang="ru-RU" sz="2000"/>
-              <a:t>членами </a:t>
+              <a:t>членами производного класса</a:t>
+            </a:r>
+            <a:r>
+              <a:rPr lang="en-US" sz="2000"/>
+              <a:t>. Private-</a:t>
             </a:r>
             <a:r>
               <a:rPr lang="ru-RU" sz="2000"/>
-              <a:t>производного </a:t>
-            </a:r>
-            <a:r>
-              <a:rPr lang="ru-RU" sz="2000"/>
-              <a:t>класса</a:t>
-            </a:r>
-            <a:r>
-              <a:rPr lang="en-US" sz="2000"/>
-              <a:t>. </a:t>
-            </a:r>
-            <a:r>
-              <a:rPr lang="en-US" sz="2000"/>
-              <a:t>Private-</a:t>
-            </a:r>
-            <a:r>
-              <a:rPr lang="ru-RU" sz="2000"/>
-              <a:t>члены базового класса </a:t>
-            </a:r>
-            <a:r>
-              <a:rPr lang="ru-RU" sz="2000"/>
-              <a:t>недоступны </a:t>
-            </a:r>
-            <a:r>
-              <a:rPr lang="ru-RU" sz="2000"/>
-              <a:t>для производного класса</a:t>
+              <a:t>члены базового класса недоступны для производного класса</a:t>
             </a:r>
             <a:endParaRPr lang="en-US" sz="2000"/>
           </a:p>
@@ -13421,47 +13323,11 @@
             </a:pPr>
             <a:r>
               <a:rPr lang="en-US" sz="2000"/>
-              <a:t>p</a:t>
-            </a:r>
-            <a:r>
-              <a:rPr lang="en-US" sz="2000"/>
-              <a:t>rivate: </a:t>
+              <a:t>private: </a:t>
             </a:r>
             <a:r>
               <a:rPr lang="ru-RU" sz="2000"/>
-              <a:t>все </a:t>
-            </a:r>
-            <a:r>
-              <a:rPr lang="ru-RU" sz="2000"/>
-              <a:t>его </a:t>
-            </a:r>
-            <a:r>
-              <a:rPr lang="ru-RU" sz="2000"/>
-              <a:t>public</a:t>
-            </a:r>
-            <a:r>
-              <a:rPr lang="ru-RU" sz="2000"/>
-              <a:t>-члены </a:t>
-            </a:r>
-            <a:r>
-              <a:rPr lang="ru-RU" sz="2000"/>
-              <a:t>базового класса становятся </a:t>
-            </a:r>
-            <a:r>
-              <a:rPr lang="ru-RU" sz="2000"/>
-              <a:t>private</a:t>
-            </a:r>
-            <a:r>
-              <a:rPr lang="ru-RU" sz="2000"/>
-              <a:t>-членами </a:t>
-            </a:r>
-            <a:r>
-              <a:rPr lang="ru-RU" sz="2000"/>
-              <a:t>производного </a:t>
-            </a:r>
-            <a:r>
-              <a:rPr lang="ru-RU" sz="2000"/>
-              <a:t>класса. </a:t>
+              <a:t>все его public-члены базового класса становятся private-членами производного класса. </a:t>
             </a:r>
             <a:r>
               <a:rPr lang="en-US" sz="2000"/>
@@ -13491,13 +13357,8 @@
             </a:r>
             <a:r>
               <a:rPr lang="ru-RU" sz="2000"/>
-              <a:t>членам – доступны из методов класса, но не из других частей программы, но их </a:t>
-            </a:r>
-            <a:r>
-              <a:rPr lang="ru-RU" sz="2000"/>
-              <a:t>можно наследовать! </a:t>
-            </a:r>
-            <a:endParaRPr lang="ru-RU" sz="2000"/>
+              <a:t>членам – доступны из методов класса, но не из других частей программы, но их можно наследовать! </a:t>
+            </a:r>
           </a:p>
           <a:p>
             <a:pPr marL="514350" indent="-514350">
@@ -13507,31 +13368,7 @@
             </a:pPr>
             <a:r>
               <a:rPr lang="ru-RU" sz="2000"/>
-              <a:t>Если </a:t>
-            </a:r>
-            <a:r>
-              <a:rPr lang="ru-RU" sz="2000"/>
-              <a:t>базовый класс наследуется как </a:t>
-            </a:r>
-            <a:r>
-              <a:rPr lang="ru-RU" sz="2000"/>
-              <a:t>public</a:t>
-            </a:r>
-            <a:r>
-              <a:rPr lang="ru-RU" sz="2000"/>
-              <a:t>-класс, защищенные члены базового класса становятся защищенными членами производного класса, </a:t>
-            </a:r>
-            <a:r>
-              <a:rPr lang="ru-RU" sz="2000"/>
-              <a:t>и они будут доступны </a:t>
-            </a:r>
-            <a:r>
-              <a:rPr lang="ru-RU" sz="2000"/>
-              <a:t>для производного </a:t>
-            </a:r>
-            <a:r>
-              <a:rPr lang="ru-RU" sz="2000"/>
-              <a:t>класса. </a:t>
+              <a:t>Если базовый класс наследуется как public-класс, защищенные члены базового класса становятся защищенными членами производного класса, и они будут доступны для производного класса. </a:t>
             </a:r>
             <a:endParaRPr/>
           </a:p>
@@ -13595,12 +13432,12 @@
       </p:sp>
       <p:sp>
         <p:nvSpPr>
-          <p:cNvPr id="4" name="Заголовок 1" hidden="0"/>
+          <p:cNvPr id="4" name="Заголовок 1"/>
           <p:cNvSpPr>
             <a:spLocks noGrp="1"/>
           </p:cNvSpPr>
-          <p:nvPr isPhoto="0" userDrawn="0">
-            <p:ph type="title" hasCustomPrompt="0"/>
+          <p:nvPr>
+            <p:ph type="title"/>
           </p:nvPr>
         </p:nvSpPr>
         <p:spPr bwMode="auto">
@@ -13642,11 +13479,11 @@
   <p:clrMapOvr>
     <a:masterClrMapping/>
   </p:clrMapOvr>
-  <mc:AlternateContent xmlns:mc="http://schemas.openxmlformats.org/markup-compatibility/2006">
-    <mc:Choice xmlns:p14="http://schemas.microsoft.com/office/powerpoint/2010/main" Requires="p14">
-      <p:transition p14:dur="2000" advClick="1"/>
+  <mc:AlternateContent xmlns:mc="http://schemas.openxmlformats.org/markup-compatibility/2006" xmlns:p14="http://schemas.microsoft.com/office/powerpoint/2010/main">
+    <mc:Choice Requires="p14">
+      <p:transition spd="slow" p14:dur="2000"/>
     </mc:Choice>
-    <mc:Fallback>
+    <mc:Fallback xmlns="" xmlns:m="http://schemas.openxmlformats.org/officeDocument/2006/math" xmlns:w="http://schemas.openxmlformats.org/wordprocessingml/2006/main">
       <p:transition advClick="1"/>
     </mc:Fallback>
   </mc:AlternateContent>
@@ -13661,13 +13498,13 @@
 </file>
 
 <file path=ppt/slides/slide5.xml><?xml version="1.0" encoding="utf-8"?>
-<p:sld xmlns:a="http://schemas.openxmlformats.org/drawingml/2006/main" xmlns:r="http://schemas.openxmlformats.org/officeDocument/2006/relationships" xmlns:p="http://schemas.openxmlformats.org/presentationml/2006/main" xmlns:m="http://schemas.openxmlformats.org/officeDocument/2006/math" xmlns:w="http://schemas.openxmlformats.org/wordprocessingml/2006/main" showMasterPhAnim="0" show="1">
-  <p:cSld name="">
+<p:sld xmlns:a="http://schemas.openxmlformats.org/drawingml/2006/main" xmlns:r="http://schemas.openxmlformats.org/officeDocument/2006/relationships" xmlns:p="http://schemas.openxmlformats.org/presentationml/2006/main" showMasterPhAnim="0">
+  <p:cSld>
     <p:spTree>
       <p:nvGrpSpPr>
-        <p:cNvPr id="1" name="" hidden="0"/>
+        <p:cNvPr id="1" name=""/>
         <p:cNvGrpSpPr/>
-        <p:nvPr isPhoto="0" userDrawn="0"/>
+        <p:nvPr/>
       </p:nvGrpSpPr>
       <p:grpSpPr bwMode="auto">
         <a:xfrm>
@@ -13679,12 +13516,12 @@
       </p:grpSpPr>
       <p:sp>
         <p:nvSpPr>
-          <p:cNvPr id="3" name="Объект 2" hidden="0"/>
+          <p:cNvPr id="3" name="Объект 2"/>
           <p:cNvSpPr>
             <a:spLocks noGrp="1"/>
           </p:cNvSpPr>
-          <p:nvPr isPhoto="0" userDrawn="0">
-            <p:ph idx="1" hasCustomPrompt="0"/>
+          <p:nvPr>
+            <p:ph idx="1"/>
           </p:nvPr>
         </p:nvSpPr>
         <p:spPr bwMode="auto">
@@ -13710,7 +13547,6 @@
               <a:rPr lang="ru-RU"/>
               <a:t>Конструкторы вызываются в порядке иерархии наследования классов, деструкторы - в обратном порядке </a:t>
             </a:r>
-            <a:endParaRPr lang="ru-RU"/>
           </a:p>
           <a:p>
             <a:pPr>
@@ -13718,11 +13554,7 @@
             </a:pPr>
             <a:r>
               <a:rPr lang="ru-RU"/>
-              <a:t>Поскольку базовый класс "ничего не знает" ни о каком производном классе, операции по инициализации, которые ему нужно выполнить, не зависят от операций инициализации, выполняемых производным классом, но, возможно, создают предварительные условия для последующей работы. Поэтому конструктор базового класса должен выполняться </a:t>
-            </a:r>
-            <a:r>
-              <a:rPr lang="ru-RU"/>
-              <a:t>первым</a:t>
+              <a:t>Поскольку базовый класс "ничего не знает" ни о каком производном классе, операции по инициализации, которые ему нужно выполнить, не зависят от операций инициализации, выполняемых производным классом, но, возможно, создают предварительные условия для последующей работы. Поэтому конструктор базового класса должен выполняться первым</a:t>
             </a:r>
             <a:endParaRPr/>
           </a:p>
@@ -13740,12 +13572,12 @@
       </p:sp>
       <p:sp>
         <p:nvSpPr>
-          <p:cNvPr id="4" name="Заголовок 1" hidden="0"/>
+          <p:cNvPr id="4" name="Заголовок 1"/>
           <p:cNvSpPr>
             <a:spLocks noGrp="1"/>
           </p:cNvSpPr>
-          <p:nvPr isPhoto="0" userDrawn="0">
-            <p:ph type="title" hasCustomPrompt="0"/>
+          <p:nvPr>
+            <p:ph type="title"/>
           </p:nvPr>
         </p:nvSpPr>
         <p:spPr bwMode="auto">
@@ -13784,11 +13616,11 @@
       </p:sp>
       <p:pic>
         <p:nvPicPr>
-          <p:cNvPr id="5" name="Рисунок 4" hidden="0"/>
+          <p:cNvPr id="5" name="Рисунок 4"/>
           <p:cNvPicPr>
             <a:picLocks noChangeAspect="1"/>
           </p:cNvPicPr>
-          <p:nvPr isPhoto="0" userDrawn="0"/>
+          <p:nvPr/>
         </p:nvPicPr>
         <p:blipFill>
           <a:blip r:embed="rId2"/>
@@ -13809,11 +13641,11 @@
   <p:clrMapOvr>
     <a:masterClrMapping/>
   </p:clrMapOvr>
-  <mc:AlternateContent xmlns:mc="http://schemas.openxmlformats.org/markup-compatibility/2006">
-    <mc:Choice xmlns:p14="http://schemas.microsoft.com/office/powerpoint/2010/main" Requires="p14">
-      <p:transition p14:dur="2000" advClick="1"/>
+  <mc:AlternateContent xmlns:mc="http://schemas.openxmlformats.org/markup-compatibility/2006" xmlns:p14="http://schemas.microsoft.com/office/powerpoint/2010/main">
+    <mc:Choice Requires="p14">
+      <p:transition spd="slow" p14:dur="2000"/>
     </mc:Choice>
-    <mc:Fallback>
+    <mc:Fallback xmlns="" xmlns:m="http://schemas.openxmlformats.org/officeDocument/2006/math" xmlns:w="http://schemas.openxmlformats.org/wordprocessingml/2006/main">
       <p:transition advClick="1"/>
     </mc:Fallback>
   </mc:AlternateContent>
@@ -13828,13 +13660,13 @@
 </file>
 
 <file path=ppt/slides/slide6.xml><?xml version="1.0" encoding="utf-8"?>
-<p:sld xmlns:a="http://schemas.openxmlformats.org/drawingml/2006/main" xmlns:r="http://schemas.openxmlformats.org/officeDocument/2006/relationships" xmlns:p="http://schemas.openxmlformats.org/presentationml/2006/main" xmlns:m="http://schemas.openxmlformats.org/officeDocument/2006/math" xmlns:w="http://schemas.openxmlformats.org/wordprocessingml/2006/main" showMasterPhAnim="0" show="1">
-  <p:cSld name="">
+<p:sld xmlns:a="http://schemas.openxmlformats.org/drawingml/2006/main" xmlns:r="http://schemas.openxmlformats.org/officeDocument/2006/relationships" xmlns:p="http://schemas.openxmlformats.org/presentationml/2006/main" showMasterPhAnim="0">
+  <p:cSld>
     <p:spTree>
       <p:nvGrpSpPr>
-        <p:cNvPr id="1" name="" hidden="0"/>
+        <p:cNvPr id="1" name=""/>
         <p:cNvGrpSpPr/>
-        <p:nvPr isPhoto="0" userDrawn="0"/>
+        <p:nvPr/>
       </p:nvGrpSpPr>
       <p:grpSpPr bwMode="auto">
         <a:xfrm>
@@ -13846,12 +13678,12 @@
       </p:grpSpPr>
       <p:sp>
         <p:nvSpPr>
-          <p:cNvPr id="3" name="Объект 2" hidden="0"/>
+          <p:cNvPr id="3" name="Объект 2"/>
           <p:cNvSpPr>
             <a:spLocks noGrp="1"/>
           </p:cNvSpPr>
-          <p:nvPr isPhoto="0" userDrawn="0">
-            <p:ph idx="1" hasCustomPrompt="0"/>
+          <p:nvPr>
+            <p:ph idx="1"/>
           </p:nvPr>
         </p:nvSpPr>
         <p:spPr bwMode="auto">
@@ -13946,12 +13778,12 @@
       </p:sp>
       <p:sp>
         <p:nvSpPr>
-          <p:cNvPr id="4" name="Заголовок 1" hidden="0"/>
+          <p:cNvPr id="4" name="Заголовок 1"/>
           <p:cNvSpPr>
             <a:spLocks noGrp="1"/>
           </p:cNvSpPr>
-          <p:nvPr isPhoto="0" userDrawn="0">
-            <p:ph type="title" hasCustomPrompt="0"/>
+          <p:nvPr>
+            <p:ph type="title"/>
           </p:nvPr>
         </p:nvSpPr>
         <p:spPr bwMode="auto">
@@ -13984,6 +13816,10 @@
               <a:rPr lang="ru-RU"/>
               <a:t>Наследование. Ромбовидное наследование</a:t>
             </a:r>
+            <a:r>
+              <a:rPr lang="en-US"/>
+              <a:t/>
+            </a:r>
             <a:br>
               <a:rPr lang="en-US"/>
             </a:br>
@@ -14005,11 +13841,11 @@
       </p:sp>
       <p:pic>
         <p:nvPicPr>
-          <p:cNvPr id="5" name="Рисунок 4" hidden="0"/>
+          <p:cNvPr id="5" name="Рисунок 4"/>
           <p:cNvPicPr>
             <a:picLocks noChangeAspect="1"/>
           </p:cNvPicPr>
-          <p:nvPr isPhoto="0" userDrawn="0"/>
+          <p:nvPr/>
         </p:nvPicPr>
         <p:blipFill>
           <a:blip r:embed="rId2"/>
@@ -14027,9 +13863,9 @@
       </p:pic>
       <p:sp>
         <p:nvSpPr>
-          <p:cNvPr id="6" name="Прямоугольник 5" hidden="0"/>
+          <p:cNvPr id="6" name="Прямоугольник 5"/>
           <p:cNvSpPr/>
-          <p:nvPr isPhoto="0" userDrawn="0"/>
+          <p:nvPr/>
         </p:nvSpPr>
         <p:spPr bwMode="auto">
           <a:xfrm>
@@ -14085,9 +13921,9 @@
       </p:sp>
       <p:sp>
         <p:nvSpPr>
-          <p:cNvPr id="7" name="Прямоугольник 6" hidden="0"/>
+          <p:cNvPr id="7" name="Прямоугольник 6"/>
           <p:cNvSpPr/>
-          <p:nvPr isPhoto="0" userDrawn="0"/>
+          <p:nvPr/>
         </p:nvSpPr>
         <p:spPr bwMode="auto">
           <a:xfrm>
@@ -14137,19 +13973,14 @@
               </a:rPr>
               <a:t>B</a:t>
             </a:r>
-            <a:endParaRPr lang="en-US">
-              <a:solidFill>
-                <a:schemeClr val="tx1"/>
-              </a:solidFill>
-            </a:endParaRPr>
           </a:p>
         </p:txBody>
       </p:sp>
       <p:sp>
         <p:nvSpPr>
-          <p:cNvPr id="8" name="Прямоугольник 7" hidden="0"/>
+          <p:cNvPr id="8" name="Прямоугольник 7"/>
           <p:cNvSpPr/>
-          <p:nvPr isPhoto="0" userDrawn="0"/>
+          <p:nvPr/>
         </p:nvSpPr>
         <p:spPr bwMode="auto">
           <a:xfrm>
@@ -14199,19 +14030,14 @@
               </a:rPr>
               <a:t>C</a:t>
             </a:r>
-            <a:endParaRPr lang="en-US">
-              <a:solidFill>
-                <a:schemeClr val="tx1"/>
-              </a:solidFill>
-            </a:endParaRPr>
           </a:p>
         </p:txBody>
       </p:sp>
       <p:sp>
         <p:nvSpPr>
-          <p:cNvPr id="9" name="Прямоугольник 8" hidden="0"/>
+          <p:cNvPr id="9" name="Прямоугольник 8"/>
           <p:cNvSpPr/>
-          <p:nvPr isPhoto="0" userDrawn="0"/>
+          <p:nvPr/>
         </p:nvSpPr>
         <p:spPr bwMode="auto">
           <a:xfrm>
@@ -14261,21 +14087,16 @@
               </a:rPr>
               <a:t>D</a:t>
             </a:r>
-            <a:endParaRPr lang="en-US">
-              <a:solidFill>
-                <a:schemeClr val="tx1"/>
-              </a:solidFill>
-            </a:endParaRPr>
           </a:p>
         </p:txBody>
       </p:sp>
       <p:cxnSp>
         <p:nvCxnSpPr>
-          <p:cNvPr id="11" name="Прямая со стрелкой 10" hidden="0"/>
+          <p:cNvPr id="11" name="Прямая со стрелкой 10"/>
           <p:cNvCxnSpPr>
             <a:cxnSpLocks/>
           </p:cNvCxnSpPr>
-          <p:nvPr isPhoto="0" userDrawn="0"/>
+          <p:nvPr/>
         </p:nvCxnSpPr>
         <p:spPr bwMode="auto">
           <a:xfrm flipV="1">
@@ -14307,12 +14128,12 @@
       </p:cxnSp>
       <p:cxnSp>
         <p:nvCxnSpPr>
-          <p:cNvPr id="13" name="Прямая со стрелкой 12" hidden="0"/>
+          <p:cNvPr id="13" name="Прямая со стрелкой 12"/>
           <p:cNvCxnSpPr>
             <a:cxnSpLocks/>
             <a:stCxn id="8" idx="0"/>
           </p:cNvCxnSpPr>
-          <p:nvPr isPhoto="0" userDrawn="0"/>
+          <p:nvPr/>
         </p:nvCxnSpPr>
         <p:spPr bwMode="auto">
           <a:xfrm flipH="1" flipV="1">
@@ -14346,12 +14167,12 @@
       </p:cxnSp>
       <p:cxnSp>
         <p:nvCxnSpPr>
-          <p:cNvPr id="15" name="Прямая со стрелкой 14" hidden="0"/>
+          <p:cNvPr id="15" name="Прямая со стрелкой 14"/>
           <p:cNvCxnSpPr>
             <a:cxnSpLocks/>
             <a:endCxn id="7" idx="2"/>
           </p:cNvCxnSpPr>
-          <p:nvPr isPhoto="0" userDrawn="0"/>
+          <p:nvPr/>
         </p:nvCxnSpPr>
         <p:spPr bwMode="auto">
           <a:xfrm flipH="1" flipV="1">
@@ -14385,12 +14206,12 @@
       </p:cxnSp>
       <p:cxnSp>
         <p:nvCxnSpPr>
-          <p:cNvPr id="17" name="Прямая со стрелкой 16" hidden="0"/>
+          <p:cNvPr id="17" name="Прямая со стрелкой 16"/>
           <p:cNvCxnSpPr>
             <a:cxnSpLocks/>
             <a:endCxn id="8" idx="2"/>
           </p:cNvCxnSpPr>
-          <p:nvPr isPhoto="0" userDrawn="0"/>
+          <p:nvPr/>
         </p:nvCxnSpPr>
         <p:spPr bwMode="auto">
           <a:xfrm flipV="1">
@@ -14424,9 +14245,9 @@
       </p:cxnSp>
       <p:sp>
         <p:nvSpPr>
-          <p:cNvPr id="19" name="Прямоугольник 18" hidden="0"/>
+          <p:cNvPr id="19" name="Прямоугольник 18"/>
           <p:cNvSpPr/>
-          <p:nvPr isPhoto="0" userDrawn="0"/>
+          <p:nvPr/>
         </p:nvSpPr>
         <p:spPr bwMode="auto">
           <a:xfrm>
@@ -14482,9 +14303,9 @@
       </p:sp>
       <p:sp>
         <p:nvSpPr>
-          <p:cNvPr id="25" name="Прямоугольник 24" hidden="0"/>
+          <p:cNvPr id="25" name="Прямоугольник 24"/>
           <p:cNvSpPr/>
-          <p:nvPr isPhoto="0" userDrawn="0"/>
+          <p:nvPr/>
         </p:nvSpPr>
         <p:spPr bwMode="auto">
           <a:xfrm>
@@ -14540,9 +14361,9 @@
       </p:sp>
       <p:sp>
         <p:nvSpPr>
-          <p:cNvPr id="27" name="Прямоугольник 26" hidden="0"/>
+          <p:cNvPr id="27" name="Прямоугольник 26"/>
           <p:cNvSpPr/>
-          <p:nvPr isPhoto="0" userDrawn="0"/>
+          <p:nvPr/>
         </p:nvSpPr>
         <p:spPr bwMode="auto">
           <a:xfrm>
@@ -14592,19 +14413,14 @@
               </a:rPr>
               <a:t>B</a:t>
             </a:r>
-            <a:endParaRPr lang="en-US">
-              <a:solidFill>
-                <a:schemeClr val="tx1"/>
-              </a:solidFill>
-            </a:endParaRPr>
           </a:p>
         </p:txBody>
       </p:sp>
       <p:sp>
         <p:nvSpPr>
-          <p:cNvPr id="29" name="Прямоугольник 28" hidden="0"/>
+          <p:cNvPr id="29" name="Прямоугольник 28"/>
           <p:cNvSpPr/>
-          <p:nvPr isPhoto="0" userDrawn="0"/>
+          <p:nvPr/>
         </p:nvSpPr>
         <p:spPr bwMode="auto">
           <a:xfrm>
@@ -14654,19 +14470,14 @@
               </a:rPr>
               <a:t>C</a:t>
             </a:r>
-            <a:endParaRPr lang="en-US">
-              <a:solidFill>
-                <a:schemeClr val="tx1"/>
-              </a:solidFill>
-            </a:endParaRPr>
           </a:p>
         </p:txBody>
       </p:sp>
       <p:sp>
         <p:nvSpPr>
-          <p:cNvPr id="30" name="Прямоугольник 29" hidden="0"/>
+          <p:cNvPr id="30" name="Прямоугольник 29"/>
           <p:cNvSpPr/>
-          <p:nvPr isPhoto="0" userDrawn="0"/>
+          <p:nvPr/>
         </p:nvSpPr>
         <p:spPr bwMode="auto">
           <a:xfrm>
@@ -14716,22 +14527,17 @@
               </a:rPr>
               <a:t>D</a:t>
             </a:r>
-            <a:endParaRPr lang="en-US">
-              <a:solidFill>
-                <a:schemeClr val="tx1"/>
-              </a:solidFill>
-            </a:endParaRPr>
           </a:p>
         </p:txBody>
       </p:sp>
       <p:cxnSp>
         <p:nvCxnSpPr>
-          <p:cNvPr id="31" name="Прямая со стрелкой 30" hidden="0"/>
+          <p:cNvPr id="31" name="Прямая со стрелкой 30"/>
           <p:cNvCxnSpPr>
             <a:cxnSpLocks/>
             <a:endCxn id="27" idx="2"/>
           </p:cNvCxnSpPr>
-          <p:nvPr isPhoto="0" userDrawn="0"/>
+          <p:nvPr/>
         </p:nvCxnSpPr>
         <p:spPr bwMode="auto">
           <a:xfrm flipH="1" flipV="1">
@@ -14765,12 +14571,12 @@
       </p:cxnSp>
       <p:cxnSp>
         <p:nvCxnSpPr>
-          <p:cNvPr id="32" name="Прямая со стрелкой 31" hidden="0"/>
+          <p:cNvPr id="32" name="Прямая со стрелкой 31"/>
           <p:cNvCxnSpPr>
             <a:cxnSpLocks/>
             <a:endCxn id="29" idx="2"/>
           </p:cNvCxnSpPr>
-          <p:nvPr isPhoto="0" userDrawn="0"/>
+          <p:nvPr/>
         </p:nvCxnSpPr>
         <p:spPr bwMode="auto">
           <a:xfrm flipV="1">
@@ -14804,13 +14610,13 @@
       </p:cxnSp>
       <p:cxnSp>
         <p:nvCxnSpPr>
-          <p:cNvPr id="34" name="Прямая со стрелкой 33" hidden="0"/>
+          <p:cNvPr id="34" name="Прямая со стрелкой 33"/>
           <p:cNvCxnSpPr>
             <a:cxnSpLocks/>
             <a:stCxn id="27" idx="0"/>
             <a:endCxn id="19" idx="2"/>
           </p:cNvCxnSpPr>
-          <p:nvPr isPhoto="0" userDrawn="0"/>
+          <p:nvPr/>
         </p:nvCxnSpPr>
         <p:spPr bwMode="auto">
           <a:xfrm flipV="1">
@@ -14844,11 +14650,11 @@
       </p:cxnSp>
       <p:cxnSp>
         <p:nvCxnSpPr>
-          <p:cNvPr id="35" name="Прямая со стрелкой 34" hidden="0"/>
+          <p:cNvPr id="35" name="Прямая со стрелкой 34"/>
           <p:cNvCxnSpPr>
             <a:cxnSpLocks/>
           </p:cNvCxnSpPr>
-          <p:nvPr isPhoto="0" userDrawn="0"/>
+          <p:nvPr/>
         </p:nvCxnSpPr>
         <p:spPr bwMode="auto">
           <a:xfrm flipV="1">
@@ -14882,9 +14688,9 @@
       </p:cxnSp>
       <p:sp>
         <p:nvSpPr>
-          <p:cNvPr id="36" name="TextBox 35" hidden="0"/>
+          <p:cNvPr id="36" name="TextBox 35"/>
           <p:cNvSpPr txBox="1"/>
-          <p:nvPr isPhoto="0" userDrawn="0"/>
+          <p:nvPr/>
         </p:nvSpPr>
         <p:spPr bwMode="auto">
           <a:xfrm flipH="1">
@@ -14915,9 +14721,9 @@
       </p:sp>
       <p:sp>
         <p:nvSpPr>
-          <p:cNvPr id="37" name="TextBox 36" hidden="0"/>
+          <p:cNvPr id="37" name="TextBox 36"/>
           <p:cNvSpPr txBox="1"/>
-          <p:nvPr isPhoto="0" userDrawn="0"/>
+          <p:nvPr/>
         </p:nvSpPr>
         <p:spPr bwMode="auto">
           <a:xfrm flipH="1">
@@ -14953,11 +14759,11 @@
   <p:clrMapOvr>
     <a:masterClrMapping/>
   </p:clrMapOvr>
-  <mc:AlternateContent xmlns:mc="http://schemas.openxmlformats.org/markup-compatibility/2006">
-    <mc:Choice xmlns:p14="http://schemas.microsoft.com/office/powerpoint/2010/main" Requires="p14">
-      <p:transition p14:dur="2000" advClick="1"/>
+  <mc:AlternateContent xmlns:mc="http://schemas.openxmlformats.org/markup-compatibility/2006" xmlns:p14="http://schemas.microsoft.com/office/powerpoint/2010/main">
+    <mc:Choice Requires="p14">
+      <p:transition spd="slow" p14:dur="2000"/>
     </mc:Choice>
-    <mc:Fallback>
+    <mc:Fallback xmlns="" xmlns:m="http://schemas.openxmlformats.org/officeDocument/2006/math" xmlns:w="http://schemas.openxmlformats.org/wordprocessingml/2006/main">
       <p:transition advClick="1"/>
     </mc:Fallback>
   </mc:AlternateContent>
@@ -14972,13 +14778,13 @@
 </file>
 
 <file path=ppt/slides/slide7.xml><?xml version="1.0" encoding="utf-8"?>
-<p:sld xmlns:a="http://schemas.openxmlformats.org/drawingml/2006/main" xmlns:r="http://schemas.openxmlformats.org/officeDocument/2006/relationships" xmlns:p="http://schemas.openxmlformats.org/presentationml/2006/main" xmlns:m="http://schemas.openxmlformats.org/officeDocument/2006/math" xmlns:w="http://schemas.openxmlformats.org/wordprocessingml/2006/main" showMasterPhAnim="0" show="1">
-  <p:cSld name="">
+<p:sld xmlns:a="http://schemas.openxmlformats.org/drawingml/2006/main" xmlns:r="http://schemas.openxmlformats.org/officeDocument/2006/relationships" xmlns:p="http://schemas.openxmlformats.org/presentationml/2006/main" showMasterPhAnim="0">
+  <p:cSld>
     <p:spTree>
       <p:nvGrpSpPr>
-        <p:cNvPr id="1" name="" hidden="0"/>
+        <p:cNvPr id="1" name=""/>
         <p:cNvGrpSpPr/>
-        <p:nvPr isPhoto="0" userDrawn="0"/>
+        <p:nvPr/>
       </p:nvGrpSpPr>
       <p:grpSpPr bwMode="auto">
         <a:xfrm>
@@ -14990,12 +14796,12 @@
       </p:grpSpPr>
       <p:sp>
         <p:nvSpPr>
-          <p:cNvPr id="4" name="Заголовок 1" hidden="0"/>
+          <p:cNvPr id="4" name="Заголовок 1"/>
           <p:cNvSpPr>
             <a:spLocks noGrp="1"/>
           </p:cNvSpPr>
-          <p:nvPr isPhoto="0" userDrawn="0">
-            <p:ph type="title" hasCustomPrompt="0"/>
+          <p:nvPr>
+            <p:ph type="title"/>
           </p:nvPr>
         </p:nvSpPr>
         <p:spPr bwMode="auto">
@@ -15028,6 +14834,10 @@
               <a:rPr lang="ru-RU"/>
               <a:t>Наследование. Ромбовидное наследование </a:t>
             </a:r>
+            <a:r>
+              <a:rPr lang="en-US"/>
+              <a:t/>
+            </a:r>
             <a:br>
               <a:rPr lang="en-US"/>
             </a:br>
@@ -15049,11 +14859,11 @@
       </p:sp>
       <p:pic>
         <p:nvPicPr>
-          <p:cNvPr id="9" name="Рисунок 8" hidden="0"/>
+          <p:cNvPr id="9" name="Рисунок 8"/>
           <p:cNvPicPr>
             <a:picLocks noChangeAspect="1"/>
           </p:cNvPicPr>
-          <p:nvPr isPhoto="0" userDrawn="0"/>
+          <p:nvPr/>
         </p:nvPicPr>
         <p:blipFill>
           <a:blip r:embed="rId2"/>
@@ -15071,11 +14881,11 @@
       </p:pic>
       <p:pic>
         <p:nvPicPr>
-          <p:cNvPr id="10" name="Рисунок 9" hidden="0"/>
+          <p:cNvPr id="10" name="Рисунок 9"/>
           <p:cNvPicPr>
             <a:picLocks noChangeAspect="1"/>
           </p:cNvPicPr>
-          <p:nvPr isPhoto="0" userDrawn="0"/>
+          <p:nvPr/>
         </p:nvPicPr>
         <p:blipFill>
           <a:blip r:embed="rId3"/>
@@ -15093,9 +14903,9 @@
       </p:pic>
       <p:sp>
         <p:nvSpPr>
-          <p:cNvPr id="11" name="TextBox 10" hidden="0"/>
+          <p:cNvPr id="11" name="TextBox 10"/>
           <p:cNvSpPr txBox="1"/>
-          <p:nvPr isPhoto="0" userDrawn="0"/>
+          <p:nvPr/>
         </p:nvSpPr>
         <p:spPr bwMode="auto">
           <a:xfrm>
@@ -15124,17 +14934,16 @@
               <a:rPr lang="en-US"/>
               <a:t>i</a:t>
             </a:r>
-            <a:endParaRPr lang="en-US"/>
           </a:p>
         </p:txBody>
       </p:sp>
       <p:pic>
         <p:nvPicPr>
-          <p:cNvPr id="12" name="Рисунок 11" hidden="0"/>
+          <p:cNvPr id="12" name="Рисунок 11"/>
           <p:cNvPicPr>
             <a:picLocks noChangeAspect="1"/>
           </p:cNvPicPr>
-          <p:nvPr isPhoto="0" userDrawn="0"/>
+          <p:nvPr/>
         </p:nvPicPr>
         <p:blipFill>
           <a:blip r:embed="rId4"/>
@@ -15152,9 +14961,9 @@
       </p:pic>
       <p:sp>
         <p:nvSpPr>
-          <p:cNvPr id="13" name="TextBox 12" hidden="0"/>
+          <p:cNvPr id="13" name="TextBox 12"/>
           <p:cNvSpPr txBox="1"/>
-          <p:nvPr isPhoto="0" userDrawn="0"/>
+          <p:nvPr/>
         </p:nvSpPr>
         <p:spPr bwMode="auto">
           <a:xfrm>
@@ -15199,11 +15008,11 @@
       </p:sp>
       <p:pic>
         <p:nvPicPr>
-          <p:cNvPr id="14" name="Рисунок 13" hidden="0"/>
+          <p:cNvPr id="14" name="Рисунок 13"/>
           <p:cNvPicPr>
             <a:picLocks noChangeAspect="1"/>
           </p:cNvPicPr>
-          <p:nvPr isPhoto="0" userDrawn="0"/>
+          <p:nvPr/>
         </p:nvPicPr>
         <p:blipFill>
           <a:blip r:embed="rId5"/>
@@ -15221,11 +15030,11 @@
       </p:pic>
       <p:pic>
         <p:nvPicPr>
-          <p:cNvPr id="16" name="Рисунок 15" hidden="0"/>
+          <p:cNvPr id="16" name="Рисунок 15"/>
           <p:cNvPicPr>
             <a:picLocks noChangeAspect="1"/>
           </p:cNvPicPr>
-          <p:nvPr isPhoto="0" userDrawn="0"/>
+          <p:nvPr/>
         </p:nvPicPr>
         <p:blipFill>
           <a:blip r:embed="rId6"/>
@@ -15243,9 +15052,9 @@
       </p:pic>
       <p:sp>
         <p:nvSpPr>
-          <p:cNvPr id="17" name="TextBox 16" hidden="0"/>
+          <p:cNvPr id="17" name="TextBox 16"/>
           <p:cNvSpPr txBox="1"/>
-          <p:nvPr isPhoto="0" userDrawn="0"/>
+          <p:nvPr/>
         </p:nvSpPr>
         <p:spPr bwMode="auto">
           <a:xfrm>
@@ -15288,13 +15097,8 @@
             </a:r>
             <a:r>
               <a:rPr lang="ru-RU"/>
-              <a:t>Не </a:t>
-            </a:r>
-            <a:r>
-              <a:rPr lang="ru-RU"/>
-              <a:t>ок</a:t>
-            </a:r>
-            <a:endParaRPr lang="ru-RU"/>
+              <a:t>Не ок</a:t>
+            </a:r>
           </a:p>
           <a:p>
             <a:pPr>
@@ -15306,11 +15110,11 @@
       </p:sp>
       <p:pic>
         <p:nvPicPr>
-          <p:cNvPr id="20" name="Рисунок 19" hidden="0"/>
+          <p:cNvPr id="20" name="Рисунок 19"/>
           <p:cNvPicPr>
             <a:picLocks noChangeAspect="1"/>
           </p:cNvPicPr>
-          <p:nvPr isPhoto="0" userDrawn="0"/>
+          <p:nvPr/>
         </p:nvPicPr>
         <p:blipFill>
           <a:blip r:embed="rId7"/>
@@ -15328,11 +15132,11 @@
       </p:pic>
       <p:pic>
         <p:nvPicPr>
-          <p:cNvPr id="21" name="Рисунок 20" hidden="0"/>
+          <p:cNvPr id="21" name="Рисунок 20"/>
           <p:cNvPicPr>
             <a:picLocks noChangeAspect="1"/>
           </p:cNvPicPr>
-          <p:nvPr isPhoto="0" userDrawn="0"/>
+          <p:nvPr/>
         </p:nvPicPr>
         <p:blipFill>
           <a:blip r:embed="rId8"/>
@@ -15350,15 +15154,15 @@
       </p:pic>
       <p:pic>
         <p:nvPicPr>
-          <p:cNvPr id="22" name="Рисунок 21" hidden="0"/>
+          <p:cNvPr id="22" name="Рисунок 21"/>
           <p:cNvPicPr>
             <a:picLocks noChangeAspect="1"/>
           </p:cNvPicPr>
-          <p:nvPr isPhoto="0" userDrawn="0"/>
+          <p:nvPr/>
         </p:nvPicPr>
         <p:blipFill>
           <a:blip r:embed="rId9"/>
-          <a:srcRect l="0" t="23675" r="0" b="0"/>
+          <a:srcRect t="23675"/>
           <a:stretch/>
         </p:blipFill>
         <p:spPr bwMode="auto">
@@ -15373,11 +15177,11 @@
       </p:pic>
       <p:pic>
         <p:nvPicPr>
-          <p:cNvPr id="23" name="Рисунок 22" hidden="0"/>
+          <p:cNvPr id="23" name="Рисунок 22"/>
           <p:cNvPicPr>
             <a:picLocks noChangeAspect="1"/>
           </p:cNvPicPr>
-          <p:nvPr isPhoto="0" userDrawn="0"/>
+          <p:nvPr/>
         </p:nvPicPr>
         <p:blipFill>
           <a:blip r:embed="rId10"/>
@@ -15395,11 +15199,11 @@
       </p:pic>
       <p:pic>
         <p:nvPicPr>
-          <p:cNvPr id="25" name="Рисунок 24" hidden="0"/>
+          <p:cNvPr id="25" name="Рисунок 24"/>
           <p:cNvPicPr>
             <a:picLocks noChangeAspect="1"/>
           </p:cNvPicPr>
-          <p:nvPr isPhoto="0" userDrawn="0"/>
+          <p:nvPr/>
         </p:nvPicPr>
         <p:blipFill>
           <a:blip r:embed="rId11"/>
@@ -15420,11 +15224,11 @@
   <p:clrMapOvr>
     <a:masterClrMapping/>
   </p:clrMapOvr>
-  <mc:AlternateContent xmlns:mc="http://schemas.openxmlformats.org/markup-compatibility/2006">
-    <mc:Choice xmlns:p14="http://schemas.microsoft.com/office/powerpoint/2010/main" Requires="p14">
-      <p:transition p14:dur="2000" advClick="1"/>
+  <mc:AlternateContent xmlns:mc="http://schemas.openxmlformats.org/markup-compatibility/2006" xmlns:p14="http://schemas.microsoft.com/office/powerpoint/2010/main">
+    <mc:Choice Requires="p14">
+      <p:transition spd="slow" p14:dur="2000"/>
     </mc:Choice>
-    <mc:Fallback>
+    <mc:Fallback xmlns="" xmlns:m="http://schemas.openxmlformats.org/officeDocument/2006/math" xmlns:w="http://schemas.openxmlformats.org/wordprocessingml/2006/main">
       <p:transition advClick="1"/>
     </mc:Fallback>
   </mc:AlternateContent>
@@ -15439,13 +15243,13 @@
 </file>
 
 <file path=ppt/slides/slide8.xml><?xml version="1.0" encoding="utf-8"?>
-<p:sld xmlns:a="http://schemas.openxmlformats.org/drawingml/2006/main" xmlns:r="http://schemas.openxmlformats.org/officeDocument/2006/relationships" xmlns:p="http://schemas.openxmlformats.org/presentationml/2006/main" xmlns:m="http://schemas.openxmlformats.org/officeDocument/2006/math" xmlns:w="http://schemas.openxmlformats.org/wordprocessingml/2006/main" showMasterPhAnim="0" show="1">
-  <p:cSld name="">
+<p:sld xmlns:a="http://schemas.openxmlformats.org/drawingml/2006/main" xmlns:r="http://schemas.openxmlformats.org/officeDocument/2006/relationships" xmlns:p="http://schemas.openxmlformats.org/presentationml/2006/main" showMasterPhAnim="0">
+  <p:cSld>
     <p:spTree>
       <p:nvGrpSpPr>
-        <p:cNvPr id="1" name="" hidden="0"/>
+        <p:cNvPr id="1" name=""/>
         <p:cNvGrpSpPr/>
-        <p:nvPr isPhoto="0" userDrawn="0"/>
+        <p:nvPr/>
       </p:nvGrpSpPr>
       <p:grpSpPr bwMode="auto">
         <a:xfrm>
@@ -15457,12 +15261,12 @@
       </p:grpSpPr>
       <p:sp>
         <p:nvSpPr>
-          <p:cNvPr id="3" name="Объект 2" hidden="0"/>
+          <p:cNvPr id="3" name="Объект 2"/>
           <p:cNvSpPr>
             <a:spLocks noGrp="1"/>
           </p:cNvSpPr>
-          <p:nvPr isPhoto="0" userDrawn="0">
-            <p:ph idx="1" hasCustomPrompt="0"/>
+          <p:nvPr>
+            <p:ph idx="1"/>
           </p:nvPr>
         </p:nvSpPr>
         <p:spPr bwMode="auto">
@@ -15534,12 +15338,12 @@
       </p:sp>
       <p:sp>
         <p:nvSpPr>
-          <p:cNvPr id="4" name="Заголовок 1" hidden="0"/>
+          <p:cNvPr id="4" name="Заголовок 1"/>
           <p:cNvSpPr>
             <a:spLocks noGrp="1"/>
           </p:cNvSpPr>
-          <p:nvPr isPhoto="0" userDrawn="0">
-            <p:ph type="title" hasCustomPrompt="0"/>
+          <p:nvPr>
+            <p:ph type="title"/>
           </p:nvPr>
         </p:nvSpPr>
         <p:spPr bwMode="auto">
@@ -15572,6 +15376,10 @@
               <a:rPr lang="ru-RU"/>
               <a:t>Наследование. Ромбовидное наследование </a:t>
             </a:r>
+            <a:r>
+              <a:rPr lang="en-US"/>
+              <a:t/>
+            </a:r>
             <a:br>
               <a:rPr lang="en-US"/>
             </a:br>
@@ -15593,11 +15401,11 @@
       </p:sp>
       <p:pic>
         <p:nvPicPr>
-          <p:cNvPr id="5" name="Рисунок 4" hidden="0"/>
+          <p:cNvPr id="5" name="Рисунок 4"/>
           <p:cNvPicPr>
             <a:picLocks noChangeAspect="1"/>
           </p:cNvPicPr>
-          <p:nvPr isPhoto="0" userDrawn="0"/>
+          <p:nvPr/>
         </p:nvPicPr>
         <p:blipFill>
           <a:blip r:embed="rId2"/>
@@ -15615,15 +15423,15 @@
       </p:pic>
       <p:pic>
         <p:nvPicPr>
-          <p:cNvPr id="6" name="Рисунок 5" hidden="0"/>
+          <p:cNvPr id="6" name="Рисунок 5"/>
           <p:cNvPicPr>
             <a:picLocks noChangeAspect="1"/>
           </p:cNvPicPr>
-          <p:nvPr isPhoto="0" userDrawn="0"/>
+          <p:nvPr/>
         </p:nvPicPr>
         <p:blipFill>
           <a:blip r:embed="rId3"/>
-          <a:srcRect l="896" t="10543" r="0" b="0"/>
+          <a:srcRect l="896" t="10543"/>
           <a:stretch/>
         </p:blipFill>
         <p:spPr bwMode="auto">
@@ -15638,11 +15446,11 @@
       </p:pic>
       <p:pic>
         <p:nvPicPr>
-          <p:cNvPr id="8" name="Рисунок 7" hidden="0"/>
+          <p:cNvPr id="8" name="Рисунок 7"/>
           <p:cNvPicPr>
             <a:picLocks noChangeAspect="1"/>
           </p:cNvPicPr>
-          <p:nvPr isPhoto="0" userDrawn="0"/>
+          <p:nvPr/>
         </p:nvPicPr>
         <p:blipFill>
           <a:blip r:embed="rId4"/>
@@ -15660,9 +15468,9 @@
       </p:pic>
       <p:sp>
         <p:nvSpPr>
-          <p:cNvPr id="9" name="Объект 2" hidden="0"/>
+          <p:cNvPr id="9" name="Объект 2"/>
           <p:cNvSpPr txBox="1"/>
-          <p:nvPr isPhoto="0" userDrawn="0"/>
+          <p:nvPr/>
         </p:nvSpPr>
         <p:spPr bwMode="auto">
           <a:xfrm>
@@ -15919,15 +15727,7 @@
             </a:pPr>
             <a:r>
               <a:rPr lang="ru-RU"/>
-              <a:t>Если </a:t>
-            </a:r>
-            <a:r>
-              <a:rPr lang="ru-RU"/>
-              <a:t>базовый класс объявляется виртуальным, то только один его экземпляр будет включен в объект наследующего </a:t>
-            </a:r>
-            <a:r>
-              <a:rPr lang="ru-RU"/>
-              <a:t>класса</a:t>
+              <a:t>Если базовый класс объявляется виртуальным, то только один его экземпляр будет включен в объект наследующего класса</a:t>
             </a:r>
             <a:endParaRPr/>
           </a:p>
@@ -15943,11 +15743,7 @@
             </a:pPr>
             <a:r>
               <a:rPr lang="ru-RU"/>
-              <a:t>Разница между обычным базовым и виртуальным классами становится очевидной только тогда, когда этот базовый класс наследуется более одного </a:t>
-            </a:r>
-            <a:r>
-              <a:rPr lang="ru-RU"/>
-              <a:t>раза</a:t>
+              <a:t>Разница между обычным базовым и виртуальным классами становится очевидной только тогда, когда этот базовый класс наследуется более одного раза</a:t>
             </a:r>
             <a:endParaRPr/>
           </a:p>
@@ -15990,11 +15786,11 @@
   <p:clrMapOvr>
     <a:masterClrMapping/>
   </p:clrMapOvr>
-  <mc:AlternateContent xmlns:mc="http://schemas.openxmlformats.org/markup-compatibility/2006">
-    <mc:Choice xmlns:p14="http://schemas.microsoft.com/office/powerpoint/2010/main" Requires="p14">
-      <p:transition p14:dur="2000" advClick="1"/>
+  <mc:AlternateContent xmlns:mc="http://schemas.openxmlformats.org/markup-compatibility/2006" xmlns:p14="http://schemas.microsoft.com/office/powerpoint/2010/main">
+    <mc:Choice Requires="p14">
+      <p:transition spd="slow" p14:dur="2000"/>
     </mc:Choice>
-    <mc:Fallback>
+    <mc:Fallback xmlns="" xmlns:m="http://schemas.openxmlformats.org/officeDocument/2006/math" xmlns:w="http://schemas.openxmlformats.org/wordprocessingml/2006/main">
       <p:transition advClick="1"/>
     </mc:Fallback>
   </mc:AlternateContent>
@@ -16009,13 +15805,13 @@
 </file>
 
 <file path=ppt/slides/slide9.xml><?xml version="1.0" encoding="utf-8"?>
-<p:sld xmlns:a="http://schemas.openxmlformats.org/drawingml/2006/main" xmlns:r="http://schemas.openxmlformats.org/officeDocument/2006/relationships" xmlns:p="http://schemas.openxmlformats.org/presentationml/2006/main" xmlns:m="http://schemas.openxmlformats.org/officeDocument/2006/math" xmlns:w="http://schemas.openxmlformats.org/wordprocessingml/2006/main" showMasterPhAnim="0" show="1">
-  <p:cSld name="">
+<p:sld xmlns:a="http://schemas.openxmlformats.org/drawingml/2006/main" xmlns:r="http://schemas.openxmlformats.org/officeDocument/2006/relationships" xmlns:p="http://schemas.openxmlformats.org/presentationml/2006/main" showMasterPhAnim="0">
+  <p:cSld>
     <p:spTree>
       <p:nvGrpSpPr>
-        <p:cNvPr id="1" name="" hidden="0"/>
+        <p:cNvPr id="1" name=""/>
         <p:cNvGrpSpPr/>
-        <p:nvPr isPhoto="0" userDrawn="0"/>
+        <p:nvPr/>
       </p:nvGrpSpPr>
       <p:grpSpPr bwMode="auto">
         <a:xfrm>
@@ -16027,12 +15823,12 @@
       </p:grpSpPr>
       <p:sp>
         <p:nvSpPr>
-          <p:cNvPr id="3" name="Объект 2" hidden="0"/>
+          <p:cNvPr id="3" name="Объект 2"/>
           <p:cNvSpPr>
             <a:spLocks noGrp="1"/>
           </p:cNvSpPr>
-          <p:nvPr isPhoto="0" userDrawn="0">
-            <p:ph idx="1" hasCustomPrompt="0"/>
+          <p:nvPr>
+            <p:ph idx="1"/>
           </p:nvPr>
         </p:nvSpPr>
         <p:spPr bwMode="auto">
@@ -16064,11 +15860,7 @@
             </a:pPr>
             <a:r>
               <a:rPr lang="ru-RU" sz="2400"/>
-              <a:t>Полиморфизм - один интерфейс, много </a:t>
-            </a:r>
-            <a:r>
-              <a:rPr lang="ru-RU" sz="2400"/>
-              <a:t>методов</a:t>
+              <a:t>Полиморфизм - один интерфейс, много методов</a:t>
             </a:r>
             <a:endParaRPr/>
           </a:p>
@@ -16084,15 +15876,7 @@
             </a:pPr>
             <a:r>
               <a:rPr lang="ru-RU" sz="2400"/>
-              <a:t>Это </a:t>
-            </a:r>
-            <a:r>
-              <a:rPr lang="ru-RU" sz="2400"/>
-              <a:t>означает, что ко всем функциям-членам общего класса можно получить доступ одним и тем же способом, несмотря на возможное различие в конкретных действиях, связанных с каждой отдельной </a:t>
-            </a:r>
-            <a:r>
-              <a:rPr lang="ru-RU" sz="2400"/>
-              <a:t>операцией</a:t>
+              <a:t>Это означает, что ко всем функциям-членам общего класса можно получить доступ одним и тем же способом, несмотря на возможное различие в конкретных действиях, связанных с каждой отдельной операцией</a:t>
             </a:r>
             <a:endParaRPr/>
           </a:p>
@@ -16108,11 +15892,7 @@
             </a:pPr>
             <a:r>
               <a:rPr lang="ru-RU" sz="2400"/>
-              <a:t>В C++ полиморфизм поддерживается как во время выполнения, так в период компиляции </a:t>
-            </a:r>
-            <a:r>
-              <a:rPr lang="ru-RU" sz="2400"/>
-              <a:t>программы</a:t>
+              <a:t>В C++ полиморфизм поддерживается как во время выполнения, так в период компиляции программы</a:t>
             </a:r>
             <a:endParaRPr/>
           </a:p>
@@ -16148,12 +15928,12 @@
       </p:sp>
       <p:sp>
         <p:nvSpPr>
-          <p:cNvPr id="4" name="Заголовок 1" hidden="0"/>
+          <p:cNvPr id="4" name="Заголовок 1"/>
           <p:cNvSpPr>
             <a:spLocks noGrp="1"/>
           </p:cNvSpPr>
-          <p:nvPr isPhoto="0" userDrawn="0">
-            <p:ph type="title" hasCustomPrompt="0"/>
+          <p:nvPr>
+            <p:ph type="title"/>
           </p:nvPr>
         </p:nvSpPr>
         <p:spPr bwMode="auto">
@@ -16195,11 +15975,11 @@
   <p:clrMapOvr>
     <a:masterClrMapping/>
   </p:clrMapOvr>
-  <mc:AlternateContent xmlns:mc="http://schemas.openxmlformats.org/markup-compatibility/2006">
-    <mc:Choice xmlns:p14="http://schemas.microsoft.com/office/powerpoint/2010/main" Requires="p14">
-      <p:transition p14:dur="2000" advClick="1"/>
+  <mc:AlternateContent xmlns:mc="http://schemas.openxmlformats.org/markup-compatibility/2006" xmlns:p14="http://schemas.microsoft.com/office/powerpoint/2010/main">
+    <mc:Choice Requires="p14">
+      <p:transition spd="slow" p14:dur="2000"/>
     </mc:Choice>
-    <mc:Fallback>
+    <mc:Fallback xmlns="" xmlns:m="http://schemas.openxmlformats.org/officeDocument/2006/math" xmlns:w="http://schemas.openxmlformats.org/wordprocessingml/2006/main">
       <p:transition advClick="1"/>
     </mc:Fallback>
   </mc:AlternateContent>
@@ -16214,7 +15994,7 @@
 </file>
 
 <file path=ppt/theme/theme1.xml><?xml version="1.0" encoding="utf-8"?>
-<a:theme xmlns:a="http://schemas.openxmlformats.org/drawingml/2006/main" xmlns:r="http://schemas.openxmlformats.org/officeDocument/2006/relationships" xmlns:p="http://schemas.openxmlformats.org/presentationml/2006/main" name="Грань">
+<a:theme xmlns:a="http://schemas.openxmlformats.org/drawingml/2006/main" name="Грань">
   <a:themeElements>
     <a:clrScheme name="Грань">
       <a:dk1>
@@ -16396,5 +16176,6 @@
     </a:fmtScheme>
   </a:themeElements>
   <a:objectDefaults/>
+  <a:extraClrSchemeLst/>
 </a:theme>
 </file>
--- a/pt1/lectures/lecture2/lecture2.pptx
+++ b/pt1/lectures/lecture2/lecture2.pptx
@@ -4,6 +4,9 @@
   <p:sldMasterIdLst>
     <p:sldMasterId id="2147483648" r:id="rId1"/>
   </p:sldMasterIdLst>
+  <p:notesMasterIdLst>
+    <p:notesMasterId r:id="rId20"/>
+  </p:notesMasterIdLst>
   <p:sldIdLst>
     <p:sldId id="256" r:id="rId2"/>
     <p:sldId id="257" r:id="rId3"/>
@@ -138,6 +141,440 @@
     </p:ext>
   </p:extLst>
 </p:presentation>
+</file>
+
+<file path=ppt/notesMasters/notesMaster1.xml><?xml version="1.0" encoding="utf-8"?>
+<p:notesMaster xmlns:a="http://schemas.openxmlformats.org/drawingml/2006/main" xmlns:r="http://schemas.openxmlformats.org/officeDocument/2006/relationships" xmlns:p="http://schemas.openxmlformats.org/presentationml/2006/main">
+  <p:cSld>
+    <p:bg>
+      <p:bgRef idx="1001">
+        <a:schemeClr val="bg1"/>
+      </p:bgRef>
+    </p:bg>
+    <p:spTree>
+      <p:nvGrpSpPr>
+        <p:cNvPr id="1" name=""/>
+        <p:cNvGrpSpPr/>
+        <p:nvPr/>
+      </p:nvGrpSpPr>
+      <p:grpSpPr>
+        <a:xfrm>
+          <a:off x="0" y="0"/>
+          <a:ext cx="0" cy="0"/>
+          <a:chOff x="0" y="0"/>
+          <a:chExt cx="0" cy="0"/>
+        </a:xfrm>
+      </p:grpSpPr>
+      <p:sp>
+        <p:nvSpPr>
+          <p:cNvPr id="2" name="Верхний колонтитул 1"/>
+          <p:cNvSpPr>
+            <a:spLocks noGrp="1"/>
+          </p:cNvSpPr>
+          <p:nvPr>
+            <p:ph type="hdr" sz="quarter"/>
+          </p:nvPr>
+        </p:nvSpPr>
+        <p:spPr>
+          <a:xfrm>
+            <a:off x="0" y="0"/>
+            <a:ext cx="5283200" cy="344488"/>
+          </a:xfrm>
+          <a:prstGeom prst="rect">
+            <a:avLst/>
+          </a:prstGeom>
+        </p:spPr>
+        <p:txBody>
+          <a:bodyPr vert="horz" lIns="91440" tIns="45720" rIns="91440" bIns="45720" rtlCol="0"/>
+          <a:lstStyle>
+            <a:lvl1pPr algn="l">
+              <a:defRPr sz="1200"/>
+            </a:lvl1pPr>
+          </a:lstStyle>
+          <a:p>
+            <a:endParaRPr lang="en-US"/>
+          </a:p>
+        </p:txBody>
+      </p:sp>
+      <p:sp>
+        <p:nvSpPr>
+          <p:cNvPr id="3" name="Дата 2"/>
+          <p:cNvSpPr>
+            <a:spLocks noGrp="1"/>
+          </p:cNvSpPr>
+          <p:nvPr>
+            <p:ph type="dt" idx="1"/>
+          </p:nvPr>
+        </p:nvSpPr>
+        <p:spPr>
+          <a:xfrm>
+            <a:off x="6905625" y="0"/>
+            <a:ext cx="5283200" cy="344488"/>
+          </a:xfrm>
+          <a:prstGeom prst="rect">
+            <a:avLst/>
+          </a:prstGeom>
+        </p:spPr>
+        <p:txBody>
+          <a:bodyPr vert="horz" lIns="91440" tIns="45720" rIns="91440" bIns="45720" rtlCol="0"/>
+          <a:lstStyle>
+            <a:lvl1pPr algn="r">
+              <a:defRPr sz="1200"/>
+            </a:lvl1pPr>
+          </a:lstStyle>
+          <a:p>
+            <a:fld id="{837F26EA-5E7F-475A-A618-86B61A4101A6}" type="datetimeFigureOut">
+              <a:rPr lang="en-US" smtClean="0"/>
+              <a:t>8/16/2022</a:t>
+            </a:fld>
+            <a:endParaRPr lang="en-US"/>
+          </a:p>
+        </p:txBody>
+      </p:sp>
+      <p:sp>
+        <p:nvSpPr>
+          <p:cNvPr id="4" name="Образ слайда 3"/>
+          <p:cNvSpPr>
+            <a:spLocks noGrp="1" noRot="1" noChangeAspect="1"/>
+          </p:cNvSpPr>
+          <p:nvPr>
+            <p:ph type="sldImg" idx="2"/>
+          </p:nvPr>
+        </p:nvSpPr>
+        <p:spPr>
+          <a:xfrm>
+            <a:off x="4038600" y="857250"/>
+            <a:ext cx="4114800" cy="2314575"/>
+          </a:xfrm>
+          <a:prstGeom prst="rect">
+            <a:avLst/>
+          </a:prstGeom>
+          <a:noFill/>
+          <a:ln w="12700">
+            <a:solidFill>
+              <a:prstClr val="black"/>
+            </a:solidFill>
+          </a:ln>
+        </p:spPr>
+        <p:txBody>
+          <a:bodyPr vert="horz" lIns="91440" tIns="45720" rIns="91440" bIns="45720" rtlCol="0" anchor="ctr"/>
+          <a:lstStyle/>
+          <a:p>
+            <a:endParaRPr lang="en-US"/>
+          </a:p>
+        </p:txBody>
+      </p:sp>
+      <p:sp>
+        <p:nvSpPr>
+          <p:cNvPr id="5" name="Заметки 4"/>
+          <p:cNvSpPr>
+            <a:spLocks noGrp="1"/>
+          </p:cNvSpPr>
+          <p:nvPr>
+            <p:ph type="body" sz="quarter" idx="3"/>
+          </p:nvPr>
+        </p:nvSpPr>
+        <p:spPr>
+          <a:xfrm>
+            <a:off x="1219200" y="3300413"/>
+            <a:ext cx="9753600" cy="2700337"/>
+          </a:xfrm>
+          <a:prstGeom prst="rect">
+            <a:avLst/>
+          </a:prstGeom>
+        </p:spPr>
+        <p:txBody>
+          <a:bodyPr vert="horz" lIns="91440" tIns="45720" rIns="91440" bIns="45720" rtlCol="0"/>
+          <a:lstStyle/>
+          <a:p>
+            <a:pPr lvl="0"/>
+            <a:r>
+              <a:rPr lang="ru-RU" smtClean="0"/>
+              <a:t>Образец текста</a:t>
+            </a:r>
+          </a:p>
+          <a:p>
+            <a:pPr lvl="1"/>
+            <a:r>
+              <a:rPr lang="ru-RU" smtClean="0"/>
+              <a:t>Второй уровень</a:t>
+            </a:r>
+          </a:p>
+          <a:p>
+            <a:pPr lvl="2"/>
+            <a:r>
+              <a:rPr lang="ru-RU" smtClean="0"/>
+              <a:t>Третий уровень</a:t>
+            </a:r>
+          </a:p>
+          <a:p>
+            <a:pPr lvl="3"/>
+            <a:r>
+              <a:rPr lang="ru-RU" smtClean="0"/>
+              <a:t>Четвертый уровень</a:t>
+            </a:r>
+          </a:p>
+          <a:p>
+            <a:pPr lvl="4"/>
+            <a:r>
+              <a:rPr lang="ru-RU" smtClean="0"/>
+              <a:t>Пятый уровень</a:t>
+            </a:r>
+            <a:endParaRPr lang="en-US"/>
+          </a:p>
+        </p:txBody>
+      </p:sp>
+      <p:sp>
+        <p:nvSpPr>
+          <p:cNvPr id="6" name="Нижний колонтитул 5"/>
+          <p:cNvSpPr>
+            <a:spLocks noGrp="1"/>
+          </p:cNvSpPr>
+          <p:nvPr>
+            <p:ph type="ftr" sz="quarter" idx="4"/>
+          </p:nvPr>
+        </p:nvSpPr>
+        <p:spPr>
+          <a:xfrm>
+            <a:off x="0" y="6513513"/>
+            <a:ext cx="5283200" cy="344487"/>
+          </a:xfrm>
+          <a:prstGeom prst="rect">
+            <a:avLst/>
+          </a:prstGeom>
+        </p:spPr>
+        <p:txBody>
+          <a:bodyPr vert="horz" lIns="91440" tIns="45720" rIns="91440" bIns="45720" rtlCol="0" anchor="b"/>
+          <a:lstStyle>
+            <a:lvl1pPr algn="l">
+              <a:defRPr sz="1200"/>
+            </a:lvl1pPr>
+          </a:lstStyle>
+          <a:p>
+            <a:endParaRPr lang="en-US"/>
+          </a:p>
+        </p:txBody>
+      </p:sp>
+      <p:sp>
+        <p:nvSpPr>
+          <p:cNvPr id="7" name="Номер слайда 6"/>
+          <p:cNvSpPr>
+            <a:spLocks noGrp="1"/>
+          </p:cNvSpPr>
+          <p:nvPr>
+            <p:ph type="sldNum" sz="quarter" idx="5"/>
+          </p:nvPr>
+        </p:nvSpPr>
+        <p:spPr>
+          <a:xfrm>
+            <a:off x="6905625" y="6513513"/>
+            <a:ext cx="5283200" cy="344487"/>
+          </a:xfrm>
+          <a:prstGeom prst="rect">
+            <a:avLst/>
+          </a:prstGeom>
+        </p:spPr>
+        <p:txBody>
+          <a:bodyPr vert="horz" lIns="91440" tIns="45720" rIns="91440" bIns="45720" rtlCol="0" anchor="b"/>
+          <a:lstStyle>
+            <a:lvl1pPr algn="r">
+              <a:defRPr sz="1200"/>
+            </a:lvl1pPr>
+          </a:lstStyle>
+          <a:p>
+            <a:fld id="{B1891ED8-C797-425D-9C4F-8D2CCD58B803}" type="slidenum">
+              <a:rPr lang="en-US" smtClean="0"/>
+              <a:t>‹#›</a:t>
+            </a:fld>
+            <a:endParaRPr lang="en-US"/>
+          </a:p>
+        </p:txBody>
+      </p:sp>
+    </p:spTree>
+    <p:extLst>
+      <p:ext uri="{BB962C8B-B14F-4D97-AF65-F5344CB8AC3E}">
+        <p14:creationId xmlns:p14="http://schemas.microsoft.com/office/powerpoint/2010/main" val="549037762"/>
+      </p:ext>
+    </p:extLst>
+  </p:cSld>
+  <p:clrMap bg1="lt1" tx1="dk1" bg2="lt2" tx2="dk2" accent1="accent1" accent2="accent2" accent3="accent3" accent4="accent4" accent5="accent5" accent6="accent6" hlink="hlink" folHlink="folHlink"/>
+  <p:notesStyle>
+    <a:lvl1pPr marL="0" algn="l" defTabSz="914400" rtl="0" eaLnBrk="1" latinLnBrk="0" hangingPunct="1">
+      <a:defRPr sz="1200" kern="1200">
+        <a:solidFill>
+          <a:schemeClr val="tx1"/>
+        </a:solidFill>
+        <a:latin typeface="+mn-lt"/>
+        <a:ea typeface="+mn-ea"/>
+        <a:cs typeface="+mn-cs"/>
+      </a:defRPr>
+    </a:lvl1pPr>
+    <a:lvl2pPr marL="457200" algn="l" defTabSz="914400" rtl="0" eaLnBrk="1" latinLnBrk="0" hangingPunct="1">
+      <a:defRPr sz="1200" kern="1200">
+        <a:solidFill>
+          <a:schemeClr val="tx1"/>
+        </a:solidFill>
+        <a:latin typeface="+mn-lt"/>
+        <a:ea typeface="+mn-ea"/>
+        <a:cs typeface="+mn-cs"/>
+      </a:defRPr>
+    </a:lvl2pPr>
+    <a:lvl3pPr marL="914400" algn="l" defTabSz="914400" rtl="0" eaLnBrk="1" latinLnBrk="0" hangingPunct="1">
+      <a:defRPr sz="1200" kern="1200">
+        <a:solidFill>
+          <a:schemeClr val="tx1"/>
+        </a:solidFill>
+        <a:latin typeface="+mn-lt"/>
+        <a:ea typeface="+mn-ea"/>
+        <a:cs typeface="+mn-cs"/>
+      </a:defRPr>
+    </a:lvl3pPr>
+    <a:lvl4pPr marL="1371600" algn="l" defTabSz="914400" rtl="0" eaLnBrk="1" latinLnBrk="0" hangingPunct="1">
+      <a:defRPr sz="1200" kern="1200">
+        <a:solidFill>
+          <a:schemeClr val="tx1"/>
+        </a:solidFill>
+        <a:latin typeface="+mn-lt"/>
+        <a:ea typeface="+mn-ea"/>
+        <a:cs typeface="+mn-cs"/>
+      </a:defRPr>
+    </a:lvl4pPr>
+    <a:lvl5pPr marL="1828800" algn="l" defTabSz="914400" rtl="0" eaLnBrk="1" latinLnBrk="0" hangingPunct="1">
+      <a:defRPr sz="1200" kern="1200">
+        <a:solidFill>
+          <a:schemeClr val="tx1"/>
+        </a:solidFill>
+        <a:latin typeface="+mn-lt"/>
+        <a:ea typeface="+mn-ea"/>
+        <a:cs typeface="+mn-cs"/>
+      </a:defRPr>
+    </a:lvl5pPr>
+    <a:lvl6pPr marL="2286000" algn="l" defTabSz="914400" rtl="0" eaLnBrk="1" latinLnBrk="0" hangingPunct="1">
+      <a:defRPr sz="1200" kern="1200">
+        <a:solidFill>
+          <a:schemeClr val="tx1"/>
+        </a:solidFill>
+        <a:latin typeface="+mn-lt"/>
+        <a:ea typeface="+mn-ea"/>
+        <a:cs typeface="+mn-cs"/>
+      </a:defRPr>
+    </a:lvl6pPr>
+    <a:lvl7pPr marL="2743200" algn="l" defTabSz="914400" rtl="0" eaLnBrk="1" latinLnBrk="0" hangingPunct="1">
+      <a:defRPr sz="1200" kern="1200">
+        <a:solidFill>
+          <a:schemeClr val="tx1"/>
+        </a:solidFill>
+        <a:latin typeface="+mn-lt"/>
+        <a:ea typeface="+mn-ea"/>
+        <a:cs typeface="+mn-cs"/>
+      </a:defRPr>
+    </a:lvl7pPr>
+    <a:lvl8pPr marL="3200400" algn="l" defTabSz="914400" rtl="0" eaLnBrk="1" latinLnBrk="0" hangingPunct="1">
+      <a:defRPr sz="1200" kern="1200">
+        <a:solidFill>
+          <a:schemeClr val="tx1"/>
+        </a:solidFill>
+        <a:latin typeface="+mn-lt"/>
+        <a:ea typeface="+mn-ea"/>
+        <a:cs typeface="+mn-cs"/>
+      </a:defRPr>
+    </a:lvl8pPr>
+    <a:lvl9pPr marL="3657600" algn="l" defTabSz="914400" rtl="0" eaLnBrk="1" latinLnBrk="0" hangingPunct="1">
+      <a:defRPr sz="1200" kern="1200">
+        <a:solidFill>
+          <a:schemeClr val="tx1"/>
+        </a:solidFill>
+        <a:latin typeface="+mn-lt"/>
+        <a:ea typeface="+mn-ea"/>
+        <a:cs typeface="+mn-cs"/>
+      </a:defRPr>
+    </a:lvl9pPr>
+  </p:notesStyle>
+</p:notesMaster>
+</file>
+
+<file path=ppt/notesSlides/notesSlide1.xml><?xml version="1.0" encoding="utf-8"?>
+<p:notes xmlns:a="http://schemas.openxmlformats.org/drawingml/2006/main" xmlns:r="http://schemas.openxmlformats.org/officeDocument/2006/relationships" xmlns:p="http://schemas.openxmlformats.org/presentationml/2006/main">
+  <p:cSld>
+    <p:spTree>
+      <p:nvGrpSpPr>
+        <p:cNvPr id="1" name=""/>
+        <p:cNvGrpSpPr/>
+        <p:nvPr/>
+      </p:nvGrpSpPr>
+      <p:grpSpPr>
+        <a:xfrm>
+          <a:off x="0" y="0"/>
+          <a:ext cx="0" cy="0"/>
+          <a:chOff x="0" y="0"/>
+          <a:chExt cx="0" cy="0"/>
+        </a:xfrm>
+      </p:grpSpPr>
+      <p:sp>
+        <p:nvSpPr>
+          <p:cNvPr id="2" name="Образ слайда 1"/>
+          <p:cNvSpPr>
+            <a:spLocks noGrp="1" noRot="1" noChangeAspect="1"/>
+          </p:cNvSpPr>
+          <p:nvPr>
+            <p:ph type="sldImg"/>
+          </p:nvPr>
+        </p:nvSpPr>
+        <p:spPr/>
+      </p:sp>
+      <p:sp>
+        <p:nvSpPr>
+          <p:cNvPr id="3" name="Заметки 2"/>
+          <p:cNvSpPr>
+            <a:spLocks noGrp="1"/>
+          </p:cNvSpPr>
+          <p:nvPr>
+            <p:ph type="body" idx="1"/>
+          </p:nvPr>
+        </p:nvSpPr>
+        <p:spPr/>
+        <p:txBody>
+          <a:bodyPr/>
+          <a:lstStyle/>
+          <a:p>
+            <a:endParaRPr lang="en-US" dirty="0"/>
+          </a:p>
+        </p:txBody>
+      </p:sp>
+      <p:sp>
+        <p:nvSpPr>
+          <p:cNvPr id="4" name="Номер слайда 3"/>
+          <p:cNvSpPr>
+            <a:spLocks noGrp="1"/>
+          </p:cNvSpPr>
+          <p:nvPr>
+            <p:ph type="sldNum" sz="quarter" idx="10"/>
+          </p:nvPr>
+        </p:nvSpPr>
+        <p:spPr/>
+        <p:txBody>
+          <a:bodyPr/>
+          <a:lstStyle/>
+          <a:p>
+            <a:fld id="{B1891ED8-C797-425D-9C4F-8D2CCD58B803}" type="slidenum">
+              <a:rPr lang="en-US" smtClean="0"/>
+              <a:t>13</a:t>
+            </a:fld>
+            <a:endParaRPr lang="en-US"/>
+          </a:p>
+        </p:txBody>
+      </p:sp>
+    </p:spTree>
+    <p:extLst>
+      <p:ext uri="{BB962C8B-B14F-4D97-AF65-F5344CB8AC3E}">
+        <p14:creationId xmlns:p14="http://schemas.microsoft.com/office/powerpoint/2010/main" val="427603436"/>
+      </p:ext>
+    </p:extLst>
+  </p:cSld>
+  <p:clrMapOvr>
+    <a:masterClrMapping/>
+  </p:clrMapOvr>
+</p:notes>
 </file>
 
 <file path=ppt/slideLayouts/slideLayout1.xml><?xml version="1.0" encoding="utf-8"?>
@@ -875,7 +1312,7 @@
             </a:pPr>
             <a:fld id="{B3B7C885-B81A-4DB8-BD04-363F10E73211}" type="datetimeFigureOut">
               <a:rPr lang="en-US"/>
-              <a:t>4/4/2022</a:t>
+              <a:t>8/16/2022</a:t>
             </a:fld>
             <a:endParaRPr lang="en-US"/>
           </a:p>
@@ -1136,7 +1573,7 @@
             </a:pPr>
             <a:fld id="{B3B7C885-B81A-4DB8-BD04-363F10E73211}" type="datetimeFigureOut">
               <a:rPr lang="en-US"/>
-              <a:t>4/4/2022</a:t>
+              <a:t>8/16/2022</a:t>
             </a:fld>
             <a:endParaRPr lang="en-US"/>
           </a:p>
@@ -1463,7 +1900,7 @@
             </a:pPr>
             <a:fld id="{B3B7C885-B81A-4DB8-BD04-363F10E73211}" type="datetimeFigureOut">
               <a:rPr lang="en-US"/>
-              <a:t>4/4/2022</a:t>
+              <a:t>8/16/2022</a:t>
             </a:fld>
             <a:endParaRPr lang="en-US"/>
           </a:p>
@@ -1818,7 +2255,7 @@
             </a:pPr>
             <a:fld id="{B3B7C885-B81A-4DB8-BD04-363F10E73211}" type="datetimeFigureOut">
               <a:rPr lang="en-US"/>
-              <a:t>4/4/2022</a:t>
+              <a:t>8/16/2022</a:t>
             </a:fld>
             <a:endParaRPr lang="en-US"/>
           </a:p>
@@ -2145,7 +2582,7 @@
             </a:pPr>
             <a:fld id="{B3B7C885-B81A-4DB8-BD04-363F10E73211}" type="datetimeFigureOut">
               <a:rPr lang="en-US"/>
-              <a:t>4/4/2022</a:t>
+              <a:t>8/16/2022</a:t>
             </a:fld>
             <a:endParaRPr lang="en-US"/>
           </a:p>
@@ -2555,7 +2992,7 @@
             </a:pPr>
             <a:fld id="{B3B7C885-B81A-4DB8-BD04-363F10E73211}" type="datetimeFigureOut">
               <a:rPr lang="en-US"/>
-              <a:t>4/4/2022</a:t>
+              <a:t>8/16/2022</a:t>
             </a:fld>
             <a:endParaRPr lang="en-US"/>
           </a:p>
@@ -2746,7 +3183,7 @@
             </a:pPr>
             <a:fld id="{B3B7C885-B81A-4DB8-BD04-363F10E73211}" type="datetimeFigureOut">
               <a:rPr lang="en-US"/>
-              <a:t>4/4/2022</a:t>
+              <a:t>8/16/2022</a:t>
             </a:fld>
             <a:endParaRPr lang="en-US"/>
           </a:p>
@@ -2947,7 +3384,7 @@
             </a:pPr>
             <a:fld id="{B3B7C885-B81A-4DB8-BD04-363F10E73211}" type="datetimeFigureOut">
               <a:rPr lang="en-US"/>
-              <a:t>4/4/2022</a:t>
+              <a:t>8/16/2022</a:t>
             </a:fld>
             <a:endParaRPr lang="en-US"/>
           </a:p>
@@ -3144,7 +3581,7 @@
             </a:pPr>
             <a:fld id="{B3B7C885-B81A-4DB8-BD04-363F10E73211}" type="datetimeFigureOut">
               <a:rPr lang="en-US"/>
-              <a:t>4/4/2022</a:t>
+              <a:t>8/16/2022</a:t>
             </a:fld>
             <a:endParaRPr lang="en-US"/>
           </a:p>
@@ -3401,7 +3838,7 @@
             </a:pPr>
             <a:fld id="{B3B7C885-B81A-4DB8-BD04-363F10E73211}" type="datetimeFigureOut">
               <a:rPr lang="en-US"/>
-              <a:t>4/4/2022</a:t>
+              <a:t>8/16/2022</a:t>
             </a:fld>
             <a:endParaRPr lang="en-US"/>
           </a:p>
@@ -3668,7 +4105,7 @@
             </a:pPr>
             <a:fld id="{B3B7C885-B81A-4DB8-BD04-363F10E73211}" type="datetimeFigureOut">
               <a:rPr lang="en-US"/>
-              <a:t>4/4/2022</a:t>
+              <a:t>8/16/2022</a:t>
             </a:fld>
             <a:endParaRPr lang="en-US"/>
           </a:p>
@@ -4083,7 +4520,7 @@
             </a:pPr>
             <a:fld id="{B3B7C885-B81A-4DB8-BD04-363F10E73211}" type="datetimeFigureOut">
               <a:rPr lang="en-US"/>
-              <a:t>4/4/2022</a:t>
+              <a:t>8/16/2022</a:t>
             </a:fld>
             <a:endParaRPr lang="en-US"/>
           </a:p>
@@ -4213,7 +4650,7 @@
             </a:pPr>
             <a:fld id="{B3B7C885-B81A-4DB8-BD04-363F10E73211}" type="datetimeFigureOut">
               <a:rPr lang="en-US"/>
-              <a:t>4/4/2022</a:t>
+              <a:t>8/16/2022</a:t>
             </a:fld>
             <a:endParaRPr lang="en-US"/>
           </a:p>
@@ -4312,7 +4749,7 @@
             </a:pPr>
             <a:fld id="{B3B7C885-B81A-4DB8-BD04-363F10E73211}" type="datetimeFigureOut">
               <a:rPr lang="en-US"/>
-              <a:t>4/4/2022</a:t>
+              <a:t>8/16/2022</a:t>
             </a:fld>
             <a:endParaRPr lang="en-US"/>
           </a:p>
@@ -4591,7 +5028,7 @@
             </a:pPr>
             <a:fld id="{B3B7C885-B81A-4DB8-BD04-363F10E73211}" type="datetimeFigureOut">
               <a:rPr lang="en-US"/>
-              <a:t>4/4/2022</a:t>
+              <a:t>8/16/2022</a:t>
             </a:fld>
             <a:endParaRPr lang="en-US"/>
           </a:p>
@@ -4867,7 +5304,7 @@
             </a:pPr>
             <a:fld id="{B3B7C885-B81A-4DB8-BD04-363F10E73211}" type="datetimeFigureOut">
               <a:rPr lang="en-US"/>
-              <a:t>4/4/2022</a:t>
+              <a:t>8/16/2022</a:t>
             </a:fld>
             <a:endParaRPr lang="en-US"/>
           </a:p>
@@ -5635,7 +6072,7 @@
             </a:pPr>
             <a:fld id="{B3B7C885-B81A-4DB8-BD04-363F10E73211}" type="datetimeFigureOut">
               <a:rPr lang="en-US"/>
-              <a:t>4/4/2022</a:t>
+              <a:t>8/16/2022</a:t>
             </a:fld>
             <a:endParaRPr lang="en-US"/>
           </a:p>
@@ -7629,8 +8066,8 @@
         </p:nvSpPr>
         <p:spPr bwMode="auto">
           <a:xfrm>
-            <a:off x="8516172" y="1924438"/>
-            <a:ext cx="3265922" cy="3145315"/>
+            <a:off x="8536397" y="2708920"/>
+            <a:ext cx="3265922" cy="3664802"/>
           </a:xfrm>
           <a:prstGeom prst="rect">
             <a:avLst/>
@@ -7653,8 +8090,72 @@
               <a:defRPr/>
             </a:pPr>
             <a:r>
-              <a:rPr/>
-              <a:t>Каждый класс имеет свою таблицу виртуальных методов (vtable)</a:t>
+              <a:rPr dirty="0" err="1"/>
+              <a:t>Каждый</a:t>
+            </a:r>
+            <a:r>
+              <a:rPr dirty="0"/>
+              <a:t> </a:t>
+            </a:r>
+            <a:r>
+              <a:rPr dirty="0" err="1" smtClean="0"/>
+              <a:t>класс</a:t>
+            </a:r>
+            <a:r>
+              <a:rPr lang="ru-RU" dirty="0" smtClean="0"/>
+              <a:t>, имеющий виртуальные методы,</a:t>
+            </a:r>
+            <a:r>
+              <a:rPr lang="ru-RU" dirty="0" smtClean="0"/>
+              <a:t> </a:t>
+            </a:r>
+            <a:r>
+              <a:rPr dirty="0" err="1" smtClean="0"/>
+              <a:t>имеет</a:t>
+            </a:r>
+            <a:r>
+              <a:rPr dirty="0" smtClean="0"/>
+              <a:t> </a:t>
+            </a:r>
+            <a:r>
+              <a:rPr dirty="0" err="1"/>
+              <a:t>свою</a:t>
+            </a:r>
+            <a:r>
+              <a:rPr dirty="0"/>
+              <a:t> </a:t>
+            </a:r>
+            <a:r>
+              <a:rPr dirty="0" err="1"/>
+              <a:t>таблицу</a:t>
+            </a:r>
+            <a:r>
+              <a:rPr dirty="0"/>
+              <a:t> </a:t>
+            </a:r>
+            <a:r>
+              <a:rPr dirty="0" err="1"/>
+              <a:t>виртуальных</a:t>
+            </a:r>
+            <a:r>
+              <a:rPr dirty="0"/>
+              <a:t> </a:t>
+            </a:r>
+            <a:r>
+              <a:rPr dirty="0" err="1"/>
+              <a:t>методов</a:t>
+            </a:r>
+            <a:r>
+              <a:rPr dirty="0"/>
+              <a:t> (</a:t>
+            </a:r>
+            <a:r>
+              <a:rPr dirty="0" err="1"/>
+              <a:t>vtable</a:t>
+            </a:r>
+            <a:r>
+              <a:rPr dirty="0"/>
+              <a:t>)</a:t>
             </a:r>
           </a:p>
           <a:p>
@@ -7668,9 +8169,106 @@
               <a:defRPr/>
             </a:pPr>
             <a:r>
-              <a:rPr/>
-              <a:t>Vtable общая для всех объектов одного класса, т.е. дейсвует как статическая переменная-член данных</a:t>
-            </a:r>
+              <a:rPr dirty="0" err="1"/>
+              <a:t>Vtable</a:t>
+            </a:r>
+            <a:r>
+              <a:rPr dirty="0"/>
+              <a:t> </a:t>
+            </a:r>
+            <a:r>
+              <a:rPr dirty="0" err="1"/>
+              <a:t>общая</a:t>
+            </a:r>
+            <a:r>
+              <a:rPr dirty="0"/>
+              <a:t> </a:t>
+            </a:r>
+            <a:r>
+              <a:rPr dirty="0" err="1"/>
+              <a:t>для</a:t>
+            </a:r>
+            <a:r>
+              <a:rPr dirty="0"/>
+              <a:t> </a:t>
+            </a:r>
+            <a:r>
+              <a:rPr dirty="0" err="1"/>
+              <a:t>всех</a:t>
+            </a:r>
+            <a:r>
+              <a:rPr dirty="0"/>
+              <a:t> </a:t>
+            </a:r>
+            <a:r>
+              <a:rPr dirty="0" err="1"/>
+              <a:t>объектов</a:t>
+            </a:r>
+            <a:r>
+              <a:rPr dirty="0"/>
+              <a:t> </a:t>
+            </a:r>
+            <a:r>
+              <a:rPr dirty="0" err="1"/>
+              <a:t>одного</a:t>
+            </a:r>
+            <a:r>
+              <a:rPr dirty="0"/>
+              <a:t> </a:t>
+            </a:r>
+            <a:r>
+              <a:rPr dirty="0" err="1"/>
+              <a:t>класса</a:t>
+            </a:r>
+            <a:r>
+              <a:rPr dirty="0"/>
+              <a:t>, </a:t>
+            </a:r>
+            <a:r>
+              <a:rPr dirty="0" err="1"/>
+              <a:t>т.е</a:t>
+            </a:r>
+            <a:r>
+              <a:rPr dirty="0"/>
+              <a:t>. </a:t>
+            </a:r>
+            <a:r>
+              <a:rPr dirty="0" err="1"/>
+              <a:t>дейсвует</a:t>
+            </a:r>
+            <a:r>
+              <a:rPr dirty="0"/>
+              <a:t> </a:t>
+            </a:r>
+            <a:r>
+              <a:rPr dirty="0" err="1"/>
+              <a:t>как</a:t>
+            </a:r>
+            <a:r>
+              <a:rPr dirty="0"/>
+              <a:t> </a:t>
+            </a:r>
+            <a:r>
+              <a:rPr dirty="0" err="1"/>
+              <a:t>статическая</a:t>
+            </a:r>
+            <a:r>
+              <a:rPr dirty="0"/>
+              <a:t> </a:t>
+            </a:r>
+            <a:r>
+              <a:rPr dirty="0" err="1"/>
+              <a:t>переменная-член</a:t>
+            </a:r>
+            <a:r>
+              <a:rPr dirty="0"/>
+              <a:t> </a:t>
+            </a:r>
+            <a:r>
+              <a:rPr dirty="0" err="1"/>
+              <a:t>данных</a:t>
+            </a:r>
+            <a:endParaRPr dirty="0"/>
           </a:p>
           <a:p>
             <a:pPr>
@@ -7682,7 +8280,7 @@
               <a:buChar char="Ø"/>
               <a:defRPr/>
             </a:pPr>
-            <a:endParaRPr/>
+            <a:endParaRPr dirty="0"/>
           </a:p>
         </p:txBody>
       </p:sp>
@@ -7739,12 +8337,12 @@
           <p:nvPr/>
         </p:nvPicPr>
         <p:blipFill>
-          <a:blip r:embed="rId2"/>
+          <a:blip r:embed="rId3"/>
           <a:stretch/>
         </p:blipFill>
         <p:spPr bwMode="auto">
           <a:xfrm>
-            <a:off x="743256" y="1730050"/>
+            <a:off x="732673" y="2667363"/>
             <a:ext cx="7772917" cy="3747916"/>
           </a:xfrm>
           <a:prstGeom prst="rect">
@@ -7752,289 +8350,6 @@
           </a:prstGeom>
         </p:spPr>
       </p:pic>
-      <p:sp>
-        <p:nvSpPr>
-          <p:cNvPr id="249792234" name="Content Placeholder 2"/>
-          <p:cNvSpPr>
-            <a:spLocks noGrp="1"/>
-          </p:cNvSpPr>
-          <p:nvPr/>
-        </p:nvSpPr>
-        <p:spPr bwMode="auto">
-          <a:xfrm>
-            <a:off x="536555" y="5400213"/>
-            <a:ext cx="11245539" cy="1286724"/>
-          </a:xfrm>
-          <a:prstGeom prst="rect">
-            <a:avLst/>
-          </a:prstGeom>
-          <a:solidFill>
-            <a:schemeClr val="bg1"/>
-          </a:solidFill>
-        </p:spPr>
-        <p:txBody>
-          <a:bodyPr vertOverflow="overflow" horzOverflow="clip" vert="horz" wrap="square" lIns="91440" tIns="45720" rIns="91440" bIns="45720" numCol="1" spcCol="0" rtlCol="0" fromWordArt="0" anchor="t" anchorCtr="0" forceAA="0" compatLnSpc="0">
-            <a:normAutofit/>
-          </a:bodyPr>
-          <a:lstStyle>
-            <a:lvl1pPr marL="342900" indent="-342900" algn="l" defTabSz="457200">
-              <a:spcBef>
-                <a:spcPts val="999"/>
-              </a:spcBef>
-              <a:spcAft>
-                <a:spcPts val="0"/>
-              </a:spcAft>
-              <a:buClr>
-                <a:schemeClr val="accent1"/>
-              </a:buClr>
-              <a:buSzPct val="80000"/>
-              <a:buFont typeface="Wingdings 3"/>
-              <a:buChar char=""/>
-              <a:defRPr sz="1800">
-                <a:solidFill>
-                  <a:schemeClr val="tx1">
-                    <a:lumMod val="75000"/>
-                    <a:lumOff val="25000"/>
-                  </a:schemeClr>
-                </a:solidFill>
-                <a:latin typeface="+mn-lt"/>
-                <a:ea typeface="+mn-ea"/>
-                <a:cs typeface="+mn-cs"/>
-              </a:defRPr>
-            </a:lvl1pPr>
-            <a:lvl2pPr marL="742950" indent="-285750" algn="l" defTabSz="457200">
-              <a:spcBef>
-                <a:spcPts val="999"/>
-              </a:spcBef>
-              <a:spcAft>
-                <a:spcPts val="0"/>
-              </a:spcAft>
-              <a:buClr>
-                <a:schemeClr val="accent1"/>
-              </a:buClr>
-              <a:buSzPct val="80000"/>
-              <a:buFont typeface="Wingdings 3"/>
-              <a:buChar char=""/>
-              <a:defRPr sz="1600">
-                <a:solidFill>
-                  <a:schemeClr val="tx1">
-                    <a:lumMod val="75000"/>
-                    <a:lumOff val="25000"/>
-                  </a:schemeClr>
-                </a:solidFill>
-                <a:latin typeface="+mn-lt"/>
-                <a:ea typeface="+mn-ea"/>
-                <a:cs typeface="+mn-cs"/>
-              </a:defRPr>
-            </a:lvl2pPr>
-            <a:lvl3pPr marL="1143000" indent="-228600" algn="l" defTabSz="457200">
-              <a:spcBef>
-                <a:spcPts val="999"/>
-              </a:spcBef>
-              <a:spcAft>
-                <a:spcPts val="0"/>
-              </a:spcAft>
-              <a:buClr>
-                <a:schemeClr val="accent1"/>
-              </a:buClr>
-              <a:buSzPct val="80000"/>
-              <a:buFont typeface="Wingdings 3"/>
-              <a:buChar char=""/>
-              <a:defRPr sz="1400">
-                <a:solidFill>
-                  <a:schemeClr val="tx1">
-                    <a:lumMod val="75000"/>
-                    <a:lumOff val="25000"/>
-                  </a:schemeClr>
-                </a:solidFill>
-                <a:latin typeface="+mn-lt"/>
-                <a:ea typeface="+mn-ea"/>
-                <a:cs typeface="+mn-cs"/>
-              </a:defRPr>
-            </a:lvl3pPr>
-            <a:lvl4pPr marL="1600200" indent="-228600" algn="l" defTabSz="457200">
-              <a:spcBef>
-                <a:spcPts val="999"/>
-              </a:spcBef>
-              <a:spcAft>
-                <a:spcPts val="0"/>
-              </a:spcAft>
-              <a:buClr>
-                <a:schemeClr val="accent1"/>
-              </a:buClr>
-              <a:buSzPct val="80000"/>
-              <a:buFont typeface="Wingdings 3"/>
-              <a:buChar char=""/>
-              <a:defRPr sz="1200">
-                <a:solidFill>
-                  <a:schemeClr val="tx1">
-                    <a:lumMod val="75000"/>
-                    <a:lumOff val="25000"/>
-                  </a:schemeClr>
-                </a:solidFill>
-                <a:latin typeface="+mn-lt"/>
-                <a:ea typeface="+mn-ea"/>
-                <a:cs typeface="+mn-cs"/>
-              </a:defRPr>
-            </a:lvl4pPr>
-            <a:lvl5pPr marL="2057400" indent="-228600" algn="l" defTabSz="457200">
-              <a:spcBef>
-                <a:spcPts val="999"/>
-              </a:spcBef>
-              <a:spcAft>
-                <a:spcPts val="0"/>
-              </a:spcAft>
-              <a:buClr>
-                <a:schemeClr val="accent1"/>
-              </a:buClr>
-              <a:buSzPct val="80000"/>
-              <a:buFont typeface="Wingdings 3"/>
-              <a:buChar char=""/>
-              <a:defRPr sz="1200">
-                <a:solidFill>
-                  <a:schemeClr val="tx1">
-                    <a:lumMod val="75000"/>
-                    <a:lumOff val="25000"/>
-                  </a:schemeClr>
-                </a:solidFill>
-                <a:latin typeface="+mn-lt"/>
-                <a:ea typeface="+mn-ea"/>
-                <a:cs typeface="+mn-cs"/>
-              </a:defRPr>
-            </a:lvl5pPr>
-            <a:lvl6pPr marL="2514599" indent="-228600" algn="l" defTabSz="457200">
-              <a:spcBef>
-                <a:spcPts val="999"/>
-              </a:spcBef>
-              <a:spcAft>
-                <a:spcPts val="0"/>
-              </a:spcAft>
-              <a:buClr>
-                <a:schemeClr val="accent1"/>
-              </a:buClr>
-              <a:buSzPct val="80000"/>
-              <a:buFont typeface="Wingdings 3"/>
-              <a:buChar char=""/>
-              <a:defRPr sz="1200">
-                <a:solidFill>
-                  <a:schemeClr val="tx1">
-                    <a:lumMod val="75000"/>
-                    <a:lumOff val="25000"/>
-                  </a:schemeClr>
-                </a:solidFill>
-                <a:latin typeface="+mn-lt"/>
-                <a:ea typeface="+mn-ea"/>
-                <a:cs typeface="+mn-cs"/>
-              </a:defRPr>
-            </a:lvl6pPr>
-            <a:lvl7pPr marL="2971800" indent="-228600" algn="l" defTabSz="457200">
-              <a:spcBef>
-                <a:spcPts val="999"/>
-              </a:spcBef>
-              <a:spcAft>
-                <a:spcPts val="0"/>
-              </a:spcAft>
-              <a:buClr>
-                <a:schemeClr val="accent1"/>
-              </a:buClr>
-              <a:buSzPct val="80000"/>
-              <a:buFont typeface="Wingdings 3"/>
-              <a:buChar char=""/>
-              <a:defRPr sz="1200">
-                <a:solidFill>
-                  <a:schemeClr val="tx1">
-                    <a:lumMod val="75000"/>
-                    <a:lumOff val="25000"/>
-                  </a:schemeClr>
-                </a:solidFill>
-                <a:latin typeface="+mn-lt"/>
-                <a:ea typeface="+mn-ea"/>
-                <a:cs typeface="+mn-cs"/>
-              </a:defRPr>
-            </a:lvl7pPr>
-            <a:lvl8pPr marL="3429000" indent="-228600" algn="l" defTabSz="457200">
-              <a:spcBef>
-                <a:spcPts val="999"/>
-              </a:spcBef>
-              <a:spcAft>
-                <a:spcPts val="0"/>
-              </a:spcAft>
-              <a:buClr>
-                <a:schemeClr val="accent1"/>
-              </a:buClr>
-              <a:buSzPct val="80000"/>
-              <a:buFont typeface="Wingdings 3"/>
-              <a:buChar char=""/>
-              <a:defRPr sz="1200">
-                <a:solidFill>
-                  <a:schemeClr val="tx1">
-                    <a:lumMod val="75000"/>
-                    <a:lumOff val="25000"/>
-                  </a:schemeClr>
-                </a:solidFill>
-                <a:latin typeface="+mn-lt"/>
-                <a:ea typeface="+mn-ea"/>
-                <a:cs typeface="+mn-cs"/>
-              </a:defRPr>
-            </a:lvl8pPr>
-            <a:lvl9pPr marL="3886200" indent="-228600" algn="l" defTabSz="457200">
-              <a:spcBef>
-                <a:spcPts val="999"/>
-              </a:spcBef>
-              <a:spcAft>
-                <a:spcPts val="0"/>
-              </a:spcAft>
-              <a:buClr>
-                <a:schemeClr val="accent1"/>
-              </a:buClr>
-              <a:buSzPct val="80000"/>
-              <a:buFont typeface="Wingdings 3"/>
-              <a:buChar char=""/>
-              <a:defRPr sz="1200">
-                <a:solidFill>
-                  <a:schemeClr val="tx1">
-                    <a:lumMod val="75000"/>
-                    <a:lumOff val="25000"/>
-                  </a:schemeClr>
-                </a:solidFill>
-                <a:latin typeface="+mn-lt"/>
-                <a:ea typeface="+mn-ea"/>
-                <a:cs typeface="+mn-cs"/>
-              </a:defRPr>
-            </a:lvl9pPr>
-          </a:lstStyle>
-          <a:p>
-            <a:pPr>
-              <a:buClr>
-                <a:schemeClr val="accent1"/>
-              </a:buClr>
-              <a:buSzPct val="80000"/>
-              <a:buFont typeface="Wingdings"/>
-              <a:buChar char="Ø"/>
-              <a:defRPr/>
-            </a:pPr>
-            <a:r>
-              <a:rPr/>
-              <a:t>Vtable общая для всех объектов одного класса, т.е. дейсвует как статическая переменная-член данных</a:t>
-            </a:r>
-          </a:p>
-          <a:p>
-            <a:pPr>
-              <a:buClr>
-                <a:schemeClr val="accent1"/>
-              </a:buClr>
-              <a:buSzPct val="80000"/>
-              <a:buFont typeface="Wingdings"/>
-              <a:buChar char="Ø"/>
-              <a:defRPr/>
-            </a:pPr>
-            <a:r>
-              <a:rPr/>
-              <a:t>Vtable определяется в “самом базовом” классе и наследуется его производными классами</a:t>
-            </a:r>
-          </a:p>
-        </p:txBody>
-      </p:sp>
       <p:sp>
         <p:nvSpPr>
           <p:cNvPr id="172110094" name="Content Placeholder 2"/>
@@ -8297,9 +8612,461 @@
               <a:defRPr/>
             </a:pPr>
             <a:r>
-              <a:rPr/>
-              <a:t>На уровне компилятора полиморфизм реализуется при помощи таблицы виртуальных методов - vtable </a:t>
-            </a:r>
+              <a:rPr dirty="0" err="1"/>
+              <a:t>На</a:t>
+            </a:r>
+            <a:r>
+              <a:rPr dirty="0"/>
+              <a:t> </a:t>
+            </a:r>
+            <a:r>
+              <a:rPr dirty="0" err="1"/>
+              <a:t>уровне</a:t>
+            </a:r>
+            <a:r>
+              <a:rPr dirty="0"/>
+              <a:t> </a:t>
+            </a:r>
+            <a:r>
+              <a:rPr dirty="0" err="1"/>
+              <a:t>компилятора</a:t>
+            </a:r>
+            <a:r>
+              <a:rPr dirty="0"/>
+              <a:t> </a:t>
+            </a:r>
+            <a:r>
+              <a:rPr dirty="0" err="1"/>
+              <a:t>полиморфизм</a:t>
+            </a:r>
+            <a:r>
+              <a:rPr dirty="0"/>
+              <a:t> </a:t>
+            </a:r>
+            <a:r>
+              <a:rPr dirty="0" err="1"/>
+              <a:t>реализуется</a:t>
+            </a:r>
+            <a:r>
+              <a:rPr dirty="0"/>
+              <a:t> </a:t>
+            </a:r>
+            <a:r>
+              <a:rPr dirty="0" err="1"/>
+              <a:t>при</a:t>
+            </a:r>
+            <a:r>
+              <a:rPr dirty="0"/>
+              <a:t> </a:t>
+            </a:r>
+            <a:r>
+              <a:rPr dirty="0" err="1"/>
+              <a:t>помощи</a:t>
+            </a:r>
+            <a:r>
+              <a:rPr dirty="0"/>
+              <a:t> </a:t>
+            </a:r>
+            <a:r>
+              <a:rPr dirty="0" err="1"/>
+              <a:t>таблицы</a:t>
+            </a:r>
+            <a:r>
+              <a:rPr dirty="0"/>
+              <a:t> </a:t>
+            </a:r>
+            <a:r>
+              <a:rPr dirty="0" err="1"/>
+              <a:t>виртуальных</a:t>
+            </a:r>
+            <a:r>
+              <a:rPr dirty="0"/>
+              <a:t> </a:t>
+            </a:r>
+            <a:r>
+              <a:rPr dirty="0" err="1"/>
+              <a:t>методов</a:t>
+            </a:r>
+            <a:r>
+              <a:rPr dirty="0"/>
+              <a:t> - </a:t>
+            </a:r>
+            <a:r>
+              <a:rPr dirty="0" err="1"/>
+              <a:t>vtable</a:t>
+            </a:r>
+            <a:r>
+              <a:rPr dirty="0"/>
+              <a:t> </a:t>
+            </a:r>
+          </a:p>
+        </p:txBody>
+      </p:sp>
+      <p:sp>
+        <p:nvSpPr>
+          <p:cNvPr id="7" name="Content Placeholder 2"/>
+          <p:cNvSpPr>
+            <a:spLocks noGrp="1"/>
+          </p:cNvSpPr>
+          <p:nvPr/>
+        </p:nvSpPr>
+        <p:spPr bwMode="auto">
+          <a:xfrm>
+            <a:off x="536556" y="1725114"/>
+            <a:ext cx="11245538" cy="722999"/>
+          </a:xfrm>
+          <a:prstGeom prst="rect">
+            <a:avLst/>
+          </a:prstGeom>
+          <a:solidFill>
+            <a:schemeClr val="bg1"/>
+          </a:solidFill>
+        </p:spPr>
+        <p:txBody>
+          <a:bodyPr vertOverflow="overflow" horzOverflow="clip" vert="horz" wrap="square" lIns="91440" tIns="45720" rIns="91440" bIns="45720" numCol="1" spcCol="0" rtlCol="0" fromWordArt="0" anchor="t" anchorCtr="0" forceAA="0" compatLnSpc="0">
+            <a:normAutofit/>
+          </a:bodyPr>
+          <a:lstStyle>
+            <a:lvl1pPr marL="342900" indent="-342900" algn="l" defTabSz="457200">
+              <a:spcBef>
+                <a:spcPts val="999"/>
+              </a:spcBef>
+              <a:spcAft>
+                <a:spcPts val="0"/>
+              </a:spcAft>
+              <a:buClr>
+                <a:schemeClr val="accent1"/>
+              </a:buClr>
+              <a:buSzPct val="80000"/>
+              <a:buFont typeface="Wingdings 3"/>
+              <a:buChar char=""/>
+              <a:defRPr sz="1800">
+                <a:solidFill>
+                  <a:schemeClr val="tx1">
+                    <a:lumMod val="75000"/>
+                    <a:lumOff val="25000"/>
+                  </a:schemeClr>
+                </a:solidFill>
+                <a:latin typeface="+mn-lt"/>
+                <a:ea typeface="+mn-ea"/>
+                <a:cs typeface="+mn-cs"/>
+              </a:defRPr>
+            </a:lvl1pPr>
+            <a:lvl2pPr marL="742950" indent="-285750" algn="l" defTabSz="457200">
+              <a:spcBef>
+                <a:spcPts val="999"/>
+              </a:spcBef>
+              <a:spcAft>
+                <a:spcPts val="0"/>
+              </a:spcAft>
+              <a:buClr>
+                <a:schemeClr val="accent1"/>
+              </a:buClr>
+              <a:buSzPct val="80000"/>
+              <a:buFont typeface="Wingdings 3"/>
+              <a:buChar char=""/>
+              <a:defRPr sz="1600">
+                <a:solidFill>
+                  <a:schemeClr val="tx1">
+                    <a:lumMod val="75000"/>
+                    <a:lumOff val="25000"/>
+                  </a:schemeClr>
+                </a:solidFill>
+                <a:latin typeface="+mn-lt"/>
+                <a:ea typeface="+mn-ea"/>
+                <a:cs typeface="+mn-cs"/>
+              </a:defRPr>
+            </a:lvl2pPr>
+            <a:lvl3pPr marL="1143000" indent="-228600" algn="l" defTabSz="457200">
+              <a:spcBef>
+                <a:spcPts val="999"/>
+              </a:spcBef>
+              <a:spcAft>
+                <a:spcPts val="0"/>
+              </a:spcAft>
+              <a:buClr>
+                <a:schemeClr val="accent1"/>
+              </a:buClr>
+              <a:buSzPct val="80000"/>
+              <a:buFont typeface="Wingdings 3"/>
+              <a:buChar char=""/>
+              <a:defRPr sz="1400">
+                <a:solidFill>
+                  <a:schemeClr val="tx1">
+                    <a:lumMod val="75000"/>
+                    <a:lumOff val="25000"/>
+                  </a:schemeClr>
+                </a:solidFill>
+                <a:latin typeface="+mn-lt"/>
+                <a:ea typeface="+mn-ea"/>
+                <a:cs typeface="+mn-cs"/>
+              </a:defRPr>
+            </a:lvl3pPr>
+            <a:lvl4pPr marL="1600200" indent="-228600" algn="l" defTabSz="457200">
+              <a:spcBef>
+                <a:spcPts val="999"/>
+              </a:spcBef>
+              <a:spcAft>
+                <a:spcPts val="0"/>
+              </a:spcAft>
+              <a:buClr>
+                <a:schemeClr val="accent1"/>
+              </a:buClr>
+              <a:buSzPct val="80000"/>
+              <a:buFont typeface="Wingdings 3"/>
+              <a:buChar char=""/>
+              <a:defRPr sz="1200">
+                <a:solidFill>
+                  <a:schemeClr val="tx1">
+                    <a:lumMod val="75000"/>
+                    <a:lumOff val="25000"/>
+                  </a:schemeClr>
+                </a:solidFill>
+                <a:latin typeface="+mn-lt"/>
+                <a:ea typeface="+mn-ea"/>
+                <a:cs typeface="+mn-cs"/>
+              </a:defRPr>
+            </a:lvl4pPr>
+            <a:lvl5pPr marL="2057400" indent="-228600" algn="l" defTabSz="457200">
+              <a:spcBef>
+                <a:spcPts val="999"/>
+              </a:spcBef>
+              <a:spcAft>
+                <a:spcPts val="0"/>
+              </a:spcAft>
+              <a:buClr>
+                <a:schemeClr val="accent1"/>
+              </a:buClr>
+              <a:buSzPct val="80000"/>
+              <a:buFont typeface="Wingdings 3"/>
+              <a:buChar char=""/>
+              <a:defRPr sz="1200">
+                <a:solidFill>
+                  <a:schemeClr val="tx1">
+                    <a:lumMod val="75000"/>
+                    <a:lumOff val="25000"/>
+                  </a:schemeClr>
+                </a:solidFill>
+                <a:latin typeface="+mn-lt"/>
+                <a:ea typeface="+mn-ea"/>
+                <a:cs typeface="+mn-cs"/>
+              </a:defRPr>
+            </a:lvl5pPr>
+            <a:lvl6pPr marL="2514599" indent="-228600" algn="l" defTabSz="457200">
+              <a:spcBef>
+                <a:spcPts val="999"/>
+              </a:spcBef>
+              <a:spcAft>
+                <a:spcPts val="0"/>
+              </a:spcAft>
+              <a:buClr>
+                <a:schemeClr val="accent1"/>
+              </a:buClr>
+              <a:buSzPct val="80000"/>
+              <a:buFont typeface="Wingdings 3"/>
+              <a:buChar char=""/>
+              <a:defRPr sz="1200">
+                <a:solidFill>
+                  <a:schemeClr val="tx1">
+                    <a:lumMod val="75000"/>
+                    <a:lumOff val="25000"/>
+                  </a:schemeClr>
+                </a:solidFill>
+                <a:latin typeface="+mn-lt"/>
+                <a:ea typeface="+mn-ea"/>
+                <a:cs typeface="+mn-cs"/>
+              </a:defRPr>
+            </a:lvl6pPr>
+            <a:lvl7pPr marL="2971800" indent="-228600" algn="l" defTabSz="457200">
+              <a:spcBef>
+                <a:spcPts val="999"/>
+              </a:spcBef>
+              <a:spcAft>
+                <a:spcPts val="0"/>
+              </a:spcAft>
+              <a:buClr>
+                <a:schemeClr val="accent1"/>
+              </a:buClr>
+              <a:buSzPct val="80000"/>
+              <a:buFont typeface="Wingdings 3"/>
+              <a:buChar char=""/>
+              <a:defRPr sz="1200">
+                <a:solidFill>
+                  <a:schemeClr val="tx1">
+                    <a:lumMod val="75000"/>
+                    <a:lumOff val="25000"/>
+                  </a:schemeClr>
+                </a:solidFill>
+                <a:latin typeface="+mn-lt"/>
+                <a:ea typeface="+mn-ea"/>
+                <a:cs typeface="+mn-cs"/>
+              </a:defRPr>
+            </a:lvl7pPr>
+            <a:lvl8pPr marL="3429000" indent="-228600" algn="l" defTabSz="457200">
+              <a:spcBef>
+                <a:spcPts val="999"/>
+              </a:spcBef>
+              <a:spcAft>
+                <a:spcPts val="0"/>
+              </a:spcAft>
+              <a:buClr>
+                <a:schemeClr val="accent1"/>
+              </a:buClr>
+              <a:buSzPct val="80000"/>
+              <a:buFont typeface="Wingdings 3"/>
+              <a:buChar char=""/>
+              <a:defRPr sz="1200">
+                <a:solidFill>
+                  <a:schemeClr val="tx1">
+                    <a:lumMod val="75000"/>
+                    <a:lumOff val="25000"/>
+                  </a:schemeClr>
+                </a:solidFill>
+                <a:latin typeface="+mn-lt"/>
+                <a:ea typeface="+mn-ea"/>
+                <a:cs typeface="+mn-cs"/>
+              </a:defRPr>
+            </a:lvl8pPr>
+            <a:lvl9pPr marL="3886200" indent="-228600" algn="l" defTabSz="457200">
+              <a:spcBef>
+                <a:spcPts val="999"/>
+              </a:spcBef>
+              <a:spcAft>
+                <a:spcPts val="0"/>
+              </a:spcAft>
+              <a:buClr>
+                <a:schemeClr val="accent1"/>
+              </a:buClr>
+              <a:buSzPct val="80000"/>
+              <a:buFont typeface="Wingdings 3"/>
+              <a:buChar char=""/>
+              <a:defRPr sz="1200">
+                <a:solidFill>
+                  <a:schemeClr val="tx1">
+                    <a:lumMod val="75000"/>
+                    <a:lumOff val="25000"/>
+                  </a:schemeClr>
+                </a:solidFill>
+                <a:latin typeface="+mn-lt"/>
+                <a:ea typeface="+mn-ea"/>
+                <a:cs typeface="+mn-cs"/>
+              </a:defRPr>
+            </a:lvl9pPr>
+          </a:lstStyle>
+          <a:p>
+            <a:pPr>
+              <a:buClr>
+                <a:schemeClr val="accent1"/>
+              </a:buClr>
+              <a:buSzPct val="80000"/>
+              <a:buFont typeface="Wingdings"/>
+              <a:buChar char="Ø"/>
+              <a:defRPr/>
+            </a:pPr>
+            <a:r>
+              <a:rPr dirty="0" err="1"/>
+              <a:t>Компилируем</a:t>
+            </a:r>
+            <a:r>
+              <a:rPr dirty="0"/>
+              <a:t> </a:t>
+            </a:r>
+            <a:r>
+              <a:rPr dirty="0" err="1"/>
+              <a:t>программу</a:t>
+            </a:r>
+            <a:r>
+              <a:rPr dirty="0"/>
+              <a:t> </a:t>
+            </a:r>
+            <a:r>
+              <a:rPr dirty="0" err="1"/>
+              <a:t>для</a:t>
+            </a:r>
+            <a:r>
+              <a:rPr dirty="0"/>
+              <a:t> </a:t>
+            </a:r>
+            <a:r>
+              <a:rPr dirty="0" err="1"/>
+              <a:t>отладки</a:t>
+            </a:r>
+            <a:r>
+              <a:rPr dirty="0"/>
+              <a:t> и </a:t>
+            </a:r>
+            <a:r>
+              <a:rPr dirty="0" err="1"/>
+              <a:t>передаём</a:t>
+            </a:r>
+            <a:r>
+              <a:rPr dirty="0"/>
+              <a:t> </a:t>
+            </a:r>
+            <a:r>
+              <a:rPr dirty="0" err="1"/>
+              <a:t>бинарный</a:t>
+            </a:r>
+            <a:r>
+              <a:rPr dirty="0"/>
+              <a:t> </a:t>
+            </a:r>
+            <a:r>
+              <a:rPr dirty="0" err="1"/>
+              <a:t>файл</a:t>
+            </a:r>
+            <a:r>
+              <a:rPr dirty="0"/>
+              <a:t>  </a:t>
+            </a:r>
+            <a:r>
+              <a:rPr dirty="0" err="1"/>
+              <a:t>отладчику</a:t>
+            </a:r>
+            <a:r>
+              <a:rPr dirty="0"/>
+              <a:t>: </a:t>
+            </a:r>
+            <a:r>
+              <a:rPr dirty="0" err="1"/>
+              <a:t>например</a:t>
+            </a:r>
+            <a:r>
+              <a:rPr dirty="0"/>
+              <a:t>, </a:t>
+            </a:r>
+            <a:br>
+              <a:rPr dirty="0"/>
+            </a:br>
+            <a:r>
+              <a:rPr i="1" dirty="0"/>
+              <a:t>g++ –g main.cpp </a:t>
+            </a:r>
+            <a:r>
+              <a:rPr i="1" dirty="0">
+                <a:latin typeface="Andale Mono"/>
+                <a:ea typeface="Andale Mono"/>
+                <a:cs typeface="Andale Mono"/>
+              </a:rPr>
+              <a:t>&amp;&amp;</a:t>
+            </a:r>
+            <a:r>
+              <a:rPr i="1" dirty="0"/>
+              <a:t> </a:t>
+            </a:r>
+            <a:r>
+              <a:rPr i="1" dirty="0" err="1"/>
+              <a:t>gdb</a:t>
+            </a:r>
+            <a:r>
+              <a:rPr i="1" dirty="0"/>
+              <a:t> </a:t>
+            </a:r>
+            <a:r>
+              <a:rPr i="1" dirty="0" err="1"/>
+              <a:t>a.out</a:t>
+            </a:r>
+            <a:endParaRPr dirty="0"/>
           </a:p>
         </p:txBody>
       </p:sp>
@@ -8395,7 +9162,7 @@
         </p:blipFill>
         <p:spPr bwMode="auto">
           <a:xfrm>
-            <a:off x="611935" y="1891514"/>
+            <a:off x="611935" y="1484784"/>
             <a:ext cx="11104761" cy="719233"/>
           </a:xfrm>
           <a:prstGeom prst="rect">
@@ -8417,7 +9184,7 @@
         </p:blipFill>
         <p:spPr bwMode="auto">
           <a:xfrm>
-            <a:off x="631089" y="3457398"/>
+            <a:off x="631089" y="3050668"/>
             <a:ext cx="11104761" cy="2687108"/>
           </a:xfrm>
           <a:prstGeom prst="rect">
@@ -8435,7 +9202,7 @@
         </p:nvSpPr>
         <p:spPr bwMode="auto">
           <a:xfrm>
-            <a:off x="490312" y="2684737"/>
+            <a:off x="490312" y="2278007"/>
             <a:ext cx="11245538" cy="722999"/>
           </a:xfrm>
           <a:prstGeom prst="rect">
@@ -8703,7 +9470,7 @@
         </p:nvSpPr>
         <p:spPr bwMode="auto">
           <a:xfrm>
-            <a:off x="548628" y="6300348"/>
+            <a:off x="548628" y="5893618"/>
             <a:ext cx="11245538" cy="518894"/>
           </a:xfrm>
           <a:prstGeom prst="rect">
@@ -8958,294 +9725,6 @@
               <a:rPr/>
               <a:t>В vtable также записаны адреса в памяти - 64 b LE</a:t>
             </a:r>
-          </a:p>
-        </p:txBody>
-      </p:sp>
-      <p:sp>
-        <p:nvSpPr>
-          <p:cNvPr id="19177118" name="Content Placeholder 2"/>
-          <p:cNvSpPr>
-            <a:spLocks noGrp="1"/>
-          </p:cNvSpPr>
-          <p:nvPr/>
-        </p:nvSpPr>
-        <p:spPr bwMode="auto">
-          <a:xfrm>
-            <a:off x="536556" y="1115136"/>
-            <a:ext cx="11245538" cy="722999"/>
-          </a:xfrm>
-          <a:prstGeom prst="rect">
-            <a:avLst/>
-          </a:prstGeom>
-          <a:solidFill>
-            <a:schemeClr val="bg1"/>
-          </a:solidFill>
-        </p:spPr>
-        <p:txBody>
-          <a:bodyPr vertOverflow="overflow" horzOverflow="clip" vert="horz" wrap="square" lIns="91440" tIns="45720" rIns="91440" bIns="45720" numCol="1" spcCol="0" rtlCol="0" fromWordArt="0" anchor="t" anchorCtr="0" forceAA="0" compatLnSpc="0">
-            <a:normAutofit/>
-          </a:bodyPr>
-          <a:lstStyle>
-            <a:lvl1pPr marL="342900" indent="-342900" algn="l" defTabSz="457200">
-              <a:spcBef>
-                <a:spcPts val="999"/>
-              </a:spcBef>
-              <a:spcAft>
-                <a:spcPts val="0"/>
-              </a:spcAft>
-              <a:buClr>
-                <a:schemeClr val="accent1"/>
-              </a:buClr>
-              <a:buSzPct val="80000"/>
-              <a:buFont typeface="Wingdings 3"/>
-              <a:buChar char=""/>
-              <a:defRPr sz="1800">
-                <a:solidFill>
-                  <a:schemeClr val="tx1">
-                    <a:lumMod val="75000"/>
-                    <a:lumOff val="25000"/>
-                  </a:schemeClr>
-                </a:solidFill>
-                <a:latin typeface="+mn-lt"/>
-                <a:ea typeface="+mn-ea"/>
-                <a:cs typeface="+mn-cs"/>
-              </a:defRPr>
-            </a:lvl1pPr>
-            <a:lvl2pPr marL="742950" indent="-285750" algn="l" defTabSz="457200">
-              <a:spcBef>
-                <a:spcPts val="999"/>
-              </a:spcBef>
-              <a:spcAft>
-                <a:spcPts val="0"/>
-              </a:spcAft>
-              <a:buClr>
-                <a:schemeClr val="accent1"/>
-              </a:buClr>
-              <a:buSzPct val="80000"/>
-              <a:buFont typeface="Wingdings 3"/>
-              <a:buChar char=""/>
-              <a:defRPr sz="1600">
-                <a:solidFill>
-                  <a:schemeClr val="tx1">
-                    <a:lumMod val="75000"/>
-                    <a:lumOff val="25000"/>
-                  </a:schemeClr>
-                </a:solidFill>
-                <a:latin typeface="+mn-lt"/>
-                <a:ea typeface="+mn-ea"/>
-                <a:cs typeface="+mn-cs"/>
-              </a:defRPr>
-            </a:lvl2pPr>
-            <a:lvl3pPr marL="1143000" indent="-228600" algn="l" defTabSz="457200">
-              <a:spcBef>
-                <a:spcPts val="999"/>
-              </a:spcBef>
-              <a:spcAft>
-                <a:spcPts val="0"/>
-              </a:spcAft>
-              <a:buClr>
-                <a:schemeClr val="accent1"/>
-              </a:buClr>
-              <a:buSzPct val="80000"/>
-              <a:buFont typeface="Wingdings 3"/>
-              <a:buChar char=""/>
-              <a:defRPr sz="1400">
-                <a:solidFill>
-                  <a:schemeClr val="tx1">
-                    <a:lumMod val="75000"/>
-                    <a:lumOff val="25000"/>
-                  </a:schemeClr>
-                </a:solidFill>
-                <a:latin typeface="+mn-lt"/>
-                <a:ea typeface="+mn-ea"/>
-                <a:cs typeface="+mn-cs"/>
-              </a:defRPr>
-            </a:lvl3pPr>
-            <a:lvl4pPr marL="1600200" indent="-228600" algn="l" defTabSz="457200">
-              <a:spcBef>
-                <a:spcPts val="999"/>
-              </a:spcBef>
-              <a:spcAft>
-                <a:spcPts val="0"/>
-              </a:spcAft>
-              <a:buClr>
-                <a:schemeClr val="accent1"/>
-              </a:buClr>
-              <a:buSzPct val="80000"/>
-              <a:buFont typeface="Wingdings 3"/>
-              <a:buChar char=""/>
-              <a:defRPr sz="1200">
-                <a:solidFill>
-                  <a:schemeClr val="tx1">
-                    <a:lumMod val="75000"/>
-                    <a:lumOff val="25000"/>
-                  </a:schemeClr>
-                </a:solidFill>
-                <a:latin typeface="+mn-lt"/>
-                <a:ea typeface="+mn-ea"/>
-                <a:cs typeface="+mn-cs"/>
-              </a:defRPr>
-            </a:lvl4pPr>
-            <a:lvl5pPr marL="2057400" indent="-228600" algn="l" defTabSz="457200">
-              <a:spcBef>
-                <a:spcPts val="999"/>
-              </a:spcBef>
-              <a:spcAft>
-                <a:spcPts val="0"/>
-              </a:spcAft>
-              <a:buClr>
-                <a:schemeClr val="accent1"/>
-              </a:buClr>
-              <a:buSzPct val="80000"/>
-              <a:buFont typeface="Wingdings 3"/>
-              <a:buChar char=""/>
-              <a:defRPr sz="1200">
-                <a:solidFill>
-                  <a:schemeClr val="tx1">
-                    <a:lumMod val="75000"/>
-                    <a:lumOff val="25000"/>
-                  </a:schemeClr>
-                </a:solidFill>
-                <a:latin typeface="+mn-lt"/>
-                <a:ea typeface="+mn-ea"/>
-                <a:cs typeface="+mn-cs"/>
-              </a:defRPr>
-            </a:lvl5pPr>
-            <a:lvl6pPr marL="2514599" indent="-228600" algn="l" defTabSz="457200">
-              <a:spcBef>
-                <a:spcPts val="999"/>
-              </a:spcBef>
-              <a:spcAft>
-                <a:spcPts val="0"/>
-              </a:spcAft>
-              <a:buClr>
-                <a:schemeClr val="accent1"/>
-              </a:buClr>
-              <a:buSzPct val="80000"/>
-              <a:buFont typeface="Wingdings 3"/>
-              <a:buChar char=""/>
-              <a:defRPr sz="1200">
-                <a:solidFill>
-                  <a:schemeClr val="tx1">
-                    <a:lumMod val="75000"/>
-                    <a:lumOff val="25000"/>
-                  </a:schemeClr>
-                </a:solidFill>
-                <a:latin typeface="+mn-lt"/>
-                <a:ea typeface="+mn-ea"/>
-                <a:cs typeface="+mn-cs"/>
-              </a:defRPr>
-            </a:lvl6pPr>
-            <a:lvl7pPr marL="2971800" indent="-228600" algn="l" defTabSz="457200">
-              <a:spcBef>
-                <a:spcPts val="999"/>
-              </a:spcBef>
-              <a:spcAft>
-                <a:spcPts val="0"/>
-              </a:spcAft>
-              <a:buClr>
-                <a:schemeClr val="accent1"/>
-              </a:buClr>
-              <a:buSzPct val="80000"/>
-              <a:buFont typeface="Wingdings 3"/>
-              <a:buChar char=""/>
-              <a:defRPr sz="1200">
-                <a:solidFill>
-                  <a:schemeClr val="tx1">
-                    <a:lumMod val="75000"/>
-                    <a:lumOff val="25000"/>
-                  </a:schemeClr>
-                </a:solidFill>
-                <a:latin typeface="+mn-lt"/>
-                <a:ea typeface="+mn-ea"/>
-                <a:cs typeface="+mn-cs"/>
-              </a:defRPr>
-            </a:lvl7pPr>
-            <a:lvl8pPr marL="3429000" indent="-228600" algn="l" defTabSz="457200">
-              <a:spcBef>
-                <a:spcPts val="999"/>
-              </a:spcBef>
-              <a:spcAft>
-                <a:spcPts val="0"/>
-              </a:spcAft>
-              <a:buClr>
-                <a:schemeClr val="accent1"/>
-              </a:buClr>
-              <a:buSzPct val="80000"/>
-              <a:buFont typeface="Wingdings 3"/>
-              <a:buChar char=""/>
-              <a:defRPr sz="1200">
-                <a:solidFill>
-                  <a:schemeClr val="tx1">
-                    <a:lumMod val="75000"/>
-                    <a:lumOff val="25000"/>
-                  </a:schemeClr>
-                </a:solidFill>
-                <a:latin typeface="+mn-lt"/>
-                <a:ea typeface="+mn-ea"/>
-                <a:cs typeface="+mn-cs"/>
-              </a:defRPr>
-            </a:lvl8pPr>
-            <a:lvl9pPr marL="3886200" indent="-228600" algn="l" defTabSz="457200">
-              <a:spcBef>
-                <a:spcPts val="999"/>
-              </a:spcBef>
-              <a:spcAft>
-                <a:spcPts val="0"/>
-              </a:spcAft>
-              <a:buClr>
-                <a:schemeClr val="accent1"/>
-              </a:buClr>
-              <a:buSzPct val="80000"/>
-              <a:buFont typeface="Wingdings 3"/>
-              <a:buChar char=""/>
-              <a:defRPr sz="1200">
-                <a:solidFill>
-                  <a:schemeClr val="tx1">
-                    <a:lumMod val="75000"/>
-                    <a:lumOff val="25000"/>
-                  </a:schemeClr>
-                </a:solidFill>
-                <a:latin typeface="+mn-lt"/>
-                <a:ea typeface="+mn-ea"/>
-                <a:cs typeface="+mn-cs"/>
-              </a:defRPr>
-            </a:lvl9pPr>
-          </a:lstStyle>
-          <a:p>
-            <a:pPr>
-              <a:buClr>
-                <a:schemeClr val="accent1"/>
-              </a:buClr>
-              <a:buSzPct val="80000"/>
-              <a:buFont typeface="Wingdings"/>
-              <a:buChar char="Ø"/>
-              <a:defRPr/>
-            </a:pPr>
-            <a:r>
-              <a:rPr/>
-              <a:t>Компилируем программу для отладки и передаём бинарный файл  отладчику: например, </a:t>
-            </a:r>
-            <a:br>
-              <a:rPr/>
-            </a:br>
-            <a:r>
-              <a:rPr i="1"/>
-              <a:t>g++ –g main.cpp </a:t>
-            </a:r>
-            <a:r>
-              <a:rPr i="1">
-                <a:latin typeface="Andale Mono"/>
-                <a:ea typeface="Andale Mono"/>
-                <a:cs typeface="Andale Mono"/>
-              </a:rPr>
-              <a:t>&amp;&amp;</a:t>
-            </a:r>
-            <a:r>
-              <a:rPr i="1"/>
-              <a:t> gdb a.out</a:t>
-            </a:r>
-            <a:endParaRPr/>
           </a:p>
         </p:txBody>
       </p:sp>
@@ -12955,36 +13434,44 @@
               <a:defRPr/>
             </a:pPr>
             <a:r>
-              <a:rPr lang="ru-RU"/>
+              <a:rPr lang="ru-RU" dirty="0"/>
               <a:t>Проблемы начинаются, когда класс управляет памятью на куче: в этом случае указатель на выделенную объектом область памяти будет скопирован, а сама область памяти – нет</a:t>
             </a:r>
-            <a:endParaRPr/>
+            <a:endParaRPr dirty="0"/>
           </a:p>
           <a:p>
             <a:pPr>
               <a:defRPr/>
             </a:pPr>
             <a:r>
-              <a:rPr lang="ru-RU"/>
+              <a:rPr lang="ru-RU" dirty="0"/>
               <a:t>Два одинаковых указателя будут указывать на одну и ту же область памяти. Соответственно, в деструкторе одна и та же область памяти будет освобождена дважды. Ничего хорошего </a:t>
             </a:r>
-            <a:endParaRPr/>
+            <a:endParaRPr dirty="0"/>
           </a:p>
           <a:p>
             <a:pPr>
               <a:defRPr/>
             </a:pPr>
             <a:r>
-              <a:rPr lang="ru-RU"/>
-              <a:t>Решить проблему можно, определив конструктор копирования: специального метода класса, который вызывается при копировании объекта</a:t>
-            </a:r>
-            <a:endParaRPr/>
+              <a:rPr lang="ru-RU" dirty="0"/>
+              <a:t>Решить проблему можно, определив конструктор </a:t>
+            </a:r>
+            <a:r>
+              <a:rPr lang="ru-RU" dirty="0" smtClean="0"/>
+              <a:t>копирования - специальный </a:t>
+            </a:r>
+            <a:r>
+              <a:rPr lang="ru-RU" dirty="0"/>
+              <a:t>метода класса, который вызывается при копировании объекта</a:t>
+            </a:r>
+            <a:endParaRPr dirty="0"/>
           </a:p>
           <a:p>
             <a:pPr>
               <a:defRPr/>
             </a:pPr>
-            <a:endParaRPr lang="ru-RU"/>
+            <a:endParaRPr lang="ru-RU" dirty="0"/>
           </a:p>
           <a:p>
             <a:pPr marL="455613" indent="0">
@@ -12992,7 +13479,7 @@
               <a:buNone/>
               <a:defRPr/>
             </a:pPr>
-            <a:endParaRPr lang="ru-RU"/>
+            <a:endParaRPr lang="ru-RU" dirty="0"/>
           </a:p>
         </p:txBody>
       </p:sp>
@@ -13544,7 +14031,7 @@
               <a:defRPr/>
             </a:pPr>
             <a:r>
-              <a:rPr lang="ru-RU"/>
+              <a:rPr lang="ru-RU" dirty="0"/>
               <a:t>Конструкторы вызываются в порядке иерархии наследования классов, деструкторы - в обратном порядке </a:t>
             </a:r>
           </a:p>
@@ -13553,20 +14040,28 @@
               <a:defRPr/>
             </a:pPr>
             <a:r>
-              <a:rPr lang="ru-RU"/>
+              <a:rPr lang="ru-RU" dirty="0"/>
               <a:t>Поскольку базовый класс "ничего не знает" ни о каком производном классе, операции по инициализации, которые ему нужно выполнить, не зависят от операций инициализации, выполняемых производным классом, но, возможно, создают предварительные условия для последующей работы. Поэтому конструктор базового класса должен выполняться первым</a:t>
             </a:r>
-            <a:endParaRPr/>
+            <a:endParaRPr dirty="0"/>
           </a:p>
           <a:p>
             <a:pPr>
               <a:defRPr/>
             </a:pPr>
             <a:r>
-              <a:rPr lang="ru-RU"/>
-              <a:t>Поскольку базовый класс лежит в основе производного класса, разрушение базового класса подразумевает разрушение производного. Следовательно, деструктор производного класса имеет смысл вызвать до того, как объект будет полностью разрушен</a:t>
-            </a:r>
-            <a:endParaRPr lang="en-US"/>
+              <a:rPr lang="ru-RU" dirty="0"/>
+              <a:t>Поскольку базовый класс лежит в основе производного класса, разрушение </a:t>
+            </a:r>
+            <a:r>
+              <a:rPr lang="ru-RU" dirty="0" smtClean="0"/>
+              <a:t>объекта базового </a:t>
+            </a:r>
+            <a:r>
+              <a:rPr lang="ru-RU" dirty="0"/>
+              <a:t>класса подразумевает разрушение производного. Следовательно, деструктор производного класса имеет смысл вызвать до того, как объект будет полностью разрушен</a:t>
+            </a:r>
+            <a:endParaRPr lang="en-US" dirty="0"/>
           </a:p>
         </p:txBody>
       </p:sp>
@@ -16178,4 +16673,265 @@
   <a:objectDefaults/>
   <a:extraClrSchemeLst/>
 </a:theme>
+</file>
+
+<file path=ppt/theme/theme2.xml><?xml version="1.0" encoding="utf-8"?>
+<a:theme xmlns:a="http://schemas.openxmlformats.org/drawingml/2006/main" name="Тема Office">
+  <a:themeElements>
+    <a:clrScheme name="Стандартная">
+      <a:dk1>
+        <a:sysClr val="windowText" lastClr="000000"/>
+      </a:dk1>
+      <a:lt1>
+        <a:sysClr val="window" lastClr="FFFFFF"/>
+      </a:lt1>
+      <a:dk2>
+        <a:srgbClr val="44546A"/>
+      </a:dk2>
+      <a:lt2>
+        <a:srgbClr val="E7E6E6"/>
+      </a:lt2>
+      <a:accent1>
+        <a:srgbClr val="5B9BD5"/>
+      </a:accent1>
+      <a:accent2>
+        <a:srgbClr val="ED7D31"/>
+      </a:accent2>
+      <a:accent3>
+        <a:srgbClr val="A5A5A5"/>
+      </a:accent3>
+      <a:accent4>
+        <a:srgbClr val="FFC000"/>
+      </a:accent4>
+      <a:accent5>
+        <a:srgbClr val="4472C4"/>
+      </a:accent5>
+      <a:accent6>
+        <a:srgbClr val="70AD47"/>
+      </a:accent6>
+      <a:hlink>
+        <a:srgbClr val="0563C1"/>
+      </a:hlink>
+      <a:folHlink>
+        <a:srgbClr val="954F72"/>
+      </a:folHlink>
+    </a:clrScheme>
+    <a:fontScheme name="Стандартная">
+      <a:majorFont>
+        <a:latin typeface="Calibri Light" panose="020F0302020204030204"/>
+        <a:ea typeface=""/>
+        <a:cs typeface=""/>
+        <a:font script="Jpan" typeface="ＭＳ Ｐゴシック"/>
+        <a:font script="Hang" typeface="맑은 고딕"/>
+        <a:font script="Hans" typeface="宋体"/>
+        <a:font script="Hant" typeface="新細明體"/>
+        <a:font script="Arab" typeface="Times New Roman"/>
+        <a:font script="Hebr" typeface="Times New Roman"/>
+        <a:font script="Thai" typeface="Angsana New"/>
+        <a:font script="Ethi" typeface="Nyala"/>
+        <a:font script="Beng" typeface="Vrinda"/>
+        <a:font script="Gujr" typeface="Shruti"/>
+        <a:font script="Khmr" typeface="MoolBoran"/>
+        <a:font script="Knda" typeface="Tunga"/>
+        <a:font script="Guru" typeface="Raavi"/>
+        <a:font script="Cans" typeface="Euphemia"/>
+        <a:font script="Cher" typeface="Plantagenet Cherokee"/>
+        <a:font script="Yiii" typeface="Microsoft Yi Baiti"/>
+        <a:font script="Tibt" typeface="Microsoft Himalaya"/>
+        <a:font script="Thaa" typeface="MV Boli"/>
+        <a:font script="Deva" typeface="Mangal"/>
+        <a:font script="Telu" typeface="Gautami"/>
+        <a:font script="Taml" typeface="Latha"/>
+        <a:font script="Syrc" typeface="Estrangelo Edessa"/>
+        <a:font script="Orya" typeface="Kalinga"/>
+        <a:font script="Mlym" typeface="Kartika"/>
+        <a:font script="Laoo" typeface="DokChampa"/>
+        <a:font script="Sinh" typeface="Iskoola Pota"/>
+        <a:font script="Mong" typeface="Mongolian Baiti"/>
+        <a:font script="Viet" typeface="Times New Roman"/>
+        <a:font script="Uigh" typeface="Microsoft Uighur"/>
+        <a:font script="Geor" typeface="Sylfaen"/>
+      </a:majorFont>
+      <a:minorFont>
+        <a:latin typeface="Calibri" panose="020F0502020204030204"/>
+        <a:ea typeface=""/>
+        <a:cs typeface=""/>
+        <a:font script="Jpan" typeface="ＭＳ Ｐゴシック"/>
+        <a:font script="Hang" typeface="맑은 고딕"/>
+        <a:font script="Hans" typeface="宋体"/>
+        <a:font script="Hant" typeface="新細明體"/>
+        <a:font script="Arab" typeface="Arial"/>
+        <a:font script="Hebr" typeface="Arial"/>
+        <a:font script="Thai" typeface="Cordia New"/>
+        <a:font script="Ethi" typeface="Nyala"/>
+        <a:font script="Beng" typeface="Vrinda"/>
+        <a:font script="Gujr" typeface="Shruti"/>
+        <a:font script="Khmr" typeface="DaunPenh"/>
+        <a:font script="Knda" typeface="Tunga"/>
+        <a:font script="Guru" typeface="Raavi"/>
+        <a:font script="Cans" typeface="Euphemia"/>
+        <a:font script="Cher" typeface="Plantagenet Cherokee"/>
+        <a:font script="Yiii" typeface="Microsoft Yi Baiti"/>
+        <a:font script="Tibt" typeface="Microsoft Himalaya"/>
+        <a:font script="Thaa" typeface="MV Boli"/>
+        <a:font script="Deva" typeface="Mangal"/>
+        <a:font script="Telu" typeface="Gautami"/>
+        <a:font script="Taml" typeface="Latha"/>
+        <a:font script="Syrc" typeface="Estrangelo Edessa"/>
+        <a:font script="Orya" typeface="Kalinga"/>
+        <a:font script="Mlym" typeface="Kartika"/>
+        <a:font script="Laoo" typeface="DokChampa"/>
+        <a:font script="Sinh" typeface="Iskoola Pota"/>
+        <a:font script="Mong" typeface="Mongolian Baiti"/>
+        <a:font script="Viet" typeface="Arial"/>
+        <a:font script="Uigh" typeface="Microsoft Uighur"/>
+        <a:font script="Geor" typeface="Sylfaen"/>
+      </a:minorFont>
+    </a:fontScheme>
+    <a:fmtScheme name="Стандартная">
+      <a:fillStyleLst>
+        <a:solidFill>
+          <a:schemeClr val="phClr"/>
+        </a:solidFill>
+        <a:gradFill rotWithShape="1">
+          <a:gsLst>
+            <a:gs pos="0">
+              <a:schemeClr val="phClr">
+                <a:lumMod val="110000"/>
+                <a:satMod val="105000"/>
+                <a:tint val="67000"/>
+              </a:schemeClr>
+            </a:gs>
+            <a:gs pos="50000">
+              <a:schemeClr val="phClr">
+                <a:lumMod val="105000"/>
+                <a:satMod val="103000"/>
+                <a:tint val="73000"/>
+              </a:schemeClr>
+            </a:gs>
+            <a:gs pos="100000">
+              <a:schemeClr val="phClr">
+                <a:lumMod val="105000"/>
+                <a:satMod val="109000"/>
+                <a:tint val="81000"/>
+              </a:schemeClr>
+            </a:gs>
+          </a:gsLst>
+          <a:lin ang="5400000" scaled="0"/>
+        </a:gradFill>
+        <a:gradFill rotWithShape="1">
+          <a:gsLst>
+            <a:gs pos="0">
+              <a:schemeClr val="phClr">
+                <a:satMod val="103000"/>
+                <a:lumMod val="102000"/>
+                <a:tint val="94000"/>
+              </a:schemeClr>
+            </a:gs>
+            <a:gs pos="50000">
+              <a:schemeClr val="phClr">
+                <a:satMod val="110000"/>
+                <a:lumMod val="100000"/>
+                <a:shade val="100000"/>
+              </a:schemeClr>
+            </a:gs>
+            <a:gs pos="100000">
+              <a:schemeClr val="phClr">
+                <a:lumMod val="99000"/>
+                <a:satMod val="120000"/>
+                <a:shade val="78000"/>
+              </a:schemeClr>
+            </a:gs>
+          </a:gsLst>
+          <a:lin ang="5400000" scaled="0"/>
+        </a:gradFill>
+      </a:fillStyleLst>
+      <a:lnStyleLst>
+        <a:ln w="6350" cap="flat" cmpd="sng" algn="ctr">
+          <a:solidFill>
+            <a:schemeClr val="phClr"/>
+          </a:solidFill>
+          <a:prstDash val="solid"/>
+          <a:miter lim="800000"/>
+        </a:ln>
+        <a:ln w="12700" cap="flat" cmpd="sng" algn="ctr">
+          <a:solidFill>
+            <a:schemeClr val="phClr"/>
+          </a:solidFill>
+          <a:prstDash val="solid"/>
+          <a:miter lim="800000"/>
+        </a:ln>
+        <a:ln w="19050" cap="flat" cmpd="sng" algn="ctr">
+          <a:solidFill>
+            <a:schemeClr val="phClr"/>
+          </a:solidFill>
+          <a:prstDash val="solid"/>
+          <a:miter lim="800000"/>
+        </a:ln>
+      </a:lnStyleLst>
+      <a:effectStyleLst>
+        <a:effectStyle>
+          <a:effectLst/>
+        </a:effectStyle>
+        <a:effectStyle>
+          <a:effectLst/>
+        </a:effectStyle>
+        <a:effectStyle>
+          <a:effectLst>
+            <a:outerShdw blurRad="57150" dist="19050" dir="5400000" algn="ctr" rotWithShape="0">
+              <a:srgbClr val="000000">
+                <a:alpha val="63000"/>
+              </a:srgbClr>
+            </a:outerShdw>
+          </a:effectLst>
+        </a:effectStyle>
+      </a:effectStyleLst>
+      <a:bgFillStyleLst>
+        <a:solidFill>
+          <a:schemeClr val="phClr"/>
+        </a:solidFill>
+        <a:solidFill>
+          <a:schemeClr val="phClr">
+            <a:tint val="95000"/>
+            <a:satMod val="170000"/>
+          </a:schemeClr>
+        </a:solidFill>
+        <a:gradFill rotWithShape="1">
+          <a:gsLst>
+            <a:gs pos="0">
+              <a:schemeClr val="phClr">
+                <a:tint val="93000"/>
+                <a:satMod val="150000"/>
+                <a:shade val="98000"/>
+                <a:lumMod val="102000"/>
+              </a:schemeClr>
+            </a:gs>
+            <a:gs pos="50000">
+              <a:schemeClr val="phClr">
+                <a:tint val="98000"/>
+                <a:satMod val="130000"/>
+                <a:shade val="90000"/>
+                <a:lumMod val="103000"/>
+              </a:schemeClr>
+            </a:gs>
+            <a:gs pos="100000">
+              <a:schemeClr val="phClr">
+                <a:shade val="63000"/>
+                <a:satMod val="120000"/>
+              </a:schemeClr>
+            </a:gs>
+          </a:gsLst>
+          <a:lin ang="5400000" scaled="0"/>
+        </a:gradFill>
+      </a:bgFillStyleLst>
+    </a:fmtScheme>
+  </a:themeElements>
+  <a:objectDefaults/>
+  <a:extraClrSchemeLst/>
+  <a:extLst>
+    <a:ext uri="{05A4C25C-085E-4340-85A3-A5531E510DB2}">
+      <thm15:themeFamily xmlns:thm15="http://schemas.microsoft.com/office/thememl/2012/main" name="Office Theme" id="{62F939B6-93AF-4DB8-9C6B-D6C7DFDC589F}" vid="{4A3C46E8-61CC-4603-A589-7422A47A8E4A}"/>
+    </a:ext>
+  </a:extLst>
+</a:theme>
 </file>
--- a/pt1/lectures/lecture2/lecture2.pptx
+++ b/pt1/lectures/lecture2/lecture2.pptx
@@ -1,31 +1,28 @@
 
 <file path=ppt/presentation.xml><?xml version="1.0" encoding="utf-8"?>
-<p:presentation xmlns:a="http://schemas.openxmlformats.org/drawingml/2006/main" xmlns:r="http://schemas.openxmlformats.org/officeDocument/2006/relationships" xmlns:p="http://schemas.openxmlformats.org/presentationml/2006/main" saveSubsetFonts="1">
+<p:presentation xmlns:a="http://schemas.openxmlformats.org/drawingml/2006/main" xmlns:r="http://schemas.openxmlformats.org/officeDocument/2006/relationships" xmlns:p="http://schemas.openxmlformats.org/presentationml/2006/main" xmlns:m="http://schemas.openxmlformats.org/officeDocument/2006/math" xmlns:w="http://schemas.openxmlformats.org/wordprocessingml/2006/main" saveSubsetFonts="1">
   <p:sldMasterIdLst>
     <p:sldMasterId id="2147483648" r:id="rId1"/>
   </p:sldMasterIdLst>
-  <p:notesMasterIdLst>
-    <p:notesMasterId r:id="rId20"/>
-  </p:notesMasterIdLst>
   <p:sldIdLst>
-    <p:sldId id="256" r:id="rId2"/>
-    <p:sldId id="257" r:id="rId3"/>
-    <p:sldId id="258" r:id="rId4"/>
-    <p:sldId id="259" r:id="rId5"/>
-    <p:sldId id="260" r:id="rId6"/>
-    <p:sldId id="261" r:id="rId7"/>
-    <p:sldId id="262" r:id="rId8"/>
-    <p:sldId id="263" r:id="rId9"/>
-    <p:sldId id="264" r:id="rId10"/>
-    <p:sldId id="265" r:id="rId11"/>
-    <p:sldId id="266" r:id="rId12"/>
-    <p:sldId id="273" r:id="rId13"/>
+    <p:sldId id="256" r:id="rId3"/>
+    <p:sldId id="257" r:id="rId4"/>
+    <p:sldId id="258" r:id="rId5"/>
+    <p:sldId id="259" r:id="rId6"/>
+    <p:sldId id="260" r:id="rId7"/>
+    <p:sldId id="261" r:id="rId8"/>
+    <p:sldId id="262" r:id="rId9"/>
+    <p:sldId id="263" r:id="rId10"/>
+    <p:sldId id="264" r:id="rId11"/>
+    <p:sldId id="265" r:id="rId12"/>
+    <p:sldId id="266" r:id="rId13"/>
     <p:sldId id="267" r:id="rId14"/>
     <p:sldId id="268" r:id="rId15"/>
     <p:sldId id="269" r:id="rId16"/>
     <p:sldId id="270" r:id="rId17"/>
     <p:sldId id="271" r:id="rId18"/>
     <p:sldId id="272" r:id="rId19"/>
+    <p:sldId id="273" r:id="rId20"/>
   </p:sldIdLst>
   <p:sldSz cx="12192000" cy="6858000"/>
   <p:notesSz cx="12192000" cy="6858000"/>
@@ -124,461 +121,11 @@
       </a:defRPr>
     </a:lvl9pPr>
   </p:defaultTextStyle>
-  <p:extLst>
-    <p:ext uri="{EFAFB233-063F-42B5-8137-9DF3F51BA10A}">
-      <p15:sldGuideLst xmlns:p15="http://schemas.microsoft.com/office/powerpoint/2012/main">
-        <p15:guide id="1" orient="horz" pos="2160">
-          <p15:clr>
-            <a:srgbClr val="A4A3A4"/>
-          </p15:clr>
-        </p15:guide>
-        <p15:guide id="2" pos="2880">
-          <p15:clr>
-            <a:srgbClr val="A4A3A4"/>
-          </p15:clr>
-        </p15:guide>
-      </p15:sldGuideLst>
-    </p:ext>
-  </p:extLst>
 </p:presentation>
 </file>
 
-<file path=ppt/notesMasters/notesMaster1.xml><?xml version="1.0" encoding="utf-8"?>
-<p:notesMaster xmlns:a="http://schemas.openxmlformats.org/drawingml/2006/main" xmlns:r="http://schemas.openxmlformats.org/officeDocument/2006/relationships" xmlns:p="http://schemas.openxmlformats.org/presentationml/2006/main">
-  <p:cSld>
-    <p:bg>
-      <p:bgRef idx="1001">
-        <a:schemeClr val="bg1"/>
-      </p:bgRef>
-    </p:bg>
-    <p:spTree>
-      <p:nvGrpSpPr>
-        <p:cNvPr id="1" name=""/>
-        <p:cNvGrpSpPr/>
-        <p:nvPr/>
-      </p:nvGrpSpPr>
-      <p:grpSpPr>
-        <a:xfrm>
-          <a:off x="0" y="0"/>
-          <a:ext cx="0" cy="0"/>
-          <a:chOff x="0" y="0"/>
-          <a:chExt cx="0" cy="0"/>
-        </a:xfrm>
-      </p:grpSpPr>
-      <p:sp>
-        <p:nvSpPr>
-          <p:cNvPr id="2" name="Верхний колонтитул 1"/>
-          <p:cNvSpPr>
-            <a:spLocks noGrp="1"/>
-          </p:cNvSpPr>
-          <p:nvPr>
-            <p:ph type="hdr" sz="quarter"/>
-          </p:nvPr>
-        </p:nvSpPr>
-        <p:spPr>
-          <a:xfrm>
-            <a:off x="0" y="0"/>
-            <a:ext cx="5283200" cy="344488"/>
-          </a:xfrm>
-          <a:prstGeom prst="rect">
-            <a:avLst/>
-          </a:prstGeom>
-        </p:spPr>
-        <p:txBody>
-          <a:bodyPr vert="horz" lIns="91440" tIns="45720" rIns="91440" bIns="45720" rtlCol="0"/>
-          <a:lstStyle>
-            <a:lvl1pPr algn="l">
-              <a:defRPr sz="1200"/>
-            </a:lvl1pPr>
-          </a:lstStyle>
-          <a:p>
-            <a:endParaRPr lang="en-US"/>
-          </a:p>
-        </p:txBody>
-      </p:sp>
-      <p:sp>
-        <p:nvSpPr>
-          <p:cNvPr id="3" name="Дата 2"/>
-          <p:cNvSpPr>
-            <a:spLocks noGrp="1"/>
-          </p:cNvSpPr>
-          <p:nvPr>
-            <p:ph type="dt" idx="1"/>
-          </p:nvPr>
-        </p:nvSpPr>
-        <p:spPr>
-          <a:xfrm>
-            <a:off x="6905625" y="0"/>
-            <a:ext cx="5283200" cy="344488"/>
-          </a:xfrm>
-          <a:prstGeom prst="rect">
-            <a:avLst/>
-          </a:prstGeom>
-        </p:spPr>
-        <p:txBody>
-          <a:bodyPr vert="horz" lIns="91440" tIns="45720" rIns="91440" bIns="45720" rtlCol="0"/>
-          <a:lstStyle>
-            <a:lvl1pPr algn="r">
-              <a:defRPr sz="1200"/>
-            </a:lvl1pPr>
-          </a:lstStyle>
-          <a:p>
-            <a:fld id="{837F26EA-5E7F-475A-A618-86B61A4101A6}" type="datetimeFigureOut">
-              <a:rPr lang="en-US" smtClean="0"/>
-              <a:t>8/16/2022</a:t>
-            </a:fld>
-            <a:endParaRPr lang="en-US"/>
-          </a:p>
-        </p:txBody>
-      </p:sp>
-      <p:sp>
-        <p:nvSpPr>
-          <p:cNvPr id="4" name="Образ слайда 3"/>
-          <p:cNvSpPr>
-            <a:spLocks noGrp="1" noRot="1" noChangeAspect="1"/>
-          </p:cNvSpPr>
-          <p:nvPr>
-            <p:ph type="sldImg" idx="2"/>
-          </p:nvPr>
-        </p:nvSpPr>
-        <p:spPr>
-          <a:xfrm>
-            <a:off x="4038600" y="857250"/>
-            <a:ext cx="4114800" cy="2314575"/>
-          </a:xfrm>
-          <a:prstGeom prst="rect">
-            <a:avLst/>
-          </a:prstGeom>
-          <a:noFill/>
-          <a:ln w="12700">
-            <a:solidFill>
-              <a:prstClr val="black"/>
-            </a:solidFill>
-          </a:ln>
-        </p:spPr>
-        <p:txBody>
-          <a:bodyPr vert="horz" lIns="91440" tIns="45720" rIns="91440" bIns="45720" rtlCol="0" anchor="ctr"/>
-          <a:lstStyle/>
-          <a:p>
-            <a:endParaRPr lang="en-US"/>
-          </a:p>
-        </p:txBody>
-      </p:sp>
-      <p:sp>
-        <p:nvSpPr>
-          <p:cNvPr id="5" name="Заметки 4"/>
-          <p:cNvSpPr>
-            <a:spLocks noGrp="1"/>
-          </p:cNvSpPr>
-          <p:nvPr>
-            <p:ph type="body" sz="quarter" idx="3"/>
-          </p:nvPr>
-        </p:nvSpPr>
-        <p:spPr>
-          <a:xfrm>
-            <a:off x="1219200" y="3300413"/>
-            <a:ext cx="9753600" cy="2700337"/>
-          </a:xfrm>
-          <a:prstGeom prst="rect">
-            <a:avLst/>
-          </a:prstGeom>
-        </p:spPr>
-        <p:txBody>
-          <a:bodyPr vert="horz" lIns="91440" tIns="45720" rIns="91440" bIns="45720" rtlCol="0"/>
-          <a:lstStyle/>
-          <a:p>
-            <a:pPr lvl="0"/>
-            <a:r>
-              <a:rPr lang="ru-RU" smtClean="0"/>
-              <a:t>Образец текста</a:t>
-            </a:r>
-          </a:p>
-          <a:p>
-            <a:pPr lvl="1"/>
-            <a:r>
-              <a:rPr lang="ru-RU" smtClean="0"/>
-              <a:t>Второй уровень</a:t>
-            </a:r>
-          </a:p>
-          <a:p>
-            <a:pPr lvl="2"/>
-            <a:r>
-              <a:rPr lang="ru-RU" smtClean="0"/>
-              <a:t>Третий уровень</a:t>
-            </a:r>
-          </a:p>
-          <a:p>
-            <a:pPr lvl="3"/>
-            <a:r>
-              <a:rPr lang="ru-RU" smtClean="0"/>
-              <a:t>Четвертый уровень</a:t>
-            </a:r>
-          </a:p>
-          <a:p>
-            <a:pPr lvl="4"/>
-            <a:r>
-              <a:rPr lang="ru-RU" smtClean="0"/>
-              <a:t>Пятый уровень</a:t>
-            </a:r>
-            <a:endParaRPr lang="en-US"/>
-          </a:p>
-        </p:txBody>
-      </p:sp>
-      <p:sp>
-        <p:nvSpPr>
-          <p:cNvPr id="6" name="Нижний колонтитул 5"/>
-          <p:cNvSpPr>
-            <a:spLocks noGrp="1"/>
-          </p:cNvSpPr>
-          <p:nvPr>
-            <p:ph type="ftr" sz="quarter" idx="4"/>
-          </p:nvPr>
-        </p:nvSpPr>
-        <p:spPr>
-          <a:xfrm>
-            <a:off x="0" y="6513513"/>
-            <a:ext cx="5283200" cy="344487"/>
-          </a:xfrm>
-          <a:prstGeom prst="rect">
-            <a:avLst/>
-          </a:prstGeom>
-        </p:spPr>
-        <p:txBody>
-          <a:bodyPr vert="horz" lIns="91440" tIns="45720" rIns="91440" bIns="45720" rtlCol="0" anchor="b"/>
-          <a:lstStyle>
-            <a:lvl1pPr algn="l">
-              <a:defRPr sz="1200"/>
-            </a:lvl1pPr>
-          </a:lstStyle>
-          <a:p>
-            <a:endParaRPr lang="en-US"/>
-          </a:p>
-        </p:txBody>
-      </p:sp>
-      <p:sp>
-        <p:nvSpPr>
-          <p:cNvPr id="7" name="Номер слайда 6"/>
-          <p:cNvSpPr>
-            <a:spLocks noGrp="1"/>
-          </p:cNvSpPr>
-          <p:nvPr>
-            <p:ph type="sldNum" sz="quarter" idx="5"/>
-          </p:nvPr>
-        </p:nvSpPr>
-        <p:spPr>
-          <a:xfrm>
-            <a:off x="6905625" y="6513513"/>
-            <a:ext cx="5283200" cy="344487"/>
-          </a:xfrm>
-          <a:prstGeom prst="rect">
-            <a:avLst/>
-          </a:prstGeom>
-        </p:spPr>
-        <p:txBody>
-          <a:bodyPr vert="horz" lIns="91440" tIns="45720" rIns="91440" bIns="45720" rtlCol="0" anchor="b"/>
-          <a:lstStyle>
-            <a:lvl1pPr algn="r">
-              <a:defRPr sz="1200"/>
-            </a:lvl1pPr>
-          </a:lstStyle>
-          <a:p>
-            <a:fld id="{B1891ED8-C797-425D-9C4F-8D2CCD58B803}" type="slidenum">
-              <a:rPr lang="en-US" smtClean="0"/>
-              <a:t>‹#›</a:t>
-            </a:fld>
-            <a:endParaRPr lang="en-US"/>
-          </a:p>
-        </p:txBody>
-      </p:sp>
-    </p:spTree>
-    <p:extLst>
-      <p:ext uri="{BB962C8B-B14F-4D97-AF65-F5344CB8AC3E}">
-        <p14:creationId xmlns:p14="http://schemas.microsoft.com/office/powerpoint/2010/main" val="549037762"/>
-      </p:ext>
-    </p:extLst>
-  </p:cSld>
-  <p:clrMap bg1="lt1" tx1="dk1" bg2="lt2" tx2="dk2" accent1="accent1" accent2="accent2" accent3="accent3" accent4="accent4" accent5="accent5" accent6="accent6" hlink="hlink" folHlink="folHlink"/>
-  <p:notesStyle>
-    <a:lvl1pPr marL="0" algn="l" defTabSz="914400" rtl="0" eaLnBrk="1" latinLnBrk="0" hangingPunct="1">
-      <a:defRPr sz="1200" kern="1200">
-        <a:solidFill>
-          <a:schemeClr val="tx1"/>
-        </a:solidFill>
-        <a:latin typeface="+mn-lt"/>
-        <a:ea typeface="+mn-ea"/>
-        <a:cs typeface="+mn-cs"/>
-      </a:defRPr>
-    </a:lvl1pPr>
-    <a:lvl2pPr marL="457200" algn="l" defTabSz="914400" rtl="0" eaLnBrk="1" latinLnBrk="0" hangingPunct="1">
-      <a:defRPr sz="1200" kern="1200">
-        <a:solidFill>
-          <a:schemeClr val="tx1"/>
-        </a:solidFill>
-        <a:latin typeface="+mn-lt"/>
-        <a:ea typeface="+mn-ea"/>
-        <a:cs typeface="+mn-cs"/>
-      </a:defRPr>
-    </a:lvl2pPr>
-    <a:lvl3pPr marL="914400" algn="l" defTabSz="914400" rtl="0" eaLnBrk="1" latinLnBrk="0" hangingPunct="1">
-      <a:defRPr sz="1200" kern="1200">
-        <a:solidFill>
-          <a:schemeClr val="tx1"/>
-        </a:solidFill>
-        <a:latin typeface="+mn-lt"/>
-        <a:ea typeface="+mn-ea"/>
-        <a:cs typeface="+mn-cs"/>
-      </a:defRPr>
-    </a:lvl3pPr>
-    <a:lvl4pPr marL="1371600" algn="l" defTabSz="914400" rtl="0" eaLnBrk="1" latinLnBrk="0" hangingPunct="1">
-      <a:defRPr sz="1200" kern="1200">
-        <a:solidFill>
-          <a:schemeClr val="tx1"/>
-        </a:solidFill>
-        <a:latin typeface="+mn-lt"/>
-        <a:ea typeface="+mn-ea"/>
-        <a:cs typeface="+mn-cs"/>
-      </a:defRPr>
-    </a:lvl4pPr>
-    <a:lvl5pPr marL="1828800" algn="l" defTabSz="914400" rtl="0" eaLnBrk="1" latinLnBrk="0" hangingPunct="1">
-      <a:defRPr sz="1200" kern="1200">
-        <a:solidFill>
-          <a:schemeClr val="tx1"/>
-        </a:solidFill>
-        <a:latin typeface="+mn-lt"/>
-        <a:ea typeface="+mn-ea"/>
-        <a:cs typeface="+mn-cs"/>
-      </a:defRPr>
-    </a:lvl5pPr>
-    <a:lvl6pPr marL="2286000" algn="l" defTabSz="914400" rtl="0" eaLnBrk="1" latinLnBrk="0" hangingPunct="1">
-      <a:defRPr sz="1200" kern="1200">
-        <a:solidFill>
-          <a:schemeClr val="tx1"/>
-        </a:solidFill>
-        <a:latin typeface="+mn-lt"/>
-        <a:ea typeface="+mn-ea"/>
-        <a:cs typeface="+mn-cs"/>
-      </a:defRPr>
-    </a:lvl6pPr>
-    <a:lvl7pPr marL="2743200" algn="l" defTabSz="914400" rtl="0" eaLnBrk="1" latinLnBrk="0" hangingPunct="1">
-      <a:defRPr sz="1200" kern="1200">
-        <a:solidFill>
-          <a:schemeClr val="tx1"/>
-        </a:solidFill>
-        <a:latin typeface="+mn-lt"/>
-        <a:ea typeface="+mn-ea"/>
-        <a:cs typeface="+mn-cs"/>
-      </a:defRPr>
-    </a:lvl7pPr>
-    <a:lvl8pPr marL="3200400" algn="l" defTabSz="914400" rtl="0" eaLnBrk="1" latinLnBrk="0" hangingPunct="1">
-      <a:defRPr sz="1200" kern="1200">
-        <a:solidFill>
-          <a:schemeClr val="tx1"/>
-        </a:solidFill>
-        <a:latin typeface="+mn-lt"/>
-        <a:ea typeface="+mn-ea"/>
-        <a:cs typeface="+mn-cs"/>
-      </a:defRPr>
-    </a:lvl8pPr>
-    <a:lvl9pPr marL="3657600" algn="l" defTabSz="914400" rtl="0" eaLnBrk="1" latinLnBrk="0" hangingPunct="1">
-      <a:defRPr sz="1200" kern="1200">
-        <a:solidFill>
-          <a:schemeClr val="tx1"/>
-        </a:solidFill>
-        <a:latin typeface="+mn-lt"/>
-        <a:ea typeface="+mn-ea"/>
-        <a:cs typeface="+mn-cs"/>
-      </a:defRPr>
-    </a:lvl9pPr>
-  </p:notesStyle>
-</p:notesMaster>
-</file>
-
-<file path=ppt/notesSlides/notesSlide1.xml><?xml version="1.0" encoding="utf-8"?>
-<p:notes xmlns:a="http://schemas.openxmlformats.org/drawingml/2006/main" xmlns:r="http://schemas.openxmlformats.org/officeDocument/2006/relationships" xmlns:p="http://schemas.openxmlformats.org/presentationml/2006/main">
-  <p:cSld>
-    <p:spTree>
-      <p:nvGrpSpPr>
-        <p:cNvPr id="1" name=""/>
-        <p:cNvGrpSpPr/>
-        <p:nvPr/>
-      </p:nvGrpSpPr>
-      <p:grpSpPr>
-        <a:xfrm>
-          <a:off x="0" y="0"/>
-          <a:ext cx="0" cy="0"/>
-          <a:chOff x="0" y="0"/>
-          <a:chExt cx="0" cy="0"/>
-        </a:xfrm>
-      </p:grpSpPr>
-      <p:sp>
-        <p:nvSpPr>
-          <p:cNvPr id="2" name="Образ слайда 1"/>
-          <p:cNvSpPr>
-            <a:spLocks noGrp="1" noRot="1" noChangeAspect="1"/>
-          </p:cNvSpPr>
-          <p:nvPr>
-            <p:ph type="sldImg"/>
-          </p:nvPr>
-        </p:nvSpPr>
-        <p:spPr/>
-      </p:sp>
-      <p:sp>
-        <p:nvSpPr>
-          <p:cNvPr id="3" name="Заметки 2"/>
-          <p:cNvSpPr>
-            <a:spLocks noGrp="1"/>
-          </p:cNvSpPr>
-          <p:nvPr>
-            <p:ph type="body" idx="1"/>
-          </p:nvPr>
-        </p:nvSpPr>
-        <p:spPr/>
-        <p:txBody>
-          <a:bodyPr/>
-          <a:lstStyle/>
-          <a:p>
-            <a:endParaRPr lang="en-US" dirty="0"/>
-          </a:p>
-        </p:txBody>
-      </p:sp>
-      <p:sp>
-        <p:nvSpPr>
-          <p:cNvPr id="4" name="Номер слайда 3"/>
-          <p:cNvSpPr>
-            <a:spLocks noGrp="1"/>
-          </p:cNvSpPr>
-          <p:nvPr>
-            <p:ph type="sldNum" sz="quarter" idx="10"/>
-          </p:nvPr>
-        </p:nvSpPr>
-        <p:spPr/>
-        <p:txBody>
-          <a:bodyPr/>
-          <a:lstStyle/>
-          <a:p>
-            <a:fld id="{B1891ED8-C797-425D-9C4F-8D2CCD58B803}" type="slidenum">
-              <a:rPr lang="en-US" smtClean="0"/>
-              <a:t>13</a:t>
-            </a:fld>
-            <a:endParaRPr lang="en-US"/>
-          </a:p>
-        </p:txBody>
-      </p:sp>
-    </p:spTree>
-    <p:extLst>
-      <p:ext uri="{BB962C8B-B14F-4D97-AF65-F5344CB8AC3E}">
-        <p14:creationId xmlns:p14="http://schemas.microsoft.com/office/powerpoint/2010/main" val="427603436"/>
-      </p:ext>
-    </p:extLst>
-  </p:cSld>
-  <p:clrMapOvr>
-    <a:masterClrMapping/>
-  </p:clrMapOvr>
-</p:notes>
-</file>
-
 <file path=ppt/slideLayouts/slideLayout1.xml><?xml version="1.0" encoding="utf-8"?>
-<p:sldLayout xmlns:a="http://schemas.openxmlformats.org/drawingml/2006/main" xmlns:r="http://schemas.openxmlformats.org/officeDocument/2006/relationships" xmlns:p="http://schemas.openxmlformats.org/presentationml/2006/main" showMasterSp="0" showMasterPhAnim="0" type="title" preserve="1" userDrawn="1">
+<p:sldLayout xmlns:a="http://schemas.openxmlformats.org/drawingml/2006/main" xmlns:r="http://schemas.openxmlformats.org/officeDocument/2006/relationships" xmlns:p="http://schemas.openxmlformats.org/presentationml/2006/main" xmlns:m="http://schemas.openxmlformats.org/officeDocument/2006/math" xmlns:w="http://schemas.openxmlformats.org/wordprocessingml/2006/main" matchingName="" preserve="1" showMasterPhAnim="0" showMasterSp="0" type="title" userDrawn="1">
   <p:cSld name="Титульный слайд">
     <p:spTree>
       <p:nvGrpSpPr>
@@ -704,7 +251,7 @@
               <a:cxnLst/>
               <a:rect l="l" t="t" r="r" b="b"/>
               <a:pathLst>
-                <a:path w="3007349" h="6866467" extrusionOk="0">
+                <a:path w="3007349" h="6866467" fill="norm" stroke="1" extrusionOk="0">
                   <a:moveTo>
                     <a:pt x="2045532" y="0"/>
                   </a:moveTo>
@@ -767,7 +314,7 @@
               <a:cxnLst/>
               <a:rect l="l" t="t" r="r" b="b"/>
               <a:pathLst>
-                <a:path w="2573311" h="6866467" extrusionOk="0">
+                <a:path w="2573311" h="6866467" fill="norm" stroke="1" extrusionOk="0">
                   <a:moveTo>
                     <a:pt x="0" y="0"/>
                   </a:moveTo>
@@ -871,7 +418,7 @@
               <a:cxnLst/>
               <a:rect l="l" t="t" r="r" b="b"/>
               <a:pathLst>
-                <a:path w="2858013" h="6866467" extrusionOk="0">
+                <a:path w="2858013" h="6866467" fill="norm" stroke="1" extrusionOk="0">
                   <a:moveTo>
                     <a:pt x="0" y="0"/>
                   </a:moveTo>
@@ -935,7 +482,7 @@
               <a:cxnLst/>
               <a:rect l="l" t="t" r="r" b="b"/>
               <a:pathLst>
-                <a:path w="1290094" h="6858000" extrusionOk="0">
+                <a:path w="1290094" h="6858000" fill="norm" stroke="1" extrusionOk="0">
                   <a:moveTo>
                     <a:pt x="1019735" y="0"/>
                   </a:moveTo>
@@ -1000,7 +547,7 @@
               <a:cxnLst/>
               <a:rect l="l" t="t" r="r" b="b"/>
               <a:pathLst>
-                <a:path w="1249825" h="6858000" extrusionOk="0">
+                <a:path w="1249825" h="6858000" fill="norm" stroke="1" extrusionOk="0">
                   <a:moveTo>
                     <a:pt x="0" y="0"/>
                   </a:moveTo>
@@ -1312,7 +859,7 @@
             </a:pPr>
             <a:fld id="{B3B7C885-B81A-4DB8-BD04-363F10E73211}" type="datetimeFigureOut">
               <a:rPr lang="en-US"/>
-              <a:t>8/16/2022</a:t>
+              <a:t/>
             </a:fld>
             <a:endParaRPr lang="en-US"/>
           </a:p>
@@ -1360,7 +907,7 @@
             </a:pPr>
             <a:fld id="{916BAC16-625E-48D0-A4F5-C04B52C4F9F7}" type="slidenum">
               <a:rPr lang="en-US"/>
-              <a:t>‹#›</a:t>
+              <a:t/>
             </a:fld>
             <a:endParaRPr lang="en-US"/>
           </a:p>
@@ -1375,7 +922,7 @@
 </file>
 
 <file path=ppt/slideLayouts/slideLayout10.xml><?xml version="1.0" encoding="utf-8"?>
-<p:sldLayout xmlns:a="http://schemas.openxmlformats.org/drawingml/2006/main" xmlns:r="http://schemas.openxmlformats.org/officeDocument/2006/relationships" xmlns:p="http://schemas.openxmlformats.org/presentationml/2006/main" showMasterPhAnim="0" preserve="1" userDrawn="1">
+<p:sldLayout xmlns:a="http://schemas.openxmlformats.org/drawingml/2006/main" xmlns:r="http://schemas.openxmlformats.org/officeDocument/2006/relationships" xmlns:p="http://schemas.openxmlformats.org/presentationml/2006/main" xmlns:m="http://schemas.openxmlformats.org/officeDocument/2006/math" xmlns:w="http://schemas.openxmlformats.org/wordprocessingml/2006/main" matchingName="" preserve="1" showMasterPhAnim="0" userDrawn="1">
   <p:cSld name="Заголовок и подпись">
     <p:spTree>
       <p:nvGrpSpPr>
@@ -1573,7 +1120,7 @@
             </a:pPr>
             <a:fld id="{B3B7C885-B81A-4DB8-BD04-363F10E73211}" type="datetimeFigureOut">
               <a:rPr lang="en-US"/>
-              <a:t>8/16/2022</a:t>
+              <a:t/>
             </a:fld>
             <a:endParaRPr lang="en-US"/>
           </a:p>
@@ -1621,7 +1168,7 @@
             </a:pPr>
             <a:fld id="{916BAC16-625E-48D0-A4F5-C04B52C4F9F7}" type="slidenum">
               <a:rPr lang="en-US"/>
-              <a:t>‹#›</a:t>
+              <a:t/>
             </a:fld>
             <a:endParaRPr lang="en-US"/>
           </a:p>
@@ -1636,7 +1183,7 @@
 </file>
 
 <file path=ppt/slideLayouts/slideLayout11.xml><?xml version="1.0" encoding="utf-8"?>
-<p:sldLayout xmlns:a="http://schemas.openxmlformats.org/drawingml/2006/main" xmlns:r="http://schemas.openxmlformats.org/officeDocument/2006/relationships" xmlns:p="http://schemas.openxmlformats.org/presentationml/2006/main" showMasterPhAnim="0" preserve="1" userDrawn="1">
+<p:sldLayout xmlns:a="http://schemas.openxmlformats.org/drawingml/2006/main" xmlns:r="http://schemas.openxmlformats.org/officeDocument/2006/relationships" xmlns:p="http://schemas.openxmlformats.org/presentationml/2006/main" xmlns:m="http://schemas.openxmlformats.org/officeDocument/2006/math" xmlns:w="http://schemas.openxmlformats.org/wordprocessingml/2006/main" matchingName="" preserve="1" showMasterPhAnim="0" userDrawn="1">
   <p:cSld name="Цитата с подписью">
     <p:spTree>
       <p:nvGrpSpPr>
@@ -1900,7 +1447,7 @@
             </a:pPr>
             <a:fld id="{B3B7C885-B81A-4DB8-BD04-363F10E73211}" type="datetimeFigureOut">
               <a:rPr lang="en-US"/>
-              <a:t>8/16/2022</a:t>
+              <a:t/>
             </a:fld>
             <a:endParaRPr lang="en-US"/>
           </a:p>
@@ -1948,7 +1495,7 @@
             </a:pPr>
             <a:fld id="{916BAC16-625E-48D0-A4F5-C04B52C4F9F7}" type="slidenum">
               <a:rPr lang="en-US"/>
-              <a:t>‹#›</a:t>
+              <a:t/>
             </a:fld>
             <a:endParaRPr lang="en-US"/>
           </a:p>
@@ -2057,7 +1604,7 @@
 </file>
 
 <file path=ppt/slideLayouts/slideLayout12.xml><?xml version="1.0" encoding="utf-8"?>
-<p:sldLayout xmlns:a="http://schemas.openxmlformats.org/drawingml/2006/main" xmlns:r="http://schemas.openxmlformats.org/officeDocument/2006/relationships" xmlns:p="http://schemas.openxmlformats.org/presentationml/2006/main" showMasterPhAnim="0" preserve="1" userDrawn="1">
+<p:sldLayout xmlns:a="http://schemas.openxmlformats.org/drawingml/2006/main" xmlns:r="http://schemas.openxmlformats.org/officeDocument/2006/relationships" xmlns:p="http://schemas.openxmlformats.org/presentationml/2006/main" xmlns:m="http://schemas.openxmlformats.org/officeDocument/2006/math" xmlns:w="http://schemas.openxmlformats.org/wordprocessingml/2006/main" matchingName="" preserve="1" showMasterPhAnim="0" userDrawn="1">
   <p:cSld name="Карточка имени">
     <p:spTree>
       <p:nvGrpSpPr>
@@ -2255,7 +1802,7 @@
             </a:pPr>
             <a:fld id="{B3B7C885-B81A-4DB8-BD04-363F10E73211}" type="datetimeFigureOut">
               <a:rPr lang="en-US"/>
-              <a:t>8/16/2022</a:t>
+              <a:t/>
             </a:fld>
             <a:endParaRPr lang="en-US"/>
           </a:p>
@@ -2303,7 +1850,7 @@
             </a:pPr>
             <a:fld id="{916BAC16-625E-48D0-A4F5-C04B52C4F9F7}" type="slidenum">
               <a:rPr lang="en-US"/>
-              <a:t>‹#›</a:t>
+              <a:t/>
             </a:fld>
             <a:endParaRPr lang="en-US"/>
           </a:p>
@@ -2318,7 +1865,7 @@
 </file>
 
 <file path=ppt/slideLayouts/slideLayout13.xml><?xml version="1.0" encoding="utf-8"?>
-<p:sldLayout xmlns:a="http://schemas.openxmlformats.org/drawingml/2006/main" xmlns:r="http://schemas.openxmlformats.org/officeDocument/2006/relationships" xmlns:p="http://schemas.openxmlformats.org/presentationml/2006/main" showMasterPhAnim="0" preserve="1" userDrawn="1">
+<p:sldLayout xmlns:a="http://schemas.openxmlformats.org/drawingml/2006/main" xmlns:r="http://schemas.openxmlformats.org/officeDocument/2006/relationships" xmlns:p="http://schemas.openxmlformats.org/presentationml/2006/main" xmlns:m="http://schemas.openxmlformats.org/officeDocument/2006/math" xmlns:w="http://schemas.openxmlformats.org/wordprocessingml/2006/main" matchingName="" preserve="1" showMasterPhAnim="0" userDrawn="1">
   <p:cSld name="Цитата карточки имени">
     <p:spTree>
       <p:nvGrpSpPr>
@@ -2582,7 +2129,7 @@
             </a:pPr>
             <a:fld id="{B3B7C885-B81A-4DB8-BD04-363F10E73211}" type="datetimeFigureOut">
               <a:rPr lang="en-US"/>
-              <a:t>8/16/2022</a:t>
+              <a:t/>
             </a:fld>
             <a:endParaRPr lang="en-US"/>
           </a:p>
@@ -2630,7 +2177,7 @@
             </a:pPr>
             <a:fld id="{916BAC16-625E-48D0-A4F5-C04B52C4F9F7}" type="slidenum">
               <a:rPr lang="en-US"/>
-              <a:t>‹#›</a:t>
+              <a:t/>
             </a:fld>
             <a:endParaRPr lang="en-US"/>
           </a:p>
@@ -2731,7 +2278,7 @@
 </file>
 
 <file path=ppt/slideLayouts/slideLayout14.xml><?xml version="1.0" encoding="utf-8"?>
-<p:sldLayout xmlns:a="http://schemas.openxmlformats.org/drawingml/2006/main" xmlns:r="http://schemas.openxmlformats.org/officeDocument/2006/relationships" xmlns:p="http://schemas.openxmlformats.org/presentationml/2006/main" showMasterPhAnim="0" preserve="1" userDrawn="1">
+<p:sldLayout xmlns:a="http://schemas.openxmlformats.org/drawingml/2006/main" xmlns:r="http://schemas.openxmlformats.org/officeDocument/2006/relationships" xmlns:p="http://schemas.openxmlformats.org/presentationml/2006/main" xmlns:m="http://schemas.openxmlformats.org/officeDocument/2006/math" xmlns:w="http://schemas.openxmlformats.org/wordprocessingml/2006/main" matchingName="" preserve="1" showMasterPhAnim="0" userDrawn="1">
   <p:cSld name="Истина или ложь">
     <p:spTree>
       <p:nvGrpSpPr>
@@ -2992,7 +2539,7 @@
             </a:pPr>
             <a:fld id="{B3B7C885-B81A-4DB8-BD04-363F10E73211}" type="datetimeFigureOut">
               <a:rPr lang="en-US"/>
-              <a:t>8/16/2022</a:t>
+              <a:t/>
             </a:fld>
             <a:endParaRPr lang="en-US"/>
           </a:p>
@@ -3040,7 +2587,7 @@
             </a:pPr>
             <a:fld id="{916BAC16-625E-48D0-A4F5-C04B52C4F9F7}" type="slidenum">
               <a:rPr lang="en-US"/>
-              <a:t>‹#›</a:t>
+              <a:t/>
             </a:fld>
             <a:endParaRPr lang="en-US"/>
           </a:p>
@@ -3055,7 +2602,7 @@
 </file>
 
 <file path=ppt/slideLayouts/slideLayout15.xml><?xml version="1.0" encoding="utf-8"?>
-<p:sldLayout xmlns:a="http://schemas.openxmlformats.org/drawingml/2006/main" xmlns:r="http://schemas.openxmlformats.org/officeDocument/2006/relationships" xmlns:p="http://schemas.openxmlformats.org/presentationml/2006/main" showMasterPhAnim="0" type="vertTx" preserve="1" userDrawn="1">
+<p:sldLayout xmlns:a="http://schemas.openxmlformats.org/drawingml/2006/main" xmlns:r="http://schemas.openxmlformats.org/officeDocument/2006/relationships" xmlns:p="http://schemas.openxmlformats.org/presentationml/2006/main" xmlns:m="http://schemas.openxmlformats.org/officeDocument/2006/math" xmlns:w="http://schemas.openxmlformats.org/wordprocessingml/2006/main" matchingName="" preserve="1" showMasterPhAnim="0" type="vertTx" userDrawn="1">
   <p:cSld name="Заголовок и вертикальный текст">
     <p:spTree>
       <p:nvGrpSpPr>
@@ -3183,7 +2730,7 @@
             </a:pPr>
             <a:fld id="{B3B7C885-B81A-4DB8-BD04-363F10E73211}" type="datetimeFigureOut">
               <a:rPr lang="en-US"/>
-              <a:t>8/16/2022</a:t>
+              <a:t/>
             </a:fld>
             <a:endParaRPr lang="en-US"/>
           </a:p>
@@ -3231,7 +2778,7 @@
             </a:pPr>
             <a:fld id="{916BAC16-625E-48D0-A4F5-C04B52C4F9F7}" type="slidenum">
               <a:rPr lang="en-US"/>
-              <a:t>‹#›</a:t>
+              <a:t/>
             </a:fld>
             <a:endParaRPr lang="en-US"/>
           </a:p>
@@ -3246,7 +2793,7 @@
 </file>
 
 <file path=ppt/slideLayouts/slideLayout16.xml><?xml version="1.0" encoding="utf-8"?>
-<p:sldLayout xmlns:a="http://schemas.openxmlformats.org/drawingml/2006/main" xmlns:r="http://schemas.openxmlformats.org/officeDocument/2006/relationships" xmlns:p="http://schemas.openxmlformats.org/presentationml/2006/main" showMasterPhAnim="0" type="vertTitleAndTx" preserve="1" userDrawn="1">
+<p:sldLayout xmlns:a="http://schemas.openxmlformats.org/drawingml/2006/main" xmlns:r="http://schemas.openxmlformats.org/officeDocument/2006/relationships" xmlns:p="http://schemas.openxmlformats.org/presentationml/2006/main" xmlns:m="http://schemas.openxmlformats.org/officeDocument/2006/math" xmlns:w="http://schemas.openxmlformats.org/wordprocessingml/2006/main" matchingName="" preserve="1" showMasterPhAnim="0" type="vertTitleAndTx" userDrawn="1">
   <p:cSld name="Вертикальный заголовок и текст">
     <p:spTree>
       <p:nvGrpSpPr>
@@ -3384,7 +2931,7 @@
             </a:pPr>
             <a:fld id="{B3B7C885-B81A-4DB8-BD04-363F10E73211}" type="datetimeFigureOut">
               <a:rPr lang="en-US"/>
-              <a:t>8/16/2022</a:t>
+              <a:t/>
             </a:fld>
             <a:endParaRPr lang="en-US"/>
           </a:p>
@@ -3432,7 +2979,7 @@
             </a:pPr>
             <a:fld id="{916BAC16-625E-48D0-A4F5-C04B52C4F9F7}" type="slidenum">
               <a:rPr lang="en-US"/>
-              <a:t>‹#›</a:t>
+              <a:t/>
             </a:fld>
             <a:endParaRPr lang="en-US"/>
           </a:p>
@@ -3447,7 +2994,7 @@
 </file>
 
 <file path=ppt/slideLayouts/slideLayout2.xml><?xml version="1.0" encoding="utf-8"?>
-<p:sldLayout xmlns:a="http://schemas.openxmlformats.org/drawingml/2006/main" xmlns:r="http://schemas.openxmlformats.org/officeDocument/2006/relationships" xmlns:p="http://schemas.openxmlformats.org/presentationml/2006/main" showMasterPhAnim="0" type="obj" preserve="1" userDrawn="1">
+<p:sldLayout xmlns:a="http://schemas.openxmlformats.org/drawingml/2006/main" xmlns:r="http://schemas.openxmlformats.org/officeDocument/2006/relationships" xmlns:p="http://schemas.openxmlformats.org/presentationml/2006/main" xmlns:m="http://schemas.openxmlformats.org/officeDocument/2006/math" xmlns:w="http://schemas.openxmlformats.org/wordprocessingml/2006/main" matchingName="" preserve="1" showMasterPhAnim="0" type="obj" userDrawn="1">
   <p:cSld name="Заголовок и объект">
     <p:spTree>
       <p:nvGrpSpPr>
@@ -3581,7 +3128,7 @@
             </a:pPr>
             <a:fld id="{B3B7C885-B81A-4DB8-BD04-363F10E73211}" type="datetimeFigureOut">
               <a:rPr lang="en-US"/>
-              <a:t>8/16/2022</a:t>
+              <a:t/>
             </a:fld>
             <a:endParaRPr lang="en-US"/>
           </a:p>
@@ -3629,7 +3176,7 @@
             </a:pPr>
             <a:fld id="{916BAC16-625E-48D0-A4F5-C04B52C4F9F7}" type="slidenum">
               <a:rPr lang="en-US"/>
-              <a:t>‹#›</a:t>
+              <a:t/>
             </a:fld>
             <a:endParaRPr lang="en-US"/>
           </a:p>
@@ -3644,7 +3191,7 @@
 </file>
 
 <file path=ppt/slideLayouts/slideLayout3.xml><?xml version="1.0" encoding="utf-8"?>
-<p:sldLayout xmlns:a="http://schemas.openxmlformats.org/drawingml/2006/main" xmlns:r="http://schemas.openxmlformats.org/officeDocument/2006/relationships" xmlns:p="http://schemas.openxmlformats.org/presentationml/2006/main" showMasterPhAnim="0" type="secHead" preserve="1" userDrawn="1">
+<p:sldLayout xmlns:a="http://schemas.openxmlformats.org/drawingml/2006/main" xmlns:r="http://schemas.openxmlformats.org/officeDocument/2006/relationships" xmlns:p="http://schemas.openxmlformats.org/presentationml/2006/main" xmlns:m="http://schemas.openxmlformats.org/officeDocument/2006/math" xmlns:w="http://schemas.openxmlformats.org/wordprocessingml/2006/main" matchingName="" preserve="1" showMasterPhAnim="0" type="secHead" userDrawn="1">
   <p:cSld name="Заголовок раздела">
     <p:spTree>
       <p:nvGrpSpPr>
@@ -3838,7 +3385,7 @@
             </a:pPr>
             <a:fld id="{B3B7C885-B81A-4DB8-BD04-363F10E73211}" type="datetimeFigureOut">
               <a:rPr lang="en-US"/>
-              <a:t>8/16/2022</a:t>
+              <a:t/>
             </a:fld>
             <a:endParaRPr lang="en-US"/>
           </a:p>
@@ -3886,7 +3433,7 @@
             </a:pPr>
             <a:fld id="{916BAC16-625E-48D0-A4F5-C04B52C4F9F7}" type="slidenum">
               <a:rPr lang="en-US"/>
-              <a:t>‹#›</a:t>
+              <a:t/>
             </a:fld>
             <a:endParaRPr lang="en-US"/>
           </a:p>
@@ -3901,7 +3448,7 @@
 </file>
 
 <file path=ppt/slideLayouts/slideLayout4.xml><?xml version="1.0" encoding="utf-8"?>
-<p:sldLayout xmlns:a="http://schemas.openxmlformats.org/drawingml/2006/main" xmlns:r="http://schemas.openxmlformats.org/officeDocument/2006/relationships" xmlns:p="http://schemas.openxmlformats.org/presentationml/2006/main" showMasterPhAnim="0" type="twoObj" preserve="1" userDrawn="1">
+<p:sldLayout xmlns:a="http://schemas.openxmlformats.org/drawingml/2006/main" xmlns:r="http://schemas.openxmlformats.org/officeDocument/2006/relationships" xmlns:p="http://schemas.openxmlformats.org/presentationml/2006/main" xmlns:m="http://schemas.openxmlformats.org/officeDocument/2006/math" xmlns:w="http://schemas.openxmlformats.org/wordprocessingml/2006/main" matchingName="" preserve="1" showMasterPhAnim="0" type="twoObj" userDrawn="1">
   <p:cSld name="Два объекта">
     <p:spTree>
       <p:nvGrpSpPr>
@@ -4105,7 +3652,7 @@
             </a:pPr>
             <a:fld id="{B3B7C885-B81A-4DB8-BD04-363F10E73211}" type="datetimeFigureOut">
               <a:rPr lang="en-US"/>
-              <a:t>8/16/2022</a:t>
+              <a:t/>
             </a:fld>
             <a:endParaRPr lang="en-US"/>
           </a:p>
@@ -4153,7 +3700,7 @@
             </a:pPr>
             <a:fld id="{916BAC16-625E-48D0-A4F5-C04B52C4F9F7}" type="slidenum">
               <a:rPr lang="en-US"/>
-              <a:t>‹#›</a:t>
+              <a:t/>
             </a:fld>
             <a:endParaRPr lang="en-US"/>
           </a:p>
@@ -4168,7 +3715,7 @@
 </file>
 
 <file path=ppt/slideLayouts/slideLayout5.xml><?xml version="1.0" encoding="utf-8"?>
-<p:sldLayout xmlns:a="http://schemas.openxmlformats.org/drawingml/2006/main" xmlns:r="http://schemas.openxmlformats.org/officeDocument/2006/relationships" xmlns:p="http://schemas.openxmlformats.org/presentationml/2006/main" showMasterPhAnim="0" type="twoTxTwoObj" preserve="1" userDrawn="1">
+<p:sldLayout xmlns:a="http://schemas.openxmlformats.org/drawingml/2006/main" xmlns:r="http://schemas.openxmlformats.org/officeDocument/2006/relationships" xmlns:p="http://schemas.openxmlformats.org/presentationml/2006/main" xmlns:m="http://schemas.openxmlformats.org/officeDocument/2006/math" xmlns:w="http://schemas.openxmlformats.org/wordprocessingml/2006/main" matchingName="" preserve="1" showMasterPhAnim="0" type="twoTxTwoObj" userDrawn="1">
   <p:cSld name="Сравнение">
     <p:spTree>
       <p:nvGrpSpPr>
@@ -4520,7 +4067,7 @@
             </a:pPr>
             <a:fld id="{B3B7C885-B81A-4DB8-BD04-363F10E73211}" type="datetimeFigureOut">
               <a:rPr lang="en-US"/>
-              <a:t>8/16/2022</a:t>
+              <a:t/>
             </a:fld>
             <a:endParaRPr lang="en-US"/>
           </a:p>
@@ -4568,7 +4115,7 @@
             </a:pPr>
             <a:fld id="{916BAC16-625E-48D0-A4F5-C04B52C4F9F7}" type="slidenum">
               <a:rPr lang="en-US"/>
-              <a:t>‹#›</a:t>
+              <a:t/>
             </a:fld>
             <a:endParaRPr lang="en-US"/>
           </a:p>
@@ -4583,7 +4130,7 @@
 </file>
 
 <file path=ppt/slideLayouts/slideLayout6.xml><?xml version="1.0" encoding="utf-8"?>
-<p:sldLayout xmlns:a="http://schemas.openxmlformats.org/drawingml/2006/main" xmlns:r="http://schemas.openxmlformats.org/officeDocument/2006/relationships" xmlns:p="http://schemas.openxmlformats.org/presentationml/2006/main" showMasterPhAnim="0" type="titleOnly" preserve="1" userDrawn="1">
+<p:sldLayout xmlns:a="http://schemas.openxmlformats.org/drawingml/2006/main" xmlns:r="http://schemas.openxmlformats.org/officeDocument/2006/relationships" xmlns:p="http://schemas.openxmlformats.org/presentationml/2006/main" xmlns:m="http://schemas.openxmlformats.org/officeDocument/2006/math" xmlns:w="http://schemas.openxmlformats.org/wordprocessingml/2006/main" matchingName="" preserve="1" showMasterPhAnim="0" type="titleOnly" userDrawn="1">
   <p:cSld name="Только заголовок">
     <p:spTree>
       <p:nvGrpSpPr>
@@ -4650,7 +4197,7 @@
             </a:pPr>
             <a:fld id="{B3B7C885-B81A-4DB8-BD04-363F10E73211}" type="datetimeFigureOut">
               <a:rPr lang="en-US"/>
-              <a:t>8/16/2022</a:t>
+              <a:t/>
             </a:fld>
             <a:endParaRPr lang="en-US"/>
           </a:p>
@@ -4698,7 +4245,7 @@
             </a:pPr>
             <a:fld id="{916BAC16-625E-48D0-A4F5-C04B52C4F9F7}" type="slidenum">
               <a:rPr lang="en-US"/>
-              <a:t>‹#›</a:t>
+              <a:t/>
             </a:fld>
             <a:endParaRPr lang="en-US"/>
           </a:p>
@@ -4713,7 +4260,7 @@
 </file>
 
 <file path=ppt/slideLayouts/slideLayout7.xml><?xml version="1.0" encoding="utf-8"?>
-<p:sldLayout xmlns:a="http://schemas.openxmlformats.org/drawingml/2006/main" xmlns:r="http://schemas.openxmlformats.org/officeDocument/2006/relationships" xmlns:p="http://schemas.openxmlformats.org/presentationml/2006/main" showMasterPhAnim="0" type="blank" preserve="1" userDrawn="1">
+<p:sldLayout xmlns:a="http://schemas.openxmlformats.org/drawingml/2006/main" xmlns:r="http://schemas.openxmlformats.org/officeDocument/2006/relationships" xmlns:p="http://schemas.openxmlformats.org/presentationml/2006/main" xmlns:m="http://schemas.openxmlformats.org/officeDocument/2006/math" xmlns:w="http://schemas.openxmlformats.org/wordprocessingml/2006/main" matchingName="" preserve="1" showMasterPhAnim="0" type="blank" userDrawn="1">
   <p:cSld name="Пустой слайд">
     <p:spTree>
       <p:nvGrpSpPr>
@@ -4749,7 +4296,7 @@
             </a:pPr>
             <a:fld id="{B3B7C885-B81A-4DB8-BD04-363F10E73211}" type="datetimeFigureOut">
               <a:rPr lang="en-US"/>
-              <a:t>8/16/2022</a:t>
+              <a:t/>
             </a:fld>
             <a:endParaRPr lang="en-US"/>
           </a:p>
@@ -4797,7 +4344,7 @@
             </a:pPr>
             <a:fld id="{916BAC16-625E-48D0-A4F5-C04B52C4F9F7}" type="slidenum">
               <a:rPr lang="en-US"/>
-              <a:t>‹#›</a:t>
+              <a:t/>
             </a:fld>
             <a:endParaRPr lang="en-US"/>
           </a:p>
@@ -4812,7 +4359,7 @@
 </file>
 
 <file path=ppt/slideLayouts/slideLayout8.xml><?xml version="1.0" encoding="utf-8"?>
-<p:sldLayout xmlns:a="http://schemas.openxmlformats.org/drawingml/2006/main" xmlns:r="http://schemas.openxmlformats.org/officeDocument/2006/relationships" xmlns:p="http://schemas.openxmlformats.org/presentationml/2006/main" showMasterPhAnim="0" type="objTx" preserve="1" userDrawn="1">
+<p:sldLayout xmlns:a="http://schemas.openxmlformats.org/drawingml/2006/main" xmlns:r="http://schemas.openxmlformats.org/officeDocument/2006/relationships" xmlns:p="http://schemas.openxmlformats.org/presentationml/2006/main" xmlns:m="http://schemas.openxmlformats.org/officeDocument/2006/math" xmlns:w="http://schemas.openxmlformats.org/wordprocessingml/2006/main" matchingName="" preserve="1" showMasterPhAnim="0" type="objTx" userDrawn="1">
   <p:cSld name="Объект с подписью">
     <p:spTree>
       <p:nvGrpSpPr>
@@ -5028,7 +4575,7 @@
             </a:pPr>
             <a:fld id="{B3B7C885-B81A-4DB8-BD04-363F10E73211}" type="datetimeFigureOut">
               <a:rPr lang="en-US"/>
-              <a:t>8/16/2022</a:t>
+              <a:t/>
             </a:fld>
             <a:endParaRPr lang="en-US"/>
           </a:p>
@@ -5076,7 +4623,7 @@
             </a:pPr>
             <a:fld id="{916BAC16-625E-48D0-A4F5-C04B52C4F9F7}" type="slidenum">
               <a:rPr lang="en-US"/>
-              <a:t>‹#›</a:t>
+              <a:t/>
             </a:fld>
             <a:endParaRPr lang="en-US"/>
           </a:p>
@@ -5091,7 +4638,7 @@
 </file>
 
 <file path=ppt/slideLayouts/slideLayout9.xml><?xml version="1.0" encoding="utf-8"?>
-<p:sldLayout xmlns:a="http://schemas.openxmlformats.org/drawingml/2006/main" xmlns:r="http://schemas.openxmlformats.org/officeDocument/2006/relationships" xmlns:p="http://schemas.openxmlformats.org/presentationml/2006/main" showMasterPhAnim="0" type="picTx" preserve="1" userDrawn="1">
+<p:sldLayout xmlns:a="http://schemas.openxmlformats.org/drawingml/2006/main" xmlns:r="http://schemas.openxmlformats.org/officeDocument/2006/relationships" xmlns:p="http://schemas.openxmlformats.org/presentationml/2006/main" xmlns:m="http://schemas.openxmlformats.org/officeDocument/2006/math" xmlns:w="http://schemas.openxmlformats.org/wordprocessingml/2006/main" matchingName="" preserve="1" showMasterPhAnim="0" type="picTx" userDrawn="1">
   <p:cSld name="Рисунок с подписью">
     <p:spTree>
       <p:nvGrpSpPr>
@@ -5148,7 +4695,7 @@
         <p:nvSpPr>
           <p:cNvPr id="3" name="Picture Placeholder 2"/>
           <p:cNvSpPr>
-            <a:spLocks noGrp="1" noChangeAspect="1"/>
+            <a:spLocks noChangeAspect="1" noGrp="1"/>
           </p:cNvSpPr>
           <p:nvPr>
             <p:ph type="pic" idx="1"/>
@@ -5304,7 +4851,7 @@
             </a:pPr>
             <a:fld id="{B3B7C885-B81A-4DB8-BD04-363F10E73211}" type="datetimeFigureOut">
               <a:rPr lang="en-US"/>
-              <a:t>8/16/2022</a:t>
+              <a:t/>
             </a:fld>
             <a:endParaRPr lang="en-US"/>
           </a:p>
@@ -5352,7 +4899,7 @@
             </a:pPr>
             <a:fld id="{916BAC16-625E-48D0-A4F5-C04B52C4F9F7}" type="slidenum">
               <a:rPr lang="en-US"/>
-              <a:t>‹#›</a:t>
+              <a:t/>
             </a:fld>
             <a:endParaRPr lang="en-US"/>
           </a:p>
@@ -5367,8 +4914,8 @@
 </file>
 
 <file path=ppt/slideMasters/slideMaster1.xml><?xml version="1.0" encoding="utf-8"?>
-<p:sldMaster xmlns:a="http://schemas.openxmlformats.org/drawingml/2006/main" xmlns:r="http://schemas.openxmlformats.org/officeDocument/2006/relationships" xmlns:p="http://schemas.openxmlformats.org/presentationml/2006/main">
-  <p:cSld>
+<p:sldMaster xmlns:a="http://schemas.openxmlformats.org/drawingml/2006/main" xmlns:r="http://schemas.openxmlformats.org/officeDocument/2006/relationships" xmlns:p="http://schemas.openxmlformats.org/presentationml/2006/main" xmlns:m="http://schemas.openxmlformats.org/officeDocument/2006/math" xmlns:w="http://schemas.openxmlformats.org/wordprocessingml/2006/main" preserve="0">
+  <p:cSld name="">
     <p:bg>
       <p:bgRef idx="1001">
         <a:schemeClr val="bg1"/>
@@ -5498,7 +5045,7 @@
               <a:cxnLst/>
               <a:rect l="l" t="t" r="r" b="b"/>
               <a:pathLst>
-                <a:path w="3007349" h="6866467" extrusionOk="0">
+                <a:path w="3007349" h="6866467" fill="norm" stroke="1" extrusionOk="0">
                   <a:moveTo>
                     <a:pt x="2045532" y="0"/>
                   </a:moveTo>
@@ -5561,7 +5108,7 @@
               <a:cxnLst/>
               <a:rect l="l" t="t" r="r" b="b"/>
               <a:pathLst>
-                <a:path w="2573311" h="6866467" extrusionOk="0">
+                <a:path w="2573311" h="6866467" fill="norm" stroke="1" extrusionOk="0">
                   <a:moveTo>
                     <a:pt x="0" y="0"/>
                   </a:moveTo>
@@ -5665,7 +5212,7 @@
               <a:cxnLst/>
               <a:rect l="l" t="t" r="r" b="b"/>
               <a:pathLst>
-                <a:path w="2858013" h="6866467" extrusionOk="0">
+                <a:path w="2858013" h="6866467" fill="norm" stroke="1" extrusionOk="0">
                   <a:moveTo>
                     <a:pt x="0" y="0"/>
                   </a:moveTo>
@@ -5729,7 +5276,7 @@
               <a:cxnLst/>
               <a:rect l="l" t="t" r="r" b="b"/>
               <a:pathLst>
-                <a:path w="1290094" h="6858000" extrusionOk="0">
+                <a:path w="1290094" h="6858000" fill="norm" stroke="1" extrusionOk="0">
                   <a:moveTo>
                     <a:pt x="1019735" y="0"/>
                   </a:moveTo>
@@ -5794,7 +5341,7 @@
               <a:cxnLst/>
               <a:rect l="l" t="t" r="r" b="b"/>
               <a:pathLst>
-                <a:path w="1249825" h="6858000" extrusionOk="0">
+                <a:path w="1249825" h="6858000" fill="norm" stroke="1" extrusionOk="0">
                   <a:moveTo>
                     <a:pt x="0" y="0"/>
                   </a:moveTo>
@@ -6072,7 +5619,7 @@
             </a:pPr>
             <a:fld id="{B3B7C885-B81A-4DB8-BD04-363F10E73211}" type="datetimeFigureOut">
               <a:rPr lang="en-US"/>
-              <a:t>8/16/2022</a:t>
+              <a:t/>
             </a:fld>
             <a:endParaRPr lang="en-US"/>
           </a:p>
@@ -6154,7 +5701,7 @@
             </a:pPr>
             <a:fld id="{916BAC16-625E-48D0-A4F5-C04B52C4F9F7}" type="slidenum">
               <a:rPr lang="en-US"/>
-              <a:t>‹#›</a:t>
+              <a:t/>
             </a:fld>
             <a:endParaRPr lang="en-US"/>
           </a:p>
@@ -6581,8 +6128,8 @@
 </file>
 
 <file path=ppt/slides/slide1.xml><?xml version="1.0" encoding="utf-8"?>
-<p:sld xmlns:a="http://schemas.openxmlformats.org/drawingml/2006/main" xmlns:r="http://schemas.openxmlformats.org/officeDocument/2006/relationships" xmlns:p="http://schemas.openxmlformats.org/presentationml/2006/main" showMasterPhAnim="0">
-  <p:cSld>
+<p:sld xmlns:a="http://schemas.openxmlformats.org/drawingml/2006/main" xmlns:r="http://schemas.openxmlformats.org/officeDocument/2006/relationships" xmlns:p="http://schemas.openxmlformats.org/presentationml/2006/main" xmlns:m="http://schemas.openxmlformats.org/officeDocument/2006/math" xmlns:w="http://schemas.openxmlformats.org/wordprocessingml/2006/main" showMasterPhAnim="0" show="1">
+  <p:cSld name="">
     <p:spTree>
       <p:nvGrpSpPr>
         <p:cNvPr id="1" name=""/>
@@ -6997,6 +6544,7 @@
               <a:rPr lang="ru-RU" sz="2400"/>
               <a:t> Наследование</a:t>
             </a:r>
+            <a:endParaRPr/>
           </a:p>
           <a:p>
             <a:pPr lvl="2" algn="l">
@@ -7035,11 +6583,11 @@
   <p:clrMapOvr>
     <a:masterClrMapping/>
   </p:clrMapOvr>
-  <mc:AlternateContent xmlns:mc="http://schemas.openxmlformats.org/markup-compatibility/2006" xmlns:p14="http://schemas.microsoft.com/office/powerpoint/2010/main">
-    <mc:Choice Requires="p14">
-      <p:transition spd="slow" p14:dur="2000"/>
+  <mc:AlternateContent xmlns:mc="http://schemas.openxmlformats.org/markup-compatibility/2006">
+    <mc:Choice xmlns:p14="http://schemas.microsoft.com/office/powerpoint/2010/main" Requires="p14">
+      <p:transition p14:dur="2000" advClick="1"/>
     </mc:Choice>
-    <mc:Fallback xmlns="" xmlns:m="http://schemas.openxmlformats.org/officeDocument/2006/math" xmlns:w="http://schemas.openxmlformats.org/wordprocessingml/2006/main">
+    <mc:Fallback>
       <p:transition advClick="1"/>
     </mc:Fallback>
   </mc:AlternateContent>
@@ -7054,8 +6602,8 @@
 </file>
 
 <file path=ppt/slides/slide10.xml><?xml version="1.0" encoding="utf-8"?>
-<p:sld xmlns:a="http://schemas.openxmlformats.org/drawingml/2006/main" xmlns:r="http://schemas.openxmlformats.org/officeDocument/2006/relationships" xmlns:p="http://schemas.openxmlformats.org/presentationml/2006/main" showMasterPhAnim="0">
-  <p:cSld>
+<p:sld xmlns:a="http://schemas.openxmlformats.org/drawingml/2006/main" xmlns:r="http://schemas.openxmlformats.org/officeDocument/2006/relationships" xmlns:p="http://schemas.openxmlformats.org/presentationml/2006/main" xmlns:m="http://schemas.openxmlformats.org/officeDocument/2006/math" xmlns:w="http://schemas.openxmlformats.org/wordprocessingml/2006/main" showMasterPhAnim="0" show="1">
+  <p:cSld name="">
     <p:spTree>
       <p:nvGrpSpPr>
         <p:cNvPr id="1" name=""/>
@@ -7123,6 +6671,7 @@
               <a:rPr lang="en-US" sz="2100"/>
               <a:t>int</a:t>
             </a:r>
+            <a:endParaRPr/>
           </a:p>
           <a:p>
             <a:pPr>
@@ -7255,11 +6804,11 @@
   <p:clrMapOvr>
     <a:masterClrMapping/>
   </p:clrMapOvr>
-  <mc:AlternateContent xmlns:mc="http://schemas.openxmlformats.org/markup-compatibility/2006" xmlns:p14="http://schemas.microsoft.com/office/powerpoint/2010/main">
-    <mc:Choice Requires="p14">
-      <p:transition spd="slow" p14:dur="2000"/>
+  <mc:AlternateContent xmlns:mc="http://schemas.openxmlformats.org/markup-compatibility/2006">
+    <mc:Choice xmlns:p14="http://schemas.microsoft.com/office/powerpoint/2010/main" Requires="p14">
+      <p:transition p14:dur="2000" advClick="1"/>
     </mc:Choice>
-    <mc:Fallback xmlns="" xmlns:m="http://schemas.openxmlformats.org/officeDocument/2006/math" xmlns:w="http://schemas.openxmlformats.org/wordprocessingml/2006/main">
+    <mc:Fallback>
       <p:transition advClick="1"/>
     </mc:Fallback>
   </mc:AlternateContent>
@@ -7274,8 +6823,8 @@
 </file>
 
 <file path=ppt/slides/slide11.xml><?xml version="1.0" encoding="utf-8"?>
-<p:sld xmlns:a="http://schemas.openxmlformats.org/drawingml/2006/main" xmlns:r="http://schemas.openxmlformats.org/officeDocument/2006/relationships" xmlns:p="http://schemas.openxmlformats.org/presentationml/2006/main" showMasterPhAnim="0">
-  <p:cSld>
+<p:sld xmlns:a="http://schemas.openxmlformats.org/drawingml/2006/main" xmlns:r="http://schemas.openxmlformats.org/officeDocument/2006/relationships" xmlns:p="http://schemas.openxmlformats.org/presentationml/2006/main" xmlns:m="http://schemas.openxmlformats.org/officeDocument/2006/math" xmlns:w="http://schemas.openxmlformats.org/wordprocessingml/2006/main" showMasterPhAnim="0" show="1">
+  <p:cSld name="">
     <p:spTree>
       <p:nvGrpSpPr>
         <p:cNvPr id="1" name=""/>
@@ -7541,7 +7090,7 @@
         </p:nvPicPr>
         <p:blipFill>
           <a:blip r:embed="rId2"/>
-          <a:srcRect t="13693" b="18254"/>
+          <a:srcRect l="0" t="13693" r="0" b="18254"/>
           <a:stretch/>
         </p:blipFill>
         <p:spPr bwMode="auto">
@@ -7564,7 +7113,7 @@
         </p:nvPicPr>
         <p:blipFill>
           <a:blip r:embed="rId3"/>
-          <a:srcRect t="15043" b="19757"/>
+          <a:srcRect l="0" t="15043" r="0" b="19757"/>
           <a:stretch/>
         </p:blipFill>
         <p:spPr bwMode="auto">
@@ -7582,11 +7131,11 @@
   <p:clrMapOvr>
     <a:masterClrMapping/>
   </p:clrMapOvr>
-  <mc:AlternateContent xmlns:mc="http://schemas.openxmlformats.org/markup-compatibility/2006" xmlns:p14="http://schemas.microsoft.com/office/powerpoint/2010/main">
-    <mc:Choice Requires="p14">
-      <p:transition spd="slow" p14:dur="2000"/>
+  <mc:AlternateContent xmlns:mc="http://schemas.openxmlformats.org/markup-compatibility/2006">
+    <mc:Choice xmlns:p14="http://schemas.microsoft.com/office/powerpoint/2010/main" Requires="p14">
+      <p:transition p14:dur="2000" advClick="1"/>
     </mc:Choice>
-    <mc:Fallback xmlns="" xmlns:m="http://schemas.openxmlformats.org/officeDocument/2006/math" xmlns:w="http://schemas.openxmlformats.org/wordprocessingml/2006/main">
+    <mc:Fallback>
       <p:transition advClick="1"/>
     </mc:Fallback>
   </mc:AlternateContent>
@@ -7601,8 +7150,8 @@
 </file>
 
 <file path=ppt/slides/slide12.xml><?xml version="1.0" encoding="utf-8"?>
-<p:sld xmlns:a="http://schemas.openxmlformats.org/drawingml/2006/main" xmlns:r="http://schemas.openxmlformats.org/officeDocument/2006/relationships" xmlns:p="http://schemas.openxmlformats.org/presentationml/2006/main" showMasterPhAnim="0">
-  <p:cSld>
+<p:sld xmlns:a="http://schemas.openxmlformats.org/drawingml/2006/main" xmlns:r="http://schemas.openxmlformats.org/officeDocument/2006/relationships" xmlns:p="http://schemas.openxmlformats.org/presentationml/2006/main" xmlns:m="http://schemas.openxmlformats.org/officeDocument/2006/math" xmlns:w="http://schemas.openxmlformats.org/wordprocessingml/2006/main" showMasterPhAnim="0" show="1">
+  <p:cSld name="">
     <p:spTree>
       <p:nvGrpSpPr>
         <p:cNvPr id="1" name=""/>
@@ -7646,6 +7195,12 @@
           <a:lstStyle/>
           <a:p>
             <a:pPr>
+              <a:buClr>
+                <a:schemeClr val="accent1"/>
+              </a:buClr>
+              <a:buSzPct val="80000"/>
+              <a:buFont typeface="Wingdings"/>
+              <a:buChar char="Ø"/>
               <a:defRPr/>
             </a:pPr>
             <a:r>
@@ -7656,6 +7211,12 @@
           </a:p>
           <a:p>
             <a:pPr>
+              <a:buClr>
+                <a:schemeClr val="accent1"/>
+              </a:buClr>
+              <a:buSzPct val="80000"/>
+              <a:buFont typeface="Wingdings"/>
+              <a:buChar char="Ø"/>
               <a:defRPr/>
             </a:pPr>
             <a:r>
@@ -7991,6 +7552,12 @@
           </a:lstStyle>
           <a:p>
             <a:pPr>
+              <a:buClr>
+                <a:schemeClr val="accent1"/>
+              </a:buClr>
+              <a:buSzPct val="80000"/>
+              <a:buFont typeface="Wingdings"/>
+              <a:buChar char="Ø"/>
               <a:defRPr/>
             </a:pPr>
             <a:r>
@@ -8001,6 +7568,12 @@
           </a:p>
           <a:p>
             <a:pPr>
+              <a:buClr>
+                <a:schemeClr val="accent1"/>
+              </a:buClr>
+              <a:buSzPct val="80000"/>
+              <a:buFont typeface="Wingdings"/>
+              <a:buChar char="Ø"/>
               <a:defRPr/>
             </a:pPr>
             <a:r>
@@ -8011,6 +7584,12 @@
           </a:p>
           <a:p>
             <a:pPr>
+              <a:buClr>
+                <a:schemeClr val="accent1"/>
+              </a:buClr>
+              <a:buSzPct val="80000"/>
+              <a:buFont typeface="Wingdings"/>
+              <a:buChar char="Ø"/>
               <a:defRPr/>
             </a:pPr>
             <a:r>
@@ -8026,11 +7605,11 @@
   <p:clrMapOvr>
     <a:masterClrMapping/>
   </p:clrMapOvr>
-  <mc:AlternateContent xmlns:mc="http://schemas.openxmlformats.org/markup-compatibility/2006" xmlns:p14="http://schemas.microsoft.com/office/powerpoint/2010/main">
-    <mc:Choice Requires="p14">
-      <p:transition spd="slow" p14:dur="2000"/>
+  <mc:AlternateContent xmlns:mc="http://schemas.openxmlformats.org/markup-compatibility/2006">
+    <mc:Choice xmlns:p14="http://schemas.microsoft.com/office/powerpoint/2010/main" Requires="p14">
+      <p:transition p14:dur="2000" advClick="1"/>
     </mc:Choice>
-    <mc:Fallback xmlns="" xmlns:m="http://schemas.openxmlformats.org/officeDocument/2006/math" xmlns:w="http://schemas.openxmlformats.org/wordprocessingml/2006/main">
+    <mc:Fallback>
       <p:transition advClick="1"/>
     </mc:Fallback>
   </mc:AlternateContent>
@@ -8038,8 +7617,8 @@
 </file>
 
 <file path=ppt/slides/slide13.xml><?xml version="1.0" encoding="utf-8"?>
-<p:sld xmlns:a="http://schemas.openxmlformats.org/drawingml/2006/main" xmlns:r="http://schemas.openxmlformats.org/officeDocument/2006/relationships" xmlns:p="http://schemas.openxmlformats.org/presentationml/2006/main" showMasterPhAnim="0">
-  <p:cSld>
+<p:sld xmlns:a="http://schemas.openxmlformats.org/drawingml/2006/main" xmlns:r="http://schemas.openxmlformats.org/officeDocument/2006/relationships" xmlns:p="http://schemas.openxmlformats.org/presentationml/2006/main" xmlns:m="http://schemas.openxmlformats.org/officeDocument/2006/math" xmlns:w="http://schemas.openxmlformats.org/wordprocessingml/2006/main" showMasterPhAnim="0" show="1">
+  <p:cSld name="">
     <p:spTree>
       <p:nvGrpSpPr>
         <p:cNvPr id="1" name=""/>
@@ -8090,73 +7669,74 @@
               <a:defRPr/>
             </a:pPr>
             <a:r>
-              <a:rPr dirty="0" err="1"/>
+              <a:rPr/>
               <a:t>Каждый</a:t>
             </a:r>
             <a:r>
-              <a:rPr dirty="0"/>
+              <a:rPr/>
               <a:t> </a:t>
             </a:r>
             <a:r>
-              <a:rPr dirty="0" err="1" smtClean="0"/>
+              <a:rPr/>
               <a:t>класс</a:t>
             </a:r>
             <a:r>
-              <a:rPr lang="ru-RU" dirty="0" smtClean="0"/>
+              <a:rPr lang="ru-RU"/>
               <a:t>, имеющий виртуальные методы,</a:t>
             </a:r>
             <a:r>
-              <a:rPr lang="ru-RU" dirty="0" smtClean="0"/>
+              <a:rPr lang="ru-RU"/>
               <a:t> </a:t>
             </a:r>
             <a:r>
-              <a:rPr dirty="0" err="1" smtClean="0"/>
+              <a:rPr/>
               <a:t>имеет</a:t>
             </a:r>
             <a:r>
-              <a:rPr dirty="0" smtClean="0"/>
+              <a:rPr/>
               <a:t> </a:t>
             </a:r>
             <a:r>
-              <a:rPr dirty="0" err="1"/>
+              <a:rPr/>
               <a:t>свою</a:t>
             </a:r>
             <a:r>
-              <a:rPr dirty="0"/>
+              <a:rPr/>
               <a:t> </a:t>
             </a:r>
             <a:r>
-              <a:rPr dirty="0" err="1"/>
+              <a:rPr/>
               <a:t>таблицу</a:t>
             </a:r>
             <a:r>
-              <a:rPr dirty="0"/>
+              <a:rPr/>
               <a:t> </a:t>
             </a:r>
             <a:r>
-              <a:rPr dirty="0" err="1"/>
+              <a:rPr/>
               <a:t>виртуальных</a:t>
             </a:r>
             <a:r>
-              <a:rPr dirty="0"/>
+              <a:rPr/>
               <a:t> </a:t>
             </a:r>
             <a:r>
-              <a:rPr dirty="0" err="1"/>
+              <a:rPr/>
               <a:t>методов</a:t>
             </a:r>
             <a:r>
-              <a:rPr dirty="0"/>
+              <a:rPr/>
               <a:t> (</a:t>
             </a:r>
             <a:r>
-              <a:rPr dirty="0" err="1"/>
+              <a:rPr/>
               <a:t>vtable</a:t>
             </a:r>
             <a:r>
-              <a:rPr dirty="0"/>
+              <a:rPr/>
               <a:t>)</a:t>
             </a:r>
+            <a:endParaRPr/>
           </a:p>
           <a:p>
             <a:pPr>
@@ -8169,106 +7749,106 @@
               <a:defRPr/>
             </a:pPr>
             <a:r>
-              <a:rPr dirty="0" err="1"/>
+              <a:rPr/>
               <a:t>Vtable</a:t>
             </a:r>
             <a:r>
-              <a:rPr dirty="0"/>
+              <a:rPr/>
               <a:t> </a:t>
             </a:r>
             <a:r>
-              <a:rPr dirty="0" err="1"/>
+              <a:rPr/>
               <a:t>общая</a:t>
             </a:r>
             <a:r>
-              <a:rPr dirty="0"/>
+              <a:rPr/>
               <a:t> </a:t>
             </a:r>
             <a:r>
-              <a:rPr dirty="0" err="1"/>
+              <a:rPr/>
               <a:t>для</a:t>
             </a:r>
             <a:r>
-              <a:rPr dirty="0"/>
+              <a:rPr/>
               <a:t> </a:t>
             </a:r>
             <a:r>
-              <a:rPr dirty="0" err="1"/>
+              <a:rPr/>
               <a:t>всех</a:t>
             </a:r>
             <a:r>
-              <a:rPr dirty="0"/>
+              <a:rPr/>
               <a:t> </a:t>
             </a:r>
             <a:r>
-              <a:rPr dirty="0" err="1"/>
+              <a:rPr/>
               <a:t>объектов</a:t>
             </a:r>
             <a:r>
-              <a:rPr dirty="0"/>
+              <a:rPr/>
               <a:t> </a:t>
             </a:r>
             <a:r>
-              <a:rPr dirty="0" err="1"/>
+              <a:rPr/>
               <a:t>одного</a:t>
             </a:r>
             <a:r>
-              <a:rPr dirty="0"/>
+              <a:rPr/>
               <a:t> </a:t>
             </a:r>
             <a:r>
-              <a:rPr dirty="0" err="1"/>
+              <a:rPr/>
               <a:t>класса</a:t>
             </a:r>
             <a:r>
-              <a:rPr dirty="0"/>
+              <a:rPr/>
               <a:t>, </a:t>
             </a:r>
             <a:r>
-              <a:rPr dirty="0" err="1"/>
+              <a:rPr/>
               <a:t>т.е</a:t>
             </a:r>
             <a:r>
-              <a:rPr dirty="0"/>
+              <a:rPr/>
               <a:t>. </a:t>
             </a:r>
             <a:r>
-              <a:rPr dirty="0" err="1"/>
+              <a:rPr/>
               <a:t>дейсвует</a:t>
             </a:r>
             <a:r>
-              <a:rPr dirty="0"/>
+              <a:rPr/>
               <a:t> </a:t>
             </a:r>
             <a:r>
-              <a:rPr dirty="0" err="1"/>
+              <a:rPr/>
               <a:t>как</a:t>
             </a:r>
             <a:r>
-              <a:rPr dirty="0"/>
+              <a:rPr/>
               <a:t> </a:t>
             </a:r>
             <a:r>
-              <a:rPr dirty="0" err="1"/>
+              <a:rPr/>
               <a:t>статическая</a:t>
             </a:r>
             <a:r>
-              <a:rPr dirty="0"/>
+              <a:rPr/>
               <a:t> </a:t>
             </a:r>
             <a:r>
-              <a:rPr dirty="0" err="1"/>
+              <a:rPr/>
               <a:t>переменная-член</a:t>
             </a:r>
             <a:r>
-              <a:rPr dirty="0"/>
+              <a:rPr/>
               <a:t> </a:t>
             </a:r>
             <a:r>
-              <a:rPr dirty="0" err="1"/>
+              <a:rPr/>
               <a:t>данных</a:t>
             </a:r>
-            <a:endParaRPr dirty="0"/>
+            <a:endParaRPr/>
           </a:p>
           <a:p>
             <a:pPr>
@@ -8280,7 +7860,7 @@
               <a:buChar char="Ø"/>
               <a:defRPr/>
             </a:pPr>
-            <a:endParaRPr dirty="0"/>
+            <a:endParaRPr/>
           </a:p>
         </p:txBody>
       </p:sp>
@@ -8337,7 +7917,7 @@
           <p:nvPr/>
         </p:nvPicPr>
         <p:blipFill>
-          <a:blip r:embed="rId3"/>
+          <a:blip r:embed="rId2"/>
           <a:stretch/>
         </p:blipFill>
         <p:spPr bwMode="auto">
@@ -8612,93 +8192,94 @@
               <a:defRPr/>
             </a:pPr>
             <a:r>
-              <a:rPr dirty="0" err="1"/>
+              <a:rPr/>
               <a:t>На</a:t>
             </a:r>
             <a:r>
-              <a:rPr dirty="0"/>
+              <a:rPr/>
               <a:t> </a:t>
             </a:r>
             <a:r>
-              <a:rPr dirty="0" err="1"/>
+              <a:rPr/>
               <a:t>уровне</a:t>
             </a:r>
             <a:r>
-              <a:rPr dirty="0"/>
+              <a:rPr/>
               <a:t> </a:t>
             </a:r>
             <a:r>
-              <a:rPr dirty="0" err="1"/>
+              <a:rPr/>
               <a:t>компилятора</a:t>
             </a:r>
             <a:r>
-              <a:rPr dirty="0"/>
+              <a:rPr/>
               <a:t> </a:t>
             </a:r>
             <a:r>
-              <a:rPr dirty="0" err="1"/>
+              <a:rPr/>
               <a:t>полиморфизм</a:t>
             </a:r>
             <a:r>
-              <a:rPr dirty="0"/>
+              <a:rPr/>
               <a:t> </a:t>
             </a:r>
             <a:r>
-              <a:rPr dirty="0" err="1"/>
+              <a:rPr/>
               <a:t>реализуется</a:t>
             </a:r>
             <a:r>
-              <a:rPr dirty="0"/>
+              <a:rPr/>
               <a:t> </a:t>
             </a:r>
             <a:r>
-              <a:rPr dirty="0" err="1"/>
+              <a:rPr/>
               <a:t>при</a:t>
             </a:r>
             <a:r>
-              <a:rPr dirty="0"/>
+              <a:rPr/>
               <a:t> </a:t>
             </a:r>
             <a:r>
-              <a:rPr dirty="0" err="1"/>
+              <a:rPr/>
               <a:t>помощи</a:t>
             </a:r>
             <a:r>
-              <a:rPr dirty="0"/>
+              <a:rPr/>
               <a:t> </a:t>
             </a:r>
             <a:r>
-              <a:rPr dirty="0" err="1"/>
+              <a:rPr/>
               <a:t>таблицы</a:t>
             </a:r>
             <a:r>
-              <a:rPr dirty="0"/>
+              <a:rPr/>
               <a:t> </a:t>
             </a:r>
             <a:r>
-              <a:rPr dirty="0" err="1"/>
+              <a:rPr/>
               <a:t>виртуальных</a:t>
             </a:r>
             <a:r>
-              <a:rPr dirty="0"/>
+              <a:rPr/>
               <a:t> </a:t>
             </a:r>
             <a:r>
-              <a:rPr dirty="0" err="1"/>
+              <a:rPr/>
               <a:t>методов</a:t>
             </a:r>
             <a:r>
-              <a:rPr dirty="0"/>
+              <a:rPr/>
               <a:t> - </a:t>
             </a:r>
             <a:r>
-              <a:rPr dirty="0" err="1"/>
+              <a:rPr/>
               <a:t>vtable</a:t>
             </a:r>
             <a:r>
-              <a:rPr dirty="0"/>
+              <a:rPr/>
               <a:t> </a:t>
             </a:r>
+            <a:endParaRPr/>
           </a:p>
         </p:txBody>
       </p:sp>
@@ -8964,86 +8545,86 @@
               <a:defRPr/>
             </a:pPr>
             <a:r>
-              <a:rPr dirty="0" err="1"/>
+              <a:rPr/>
               <a:t>Компилируем</a:t>
             </a:r>
             <a:r>
-              <a:rPr dirty="0"/>
+              <a:rPr/>
               <a:t> </a:t>
             </a:r>
             <a:r>
-              <a:rPr dirty="0" err="1"/>
+              <a:rPr/>
               <a:t>программу</a:t>
             </a:r>
             <a:r>
-              <a:rPr dirty="0"/>
+              <a:rPr/>
               <a:t> </a:t>
             </a:r>
             <a:r>
-              <a:rPr dirty="0" err="1"/>
+              <a:rPr/>
               <a:t>для</a:t>
             </a:r>
             <a:r>
-              <a:rPr dirty="0"/>
+              <a:rPr/>
               <a:t> </a:t>
             </a:r>
             <a:r>
-              <a:rPr dirty="0" err="1"/>
+              <a:rPr/>
               <a:t>отладки</a:t>
             </a:r>
             <a:r>
-              <a:rPr dirty="0"/>
+              <a:rPr/>
               <a:t> и </a:t>
             </a:r>
             <a:r>
-              <a:rPr dirty="0" err="1"/>
+              <a:rPr/>
               <a:t>передаём</a:t>
             </a:r>
             <a:r>
-              <a:rPr dirty="0"/>
+              <a:rPr/>
               <a:t> </a:t>
             </a:r>
             <a:r>
-              <a:rPr dirty="0" err="1"/>
+              <a:rPr/>
               <a:t>бинарный</a:t>
             </a:r>
             <a:r>
-              <a:rPr dirty="0"/>
+              <a:rPr/>
               <a:t> </a:t>
             </a:r>
             <a:r>
-              <a:rPr dirty="0" err="1"/>
+              <a:rPr/>
               <a:t>файл</a:t>
             </a:r>
             <a:r>
-              <a:rPr dirty="0"/>
+              <a:rPr/>
               <a:t>  </a:t>
             </a:r>
             <a:r>
-              <a:rPr dirty="0" err="1"/>
+              <a:rPr/>
               <a:t>отладчику</a:t>
             </a:r>
             <a:r>
-              <a:rPr dirty="0"/>
+              <a:rPr/>
               <a:t>: </a:t>
             </a:r>
             <a:r>
-              <a:rPr dirty="0" err="1"/>
+              <a:rPr/>
               <a:t>например</a:t>
             </a:r>
             <a:r>
-              <a:rPr dirty="0"/>
+              <a:rPr/>
               <a:t>, </a:t>
             </a:r>
             <a:br>
-              <a:rPr dirty="0"/>
+              <a:rPr/>
             </a:br>
             <a:r>
-              <a:rPr i="1" dirty="0"/>
+              <a:rPr i="1"/>
               <a:t>g++ –g main.cpp </a:t>
             </a:r>
             <a:r>
-              <a:rPr i="1" dirty="0">
+              <a:rPr i="1">
                 <a:latin typeface="Andale Mono"/>
                 <a:ea typeface="Andale Mono"/>
                 <a:cs typeface="Andale Mono"/>
@@ -9051,22 +8632,22 @@
               <a:t>&amp;&amp;</a:t>
             </a:r>
             <a:r>
-              <a:rPr i="1" dirty="0"/>
+              <a:rPr i="1"/>
               <a:t> </a:t>
             </a:r>
             <a:r>
-              <a:rPr i="1" dirty="0" err="1"/>
+              <a:rPr i="1"/>
               <a:t>gdb</a:t>
             </a:r>
             <a:r>
-              <a:rPr i="1" dirty="0"/>
+              <a:rPr i="1"/>
               <a:t> </a:t>
             </a:r>
             <a:r>
-              <a:rPr i="1" dirty="0" err="1"/>
+              <a:rPr i="1"/>
               <a:t>a.out</a:t>
             </a:r>
-            <a:endParaRPr dirty="0"/>
+            <a:endParaRPr/>
           </a:p>
         </p:txBody>
       </p:sp>
@@ -9075,11 +8656,11 @@
   <p:clrMapOvr>
     <a:masterClrMapping/>
   </p:clrMapOvr>
-  <mc:AlternateContent xmlns:mc="http://schemas.openxmlformats.org/markup-compatibility/2006" xmlns:p14="http://schemas.microsoft.com/office/powerpoint/2010/main">
-    <mc:Choice Requires="p14">
-      <p:transition spd="slow" p14:dur="2000"/>
+  <mc:AlternateContent xmlns:mc="http://schemas.openxmlformats.org/markup-compatibility/2006">
+    <mc:Choice xmlns:p14="http://schemas.microsoft.com/office/powerpoint/2010/main" Requires="p14">
+      <p:transition p14:dur="2000" advClick="1"/>
     </mc:Choice>
-    <mc:Fallback xmlns="" xmlns:m="http://schemas.openxmlformats.org/officeDocument/2006/math" xmlns:w="http://schemas.openxmlformats.org/wordprocessingml/2006/main">
+    <mc:Fallback>
       <p:transition advClick="1"/>
     </mc:Fallback>
   </mc:AlternateContent>
@@ -9087,8 +8668,8 @@
 </file>
 
 <file path=ppt/slides/slide14.xml><?xml version="1.0" encoding="utf-8"?>
-<p:sld xmlns:a="http://schemas.openxmlformats.org/drawingml/2006/main" xmlns:r="http://schemas.openxmlformats.org/officeDocument/2006/relationships" xmlns:p="http://schemas.openxmlformats.org/presentationml/2006/main" showMasterPhAnim="0">
-  <p:cSld>
+<p:sld xmlns:a="http://schemas.openxmlformats.org/drawingml/2006/main" xmlns:r="http://schemas.openxmlformats.org/officeDocument/2006/relationships" xmlns:p="http://schemas.openxmlformats.org/presentationml/2006/main" xmlns:m="http://schemas.openxmlformats.org/officeDocument/2006/math" xmlns:w="http://schemas.openxmlformats.org/wordprocessingml/2006/main" showMasterPhAnim="0" show="1">
+  <p:cSld name="">
     <p:spTree>
       <p:nvGrpSpPr>
         <p:cNvPr id="1" name=""/>
@@ -9157,7 +8738,7 @@
         </p:nvPicPr>
         <p:blipFill>
           <a:blip r:embed="rId2"/>
-          <a:srcRect t="52384" b="34129"/>
+          <a:srcRect l="0" t="52384" r="0" b="34128"/>
           <a:stretch/>
         </p:blipFill>
         <p:spPr bwMode="auto">
@@ -9457,6 +9038,7 @@
               <a:rPr/>
               <a:t>Дамп 300 байт памяти начиная с адреса 0x404500 – адрес 0x404510 смещен на 16 (0x10) байт от начала  vtable</a:t>
             </a:r>
+            <a:endParaRPr/>
           </a:p>
         </p:txBody>
       </p:sp>
@@ -9725,6 +9307,7 @@
               <a:rPr/>
               <a:t>В vtable также записаны адреса в памяти - 64 b LE</a:t>
             </a:r>
+            <a:endParaRPr/>
           </a:p>
         </p:txBody>
       </p:sp>
@@ -9733,11 +9316,11 @@
   <p:clrMapOvr>
     <a:masterClrMapping/>
   </p:clrMapOvr>
-  <mc:AlternateContent xmlns:mc="http://schemas.openxmlformats.org/markup-compatibility/2006" xmlns:p14="http://schemas.microsoft.com/office/powerpoint/2010/main">
-    <mc:Choice Requires="p14">
-      <p:transition spd="slow" p14:dur="2000"/>
+  <mc:AlternateContent xmlns:mc="http://schemas.openxmlformats.org/markup-compatibility/2006">
+    <mc:Choice xmlns:p14="http://schemas.microsoft.com/office/powerpoint/2010/main" Requires="p14">
+      <p:transition p14:dur="2000" advClick="1"/>
     </mc:Choice>
-    <mc:Fallback xmlns="" xmlns:m="http://schemas.openxmlformats.org/officeDocument/2006/math" xmlns:w="http://schemas.openxmlformats.org/wordprocessingml/2006/main">
+    <mc:Fallback>
       <p:transition advClick="1"/>
     </mc:Fallback>
   </mc:AlternateContent>
@@ -9745,8 +9328,8 @@
 </file>
 
 <file path=ppt/slides/slide15.xml><?xml version="1.0" encoding="utf-8"?>
-<p:sld xmlns:a="http://schemas.openxmlformats.org/drawingml/2006/main" xmlns:r="http://schemas.openxmlformats.org/officeDocument/2006/relationships" xmlns:p="http://schemas.openxmlformats.org/presentationml/2006/main" showMasterPhAnim="0">
-  <p:cSld>
+<p:sld xmlns:a="http://schemas.openxmlformats.org/drawingml/2006/main" xmlns:r="http://schemas.openxmlformats.org/officeDocument/2006/relationships" xmlns:p="http://schemas.openxmlformats.org/presentationml/2006/main" xmlns:m="http://schemas.openxmlformats.org/officeDocument/2006/math" xmlns:w="http://schemas.openxmlformats.org/wordprocessingml/2006/main" showMasterPhAnim="0" show="1">
+  <p:cSld name="">
     <p:spTree>
       <p:nvGrpSpPr>
         <p:cNvPr id="1" name=""/>
@@ -10092,6 +9675,7 @@
               <a:rPr/>
               <a:t>Просмотр записей, на которые указывают адреса из vtable</a:t>
             </a:r>
+            <a:endParaRPr/>
           </a:p>
         </p:txBody>
       </p:sp>
@@ -10143,7 +9727,7 @@
         <p:nvGraphicFramePr>
           <p:cNvPr id="750344246" name="Таблица 750344245"/>
           <p:cNvGraphicFramePr>
-            <a:graphicFrameLocks/>
+            <a:graphicFrameLocks xmlns:a="http://schemas.openxmlformats.org/drawingml/2006/main"/>
           </p:cNvGraphicFramePr>
           <p:nvPr/>
         </p:nvGraphicFramePr>
@@ -10154,7 +9738,7 @@
         <a:graphic>
           <a:graphicData uri="http://schemas.openxmlformats.org/drawingml/2006/table">
             <a:tbl>
-              <a:tblPr firstRow="1" bandRow="1">
+              <a:tblPr firstRow="1" firstCol="0" lastRow="0" lastCol="0" bandRow="1" bandCol="0">
                 <a:tableStyleId>{69FD1A70-EDC4-1B67-5E3C-E95A42E67689}</a:tableStyleId>
               </a:tblPr>
               <a:tblGrid>
@@ -10166,7 +9750,6 @@
                 <a:tc>
                   <a:txBody>
                     <a:bodyPr/>
-                    <a:lstStyle/>
                     <a:p>
                       <a:pPr algn="ctr">
                         <a:defRPr/>
@@ -10175,6 +9758,7 @@
                         <a:rPr/>
                         <a:t>Адрес в vtable</a:t>
                       </a:r>
+                      <a:endParaRPr/>
                     </a:p>
                   </a:txBody>
                   <a:tcPr/>
@@ -10182,7 +9766,6 @@
                 <a:tc>
                   <a:txBody>
                     <a:bodyPr/>
-                    <a:lstStyle/>
                     <a:p>
                       <a:pPr algn="ctr">
                         <a:defRPr/>
@@ -10191,6 +9774,7 @@
                         <a:rPr/>
                         <a:t>Значение</a:t>
                       </a:r>
+                      <a:endParaRPr/>
                     </a:p>
                   </a:txBody>
                   <a:tcPr/>
@@ -10198,7 +9782,6 @@
                 <a:tc>
                   <a:txBody>
                     <a:bodyPr/>
-                    <a:lstStyle/>
                     <a:p>
                       <a:pPr algn="ctr">
                         <a:defRPr/>
@@ -10207,6 +9790,7 @@
                         <a:rPr/>
                         <a:t>Указывает на</a:t>
                       </a:r>
+                      <a:endParaRPr/>
                     </a:p>
                   </a:txBody>
                   <a:tcPr/>
@@ -10216,7 +9800,6 @@
                 <a:tc>
                   <a:txBody>
                     <a:bodyPr/>
-                    <a:lstStyle/>
                     <a:p>
                       <a:pPr>
                         <a:defRPr/>
@@ -10225,6 +9808,7 @@
                         <a:rPr/>
                         <a:t>0x404508 &lt;vtable for Parent+8&gt;</a:t>
                       </a:r>
+                      <a:endParaRPr/>
                     </a:p>
                   </a:txBody>
                   <a:tcPr/>
@@ -10232,7 +9816,6 @@
                 <a:tc>
                   <a:txBody>
                     <a:bodyPr/>
-                    <a:lstStyle/>
                     <a:p>
                       <a:pPr>
                         <a:defRPr/>
@@ -10241,6 +9824,7 @@
                         <a:rPr/>
                         <a:t>0x4044b0</a:t>
                       </a:r>
+                      <a:endParaRPr/>
                     </a:p>
                   </a:txBody>
                   <a:tcPr/>
@@ -10248,7 +9832,6 @@
                 <a:tc>
                   <a:txBody>
                     <a:bodyPr/>
-                    <a:lstStyle/>
                     <a:p>
                       <a:pPr>
                         <a:defRPr/>
@@ -10257,6 +9840,7 @@
                         <a:rPr/>
                         <a:t>Typeinfo для класса Parent</a:t>
                       </a:r>
+                      <a:endParaRPr/>
                     </a:p>
                   </a:txBody>
                   <a:tcPr/>
@@ -10266,7 +9850,6 @@
                 <a:tc>
                   <a:txBody>
                     <a:bodyPr/>
-                    <a:lstStyle/>
                     <a:p>
                       <a:pPr>
                         <a:defRPr/>
@@ -10294,7 +9877,6 @@
                 <a:tc>
                   <a:txBody>
                     <a:bodyPr/>
-                    <a:lstStyle/>
                     <a:p>
                       <a:pPr>
                         <a:defRPr/>
@@ -10303,6 +9885,7 @@
                         <a:rPr/>
                         <a:t>0x402cf0</a:t>
                       </a:r>
+                      <a:endParaRPr/>
                     </a:p>
                   </a:txBody>
                   <a:tcPr/>
@@ -10310,7 +9893,6 @@
                 <a:tc>
                   <a:txBody>
                     <a:bodyPr/>
-                    <a:lstStyle/>
                     <a:p>
                       <a:pPr>
                         <a:defRPr/>
@@ -10319,6 +9901,7 @@
                         <a:rPr/>
                         <a:t>Метод Parent::Foo</a:t>
                       </a:r>
+                      <a:endParaRPr/>
                     </a:p>
                   </a:txBody>
                   <a:tcPr/>
@@ -10328,7 +9911,6 @@
                 <a:tc>
                   <a:txBody>
                     <a:bodyPr/>
-                    <a:lstStyle/>
                     <a:p>
                       <a:pPr>
                         <a:defRPr/>
@@ -10352,7 +9934,6 @@
                 <a:tc>
                   <a:txBody>
                     <a:bodyPr/>
-                    <a:lstStyle/>
                     <a:p>
                       <a:pPr>
                         <a:defRPr/>
@@ -10361,6 +9942,7 @@
                         <a:rPr/>
                         <a:t>0x402ce0</a:t>
                       </a:r>
+                      <a:endParaRPr/>
                     </a:p>
                   </a:txBody>
                   <a:tcPr/>
@@ -10368,7 +9950,6 @@
                 <a:tc>
                   <a:txBody>
                     <a:bodyPr/>
-                    <a:lstStyle/>
                     <a:p>
                       <a:pPr>
                         <a:defRPr/>
@@ -10659,6 +10240,7 @@
               <a:rPr/>
               <a:t>vtable класса Parent</a:t>
             </a:r>
+            <a:endParaRPr/>
           </a:p>
         </p:txBody>
       </p:sp>
@@ -10667,11 +10249,11 @@
   <p:clrMapOvr>
     <a:masterClrMapping/>
   </p:clrMapOvr>
-  <mc:AlternateContent xmlns:mc="http://schemas.openxmlformats.org/markup-compatibility/2006" xmlns:p14="http://schemas.microsoft.com/office/powerpoint/2010/main">
-    <mc:Choice Requires="p14">
-      <p:transition spd="slow" p14:dur="2000"/>
+  <mc:AlternateContent xmlns:mc="http://schemas.openxmlformats.org/markup-compatibility/2006">
+    <mc:Choice xmlns:p14="http://schemas.microsoft.com/office/powerpoint/2010/main" Requires="p14">
+      <p:transition p14:dur="2000" advClick="1"/>
     </mc:Choice>
-    <mc:Fallback xmlns="" xmlns:m="http://schemas.openxmlformats.org/officeDocument/2006/math" xmlns:w="http://schemas.openxmlformats.org/wordprocessingml/2006/main">
+    <mc:Fallback>
       <p:transition advClick="1"/>
     </mc:Fallback>
   </mc:AlternateContent>
@@ -10679,8 +10261,8 @@
 </file>
 
 <file path=ppt/slides/slide16.xml><?xml version="1.0" encoding="utf-8"?>
-<p:sld xmlns:a="http://schemas.openxmlformats.org/drawingml/2006/main" xmlns:r="http://schemas.openxmlformats.org/officeDocument/2006/relationships" xmlns:p="http://schemas.openxmlformats.org/presentationml/2006/main" showMasterPhAnim="0">
-  <p:cSld>
+<p:sld xmlns:a="http://schemas.openxmlformats.org/drawingml/2006/main" xmlns:r="http://schemas.openxmlformats.org/officeDocument/2006/relationships" xmlns:p="http://schemas.openxmlformats.org/presentationml/2006/main" xmlns:m="http://schemas.openxmlformats.org/officeDocument/2006/math" xmlns:w="http://schemas.openxmlformats.org/wordprocessingml/2006/main" showMasterPhAnim="0" show="1">
+  <p:cSld name="">
     <p:spTree>
       <p:nvGrpSpPr>
         <p:cNvPr id="1" name=""/>
@@ -10749,7 +10331,7 @@
         </p:nvPicPr>
         <p:blipFill>
           <a:blip r:embed="rId2"/>
-          <a:srcRect t="-38548" b="38548"/>
+          <a:srcRect l="0" t="-38548" r="0" b="38548"/>
           <a:stretch/>
         </p:blipFill>
         <p:spPr bwMode="auto">
@@ -10810,7 +10392,7 @@
         <p:nvGraphicFramePr>
           <p:cNvPr id="1479846853" name="Таблица 1479846852"/>
           <p:cNvGraphicFramePr>
-            <a:graphicFrameLocks/>
+            <a:graphicFrameLocks xmlns:a="http://schemas.openxmlformats.org/drawingml/2006/main"/>
           </p:cNvGraphicFramePr>
           <p:nvPr/>
         </p:nvGraphicFramePr>
@@ -10821,7 +10403,7 @@
         <a:graphic>
           <a:graphicData uri="http://schemas.openxmlformats.org/drawingml/2006/table">
             <a:tbl>
-              <a:tblPr firstRow="1" bandRow="1">
+              <a:tblPr firstRow="1" firstCol="0" lastRow="0" lastCol="0" bandRow="1" bandCol="0">
                 <a:tableStyleId>{69FD1A70-EDC4-1B67-5E3C-E95A42E67689}</a:tableStyleId>
               </a:tblPr>
               <a:tblGrid>
@@ -10833,7 +10415,6 @@
                 <a:tc>
                   <a:txBody>
                     <a:bodyPr/>
-                    <a:lstStyle/>
                     <a:p>
                       <a:pPr algn="ctr">
                         <a:defRPr/>
@@ -10842,6 +10423,7 @@
                         <a:rPr/>
                         <a:t>Адрес в vtable</a:t>
                       </a:r>
+                      <a:endParaRPr/>
                     </a:p>
                   </a:txBody>
                   <a:tcPr/>
@@ -10849,7 +10431,6 @@
                 <a:tc>
                   <a:txBody>
                     <a:bodyPr/>
-                    <a:lstStyle/>
                     <a:p>
                       <a:pPr algn="ctr">
                         <a:defRPr/>
@@ -10858,6 +10439,7 @@
                         <a:rPr/>
                         <a:t>Значение</a:t>
                       </a:r>
+                      <a:endParaRPr/>
                     </a:p>
                   </a:txBody>
                   <a:tcPr/>
@@ -10865,7 +10447,6 @@
                 <a:tc>
                   <a:txBody>
                     <a:bodyPr/>
-                    <a:lstStyle/>
                     <a:p>
                       <a:pPr algn="ctr">
                         <a:defRPr/>
@@ -10874,6 +10455,7 @@
                         <a:rPr/>
                         <a:t>Указывает на</a:t>
                       </a:r>
+                      <a:endParaRPr/>
                     </a:p>
                   </a:txBody>
                   <a:tcPr/>
@@ -10883,7 +10465,6 @@
                 <a:tc>
                   <a:txBody>
                     <a:bodyPr/>
-                    <a:lstStyle/>
                     <a:p>
                       <a:pPr>
                         <a:defRPr/>
@@ -10911,7 +10492,6 @@
                 <a:tc>
                   <a:txBody>
                     <a:bodyPr/>
-                    <a:lstStyle/>
                     <a:p>
                       <a:pPr>
                         <a:defRPr/>
@@ -10920,6 +10500,7 @@
                         <a:rPr/>
                         <a:t>0x4044c0</a:t>
                       </a:r>
+                      <a:endParaRPr/>
                     </a:p>
                   </a:txBody>
                   <a:tcPr/>
@@ -10927,7 +10508,6 @@
                 <a:tc>
                   <a:txBody>
                     <a:bodyPr/>
-                    <a:lstStyle/>
                     <a:p>
                       <a:pPr>
                         <a:defRPr/>
@@ -10936,6 +10516,7 @@
                         <a:rPr/>
                         <a:t>Typeinfo для типа Derived</a:t>
                       </a:r>
+                      <a:endParaRPr/>
                     </a:p>
                   </a:txBody>
                   <a:tcPr/>
@@ -10945,7 +10526,6 @@
                 <a:tc>
                   <a:txBody>
                     <a:bodyPr/>
-                    <a:lstStyle/>
                     <a:p>
                       <a:pPr>
                         <a:defRPr/>
@@ -10973,7 +10553,6 @@
                 <a:tc>
                   <a:txBody>
                     <a:bodyPr/>
-                    <a:lstStyle/>
                     <a:p>
                       <a:pPr>
                         <a:defRPr/>
@@ -10982,6 +10561,7 @@
                         <a:rPr/>
                         <a:t>0x402d0</a:t>
                       </a:r>
+                      <a:endParaRPr/>
                     </a:p>
                   </a:txBody>
                   <a:tcPr/>
@@ -10989,7 +10569,6 @@
                 <a:tc>
                   <a:txBody>
                     <a:bodyPr/>
-                    <a:lstStyle/>
                     <a:p>
                       <a:pPr>
                         <a:defRPr/>
@@ -10998,6 +10577,7 @@
                         <a:rPr/>
                         <a:t>Метод Derived::Foo</a:t>
                       </a:r>
+                      <a:endParaRPr/>
                     </a:p>
                   </a:txBody>
                   <a:tcPr/>
@@ -11007,7 +10587,6 @@
                 <a:tc>
                   <a:txBody>
                     <a:bodyPr/>
-                    <a:lstStyle/>
                     <a:p>
                       <a:pPr>
                         <a:defRPr/>
@@ -11035,7 +10614,6 @@
                 <a:tc>
                   <a:txBody>
                     <a:bodyPr/>
-                    <a:lstStyle/>
                     <a:p>
                       <a:pPr>
                         <a:defRPr/>
@@ -11044,6 +10622,7 @@
                         <a:rPr/>
                         <a:t>0x402ce0</a:t>
                       </a:r>
+                      <a:endParaRPr/>
                     </a:p>
                   </a:txBody>
                   <a:tcPr/>
@@ -11051,7 +10630,6 @@
                 <a:tc>
                   <a:txBody>
                     <a:bodyPr/>
-                    <a:lstStyle/>
                     <a:p>
                       <a:pPr>
                         <a:defRPr/>
@@ -11060,6 +10638,7 @@
                         <a:rPr/>
                         <a:t>Метод Parent::FooNotOverriden</a:t>
                       </a:r>
+                      <a:endParaRPr/>
                     </a:p>
                   </a:txBody>
                   <a:tcPr/>
@@ -11334,6 +10913,7 @@
               <a:rPr/>
               <a:t>vtable класса Derived</a:t>
             </a:r>
+            <a:endParaRPr/>
           </a:p>
         </p:txBody>
       </p:sp>
@@ -11342,11 +10922,11 @@
   <p:clrMapOvr>
     <a:masterClrMapping/>
   </p:clrMapOvr>
-  <mc:AlternateContent xmlns:mc="http://schemas.openxmlformats.org/markup-compatibility/2006" xmlns:p14="http://schemas.microsoft.com/office/powerpoint/2010/main">
-    <mc:Choice Requires="p14">
-      <p:transition spd="slow" p14:dur="2000"/>
+  <mc:AlternateContent xmlns:mc="http://schemas.openxmlformats.org/markup-compatibility/2006">
+    <mc:Choice xmlns:p14="http://schemas.microsoft.com/office/powerpoint/2010/main" Requires="p14">
+      <p:transition p14:dur="2000" advClick="1"/>
     </mc:Choice>
-    <mc:Fallback xmlns="" xmlns:m="http://schemas.openxmlformats.org/officeDocument/2006/math" xmlns:w="http://schemas.openxmlformats.org/wordprocessingml/2006/main">
+    <mc:Fallback>
       <p:transition advClick="1"/>
     </mc:Fallback>
   </mc:AlternateContent>
@@ -11354,14 +10934,13 @@
 </file>
 
 <file path=ppt/slides/slide17.xml><?xml version="1.0" encoding="utf-8"?>
-<p:sld xmlns:a="http://schemas.openxmlformats.org/drawingml/2006/main" xmlns:r="http://schemas.openxmlformats.org/officeDocument/2006/relationships" xmlns:p="http://schemas.openxmlformats.org/presentationml/2006/main" showMasterPhAnim="0">
-  <p:cSld>
+<p:sld xmlns:a="http://schemas.openxmlformats.org/drawingml/2006/main" xmlns:r="http://schemas.openxmlformats.org/officeDocument/2006/relationships" xmlns:p="http://schemas.openxmlformats.org/presentationml/2006/main" xmlns:m="http://schemas.openxmlformats.org/officeDocument/2006/math" xmlns:w="http://schemas.openxmlformats.org/wordprocessingml/2006/main" showMasterPhAnim="0" show="1">
+  <p:cSld name="">
     <p:bg>
-      <p:bgPr>
+      <p:bgPr shadeToTitle="0">
         <a:solidFill>
           <a:schemeClr val="bg1"/>
         </a:solidFill>
-        <a:effectLst/>
       </p:bgPr>
     </p:bg>
     <p:spTree>
@@ -11426,15 +11005,9 @@
         <p:nvGraphicFramePr>
           <p:cNvPr id="1025266437" name="Таблица 1025266436"/>
           <p:cNvGraphicFramePr>
-            <a:graphicFrameLocks/>
+            <a:graphicFrameLocks xmlns:a="http://schemas.openxmlformats.org/drawingml/2006/main"/>
           </p:cNvGraphicFramePr>
-          <p:nvPr>
-            <p:extLst>
-              <p:ext uri="{D42A27DB-BD31-4B8C-83A1-F6EECF244321}">
-                <p14:modId xmlns:p14="http://schemas.microsoft.com/office/powerpoint/2010/main" val="3054104420"/>
-              </p:ext>
-            </p:extLst>
-          </p:nvPr>
+          <p:nvPr/>
         </p:nvGraphicFramePr>
         <p:xfrm>
           <a:off x="767408" y="2276872"/>
@@ -11443,7 +11016,7 @@
         <a:graphic>
           <a:graphicData uri="http://schemas.openxmlformats.org/drawingml/2006/table">
             <a:tbl>
-              <a:tblPr firstRow="1" bandRow="1">
+              <a:tblPr firstRow="1" firstCol="0" lastRow="0" lastCol="0" bandRow="1" bandCol="0">
                 <a:tableStyleId>{69FD1A70-EDC4-1B67-5E3C-E95A42E67689}</a:tableStyleId>
               </a:tblPr>
               <a:tblGrid>
@@ -11453,7 +11026,6 @@
                 <a:tc>
                   <a:txBody>
                     <a:bodyPr/>
-                    <a:lstStyle/>
                     <a:p>
                       <a:pPr>
                         <a:defRPr/>
@@ -11462,6 +11034,7 @@
                         <a:rPr/>
                         <a:t>Class Parent</a:t>
                       </a:r>
+                      <a:endParaRPr/>
                     </a:p>
                   </a:txBody>
                   <a:tcPr/>
@@ -11471,7 +11044,6 @@
                 <a:tc>
                   <a:txBody>
                     <a:bodyPr/>
-                    <a:lstStyle/>
                     <a:p>
                       <a:pPr>
                         <a:defRPr/>
@@ -11480,6 +11052,7 @@
                         <a:rPr/>
                         <a:t>vptr</a:t>
                       </a:r>
+                      <a:endParaRPr/>
                     </a:p>
                   </a:txBody>
                   <a:tcPr/>
@@ -11493,15 +11066,9 @@
         <p:nvGraphicFramePr>
           <p:cNvPr id="864318425" name="Таблица 864318424"/>
           <p:cNvGraphicFramePr>
-            <a:graphicFrameLocks/>
+            <a:graphicFrameLocks xmlns:a="http://schemas.openxmlformats.org/drawingml/2006/main"/>
           </p:cNvGraphicFramePr>
-          <p:nvPr>
-            <p:extLst>
-              <p:ext uri="{D42A27DB-BD31-4B8C-83A1-F6EECF244321}">
-                <p14:modId xmlns:p14="http://schemas.microsoft.com/office/powerpoint/2010/main" val="1980301060"/>
-              </p:ext>
-            </p:extLst>
-          </p:nvPr>
+          <p:nvPr/>
         </p:nvGraphicFramePr>
         <p:xfrm>
           <a:off x="767408" y="3937903"/>
@@ -11510,7 +11077,7 @@
         <a:graphic>
           <a:graphicData uri="http://schemas.openxmlformats.org/drawingml/2006/table">
             <a:tbl>
-              <a:tblPr firstRow="1" bandRow="1">
+              <a:tblPr firstRow="1" firstCol="0" lastRow="0" lastCol="0" bandRow="1" bandCol="0">
                 <a:tableStyleId>{69FD1A70-EDC4-1B67-5E3C-E95A42E67689}</a:tableStyleId>
               </a:tblPr>
               <a:tblGrid>
@@ -11520,7 +11087,6 @@
                 <a:tc>
                   <a:txBody>
                     <a:bodyPr/>
-                    <a:lstStyle/>
                     <a:p>
                       <a:pPr>
                         <a:defRPr/>
@@ -11529,6 +11095,7 @@
                         <a:rPr/>
                         <a:t>Class Derived</a:t>
                       </a:r>
+                      <a:endParaRPr/>
                     </a:p>
                   </a:txBody>
                   <a:tcPr/>
@@ -11538,7 +11105,6 @@
                 <a:tc>
                   <a:txBody>
                     <a:bodyPr/>
-                    <a:lstStyle/>
                     <a:p>
                       <a:pPr>
                         <a:defRPr/>
@@ -11568,15 +11134,9 @@
         <p:nvGraphicFramePr>
           <p:cNvPr id="948683328" name="Таблица 948683327"/>
           <p:cNvGraphicFramePr>
-            <a:graphicFrameLocks/>
+            <a:graphicFrameLocks xmlns:a="http://schemas.openxmlformats.org/drawingml/2006/main"/>
           </p:cNvGraphicFramePr>
-          <p:nvPr>
-            <p:extLst>
-              <p:ext uri="{D42A27DB-BD31-4B8C-83A1-F6EECF244321}">
-                <p14:modId xmlns:p14="http://schemas.microsoft.com/office/powerpoint/2010/main" val="2180745230"/>
-              </p:ext>
-            </p:extLst>
-          </p:nvPr>
+          <p:nvPr/>
         </p:nvGraphicFramePr>
         <p:xfrm>
           <a:off x="4196748" y="2087642"/>
@@ -11585,7 +11145,7 @@
         <a:graphic>
           <a:graphicData uri="http://schemas.openxmlformats.org/drawingml/2006/table">
             <a:tbl>
-              <a:tblPr firstRow="1" bandRow="1">
+              <a:tblPr firstRow="1" firstCol="0" lastRow="0" lastCol="0" bandRow="1" bandCol="0">
                 <a:tableStyleId>{69FD1A70-EDC4-1B67-5E3C-E95A42E67689}</a:tableStyleId>
               </a:tblPr>
               <a:tblGrid>
@@ -11595,7 +11155,6 @@
                 <a:tc>
                   <a:txBody>
                     <a:bodyPr/>
-                    <a:lstStyle/>
                     <a:p>
                       <a:pPr>
                         <a:defRPr/>
@@ -11604,6 +11163,7 @@
                         <a:rPr/>
                         <a:t>Class Parent vtable</a:t>
                       </a:r>
+                      <a:endParaRPr/>
                     </a:p>
                   </a:txBody>
                   <a:tcPr/>
@@ -11613,7 +11173,6 @@
                 <a:tc>
                   <a:txBody>
                     <a:bodyPr/>
-                    <a:lstStyle/>
                     <a:p>
                       <a:pPr>
                         <a:defRPr/>
@@ -11622,6 +11181,7 @@
                         <a:rPr/>
                         <a:t>Адрес Parent::Foo</a:t>
                       </a:r>
+                      <a:endParaRPr/>
                     </a:p>
                   </a:txBody>
                   <a:tcPr/>
@@ -11631,7 +11191,6 @@
                 <a:tc>
                   <a:txBody>
                     <a:bodyPr/>
-                    <a:lstStyle/>
                     <a:p>
                       <a:pPr>
                         <a:defRPr/>
@@ -11651,6 +11210,7 @@
                         <a:rPr/>
                         <a:t>Parent::FooNotOverriden</a:t>
                       </a:r>
+                      <a:endParaRPr/>
                     </a:p>
                   </a:txBody>
                   <a:tcPr/>
@@ -11664,15 +11224,9 @@
         <p:nvGraphicFramePr>
           <p:cNvPr id="1411458882" name="Таблица 1411458881"/>
           <p:cNvGraphicFramePr>
-            <a:graphicFrameLocks/>
+            <a:graphicFrameLocks xmlns:a="http://schemas.openxmlformats.org/drawingml/2006/main"/>
           </p:cNvGraphicFramePr>
-          <p:nvPr>
-            <p:extLst>
-              <p:ext uri="{D42A27DB-BD31-4B8C-83A1-F6EECF244321}">
-                <p14:modId xmlns:p14="http://schemas.microsoft.com/office/powerpoint/2010/main" val="1796017226"/>
-              </p:ext>
-            </p:extLst>
-          </p:nvPr>
+          <p:nvPr/>
         </p:nvGraphicFramePr>
         <p:xfrm>
           <a:off x="4196748" y="4206469"/>
@@ -11681,7 +11235,7 @@
         <a:graphic>
           <a:graphicData uri="http://schemas.openxmlformats.org/drawingml/2006/table">
             <a:tbl>
-              <a:tblPr firstRow="1" bandRow="1">
+              <a:tblPr firstRow="1" firstCol="0" lastRow="0" lastCol="0" bandRow="1" bandCol="0">
                 <a:tableStyleId>{69FD1A70-EDC4-1B67-5E3C-E95A42E67689}</a:tableStyleId>
               </a:tblPr>
               <a:tblGrid>
@@ -11691,7 +11245,6 @@
                 <a:tc>
                   <a:txBody>
                     <a:bodyPr/>
-                    <a:lstStyle/>
                     <a:p>
                       <a:pPr>
                         <a:defRPr/>
@@ -11717,7 +11270,6 @@
                 <a:tc>
                   <a:txBody>
                     <a:bodyPr/>
-                    <a:lstStyle/>
                     <a:p>
                       <a:pPr>
                         <a:defRPr/>
@@ -11737,6 +11289,7 @@
                         <a:rPr/>
                         <a:t>Derived::Foo</a:t>
                       </a:r>
+                      <a:endParaRPr/>
                     </a:p>
                   </a:txBody>
                   <a:tcPr/>
@@ -11746,7 +11299,6 @@
                 <a:tc>
                   <a:txBody>
                     <a:bodyPr/>
-                    <a:lstStyle/>
                     <a:p>
                       <a:pPr>
                         <a:defRPr/>
@@ -11766,6 +11318,7 @@
                         <a:rPr/>
                         <a:t>Parent::FooNotOverriden</a:t>
                       </a:r>
+                      <a:endParaRPr/>
                     </a:p>
                   </a:txBody>
                   <a:tcPr/>
@@ -11779,15 +11332,9 @@
         <p:nvGraphicFramePr>
           <p:cNvPr id="1753772369" name="Таблица 1753772368"/>
           <p:cNvGraphicFramePr>
-            <a:graphicFrameLocks/>
+            <a:graphicFrameLocks xmlns:a="http://schemas.openxmlformats.org/drawingml/2006/main"/>
           </p:cNvGraphicFramePr>
-          <p:nvPr>
-            <p:extLst>
-              <p:ext uri="{D42A27DB-BD31-4B8C-83A1-F6EECF244321}">
-                <p14:modId xmlns:p14="http://schemas.microsoft.com/office/powerpoint/2010/main" val="1516651614"/>
-              </p:ext>
-            </p:extLst>
-          </p:nvPr>
+          <p:nvPr/>
         </p:nvGraphicFramePr>
         <p:xfrm>
           <a:off x="8823176" y="3382913"/>
@@ -11796,7 +11343,7 @@
         <a:graphic>
           <a:graphicData uri="http://schemas.openxmlformats.org/drawingml/2006/table">
             <a:tbl>
-              <a:tblPr firstRow="1" bandRow="1">
+              <a:tblPr firstRow="1" firstCol="0" lastRow="0" lastCol="0" bandRow="1" bandCol="0">
                 <a:tableStyleId>{69FD1A70-EDC4-1B67-5E3C-E95A42E67689}</a:tableStyleId>
               </a:tblPr>
               <a:tblGrid>
@@ -11806,7 +11353,6 @@
                 <a:tc>
                   <a:txBody>
                     <a:bodyPr/>
-                    <a:lstStyle/>
                     <a:p>
                       <a:pPr>
                         <a:defRPr/>
@@ -11832,7 +11378,6 @@
                 <a:tc>
                   <a:txBody>
                     <a:bodyPr/>
-                    <a:lstStyle/>
                     <a:p>
                       <a:pPr>
                         <a:defRPr/>
@@ -11858,7 +11403,6 @@
                 <a:tc>
                   <a:txBody>
                     <a:bodyPr/>
-                    <a:lstStyle/>
                     <a:p>
                       <a:pPr>
                         <a:defRPr/>
@@ -12138,11 +11682,11 @@
   <p:clrMapOvr>
     <a:masterClrMapping/>
   </p:clrMapOvr>
-  <mc:AlternateContent xmlns:mc="http://schemas.openxmlformats.org/markup-compatibility/2006" xmlns:p14="http://schemas.microsoft.com/office/powerpoint/2010/main">
-    <mc:Choice Requires="p14">
-      <p:transition spd="slow" p14:dur="2000"/>
+  <mc:AlternateContent xmlns:mc="http://schemas.openxmlformats.org/markup-compatibility/2006">
+    <mc:Choice xmlns:p14="http://schemas.microsoft.com/office/powerpoint/2010/main" Requires="p14">
+      <p:transition p14:dur="2000" advClick="1"/>
     </mc:Choice>
-    <mc:Fallback xmlns="" xmlns:m="http://schemas.openxmlformats.org/officeDocument/2006/math" xmlns:w="http://schemas.openxmlformats.org/wordprocessingml/2006/main">
+    <mc:Fallback>
       <p:transition advClick="1"/>
     </mc:Fallback>
   </mc:AlternateContent>
@@ -12150,8 +11694,8 @@
 </file>
 
 <file path=ppt/slides/slide18.xml><?xml version="1.0" encoding="utf-8"?>
-<p:sld xmlns:a="http://schemas.openxmlformats.org/drawingml/2006/main" xmlns:r="http://schemas.openxmlformats.org/officeDocument/2006/relationships" xmlns:p="http://schemas.openxmlformats.org/presentationml/2006/main" showMasterPhAnim="0">
-  <p:cSld>
+<p:sld xmlns:a="http://schemas.openxmlformats.org/drawingml/2006/main" xmlns:r="http://schemas.openxmlformats.org/officeDocument/2006/relationships" xmlns:p="http://schemas.openxmlformats.org/presentationml/2006/main" xmlns:m="http://schemas.openxmlformats.org/officeDocument/2006/math" xmlns:w="http://schemas.openxmlformats.org/wordprocessingml/2006/main" showMasterPhAnim="0" show="1">
+  <p:cSld name="">
     <p:spTree>
       <p:nvGrpSpPr>
         <p:cNvPr id="1" name=""/>
@@ -12210,6 +11754,7 @@
               <a:rPr lang="en-US"/>
               <a:t>Override vs overload</a:t>
             </a:r>
+            <a:endParaRPr/>
           </a:p>
         </p:txBody>
       </p:sp>
@@ -12975,11 +12520,11 @@
   <p:clrMapOvr>
     <a:masterClrMapping/>
   </p:clrMapOvr>
-  <mc:AlternateContent xmlns:mc="http://schemas.openxmlformats.org/markup-compatibility/2006" xmlns:p14="http://schemas.microsoft.com/office/powerpoint/2010/main">
-    <mc:Choice Requires="p14">
-      <p:transition spd="slow" p14:dur="2000"/>
+  <mc:AlternateContent xmlns:mc="http://schemas.openxmlformats.org/markup-compatibility/2006">
+    <mc:Choice xmlns:p14="http://schemas.microsoft.com/office/powerpoint/2010/main" Requires="p14">
+      <p:transition p14:dur="2000" advClick="1"/>
     </mc:Choice>
-    <mc:Fallback xmlns="" xmlns:m="http://schemas.openxmlformats.org/officeDocument/2006/math" xmlns:w="http://schemas.openxmlformats.org/wordprocessingml/2006/main">
+    <mc:Fallback>
       <p:transition advClick="1"/>
     </mc:Fallback>
   </mc:AlternateContent>
@@ -12994,8 +12539,8 @@
 </file>
 
 <file path=ppt/slides/slide2.xml><?xml version="1.0" encoding="utf-8"?>
-<p:sld xmlns:a="http://schemas.openxmlformats.org/drawingml/2006/main" xmlns:r="http://schemas.openxmlformats.org/officeDocument/2006/relationships" xmlns:p="http://schemas.openxmlformats.org/presentationml/2006/main" showMasterPhAnim="0">
-  <p:cSld>
+<p:sld xmlns:a="http://schemas.openxmlformats.org/drawingml/2006/main" xmlns:r="http://schemas.openxmlformats.org/officeDocument/2006/relationships" xmlns:p="http://schemas.openxmlformats.org/presentationml/2006/main" xmlns:m="http://schemas.openxmlformats.org/officeDocument/2006/math" xmlns:w="http://schemas.openxmlformats.org/wordprocessingml/2006/main" showMasterPhAnim="0" show="1">
+  <p:cSld name="">
     <p:spTree>
       <p:nvGrpSpPr>
         <p:cNvPr id="1" name=""/>
@@ -13039,6 +12584,12 @@
           <a:lstStyle/>
           <a:p>
             <a:pPr>
+              <a:buClr>
+                <a:schemeClr val="accent1"/>
+              </a:buClr>
+              <a:buSzPct val="80000"/>
+              <a:buFont typeface="Wingdings"/>
+              <a:buChar char="Ø"/>
               <a:defRPr/>
             </a:pPr>
             <a:r>
@@ -13048,9 +12599,13 @@
             <a:endParaRPr/>
           </a:p>
           <a:p>
-            <a:pPr marL="798513">
-              <a:buFont typeface="Arial"/>
-              <a:buChar char="•"/>
+            <a:pPr>
+              <a:buClr>
+                <a:schemeClr val="accent1"/>
+              </a:buClr>
+              <a:buSzPct val="80000"/>
+              <a:buFont typeface="Wingdings"/>
+              <a:buChar char="Ø"/>
               <a:defRPr/>
             </a:pPr>
             <a:r>
@@ -13060,9 +12615,13 @@
             <a:endParaRPr/>
           </a:p>
           <a:p>
-            <a:pPr marL="798513">
-              <a:buFont typeface="Arial"/>
-              <a:buChar char="•"/>
+            <a:pPr>
+              <a:buClr>
+                <a:schemeClr val="accent1"/>
+              </a:buClr>
+              <a:buSzPct val="80000"/>
+              <a:buFont typeface="Wingdings"/>
+              <a:buChar char="Ø"/>
               <a:defRPr/>
             </a:pPr>
             <a:r>
@@ -13072,9 +12631,13 @@
             <a:endParaRPr/>
           </a:p>
           <a:p>
-            <a:pPr marL="798513">
-              <a:buFont typeface="Arial"/>
-              <a:buChar char="•"/>
+            <a:pPr>
+              <a:buClr>
+                <a:schemeClr val="accent1"/>
+              </a:buClr>
+              <a:buSzPct val="80000"/>
+              <a:buFont typeface="Wingdings"/>
+              <a:buChar char="Ø"/>
               <a:defRPr/>
             </a:pPr>
             <a:r>
@@ -13085,12 +12648,24 @@
           </a:p>
           <a:p>
             <a:pPr>
+              <a:buClr>
+                <a:schemeClr val="accent1"/>
+              </a:buClr>
+              <a:buSzPct val="80000"/>
+              <a:buFont typeface="Wingdings"/>
+              <a:buChar char="Ø"/>
               <a:defRPr/>
             </a:pPr>
             <a:endParaRPr lang="ru-RU"/>
           </a:p>
           <a:p>
             <a:pPr>
+              <a:buClr>
+                <a:schemeClr val="accent1"/>
+              </a:buClr>
+              <a:buSzPct val="80000"/>
+              <a:buFont typeface="Wingdings"/>
+              <a:buChar char="Ø"/>
               <a:defRPr/>
             </a:pPr>
             <a:r>
@@ -13100,15 +12675,25 @@
             <a:endParaRPr/>
           </a:p>
           <a:p>
-            <a:pPr marL="0" indent="0">
-              <a:buNone/>
+            <a:pPr>
+              <a:buClr>
+                <a:schemeClr val="accent1"/>
+              </a:buClr>
+              <a:buSzPct val="80000"/>
+              <a:buFont typeface="Wingdings"/>
+              <a:buChar char="Ø"/>
               <a:defRPr/>
             </a:pPr>
             <a:endParaRPr lang="ru-RU"/>
           </a:p>
           <a:p>
-            <a:pPr marL="455613" indent="0">
-              <a:buNone/>
+            <a:pPr>
+              <a:buClr>
+                <a:schemeClr val="accent1"/>
+              </a:buClr>
+              <a:buSzPct val="80000"/>
+              <a:buFont typeface="Wingdings"/>
+              <a:buChar char="Ø"/>
               <a:defRPr/>
             </a:pPr>
             <a:endParaRPr lang="ru-RU"/>
@@ -13167,7 +12752,7 @@
         </p:nvPicPr>
         <p:blipFill>
           <a:blip r:embed="rId2"/>
-          <a:srcRect r="4203"/>
+          <a:srcRect l="0" t="0" r="4203" b="0"/>
           <a:stretch/>
         </p:blipFill>
         <p:spPr bwMode="auto">
@@ -13188,7 +12773,7 @@
         </p:nvSpPr>
         <p:spPr bwMode="auto">
           <a:xfrm>
-            <a:off x="677334" y="4268727"/>
+            <a:off x="677333" y="4046481"/>
             <a:ext cx="11191011" cy="2048804"/>
           </a:xfrm>
           <a:prstGeom prst="rect">
@@ -13431,55 +13016,125 @@
           </a:lstStyle>
           <a:p>
             <a:pPr>
-              <a:defRPr/>
-            </a:pPr>
-            <a:r>
-              <a:rPr lang="ru-RU" dirty="0"/>
+              <a:buClr>
+                <a:schemeClr val="accent1"/>
+              </a:buClr>
+              <a:buSzPct val="80000"/>
+              <a:buFont typeface="Wingdings"/>
+              <a:buChar char="Ø"/>
+              <a:defRPr/>
+            </a:pPr>
+            <a:r>
+              <a:rPr lang="ru-RU"/>
               <a:t>Проблемы начинаются, когда класс управляет памятью на куче: в этом случае указатель на выделенную объектом область памяти будет скопирован, а сама область памяти – нет</a:t>
             </a:r>
-            <a:endParaRPr dirty="0"/>
+            <a:endParaRPr/>
           </a:p>
           <a:p>
             <a:pPr>
-              <a:defRPr/>
-            </a:pPr>
-            <a:r>
-              <a:rPr lang="ru-RU" dirty="0"/>
+              <a:buClr>
+                <a:schemeClr val="accent1"/>
+              </a:buClr>
+              <a:buSzPct val="80000"/>
+              <a:buFont typeface="Wingdings"/>
+              <a:buChar char="Ø"/>
+              <a:defRPr/>
+            </a:pPr>
+            <a:r>
+              <a:rPr lang="ru-RU"/>
               <a:t>Два одинаковых указателя будут указывать на одну и ту же область памяти. Соответственно, в деструкторе одна и та же область памяти будет освобождена дважды. Ничего хорошего </a:t>
             </a:r>
-            <a:endParaRPr dirty="0"/>
+            <a:endParaRPr/>
           </a:p>
           <a:p>
             <a:pPr>
-              <a:defRPr/>
-            </a:pPr>
-            <a:r>
-              <a:rPr lang="ru-RU" dirty="0"/>
+              <a:buClr>
+                <a:schemeClr val="accent1"/>
+              </a:buClr>
+              <a:buSzPct val="80000"/>
+              <a:buFont typeface="Wingdings"/>
+              <a:buChar char="Ø"/>
+              <a:defRPr/>
+            </a:pPr>
+            <a:r>
+              <a:rPr lang="ru-RU"/>
               <a:t>Решить проблему можно, определив конструктор </a:t>
             </a:r>
             <a:r>
-              <a:rPr lang="ru-RU" dirty="0" smtClean="0"/>
+              <a:rPr lang="ru-RU"/>
               <a:t>копирования - специальный </a:t>
             </a:r>
             <a:r>
-              <a:rPr lang="ru-RU" dirty="0"/>
+              <a:rPr lang="ru-RU"/>
               <a:t>метода класса, который вызывается при копировании объекта</a:t>
             </a:r>
-            <a:endParaRPr dirty="0"/>
+            <a:endParaRPr/>
           </a:p>
           <a:p>
             <a:pPr>
-              <a:defRPr/>
-            </a:pPr>
-            <a:endParaRPr lang="ru-RU" dirty="0"/>
-          </a:p>
-          <a:p>
-            <a:pPr marL="455613" indent="0">
-              <a:buFont typeface="Wingdings 3"/>
-              <a:buNone/>
-              <a:defRPr/>
-            </a:pPr>
-            <a:endParaRPr lang="ru-RU" dirty="0"/>
+              <a:buClr>
+                <a:schemeClr val="accent1"/>
+              </a:buClr>
+              <a:buSzPct val="80000"/>
+              <a:buFont typeface="Wingdings"/>
+              <a:buChar char="Ø"/>
+              <a:defRPr/>
+            </a:pPr>
+            <a:endParaRPr lang="ru-RU"/>
+          </a:p>
+          <a:p>
+            <a:pPr>
+              <a:buClr>
+                <a:schemeClr val="accent1"/>
+              </a:buClr>
+              <a:buSzPct val="80000"/>
+              <a:buFont typeface="Wingdings"/>
+              <a:buChar char="Ø"/>
+              <a:defRPr/>
+            </a:pPr>
+            <a:endParaRPr lang="ru-RU"/>
+          </a:p>
+        </p:txBody>
+      </p:sp>
+      <p:sp>
+        <p:nvSpPr>
+          <p:cNvPr id="918267577" name=""/>
+          <p:cNvSpPr txBox="1"/>
+          <p:nvPr/>
+        </p:nvSpPr>
+        <p:spPr bwMode="auto">
+          <a:xfrm flipH="0" flipV="0">
+            <a:off x="9165027" y="6129565"/>
+            <a:ext cx="2703318" cy="640440"/>
+          </a:xfrm>
+          <a:prstGeom prst="rect">
+            <a:avLst/>
+          </a:prstGeom>
+          <a:noFill/>
+        </p:spPr>
+        <p:txBody>
+          <a:bodyPr vertOverflow="overflow" horzOverflow="overflow" vert="horz" wrap="none" lIns="91440" tIns="45720" rIns="91440" bIns="45720" numCol="1" spcCol="0" rtlCol="0" fromWordArt="0" anchor="t" anchorCtr="0" forceAA="0" upright="0" compatLnSpc="0">
+            <a:spAutoFit/>
+          </a:bodyPr>
+          <a:p>
+            <a:pPr>
+              <a:defRPr/>
+            </a:pPr>
+            <a:r>
+              <a:rPr/>
+              <a:t>examples/1_copy_cats</a:t>
+            </a:r>
+            <a:endParaRPr/>
+          </a:p>
+          <a:p>
+            <a:pPr>
+              <a:defRPr/>
+            </a:pPr>
+            <a:r>
+              <a:rPr/>
+              <a:t>examples/2_chunk_copy</a:t>
+            </a:r>
+            <a:endParaRPr/>
           </a:p>
         </p:txBody>
       </p:sp>
@@ -13488,11 +13143,11 @@
   <p:clrMapOvr>
     <a:masterClrMapping/>
   </p:clrMapOvr>
-  <mc:AlternateContent xmlns:mc="http://schemas.openxmlformats.org/markup-compatibility/2006" xmlns:p14="http://schemas.microsoft.com/office/powerpoint/2010/main">
-    <mc:Choice Requires="p14">
-      <p:transition spd="slow" p14:dur="2000"/>
+  <mc:AlternateContent xmlns:mc="http://schemas.openxmlformats.org/markup-compatibility/2006">
+    <mc:Choice xmlns:p14="http://schemas.microsoft.com/office/powerpoint/2010/main" Requires="p14">
+      <p:transition p14:dur="2000" advClick="1"/>
     </mc:Choice>
-    <mc:Fallback xmlns="" xmlns:m="http://schemas.openxmlformats.org/officeDocument/2006/math" xmlns:w="http://schemas.openxmlformats.org/wordprocessingml/2006/main">
+    <mc:Fallback>
       <p:transition advClick="1"/>
     </mc:Fallback>
   </mc:AlternateContent>
@@ -13507,8 +13162,8 @@
 </file>
 
 <file path=ppt/slides/slide3.xml><?xml version="1.0" encoding="utf-8"?>
-<p:sld xmlns:a="http://schemas.openxmlformats.org/drawingml/2006/main" xmlns:r="http://schemas.openxmlformats.org/officeDocument/2006/relationships" xmlns:p="http://schemas.openxmlformats.org/presentationml/2006/main" showMasterPhAnim="0">
-  <p:cSld>
+<p:sld xmlns:a="http://schemas.openxmlformats.org/drawingml/2006/main" xmlns:r="http://schemas.openxmlformats.org/officeDocument/2006/relationships" xmlns:p="http://schemas.openxmlformats.org/presentationml/2006/main" xmlns:m="http://schemas.openxmlformats.org/officeDocument/2006/math" xmlns:w="http://schemas.openxmlformats.org/wordprocessingml/2006/main" showMasterPhAnim="0" show="1">
+  <p:cSld name="">
     <p:spTree>
       <p:nvGrpSpPr>
         <p:cNvPr id="1" name=""/>
@@ -13577,7 +13232,7 @@
         </p:nvSpPr>
         <p:spPr bwMode="auto">
           <a:xfrm>
-            <a:off x="441434" y="3795591"/>
+            <a:off x="441433" y="3659519"/>
             <a:ext cx="11426912" cy="2842336"/>
           </a:xfrm>
           <a:prstGeom prst="rect">
@@ -13594,6 +13249,12 @@
           <a:lstStyle/>
           <a:p>
             <a:pPr>
+              <a:buClr>
+                <a:schemeClr val="accent1"/>
+              </a:buClr>
+              <a:buSzPct val="80000"/>
+              <a:buFont typeface="Wingdings"/>
+              <a:buChar char="Ø"/>
               <a:defRPr/>
             </a:pPr>
             <a:r>
@@ -13604,6 +13265,12 @@
           </a:p>
           <a:p>
             <a:pPr>
+              <a:buClr>
+                <a:schemeClr val="accent1"/>
+              </a:buClr>
+              <a:buSzPct val="80000"/>
+              <a:buFont typeface="Wingdings"/>
+              <a:buChar char="Ø"/>
               <a:defRPr/>
             </a:pPr>
             <a:r>
@@ -13681,7 +13348,7 @@
         </p:blipFill>
         <p:spPr bwMode="auto">
           <a:xfrm>
-            <a:off x="677334" y="1313793"/>
+            <a:off x="677333" y="1177721"/>
             <a:ext cx="11191012" cy="2481798"/>
           </a:xfrm>
           <a:prstGeom prst="rect">
@@ -13689,16 +13356,58 @@
           </a:prstGeom>
         </p:spPr>
       </p:pic>
+      <p:sp>
+        <p:nvSpPr>
+          <p:cNvPr id="815270644" name=""/>
+          <p:cNvSpPr txBox="1"/>
+          <p:nvPr/>
+        </p:nvSpPr>
+        <p:spPr bwMode="auto">
+          <a:xfrm flipH="0" flipV="0">
+            <a:off x="8221499" y="6177642"/>
+            <a:ext cx="3533432" cy="640440"/>
+          </a:xfrm>
+          <a:prstGeom prst="rect">
+            <a:avLst/>
+          </a:prstGeom>
+          <a:noFill/>
+        </p:spPr>
+        <p:txBody>
+          <a:bodyPr vertOverflow="overflow" horzOverflow="overflow" vert="horz" wrap="none" lIns="91440" tIns="45720" rIns="91440" bIns="45720" numCol="1" spcCol="0" rtlCol="0" fromWordArt="0" anchor="t" anchorCtr="0" forceAA="0" upright="0" compatLnSpc="0">
+            <a:spAutoFit/>
+          </a:bodyPr>
+          <a:p>
+            <a:pPr>
+              <a:defRPr/>
+            </a:pPr>
+            <a:r>
+              <a:rPr/>
+              <a:t>examples/3_inheritance_people</a:t>
+            </a:r>
+            <a:endParaRPr/>
+          </a:p>
+          <a:p>
+            <a:pPr>
+              <a:defRPr/>
+            </a:pPr>
+            <a:r>
+              <a:rPr/>
+              <a:t>examples/4_inheritance_correct</a:t>
+            </a:r>
+            <a:endParaRPr/>
+          </a:p>
+        </p:txBody>
+      </p:sp>
     </p:spTree>
   </p:cSld>
   <p:clrMapOvr>
     <a:masterClrMapping/>
   </p:clrMapOvr>
-  <mc:AlternateContent xmlns:mc="http://schemas.openxmlformats.org/markup-compatibility/2006" xmlns:p14="http://schemas.microsoft.com/office/powerpoint/2010/main">
-    <mc:Choice Requires="p14">
-      <p:transition spd="slow" p14:dur="2000"/>
+  <mc:AlternateContent xmlns:mc="http://schemas.openxmlformats.org/markup-compatibility/2006">
+    <mc:Choice xmlns:p14="http://schemas.microsoft.com/office/powerpoint/2010/main" Requires="p14">
+      <p:transition p14:dur="2000" advClick="1"/>
     </mc:Choice>
-    <mc:Fallback xmlns="" xmlns:m="http://schemas.openxmlformats.org/officeDocument/2006/math" xmlns:w="http://schemas.openxmlformats.org/wordprocessingml/2006/main">
+    <mc:Fallback>
       <p:transition advClick="1"/>
     </mc:Fallback>
   </mc:AlternateContent>
@@ -13713,8 +13422,8 @@
 </file>
 
 <file path=ppt/slides/slide4.xml><?xml version="1.0" encoding="utf-8"?>
-<p:sld xmlns:a="http://schemas.openxmlformats.org/drawingml/2006/main" xmlns:r="http://schemas.openxmlformats.org/officeDocument/2006/relationships" xmlns:p="http://schemas.openxmlformats.org/presentationml/2006/main" showMasterPhAnim="0">
-  <p:cSld>
+<p:sld xmlns:a="http://schemas.openxmlformats.org/drawingml/2006/main" xmlns:r="http://schemas.openxmlformats.org/officeDocument/2006/relationships" xmlns:p="http://schemas.openxmlformats.org/presentationml/2006/main" xmlns:m="http://schemas.openxmlformats.org/officeDocument/2006/math" xmlns:w="http://schemas.openxmlformats.org/wordprocessingml/2006/main" showMasterPhAnim="0" show="1">
+  <p:cSld name="">
     <p:spTree>
       <p:nvGrpSpPr>
         <p:cNvPr id="1" name=""/>
@@ -13729,194 +13438,6 @@
           <a:chExt cx="0" cy="0"/>
         </a:xfrm>
       </p:grpSpPr>
-      <p:sp>
-        <p:nvSpPr>
-          <p:cNvPr id="3" name="Объект 2"/>
-          <p:cNvSpPr>
-            <a:spLocks noGrp="1"/>
-          </p:cNvSpPr>
-          <p:nvPr>
-            <p:ph idx="1"/>
-          </p:nvPr>
-        </p:nvSpPr>
-        <p:spPr bwMode="auto">
-          <a:xfrm>
-            <a:off x="588578" y="1561498"/>
-            <a:ext cx="11279767" cy="4891853"/>
-          </a:xfrm>
-          <a:prstGeom prst="rect">
-            <a:avLst/>
-          </a:prstGeom>
-          <a:solidFill>
-            <a:schemeClr val="bg1"/>
-          </a:solidFill>
-        </p:spPr>
-        <p:txBody>
-          <a:bodyPr>
-            <a:noAutofit/>
-          </a:bodyPr>
-          <a:lstStyle/>
-          <a:p>
-            <a:pPr>
-              <a:defRPr/>
-            </a:pPr>
-            <a:r>
-              <a:rPr lang="en-US" sz="2000"/>
-              <a:t>Public, private, protected - c</a:t>
-            </a:r>
-            <a:r>
-              <a:rPr lang="ru-RU" sz="2000"/>
-              <a:t>пецификаторы доступа</a:t>
-            </a:r>
-            <a:endParaRPr lang="en-US" sz="2000"/>
-          </a:p>
-          <a:p>
-            <a:pPr marL="514350">
-              <a:buFont typeface="Arial"/>
-              <a:buChar char="•"/>
-              <a:defRPr/>
-            </a:pPr>
-            <a:r>
-              <a:rPr lang="en-US" sz="2000"/>
-              <a:t>public: </a:t>
-            </a:r>
-            <a:r>
-              <a:rPr lang="ru-RU" sz="2000"/>
-              <a:t>все public-члены базового класса становятся public</a:t>
-            </a:r>
-            <a:r>
-              <a:rPr lang="en-US" sz="2000"/>
-              <a:t>-</a:t>
-            </a:r>
-            <a:r>
-              <a:rPr lang="ru-RU" sz="2000"/>
-              <a:t>членами производного класса</a:t>
-            </a:r>
-            <a:r>
-              <a:rPr lang="en-US" sz="2000"/>
-              <a:t>. Private-</a:t>
-            </a:r>
-            <a:r>
-              <a:rPr lang="ru-RU" sz="2000"/>
-              <a:t>члены базового класса недоступны для производного класса</a:t>
-            </a:r>
-            <a:endParaRPr lang="en-US" sz="2000"/>
-          </a:p>
-          <a:p>
-            <a:pPr marL="514350">
-              <a:buFont typeface="Arial"/>
-              <a:buChar char="•"/>
-              <a:defRPr/>
-            </a:pPr>
-            <a:r>
-              <a:rPr lang="en-US" sz="2000"/>
-              <a:t>private: </a:t>
-            </a:r>
-            <a:r>
-              <a:rPr lang="ru-RU" sz="2000"/>
-              <a:t>все его public-члены базового класса становятся private-членами производного класса. </a:t>
-            </a:r>
-            <a:r>
-              <a:rPr lang="en-US" sz="2000"/>
-              <a:t>Private-</a:t>
-            </a:r>
-            <a:r>
-              <a:rPr lang="ru-RU" sz="2000"/>
-              <a:t>члены базового класса недоступны для производного класса</a:t>
-            </a:r>
-            <a:endParaRPr lang="en-US" sz="2000"/>
-          </a:p>
-          <a:p>
-            <a:pPr>
-              <a:defRPr/>
-            </a:pPr>
-            <a:r>
-              <a:rPr lang="en-US" sz="2000"/>
-              <a:t>protected: </a:t>
-            </a:r>
-            <a:r>
-              <a:rPr lang="ru-RU" sz="2000"/>
-              <a:t>аналогичны </a:t>
-            </a:r>
-            <a:r>
-              <a:rPr lang="en-US" sz="2000"/>
-              <a:t>private-</a:t>
-            </a:r>
-            <a:r>
-              <a:rPr lang="ru-RU" sz="2000"/>
-              <a:t>членам – доступны из методов класса, но не из других частей программы, но их можно наследовать! </a:t>
-            </a:r>
-          </a:p>
-          <a:p>
-            <a:pPr marL="514350" indent="-514350">
-              <a:buFont typeface="Arial"/>
-              <a:buChar char="•"/>
-              <a:defRPr/>
-            </a:pPr>
-            <a:r>
-              <a:rPr lang="ru-RU" sz="2000"/>
-              <a:t>Если базовый класс наследуется как public-класс, защищенные члены базового класса становятся защищенными членами производного класса, и они будут доступны для производного класса. </a:t>
-            </a:r>
-            <a:endParaRPr/>
-          </a:p>
-          <a:p>
-            <a:pPr marL="514350" indent="-514350">
-              <a:buFont typeface="Arial"/>
-              <a:buChar char="•"/>
-              <a:defRPr/>
-            </a:pPr>
-            <a:r>
-              <a:rPr lang="ru-RU" sz="2000"/>
-              <a:t>Если базовый класс наследуется закрытым способом (</a:t>
-            </a:r>
-            <a:r>
-              <a:rPr lang="en-US" sz="2000"/>
-              <a:t>private</a:t>
-            </a:r>
-            <a:r>
-              <a:rPr lang="ru-RU" sz="2000"/>
-              <a:t>)</a:t>
-            </a:r>
-            <a:r>
-              <a:rPr lang="en-US" sz="2000"/>
-              <a:t>, </a:t>
-            </a:r>
-            <a:r>
-              <a:rPr lang="ru-RU" sz="2000"/>
-              <a:t>его </a:t>
-            </a:r>
-            <a:r>
-              <a:rPr lang="en-US" sz="2000"/>
-              <a:t>protected-</a:t>
-            </a:r>
-            <a:r>
-              <a:rPr lang="ru-RU" sz="2000"/>
-              <a:t>члены становятся </a:t>
-            </a:r>
-            <a:r>
-              <a:rPr lang="en-US" sz="2000"/>
-              <a:t>private-</a:t>
-            </a:r>
-            <a:r>
-              <a:rPr lang="ru-RU" sz="2000"/>
-              <a:t>членами производного класса</a:t>
-            </a:r>
-            <a:endParaRPr/>
-          </a:p>
-          <a:p>
-            <a:pPr marL="514350" indent="-514350">
-              <a:buFont typeface="Arial"/>
-              <a:buChar char="•"/>
-              <a:defRPr/>
-            </a:pPr>
-            <a:r>
-              <a:rPr lang="ru-RU" sz="2000"/>
-              <a:t>Если базовый класс наследуется как защищенный, все его открытые и закрытые члены становятся защищенными членами производного класса</a:t>
-            </a:r>
-            <a:endParaRPr lang="en-US" sz="2000"/>
-          </a:p>
-        </p:txBody>
-      </p:sp>
       <p:sp>
         <p:nvSpPr>
           <p:cNvPr id="4" name="Заголовок 1"/>
@@ -13961,16 +13482,844 @@
           </a:p>
         </p:txBody>
       </p:sp>
+      <p:graphicFrame>
+        <p:nvGraphicFramePr>
+          <p:cNvPr id="1630198511" name=""/>
+          <p:cNvGraphicFramePr>
+            <a:graphicFrameLocks xmlns:a="http://schemas.openxmlformats.org/drawingml/2006/main"/>
+          </p:cNvGraphicFramePr>
+          <p:nvPr/>
+        </p:nvGraphicFramePr>
+        <p:xfrm>
+          <a:off x="601498" y="1496438"/>
+          <a:ext cx="11266846" cy="5021402"/>
+        </p:xfrm>
+        <a:graphic>
+          <a:graphicData uri="http://schemas.openxmlformats.org/drawingml/2006/table">
+            <a:tbl>
+              <a:tblPr firstRow="1" firstCol="0" lastRow="0" lastCol="0" bandRow="1" bandCol="0">
+                <a:tableStyleId>{5C22544A-7EE6-4342-B048-85BDC9FD1C3A}</a:tableStyleId>
+              </a:tblPr>
+              <a:tblGrid>
+                <a:gridCol w="3746090"/>
+                <a:gridCol w="3746090"/>
+                <a:gridCol w="3746090"/>
+              </a:tblGrid>
+              <a:tr h="634344">
+                <a:tc>
+                  <a:txBody>
+                    <a:bodyPr/>
+                    <a:p>
+                      <a:pPr algn="ctr">
+                        <a:defRPr/>
+                      </a:pPr>
+                      <a:r>
+                        <a:rPr sz="2000"/>
+                        <a:t>Член класса объявлен как:</a:t>
+                      </a:r>
+                      <a:endParaRPr sz="2000"/>
+                    </a:p>
+                  </a:txBody>
+                  <a:tcPr>
+                    <a:lnL w="28575" algn="ctr">
+                      <a:solidFill>
+                        <a:srgbClr val="000000"/>
+                      </a:solidFill>
+                    </a:lnL>
+                    <a:lnT w="28575" algn="ctr">
+                      <a:solidFill>
+                        <a:srgbClr val="000000"/>
+                      </a:solidFill>
+                    </a:lnT>
+                    <a:lnB w="28575" algn="ctr">
+                      <a:solidFill>
+                        <a:srgbClr val="000000"/>
+                      </a:solidFill>
+                    </a:lnB>
+                  </a:tcPr>
+                </a:tc>
+                <a:tc>
+                  <a:txBody>
+                    <a:bodyPr/>
+                    <a:p>
+                      <a:pPr algn="ctr">
+                        <a:defRPr/>
+                      </a:pPr>
+                      <a:r>
+                        <a:rPr sz="2000"/>
+                        <a:t>Класс наследуется как:</a:t>
+                      </a:r>
+                      <a:endParaRPr sz="2000"/>
+                    </a:p>
+                  </a:txBody>
+                  <a:tcPr>
+                    <a:lnT w="28575" algn="ctr">
+                      <a:solidFill>
+                        <a:srgbClr val="000000"/>
+                      </a:solidFill>
+                    </a:lnT>
+                    <a:lnB w="28575" algn="ctr">
+                      <a:solidFill>
+                        <a:srgbClr val="000000"/>
+                      </a:solidFill>
+                    </a:lnB>
+                  </a:tcPr>
+                </a:tc>
+                <a:tc>
+                  <a:txBody>
+                    <a:bodyPr/>
+                    <a:p>
+                      <a:pPr algn="ctr">
+                        <a:defRPr/>
+                      </a:pPr>
+                      <a:r>
+                        <a:rPr sz="2000"/>
+                        <a:t>Доступ в производном классе</a:t>
+                      </a:r>
+                      <a:endParaRPr sz="2000"/>
+                    </a:p>
+                  </a:txBody>
+                  <a:tcPr>
+                    <a:lnR w="28575" algn="ctr">
+                      <a:solidFill>
+                        <a:srgbClr val="000000"/>
+                      </a:solidFill>
+                    </a:lnR>
+                    <a:lnT w="28575" algn="ctr">
+                      <a:solidFill>
+                        <a:srgbClr val="000000"/>
+                      </a:solidFill>
+                    </a:lnT>
+                    <a:lnB w="28575" algn="ctr">
+                      <a:solidFill>
+                        <a:srgbClr val="000000"/>
+                      </a:solidFill>
+                    </a:lnB>
+                  </a:tcPr>
+                </a:tc>
+              </a:tr>
+              <a:tr h="517225">
+                <a:tc>
+                  <a:txBody>
+                    <a:bodyPr/>
+                    <a:p>
+                      <a:pPr algn="ctr">
+                        <a:defRPr/>
+                      </a:pPr>
+                      <a:r>
+                        <a:rPr/>
+                        <a:t>public </a:t>
+                      </a:r>
+                      <a:endParaRPr/>
+                    </a:p>
+                  </a:txBody>
+                  <a:tcPr anchor="ctr">
+                    <a:lnL w="28575" algn="ctr">
+                      <a:solidFill>
+                        <a:srgbClr val="000000"/>
+                      </a:solidFill>
+                    </a:lnL>
+                    <a:lnT w="28575" algn="ctr">
+                      <a:solidFill>
+                        <a:srgbClr val="000000"/>
+                      </a:solidFill>
+                    </a:lnT>
+                  </a:tcPr>
+                </a:tc>
+                <a:tc rowSpan="3">
+                  <a:txBody>
+                    <a:bodyPr/>
+                    <a:p>
+                      <a:pPr algn="ctr">
+                        <a:defRPr/>
+                      </a:pPr>
+                      <a:r>
+                        <a:rPr sz="2200"/>
+                        <a:t>public </a:t>
+                      </a:r>
+                      <a:endParaRPr sz="2200"/>
+                    </a:p>
+                    <a:p>
+                      <a:pPr>
+                        <a:defRPr/>
+                      </a:pPr>
+                      <a:endParaRPr sz="2200"/>
+                    </a:p>
+                    <a:p>
+                      <a:pPr>
+                        <a:defRPr/>
+                      </a:pPr>
+                      <a:endParaRPr sz="2200"/>
+                    </a:p>
+                  </a:txBody>
+                  <a:tcPr anchor="ctr">
+                    <a:lnT w="28575" algn="ctr">
+                      <a:solidFill>
+                        <a:srgbClr val="000000"/>
+                      </a:solidFill>
+                    </a:lnT>
+                  </a:tcPr>
+                </a:tc>
+                <a:tc>
+                  <a:txBody>
+                    <a:bodyPr/>
+                    <a:p>
+                      <a:pPr algn="ctr">
+                        <a:defRPr/>
+                      </a:pPr>
+                      <a:r>
+                        <a:rPr/>
+                        <a:t>public</a:t>
+                      </a:r>
+                      <a:endParaRPr/>
+                    </a:p>
+                  </a:txBody>
+                  <a:tcPr anchor="ctr">
+                    <a:lnR w="28575" algn="ctr">
+                      <a:solidFill>
+                        <a:srgbClr val="000000"/>
+                      </a:solidFill>
+                    </a:lnR>
+                    <a:lnT w="28575" algn="ctr">
+                      <a:solidFill>
+                        <a:srgbClr val="000000"/>
+                      </a:solidFill>
+                    </a:lnT>
+                  </a:tcPr>
+                </a:tc>
+              </a:tr>
+              <a:tr h="441085">
+                <a:tc>
+                  <a:txBody>
+                    <a:bodyPr/>
+                    <a:p>
+                      <a:pPr algn="ctr">
+                        <a:defRPr/>
+                      </a:pPr>
+                      <a:r>
+                        <a:rPr/>
+                        <a:t>protected</a:t>
+                      </a:r>
+                      <a:endParaRPr/>
+                    </a:p>
+                  </a:txBody>
+                  <a:tcPr anchor="ctr">
+                    <a:lnL w="28575" algn="ctr">
+                      <a:solidFill>
+                        <a:srgbClr val="000000"/>
+                      </a:solidFill>
+                    </a:lnL>
+                  </a:tcPr>
+                </a:tc>
+                <a:tc vMerge="1">
+                  <a:txBody>
+                    <a:bodyPr/>
+                    <a:p>
+                      <a:pPr>
+                        <a:defRPr/>
+                      </a:pPr>
+                      <a:endParaRPr/>
+                    </a:p>
+                  </a:txBody>
+                  <a:tcPr/>
+                </a:tc>
+                <a:tc>
+                  <a:txBody>
+                    <a:bodyPr/>
+                    <a:p>
+                      <a:pPr algn="ctr">
+                        <a:defRPr/>
+                      </a:pPr>
+                      <a:r>
+                        <a:rPr/>
+                        <a:t>protected</a:t>
+                      </a:r>
+                      <a:endParaRPr/>
+                    </a:p>
+                  </a:txBody>
+                  <a:tcPr anchor="ctr">
+                    <a:lnR w="28575" algn="ctr">
+                      <a:solidFill>
+                        <a:srgbClr val="000000"/>
+                      </a:solidFill>
+                    </a:lnR>
+                  </a:tcPr>
+                </a:tc>
+              </a:tr>
+              <a:tr h="0">
+                <a:tc>
+                  <a:txBody>
+                    <a:bodyPr/>
+                    <a:p>
+                      <a:pPr algn="ctr">
+                        <a:defRPr/>
+                      </a:pPr>
+                      <a:r>
+                        <a:rPr/>
+                        <a:t>private</a:t>
+                      </a:r>
+                      <a:endParaRPr/>
+                    </a:p>
+                  </a:txBody>
+                  <a:tcPr anchor="ctr">
+                    <a:lnL w="28575" algn="ctr">
+                      <a:solidFill>
+                        <a:srgbClr val="000000"/>
+                      </a:solidFill>
+                    </a:lnL>
+                    <a:lnB w="28575" algn="ctr">
+                      <a:solidFill>
+                        <a:srgbClr val="000000"/>
+                      </a:solidFill>
+                    </a:lnB>
+                  </a:tcPr>
+                </a:tc>
+                <a:tc vMerge="1">
+                  <a:txBody>
+                    <a:bodyPr/>
+                    <a:p>
+                      <a:pPr>
+                        <a:defRPr/>
+                      </a:pPr>
+                      <a:endParaRPr/>
+                    </a:p>
+                  </a:txBody>
+                  <a:tcPr>
+                    <a:lnB w="28575" algn="ctr">
+                      <a:solidFill>
+                        <a:srgbClr val="000000"/>
+                      </a:solidFill>
+                    </a:lnB>
+                  </a:tcPr>
+                </a:tc>
+                <a:tc>
+                  <a:txBody>
+                    <a:bodyPr/>
+                    <a:p>
+                      <a:pPr algn="ctr">
+                        <a:defRPr/>
+                      </a:pPr>
+                      <a:r>
+                        <a:rPr/>
+                        <a:t>-</a:t>
+                      </a:r>
+                      <a:endParaRPr/>
+                    </a:p>
+                  </a:txBody>
+                  <a:tcPr anchor="ctr">
+                    <a:lnR w="28575" algn="ctr">
+                      <a:solidFill>
+                        <a:srgbClr val="000000"/>
+                      </a:solidFill>
+                    </a:lnR>
+                    <a:lnB w="28575" algn="ctr">
+                      <a:solidFill>
+                        <a:srgbClr val="000000"/>
+                      </a:solidFill>
+                    </a:lnB>
+                  </a:tcPr>
+                </a:tc>
+              </a:tr>
+              <a:tr h="490262">
+                <a:tc>
+                  <a:txBody>
+                    <a:bodyPr/>
+                    <a:p>
+                      <a:pPr algn="ctr">
+                        <a:defRPr/>
+                      </a:pPr>
+                      <a:r>
+                        <a:rPr/>
+                        <a:t>public </a:t>
+                      </a:r>
+                      <a:endParaRPr/>
+                    </a:p>
+                  </a:txBody>
+                  <a:tcPr anchor="ctr">
+                    <a:lnL w="28575" algn="ctr">
+                      <a:solidFill>
+                        <a:srgbClr val="000000"/>
+                      </a:solidFill>
+                    </a:lnL>
+                    <a:lnT w="28575" algn="ctr">
+                      <a:solidFill>
+                        <a:srgbClr val="000000"/>
+                      </a:solidFill>
+                    </a:lnT>
+                  </a:tcPr>
+                </a:tc>
+                <a:tc rowSpan="3">
+                  <a:txBody>
+                    <a:bodyPr/>
+                    <a:p>
+                      <a:pPr algn="ctr">
+                        <a:defRPr/>
+                      </a:pPr>
+                      <a:r>
+                        <a:rPr sz="2200"/>
+                        <a:t>protected</a:t>
+                      </a:r>
+                      <a:endParaRPr sz="2200"/>
+                    </a:p>
+                    <a:p>
+                      <a:pPr algn="ctr">
+                        <a:defRPr/>
+                      </a:pPr>
+                      <a:endParaRPr sz="2200"/>
+                    </a:p>
+                  </a:txBody>
+                  <a:tcPr anchor="ctr">
+                    <a:lnT w="28575" algn="ctr">
+                      <a:solidFill>
+                        <a:srgbClr val="000000"/>
+                      </a:solidFill>
+                    </a:lnT>
+                  </a:tcPr>
+                </a:tc>
+                <a:tc>
+                  <a:txBody>
+                    <a:bodyPr/>
+                    <a:p>
+                      <a:pPr algn="ctr">
+                        <a:defRPr/>
+                      </a:pPr>
+                      <a:r>
+                        <a:rPr lang="en-US" sz="1800" b="0" i="0" u="none" strike="noStrike" cap="none" spc="0">
+                          <a:solidFill>
+                            <a:schemeClr val="dk1"/>
+                          </a:solidFill>
+                          <a:latin typeface="Trebuchet MS"/>
+                          <a:ea typeface="Arial"/>
+                          <a:cs typeface="Arial"/>
+                        </a:rPr>
+                        <a:t>protected</a:t>
+                      </a:r>
+                      <a:endParaRPr/>
+                    </a:p>
+                  </a:txBody>
+                  <a:tcPr anchor="ctr">
+                    <a:lnR w="28575" algn="ctr">
+                      <a:solidFill>
+                        <a:srgbClr val="000000"/>
+                      </a:solidFill>
+                    </a:lnR>
+                    <a:lnT w="28575" algn="ctr">
+                      <a:solidFill>
+                        <a:srgbClr val="000000"/>
+                      </a:solidFill>
+                    </a:lnT>
+                  </a:tcPr>
+                </a:tc>
+              </a:tr>
+              <a:tr h="441085">
+                <a:tc>
+                  <a:txBody>
+                    <a:bodyPr/>
+                    <a:p>
+                      <a:pPr algn="ctr">
+                        <a:defRPr/>
+                      </a:pPr>
+                      <a:r>
+                        <a:rPr/>
+                        <a:t>protected</a:t>
+                      </a:r>
+                      <a:endParaRPr/>
+                    </a:p>
+                  </a:txBody>
+                  <a:tcPr anchor="ctr">
+                    <a:lnL w="28575" algn="ctr">
+                      <a:solidFill>
+                        <a:srgbClr val="000000"/>
+                      </a:solidFill>
+                    </a:lnL>
+                  </a:tcPr>
+                </a:tc>
+                <a:tc vMerge="1">
+                  <a:txBody>
+                    <a:bodyPr/>
+                    <a:p>
+                      <a:pPr>
+                        <a:defRPr/>
+                      </a:pPr>
+                      <a:endParaRPr/>
+                    </a:p>
+                  </a:txBody>
+                  <a:tcPr/>
+                </a:tc>
+                <a:tc>
+                  <a:txBody>
+                    <a:bodyPr/>
+                    <a:p>
+                      <a:pPr algn="ctr">
+                        <a:defRPr/>
+                      </a:pPr>
+                      <a:r>
+                        <a:rPr lang="en-US" sz="1800" b="0" i="0" u="none" strike="noStrike" cap="none" spc="0">
+                          <a:solidFill>
+                            <a:schemeClr val="dk1"/>
+                          </a:solidFill>
+                          <a:latin typeface="Trebuchet MS"/>
+                          <a:ea typeface="Arial"/>
+                          <a:cs typeface="Arial"/>
+                        </a:rPr>
+                        <a:t>protected</a:t>
+                      </a:r>
+                      <a:endParaRPr/>
+                    </a:p>
+                  </a:txBody>
+                  <a:tcPr anchor="ctr">
+                    <a:lnR w="28575" algn="ctr">
+                      <a:solidFill>
+                        <a:srgbClr val="000000"/>
+                      </a:solidFill>
+                    </a:lnR>
+                  </a:tcPr>
+                </a:tc>
+              </a:tr>
+              <a:tr h="97616">
+                <a:tc>
+                  <a:txBody>
+                    <a:bodyPr/>
+                    <a:p>
+                      <a:pPr algn="ctr">
+                        <a:defRPr/>
+                      </a:pPr>
+                      <a:r>
+                        <a:rPr/>
+                        <a:t>private</a:t>
+                      </a:r>
+                      <a:endParaRPr/>
+                    </a:p>
+                  </a:txBody>
+                  <a:tcPr anchor="ctr">
+                    <a:lnL w="28575" algn="ctr">
+                      <a:solidFill>
+                        <a:srgbClr val="000000"/>
+                      </a:solidFill>
+                    </a:lnL>
+                    <a:lnB w="28575" algn="ctr">
+                      <a:solidFill>
+                        <a:srgbClr val="000000"/>
+                      </a:solidFill>
+                    </a:lnB>
+                  </a:tcPr>
+                </a:tc>
+                <a:tc vMerge="1">
+                  <a:txBody>
+                    <a:bodyPr/>
+                    <a:p>
+                      <a:pPr>
+                        <a:defRPr/>
+                      </a:pPr>
+                      <a:endParaRPr/>
+                    </a:p>
+                  </a:txBody>
+                  <a:tcPr>
+                    <a:lnB w="28575" algn="ctr">
+                      <a:solidFill>
+                        <a:srgbClr val="000000"/>
+                      </a:solidFill>
+                    </a:lnB>
+                  </a:tcPr>
+                </a:tc>
+                <a:tc>
+                  <a:txBody>
+                    <a:bodyPr/>
+                    <a:p>
+                      <a:pPr algn="ctr">
+                        <a:defRPr/>
+                      </a:pPr>
+                      <a:r>
+                        <a:rPr/>
+                        <a:t>-</a:t>
+                      </a:r>
+                      <a:endParaRPr/>
+                    </a:p>
+                  </a:txBody>
+                  <a:tcPr anchor="ctr">
+                    <a:lnR w="28575" algn="ctr">
+                      <a:solidFill>
+                        <a:srgbClr val="000000"/>
+                      </a:solidFill>
+                    </a:lnR>
+                    <a:lnB w="28575" algn="ctr">
+                      <a:solidFill>
+                        <a:srgbClr val="000000"/>
+                      </a:solidFill>
+                    </a:lnB>
+                  </a:tcPr>
+                </a:tc>
+              </a:tr>
+              <a:tr h="490262">
+                <a:tc>
+                  <a:txBody>
+                    <a:bodyPr/>
+                    <a:p>
+                      <a:pPr algn="ctr">
+                        <a:defRPr/>
+                      </a:pPr>
+                      <a:r>
+                        <a:rPr/>
+                        <a:t>public </a:t>
+                      </a:r>
+                      <a:endParaRPr/>
+                    </a:p>
+                  </a:txBody>
+                  <a:tcPr anchor="ctr">
+                    <a:lnL w="28575" algn="ctr">
+                      <a:solidFill>
+                        <a:srgbClr val="000000"/>
+                      </a:solidFill>
+                    </a:lnL>
+                    <a:lnT w="28575" algn="ctr">
+                      <a:solidFill>
+                        <a:srgbClr val="000000"/>
+                      </a:solidFill>
+                    </a:lnT>
+                  </a:tcPr>
+                </a:tc>
+                <a:tc rowSpan="3">
+                  <a:txBody>
+                    <a:bodyPr/>
+                    <a:p>
+                      <a:pPr algn="ctr">
+                        <a:defRPr/>
+                      </a:pPr>
+                      <a:r>
+                        <a:rPr sz="2200"/>
+                        <a:t>private</a:t>
+                      </a:r>
+                      <a:endParaRPr sz="2200"/>
+                    </a:p>
+                  </a:txBody>
+                  <a:tcPr anchor="ctr">
+                    <a:lnT w="28575" algn="ctr">
+                      <a:solidFill>
+                        <a:srgbClr val="000000"/>
+                      </a:solidFill>
+                    </a:lnT>
+                  </a:tcPr>
+                </a:tc>
+                <a:tc>
+                  <a:txBody>
+                    <a:bodyPr/>
+                    <a:p>
+                      <a:pPr algn="ctr">
+                        <a:defRPr/>
+                      </a:pPr>
+                      <a:r>
+                        <a:rPr lang="en-US" sz="1800" b="0" i="0" u="none" strike="noStrike" cap="none" spc="0">
+                          <a:solidFill>
+                            <a:schemeClr val="dk1"/>
+                          </a:solidFill>
+                          <a:latin typeface="Trebuchet MS"/>
+                          <a:ea typeface="Arial"/>
+                          <a:cs typeface="Arial"/>
+                        </a:rPr>
+                        <a:t>private</a:t>
+                      </a:r>
+                      <a:endParaRPr/>
+                    </a:p>
+                  </a:txBody>
+                  <a:tcPr anchor="ctr">
+                    <a:lnR w="28575" algn="ctr">
+                      <a:solidFill>
+                        <a:srgbClr val="000000"/>
+                      </a:solidFill>
+                    </a:lnR>
+                    <a:lnT w="28575" algn="ctr">
+                      <a:solidFill>
+                        <a:srgbClr val="000000"/>
+                      </a:solidFill>
+                    </a:lnT>
+                  </a:tcPr>
+                </a:tc>
+              </a:tr>
+              <a:tr h="441085">
+                <a:tc>
+                  <a:txBody>
+                    <a:bodyPr/>
+                    <a:p>
+                      <a:pPr algn="ctr">
+                        <a:defRPr/>
+                      </a:pPr>
+                      <a:r>
+                        <a:rPr/>
+                        <a:t>protected</a:t>
+                      </a:r>
+                      <a:endParaRPr/>
+                    </a:p>
+                  </a:txBody>
+                  <a:tcPr anchor="ctr">
+                    <a:lnL w="28575" algn="ctr">
+                      <a:solidFill>
+                        <a:srgbClr val="000000"/>
+                      </a:solidFill>
+                    </a:lnL>
+                  </a:tcPr>
+                </a:tc>
+                <a:tc vMerge="1">
+                  <a:txBody>
+                    <a:bodyPr/>
+                    <a:p>
+                      <a:pPr>
+                        <a:defRPr/>
+                      </a:pPr>
+                      <a:endParaRPr/>
+                    </a:p>
+                  </a:txBody>
+                  <a:tcPr/>
+                </a:tc>
+                <a:tc>
+                  <a:txBody>
+                    <a:bodyPr/>
+                    <a:p>
+                      <a:pPr algn="ctr">
+                        <a:defRPr/>
+                      </a:pPr>
+                      <a:r>
+                        <a:rPr lang="en-US" sz="1800" b="0" i="0" u="none" strike="noStrike" cap="none" spc="0">
+                          <a:solidFill>
+                            <a:schemeClr val="dk1"/>
+                          </a:solidFill>
+                          <a:latin typeface="Trebuchet MS"/>
+                          <a:ea typeface="Arial"/>
+                          <a:cs typeface="Arial"/>
+                        </a:rPr>
+                        <a:t>private</a:t>
+                      </a:r>
+                      <a:endParaRPr/>
+                    </a:p>
+                  </a:txBody>
+                  <a:tcPr anchor="ctr">
+                    <a:lnR w="28575" algn="ctr">
+                      <a:solidFill>
+                        <a:srgbClr val="000000"/>
+                      </a:solidFill>
+                    </a:lnR>
+                  </a:tcPr>
+                </a:tc>
+              </a:tr>
+              <a:tr h="116007">
+                <a:tc>
+                  <a:txBody>
+                    <a:bodyPr/>
+                    <a:p>
+                      <a:pPr algn="ctr">
+                        <a:defRPr/>
+                      </a:pPr>
+                      <a:r>
+                        <a:rPr/>
+                        <a:t>private</a:t>
+                      </a:r>
+                      <a:endParaRPr/>
+                    </a:p>
+                  </a:txBody>
+                  <a:tcPr anchor="ctr">
+                    <a:lnL w="28575" algn="ctr">
+                      <a:solidFill>
+                        <a:srgbClr val="000000"/>
+                      </a:solidFill>
+                    </a:lnL>
+                    <a:lnB w="28575" algn="ctr">
+                      <a:solidFill>
+                        <a:srgbClr val="000000"/>
+                      </a:solidFill>
+                    </a:lnB>
+                  </a:tcPr>
+                </a:tc>
+                <a:tc vMerge="1">
+                  <a:txBody>
+                    <a:bodyPr/>
+                    <a:p>
+                      <a:pPr>
+                        <a:defRPr/>
+                      </a:pPr>
+                      <a:endParaRPr/>
+                    </a:p>
+                  </a:txBody>
+                  <a:tcPr>
+                    <a:lnB w="28575" algn="ctr">
+                      <a:solidFill>
+                        <a:srgbClr val="000000"/>
+                      </a:solidFill>
+                    </a:lnB>
+                  </a:tcPr>
+                </a:tc>
+                <a:tc>
+                  <a:txBody>
+                    <a:bodyPr/>
+                    <a:p>
+                      <a:pPr algn="ctr">
+                        <a:defRPr/>
+                      </a:pPr>
+                      <a:r>
+                        <a:rPr/>
+                        <a:t>-</a:t>
+                      </a:r>
+                      <a:endParaRPr/>
+                    </a:p>
+                  </a:txBody>
+                  <a:tcPr anchor="ctr">
+                    <a:lnR w="28575" algn="ctr">
+                      <a:solidFill>
+                        <a:srgbClr val="000000"/>
+                      </a:solidFill>
+                    </a:lnR>
+                    <a:lnB w="28575" algn="ctr">
+                      <a:solidFill>
+                        <a:srgbClr val="000000"/>
+                      </a:solidFill>
+                    </a:lnB>
+                  </a:tcPr>
+                </a:tc>
+              </a:tr>
+            </a:tbl>
+          </a:graphicData>
+        </a:graphic>
+      </p:graphicFrame>
+      <p:sp>
+        <p:nvSpPr>
+          <p:cNvPr id="1646576132" name=""/>
+          <p:cNvSpPr txBox="1"/>
+          <p:nvPr/>
+        </p:nvSpPr>
+        <p:spPr bwMode="auto">
+          <a:xfrm flipH="0" flipV="0">
+            <a:off x="8221498" y="6313713"/>
+            <a:ext cx="3533432" cy="366119"/>
+          </a:xfrm>
+          <a:prstGeom prst="rect">
+            <a:avLst/>
+          </a:prstGeom>
+          <a:noFill/>
+        </p:spPr>
+        <p:txBody>
+          <a:bodyPr vertOverflow="overflow" horzOverflow="overflow" vert="horz" wrap="none" lIns="91440" tIns="45720" rIns="91440" bIns="45720" numCol="1" spcCol="0" rtlCol="0" fromWordArt="0" anchor="t" anchorCtr="0" forceAA="0" upright="0" compatLnSpc="0">
+            <a:spAutoFit/>
+          </a:bodyPr>
+          <a:p>
+            <a:pPr>
+              <a:defRPr/>
+            </a:pPr>
+            <a:r>
+              <a:rPr/>
+              <a:t>examples/4_inheritance_correct</a:t>
+            </a:r>
+            <a:endParaRPr/>
+          </a:p>
+        </p:txBody>
+      </p:sp>
     </p:spTree>
   </p:cSld>
   <p:clrMapOvr>
     <a:masterClrMapping/>
   </p:clrMapOvr>
-  <mc:AlternateContent xmlns:mc="http://schemas.openxmlformats.org/markup-compatibility/2006" xmlns:p14="http://schemas.microsoft.com/office/powerpoint/2010/main">
-    <mc:Choice Requires="p14">
-      <p:transition spd="slow" p14:dur="2000"/>
+  <mc:AlternateContent xmlns:mc="http://schemas.openxmlformats.org/markup-compatibility/2006">
+    <mc:Choice xmlns:p14="http://schemas.microsoft.com/office/powerpoint/2010/main" Requires="p14">
+      <p:transition p14:dur="2000" advClick="1"/>
     </mc:Choice>
-    <mc:Fallback xmlns="" xmlns:m="http://schemas.openxmlformats.org/officeDocument/2006/math" xmlns:w="http://schemas.openxmlformats.org/wordprocessingml/2006/main">
+    <mc:Fallback>
       <p:transition advClick="1"/>
     </mc:Fallback>
   </mc:AlternateContent>
@@ -13985,8 +14334,8 @@
 </file>
 
 <file path=ppt/slides/slide5.xml><?xml version="1.0" encoding="utf-8"?>
-<p:sld xmlns:a="http://schemas.openxmlformats.org/drawingml/2006/main" xmlns:r="http://schemas.openxmlformats.org/officeDocument/2006/relationships" xmlns:p="http://schemas.openxmlformats.org/presentationml/2006/main" showMasterPhAnim="0">
-  <p:cSld>
+<p:sld xmlns:a="http://schemas.openxmlformats.org/drawingml/2006/main" xmlns:r="http://schemas.openxmlformats.org/officeDocument/2006/relationships" xmlns:p="http://schemas.openxmlformats.org/presentationml/2006/main" xmlns:m="http://schemas.openxmlformats.org/officeDocument/2006/math" xmlns:w="http://schemas.openxmlformats.org/wordprocessingml/2006/main" showMasterPhAnim="0" show="1">
+  <p:cSld name="">
     <p:spTree>
       <p:nvGrpSpPr>
         <p:cNvPr id="1" name=""/>
@@ -14028,40 +14377,59 @@
           <a:lstStyle/>
           <a:p>
             <a:pPr>
-              <a:defRPr/>
-            </a:pPr>
-            <a:r>
-              <a:rPr lang="ru-RU" dirty="0"/>
+              <a:buClr>
+                <a:schemeClr val="accent1"/>
+              </a:buClr>
+              <a:buSzPct val="80000"/>
+              <a:buFont typeface="Wingdings"/>
+              <a:buChar char="Ø"/>
+              <a:defRPr/>
+            </a:pPr>
+            <a:r>
+              <a:rPr lang="ru-RU"/>
               <a:t>Конструкторы вызываются в порядке иерархии наследования классов, деструкторы - в обратном порядке </a:t>
             </a:r>
+            <a:endParaRPr/>
           </a:p>
           <a:p>
             <a:pPr>
-              <a:defRPr/>
-            </a:pPr>
-            <a:r>
-              <a:rPr lang="ru-RU" dirty="0"/>
+              <a:buClr>
+                <a:schemeClr val="accent1"/>
+              </a:buClr>
+              <a:buSzPct val="80000"/>
+              <a:buFont typeface="Wingdings"/>
+              <a:buChar char="Ø"/>
+              <a:defRPr/>
+            </a:pPr>
+            <a:r>
+              <a:rPr lang="ru-RU"/>
               <a:t>Поскольку базовый класс "ничего не знает" ни о каком производном классе, операции по инициализации, которые ему нужно выполнить, не зависят от операций инициализации, выполняемых производным классом, но, возможно, создают предварительные условия для последующей работы. Поэтому конструктор базового класса должен выполняться первым</a:t>
             </a:r>
-            <a:endParaRPr dirty="0"/>
+            <a:endParaRPr/>
           </a:p>
           <a:p>
             <a:pPr>
-              <a:defRPr/>
-            </a:pPr>
-            <a:r>
-              <a:rPr lang="ru-RU" dirty="0"/>
+              <a:buClr>
+                <a:schemeClr val="accent1"/>
+              </a:buClr>
+              <a:buSzPct val="80000"/>
+              <a:buFont typeface="Wingdings"/>
+              <a:buChar char="Ø"/>
+              <a:defRPr/>
+            </a:pPr>
+            <a:r>
+              <a:rPr lang="ru-RU"/>
               <a:t>Поскольку базовый класс лежит в основе производного класса, разрушение </a:t>
             </a:r>
             <a:r>
-              <a:rPr lang="ru-RU" dirty="0" smtClean="0"/>
+              <a:rPr lang="ru-RU"/>
               <a:t>объекта базового </a:t>
             </a:r>
             <a:r>
-              <a:rPr lang="ru-RU" dirty="0"/>
+              <a:rPr lang="ru-RU"/>
               <a:t>класса подразумевает разрушение производного. Следовательно, деструктор производного класса имеет смысл вызвать до того, как объект будет полностью разрушен</a:t>
             </a:r>
-            <a:endParaRPr lang="en-US" dirty="0"/>
+            <a:endParaRPr lang="en-US"/>
           </a:p>
         </p:txBody>
       </p:sp>
@@ -14136,11 +14504,11 @@
   <p:clrMapOvr>
     <a:masterClrMapping/>
   </p:clrMapOvr>
-  <mc:AlternateContent xmlns:mc="http://schemas.openxmlformats.org/markup-compatibility/2006" xmlns:p14="http://schemas.microsoft.com/office/powerpoint/2010/main">
-    <mc:Choice Requires="p14">
-      <p:transition spd="slow" p14:dur="2000"/>
+  <mc:AlternateContent xmlns:mc="http://schemas.openxmlformats.org/markup-compatibility/2006">
+    <mc:Choice xmlns:p14="http://schemas.microsoft.com/office/powerpoint/2010/main" Requires="p14">
+      <p:transition p14:dur="2000" advClick="1"/>
     </mc:Choice>
-    <mc:Fallback xmlns="" xmlns:m="http://schemas.openxmlformats.org/officeDocument/2006/math" xmlns:w="http://schemas.openxmlformats.org/wordprocessingml/2006/main">
+    <mc:Fallback>
       <p:transition advClick="1"/>
     </mc:Fallback>
   </mc:AlternateContent>
@@ -14155,8 +14523,8 @@
 </file>
 
 <file path=ppt/slides/slide6.xml><?xml version="1.0" encoding="utf-8"?>
-<p:sld xmlns:a="http://schemas.openxmlformats.org/drawingml/2006/main" xmlns:r="http://schemas.openxmlformats.org/officeDocument/2006/relationships" xmlns:p="http://schemas.openxmlformats.org/presentationml/2006/main" showMasterPhAnim="0">
-  <p:cSld>
+<p:sld xmlns:a="http://schemas.openxmlformats.org/drawingml/2006/main" xmlns:r="http://schemas.openxmlformats.org/officeDocument/2006/relationships" xmlns:p="http://schemas.openxmlformats.org/presentationml/2006/main" xmlns:m="http://schemas.openxmlformats.org/officeDocument/2006/math" xmlns:w="http://schemas.openxmlformats.org/wordprocessingml/2006/main" showMasterPhAnim="0" show="1">
+  <p:cSld name="">
     <p:spTree>
       <p:nvGrpSpPr>
         <p:cNvPr id="1" name=""/>
@@ -14310,10 +14678,6 @@
             <a:r>
               <a:rPr lang="ru-RU"/>
               <a:t>Наследование. Ромбовидное наследование</a:t>
-            </a:r>
-            <a:r>
-              <a:rPr lang="en-US"/>
-              <a:t/>
             </a:r>
             <a:br>
               <a:rPr lang="en-US"/>
@@ -14468,6 +14832,7 @@
               </a:rPr>
               <a:t>B</a:t>
             </a:r>
+            <a:endParaRPr/>
           </a:p>
         </p:txBody>
       </p:sp>
@@ -14525,6 +14890,7 @@
               </a:rPr>
               <a:t>C</a:t>
             </a:r>
+            <a:endParaRPr/>
           </a:p>
         </p:txBody>
       </p:sp>
@@ -14582,6 +14948,7 @@
               </a:rPr>
               <a:t>D</a:t>
             </a:r>
+            <a:endParaRPr/>
           </a:p>
         </p:txBody>
       </p:sp>
@@ -14908,6 +15275,7 @@
               </a:rPr>
               <a:t>B</a:t>
             </a:r>
+            <a:endParaRPr/>
           </a:p>
         </p:txBody>
       </p:sp>
@@ -14965,6 +15333,7 @@
               </a:rPr>
               <a:t>C</a:t>
             </a:r>
+            <a:endParaRPr/>
           </a:p>
         </p:txBody>
       </p:sp>
@@ -15022,6 +15391,7 @@
               </a:rPr>
               <a:t>D</a:t>
             </a:r>
+            <a:endParaRPr/>
           </a:p>
         </p:txBody>
       </p:sp>
@@ -15254,11 +15624,11 @@
   <p:clrMapOvr>
     <a:masterClrMapping/>
   </p:clrMapOvr>
-  <mc:AlternateContent xmlns:mc="http://schemas.openxmlformats.org/markup-compatibility/2006" xmlns:p14="http://schemas.microsoft.com/office/powerpoint/2010/main">
-    <mc:Choice Requires="p14">
-      <p:transition spd="slow" p14:dur="2000"/>
+  <mc:AlternateContent xmlns:mc="http://schemas.openxmlformats.org/markup-compatibility/2006">
+    <mc:Choice xmlns:p14="http://schemas.microsoft.com/office/powerpoint/2010/main" Requires="p14">
+      <p:transition p14:dur="2000" advClick="1"/>
     </mc:Choice>
-    <mc:Fallback xmlns="" xmlns:m="http://schemas.openxmlformats.org/officeDocument/2006/math" xmlns:w="http://schemas.openxmlformats.org/wordprocessingml/2006/main">
+    <mc:Fallback>
       <p:transition advClick="1"/>
     </mc:Fallback>
   </mc:AlternateContent>
@@ -15273,8 +15643,8 @@
 </file>
 
 <file path=ppt/slides/slide7.xml><?xml version="1.0" encoding="utf-8"?>
-<p:sld xmlns:a="http://schemas.openxmlformats.org/drawingml/2006/main" xmlns:r="http://schemas.openxmlformats.org/officeDocument/2006/relationships" xmlns:p="http://schemas.openxmlformats.org/presentationml/2006/main" showMasterPhAnim="0">
-  <p:cSld>
+<p:sld xmlns:a="http://schemas.openxmlformats.org/drawingml/2006/main" xmlns:r="http://schemas.openxmlformats.org/officeDocument/2006/relationships" xmlns:p="http://schemas.openxmlformats.org/presentationml/2006/main" xmlns:m="http://schemas.openxmlformats.org/officeDocument/2006/math" xmlns:w="http://schemas.openxmlformats.org/wordprocessingml/2006/main" showMasterPhAnim="0" show="1">
+  <p:cSld name="">
     <p:spTree>
       <p:nvGrpSpPr>
         <p:cNvPr id="1" name=""/>
@@ -15328,10 +15698,6 @@
             <a:r>
               <a:rPr lang="ru-RU"/>
               <a:t>Наследование. Ромбовидное наследование </a:t>
-            </a:r>
-            <a:r>
-              <a:rPr lang="en-US"/>
-              <a:t/>
             </a:r>
             <a:br>
               <a:rPr lang="en-US"/>
@@ -15429,6 +15795,7 @@
               <a:rPr lang="en-US"/>
               <a:t>i</a:t>
             </a:r>
+            <a:endParaRPr/>
           </a:p>
         </p:txBody>
       </p:sp>
@@ -15594,6 +15961,7 @@
               <a:rPr lang="ru-RU"/>
               <a:t>Не ок</a:t>
             </a:r>
+            <a:endParaRPr/>
           </a:p>
           <a:p>
             <a:pPr>
@@ -15657,7 +16025,7 @@
         </p:nvPicPr>
         <p:blipFill>
           <a:blip r:embed="rId9"/>
-          <a:srcRect t="23675"/>
+          <a:srcRect l="0" t="23675" r="0" b="0"/>
           <a:stretch/>
         </p:blipFill>
         <p:spPr bwMode="auto">
@@ -15719,11 +16087,11 @@
   <p:clrMapOvr>
     <a:masterClrMapping/>
   </p:clrMapOvr>
-  <mc:AlternateContent xmlns:mc="http://schemas.openxmlformats.org/markup-compatibility/2006" xmlns:p14="http://schemas.microsoft.com/office/powerpoint/2010/main">
-    <mc:Choice Requires="p14">
-      <p:transition spd="slow" p14:dur="2000"/>
+  <mc:AlternateContent xmlns:mc="http://schemas.openxmlformats.org/markup-compatibility/2006">
+    <mc:Choice xmlns:p14="http://schemas.microsoft.com/office/powerpoint/2010/main" Requires="p14">
+      <p:transition p14:dur="2000" advClick="1"/>
     </mc:Choice>
-    <mc:Fallback xmlns="" xmlns:m="http://schemas.openxmlformats.org/officeDocument/2006/math" xmlns:w="http://schemas.openxmlformats.org/wordprocessingml/2006/main">
+    <mc:Fallback>
       <p:transition advClick="1"/>
     </mc:Fallback>
   </mc:AlternateContent>
@@ -15738,8 +16106,8 @@
 </file>
 
 <file path=ppt/slides/slide8.xml><?xml version="1.0" encoding="utf-8"?>
-<p:sld xmlns:a="http://schemas.openxmlformats.org/drawingml/2006/main" xmlns:r="http://schemas.openxmlformats.org/officeDocument/2006/relationships" xmlns:p="http://schemas.openxmlformats.org/presentationml/2006/main" showMasterPhAnim="0">
-  <p:cSld>
+<p:sld xmlns:a="http://schemas.openxmlformats.org/drawingml/2006/main" xmlns:r="http://schemas.openxmlformats.org/officeDocument/2006/relationships" xmlns:p="http://schemas.openxmlformats.org/presentationml/2006/main" xmlns:m="http://schemas.openxmlformats.org/officeDocument/2006/math" xmlns:w="http://schemas.openxmlformats.org/wordprocessingml/2006/main" showMasterPhAnim="0" show="1">
+  <p:cSld name="">
     <p:spTree>
       <p:nvGrpSpPr>
         <p:cNvPr id="1" name=""/>
@@ -15871,10 +16239,6 @@
               <a:rPr lang="ru-RU"/>
               <a:t>Наследование. Ромбовидное наследование </a:t>
             </a:r>
-            <a:r>
-              <a:rPr lang="en-US"/>
-              <a:t/>
-            </a:r>
             <a:br>
               <a:rPr lang="en-US"/>
             </a:br>
@@ -15926,7 +16290,7 @@
         </p:nvPicPr>
         <p:blipFill>
           <a:blip r:embed="rId3"/>
-          <a:srcRect l="896" t="10543"/>
+          <a:srcRect l="896" t="10543" r="0" b="0"/>
           <a:stretch/>
         </p:blipFill>
         <p:spPr bwMode="auto">
@@ -16281,11 +16645,11 @@
   <p:clrMapOvr>
     <a:masterClrMapping/>
   </p:clrMapOvr>
-  <mc:AlternateContent xmlns:mc="http://schemas.openxmlformats.org/markup-compatibility/2006" xmlns:p14="http://schemas.microsoft.com/office/powerpoint/2010/main">
-    <mc:Choice Requires="p14">
-      <p:transition spd="slow" p14:dur="2000"/>
+  <mc:AlternateContent xmlns:mc="http://schemas.openxmlformats.org/markup-compatibility/2006">
+    <mc:Choice xmlns:p14="http://schemas.microsoft.com/office/powerpoint/2010/main" Requires="p14">
+      <p:transition p14:dur="2000" advClick="1"/>
     </mc:Choice>
-    <mc:Fallback xmlns="" xmlns:m="http://schemas.openxmlformats.org/officeDocument/2006/math" xmlns:w="http://schemas.openxmlformats.org/wordprocessingml/2006/main">
+    <mc:Fallback>
       <p:transition advClick="1"/>
     </mc:Fallback>
   </mc:AlternateContent>
@@ -16300,8 +16664,8 @@
 </file>
 
 <file path=ppt/slides/slide9.xml><?xml version="1.0" encoding="utf-8"?>
-<p:sld xmlns:a="http://schemas.openxmlformats.org/drawingml/2006/main" xmlns:r="http://schemas.openxmlformats.org/officeDocument/2006/relationships" xmlns:p="http://schemas.openxmlformats.org/presentationml/2006/main" showMasterPhAnim="0">
-  <p:cSld>
+<p:sld xmlns:a="http://schemas.openxmlformats.org/drawingml/2006/main" xmlns:r="http://schemas.openxmlformats.org/officeDocument/2006/relationships" xmlns:p="http://schemas.openxmlformats.org/presentationml/2006/main" xmlns:m="http://schemas.openxmlformats.org/officeDocument/2006/math" xmlns:w="http://schemas.openxmlformats.org/wordprocessingml/2006/main" showMasterPhAnim="0" show="1">
+  <p:cSld name="">
     <p:spTree>
       <p:nvGrpSpPr>
         <p:cNvPr id="1" name=""/>
@@ -16470,11 +16834,11 @@
   <p:clrMapOvr>
     <a:masterClrMapping/>
   </p:clrMapOvr>
-  <mc:AlternateContent xmlns:mc="http://schemas.openxmlformats.org/markup-compatibility/2006" xmlns:p14="http://schemas.microsoft.com/office/powerpoint/2010/main">
-    <mc:Choice Requires="p14">
-      <p:transition spd="slow" p14:dur="2000"/>
+  <mc:AlternateContent xmlns:mc="http://schemas.openxmlformats.org/markup-compatibility/2006">
+    <mc:Choice xmlns:p14="http://schemas.microsoft.com/office/powerpoint/2010/main" Requires="p14">
+      <p:transition p14:dur="2000" advClick="1"/>
     </mc:Choice>
-    <mc:Fallback xmlns="" xmlns:m="http://schemas.openxmlformats.org/officeDocument/2006/math" xmlns:w="http://schemas.openxmlformats.org/wordprocessingml/2006/main">
+    <mc:Fallback>
       <p:transition advClick="1"/>
     </mc:Fallback>
   </mc:AlternateContent>
@@ -16489,7 +16853,7 @@
 </file>
 
 <file path=ppt/theme/theme1.xml><?xml version="1.0" encoding="utf-8"?>
-<a:theme xmlns:a="http://schemas.openxmlformats.org/drawingml/2006/main" name="Грань">
+<a:theme xmlns:a="http://schemas.openxmlformats.org/drawingml/2006/main" xmlns:r="http://schemas.openxmlformats.org/officeDocument/2006/relationships" xmlns:p="http://schemas.openxmlformats.org/presentationml/2006/main" name="Грань">
   <a:themeElements>
     <a:clrScheme name="Грань">
       <a:dk1>
@@ -16671,267 +17035,5 @@
     </a:fmtScheme>
   </a:themeElements>
   <a:objectDefaults/>
-  <a:extraClrSchemeLst/>
-</a:theme>
-</file>
-
-<file path=ppt/theme/theme2.xml><?xml version="1.0" encoding="utf-8"?>
-<a:theme xmlns:a="http://schemas.openxmlformats.org/drawingml/2006/main" name="Тема Office">
-  <a:themeElements>
-    <a:clrScheme name="Стандартная">
-      <a:dk1>
-        <a:sysClr val="windowText" lastClr="000000"/>
-      </a:dk1>
-      <a:lt1>
-        <a:sysClr val="window" lastClr="FFFFFF"/>
-      </a:lt1>
-      <a:dk2>
-        <a:srgbClr val="44546A"/>
-      </a:dk2>
-      <a:lt2>
-        <a:srgbClr val="E7E6E6"/>
-      </a:lt2>
-      <a:accent1>
-        <a:srgbClr val="5B9BD5"/>
-      </a:accent1>
-      <a:accent2>
-        <a:srgbClr val="ED7D31"/>
-      </a:accent2>
-      <a:accent3>
-        <a:srgbClr val="A5A5A5"/>
-      </a:accent3>
-      <a:accent4>
-        <a:srgbClr val="FFC000"/>
-      </a:accent4>
-      <a:accent5>
-        <a:srgbClr val="4472C4"/>
-      </a:accent5>
-      <a:accent6>
-        <a:srgbClr val="70AD47"/>
-      </a:accent6>
-      <a:hlink>
-        <a:srgbClr val="0563C1"/>
-      </a:hlink>
-      <a:folHlink>
-        <a:srgbClr val="954F72"/>
-      </a:folHlink>
-    </a:clrScheme>
-    <a:fontScheme name="Стандартная">
-      <a:majorFont>
-        <a:latin typeface="Calibri Light" panose="020F0302020204030204"/>
-        <a:ea typeface=""/>
-        <a:cs typeface=""/>
-        <a:font script="Jpan" typeface="ＭＳ Ｐゴシック"/>
-        <a:font script="Hang" typeface="맑은 고딕"/>
-        <a:font script="Hans" typeface="宋体"/>
-        <a:font script="Hant" typeface="新細明體"/>
-        <a:font script="Arab" typeface="Times New Roman"/>
-        <a:font script="Hebr" typeface="Times New Roman"/>
-        <a:font script="Thai" typeface="Angsana New"/>
-        <a:font script="Ethi" typeface="Nyala"/>
-        <a:font script="Beng" typeface="Vrinda"/>
-        <a:font script="Gujr" typeface="Shruti"/>
-        <a:font script="Khmr" typeface="MoolBoran"/>
-        <a:font script="Knda" typeface="Tunga"/>
-        <a:font script="Guru" typeface="Raavi"/>
-        <a:font script="Cans" typeface="Euphemia"/>
-        <a:font script="Cher" typeface="Plantagenet Cherokee"/>
-        <a:font script="Yiii" typeface="Microsoft Yi Baiti"/>
-        <a:font script="Tibt" typeface="Microsoft Himalaya"/>
-        <a:font script="Thaa" typeface="MV Boli"/>
-        <a:font script="Deva" typeface="Mangal"/>
-        <a:font script="Telu" typeface="Gautami"/>
-        <a:font script="Taml" typeface="Latha"/>
-        <a:font script="Syrc" typeface="Estrangelo Edessa"/>
-        <a:font script="Orya" typeface="Kalinga"/>
-        <a:font script="Mlym" typeface="Kartika"/>
-        <a:font script="Laoo" typeface="DokChampa"/>
-        <a:font script="Sinh" typeface="Iskoola Pota"/>
-        <a:font script="Mong" typeface="Mongolian Baiti"/>
-        <a:font script="Viet" typeface="Times New Roman"/>
-        <a:font script="Uigh" typeface="Microsoft Uighur"/>
-        <a:font script="Geor" typeface="Sylfaen"/>
-      </a:majorFont>
-      <a:minorFont>
-        <a:latin typeface="Calibri" panose="020F0502020204030204"/>
-        <a:ea typeface=""/>
-        <a:cs typeface=""/>
-        <a:font script="Jpan" typeface="ＭＳ Ｐゴシック"/>
-        <a:font script="Hang" typeface="맑은 고딕"/>
-        <a:font script="Hans" typeface="宋体"/>
-        <a:font script="Hant" typeface="新細明體"/>
-        <a:font script="Arab" typeface="Arial"/>
-        <a:font script="Hebr" typeface="Arial"/>
-        <a:font script="Thai" typeface="Cordia New"/>
-        <a:font script="Ethi" typeface="Nyala"/>
-        <a:font script="Beng" typeface="Vrinda"/>
-        <a:font script="Gujr" typeface="Shruti"/>
-        <a:font script="Khmr" typeface="DaunPenh"/>
-        <a:font script="Knda" typeface="Tunga"/>
-        <a:font script="Guru" typeface="Raavi"/>
-        <a:font script="Cans" typeface="Euphemia"/>
-        <a:font script="Cher" typeface="Plantagenet Cherokee"/>
-        <a:font script="Yiii" typeface="Microsoft Yi Baiti"/>
-        <a:font script="Tibt" typeface="Microsoft Himalaya"/>
-        <a:font script="Thaa" typeface="MV Boli"/>
-        <a:font script="Deva" typeface="Mangal"/>
-        <a:font script="Telu" typeface="Gautami"/>
-        <a:font script="Taml" typeface="Latha"/>
-        <a:font script="Syrc" typeface="Estrangelo Edessa"/>
-        <a:font script="Orya" typeface="Kalinga"/>
-        <a:font script="Mlym" typeface="Kartika"/>
-        <a:font script="Laoo" typeface="DokChampa"/>
-        <a:font script="Sinh" typeface="Iskoola Pota"/>
-        <a:font script="Mong" typeface="Mongolian Baiti"/>
-        <a:font script="Viet" typeface="Arial"/>
-        <a:font script="Uigh" typeface="Microsoft Uighur"/>
-        <a:font script="Geor" typeface="Sylfaen"/>
-      </a:minorFont>
-    </a:fontScheme>
-    <a:fmtScheme name="Стандартная">
-      <a:fillStyleLst>
-        <a:solidFill>
-          <a:schemeClr val="phClr"/>
-        </a:solidFill>
-        <a:gradFill rotWithShape="1">
-          <a:gsLst>
-            <a:gs pos="0">
-              <a:schemeClr val="phClr">
-                <a:lumMod val="110000"/>
-                <a:satMod val="105000"/>
-                <a:tint val="67000"/>
-              </a:schemeClr>
-            </a:gs>
-            <a:gs pos="50000">
-              <a:schemeClr val="phClr">
-                <a:lumMod val="105000"/>
-                <a:satMod val="103000"/>
-                <a:tint val="73000"/>
-              </a:schemeClr>
-            </a:gs>
-            <a:gs pos="100000">
-              <a:schemeClr val="phClr">
-                <a:lumMod val="105000"/>
-                <a:satMod val="109000"/>
-                <a:tint val="81000"/>
-              </a:schemeClr>
-            </a:gs>
-          </a:gsLst>
-          <a:lin ang="5400000" scaled="0"/>
-        </a:gradFill>
-        <a:gradFill rotWithShape="1">
-          <a:gsLst>
-            <a:gs pos="0">
-              <a:schemeClr val="phClr">
-                <a:satMod val="103000"/>
-                <a:lumMod val="102000"/>
-                <a:tint val="94000"/>
-              </a:schemeClr>
-            </a:gs>
-            <a:gs pos="50000">
-              <a:schemeClr val="phClr">
-                <a:satMod val="110000"/>
-                <a:lumMod val="100000"/>
-                <a:shade val="100000"/>
-              </a:schemeClr>
-            </a:gs>
-            <a:gs pos="100000">
-              <a:schemeClr val="phClr">
-                <a:lumMod val="99000"/>
-                <a:satMod val="120000"/>
-                <a:shade val="78000"/>
-              </a:schemeClr>
-            </a:gs>
-          </a:gsLst>
-          <a:lin ang="5400000" scaled="0"/>
-        </a:gradFill>
-      </a:fillStyleLst>
-      <a:lnStyleLst>
-        <a:ln w="6350" cap="flat" cmpd="sng" algn="ctr">
-          <a:solidFill>
-            <a:schemeClr val="phClr"/>
-          </a:solidFill>
-          <a:prstDash val="solid"/>
-          <a:miter lim="800000"/>
-        </a:ln>
-        <a:ln w="12700" cap="flat" cmpd="sng" algn="ctr">
-          <a:solidFill>
-            <a:schemeClr val="phClr"/>
-          </a:solidFill>
-          <a:prstDash val="solid"/>
-          <a:miter lim="800000"/>
-        </a:ln>
-        <a:ln w="19050" cap="flat" cmpd="sng" algn="ctr">
-          <a:solidFill>
-            <a:schemeClr val="phClr"/>
-          </a:solidFill>
-          <a:prstDash val="solid"/>
-          <a:miter lim="800000"/>
-        </a:ln>
-      </a:lnStyleLst>
-      <a:effectStyleLst>
-        <a:effectStyle>
-          <a:effectLst/>
-        </a:effectStyle>
-        <a:effectStyle>
-          <a:effectLst/>
-        </a:effectStyle>
-        <a:effectStyle>
-          <a:effectLst>
-            <a:outerShdw blurRad="57150" dist="19050" dir="5400000" algn="ctr" rotWithShape="0">
-              <a:srgbClr val="000000">
-                <a:alpha val="63000"/>
-              </a:srgbClr>
-            </a:outerShdw>
-          </a:effectLst>
-        </a:effectStyle>
-      </a:effectStyleLst>
-      <a:bgFillStyleLst>
-        <a:solidFill>
-          <a:schemeClr val="phClr"/>
-        </a:solidFill>
-        <a:solidFill>
-          <a:schemeClr val="phClr">
-            <a:tint val="95000"/>
-            <a:satMod val="170000"/>
-          </a:schemeClr>
-        </a:solidFill>
-        <a:gradFill rotWithShape="1">
-          <a:gsLst>
-            <a:gs pos="0">
-              <a:schemeClr val="phClr">
-                <a:tint val="93000"/>
-                <a:satMod val="150000"/>
-                <a:shade val="98000"/>
-                <a:lumMod val="102000"/>
-              </a:schemeClr>
-            </a:gs>
-            <a:gs pos="50000">
-              <a:schemeClr val="phClr">
-                <a:tint val="98000"/>
-                <a:satMod val="130000"/>
-                <a:shade val="90000"/>
-                <a:lumMod val="103000"/>
-              </a:schemeClr>
-            </a:gs>
-            <a:gs pos="100000">
-              <a:schemeClr val="phClr">
-                <a:shade val="63000"/>
-                <a:satMod val="120000"/>
-              </a:schemeClr>
-            </a:gs>
-          </a:gsLst>
-          <a:lin ang="5400000" scaled="0"/>
-        </a:gradFill>
-      </a:bgFillStyleLst>
-    </a:fmtScheme>
-  </a:themeElements>
-  <a:objectDefaults/>
-  <a:extraClrSchemeLst/>
-  <a:extLst>
-    <a:ext uri="{05A4C25C-085E-4340-85A3-A5531E510DB2}">
-      <thm15:themeFamily xmlns:thm15="http://schemas.microsoft.com/office/thememl/2012/main" name="Office Theme" id="{62F939B6-93AF-4DB8-9C6B-D6C7DFDC589F}" vid="{4A3C46E8-61CC-4603-A589-7422A47A8E4A}"/>
-    </a:ext>
-  </a:extLst>
 </a:theme>
 </file>